--- a/pics/paintings.pptx
+++ b/pics/paintings.pptx
@@ -10,6 +10,8 @@
     <p:sldId id="260" r:id="rId4"/>
     <p:sldId id="258" r:id="rId5"/>
     <p:sldId id="259" r:id="rId6"/>
+    <p:sldId id="261" r:id="rId7"/>
+    <p:sldId id="262" r:id="rId8"/>
   </p:sldIdLst>
   <p:sldSz cx="12192000" cy="6858000"/>
   <p:notesSz cx="6858000" cy="9144000"/>
@@ -108,6 +110,11 @@
       </a:defRPr>
     </a:lvl9pPr>
   </p:defaultTextStyle>
+  <p:extLst>
+    <p:ext uri="{EFAFB233-063F-42B5-8137-9DF3F51BA10A}">
+      <p15:sldGuideLst xmlns:p15="http://schemas.microsoft.com/office/powerpoint/2012/main"/>
+    </p:ext>
+  </p:extLst>
 </p:presentation>
 </file>
 
@@ -258,7 +265,7 @@
           <a:p>
             <a:fld id="{01233CE7-9F99-43B8-8E0A-C2A344A065FA}" type="datetimeFigureOut">
               <a:rPr lang="zh-CN" altLang="en-US" smtClean="0"/>
-              <a:t>2024/2/16</a:t>
+              <a:t>2024/2/17</a:t>
             </a:fld>
             <a:endParaRPr lang="zh-CN" altLang="en-US"/>
           </a:p>
@@ -456,7 +463,7 @@
           <a:p>
             <a:fld id="{01233CE7-9F99-43B8-8E0A-C2A344A065FA}" type="datetimeFigureOut">
               <a:rPr lang="zh-CN" altLang="en-US" smtClean="0"/>
-              <a:t>2024/2/16</a:t>
+              <a:t>2024/2/17</a:t>
             </a:fld>
             <a:endParaRPr lang="zh-CN" altLang="en-US"/>
           </a:p>
@@ -664,7 +671,7 @@
           <a:p>
             <a:fld id="{01233CE7-9F99-43B8-8E0A-C2A344A065FA}" type="datetimeFigureOut">
               <a:rPr lang="zh-CN" altLang="en-US" smtClean="0"/>
-              <a:t>2024/2/16</a:t>
+              <a:t>2024/2/17</a:t>
             </a:fld>
             <a:endParaRPr lang="zh-CN" altLang="en-US"/>
           </a:p>
@@ -862,7 +869,7 @@
           <a:p>
             <a:fld id="{01233CE7-9F99-43B8-8E0A-C2A344A065FA}" type="datetimeFigureOut">
               <a:rPr lang="zh-CN" altLang="en-US" smtClean="0"/>
-              <a:t>2024/2/16</a:t>
+              <a:t>2024/2/17</a:t>
             </a:fld>
             <a:endParaRPr lang="zh-CN" altLang="en-US"/>
           </a:p>
@@ -1137,7 +1144,7 @@
           <a:p>
             <a:fld id="{01233CE7-9F99-43B8-8E0A-C2A344A065FA}" type="datetimeFigureOut">
               <a:rPr lang="zh-CN" altLang="en-US" smtClean="0"/>
-              <a:t>2024/2/16</a:t>
+              <a:t>2024/2/17</a:t>
             </a:fld>
             <a:endParaRPr lang="zh-CN" altLang="en-US"/>
           </a:p>
@@ -1402,7 +1409,7 @@
           <a:p>
             <a:fld id="{01233CE7-9F99-43B8-8E0A-C2A344A065FA}" type="datetimeFigureOut">
               <a:rPr lang="zh-CN" altLang="en-US" smtClean="0"/>
-              <a:t>2024/2/16</a:t>
+              <a:t>2024/2/17</a:t>
             </a:fld>
             <a:endParaRPr lang="zh-CN" altLang="en-US"/>
           </a:p>
@@ -1814,7 +1821,7 @@
           <a:p>
             <a:fld id="{01233CE7-9F99-43B8-8E0A-C2A344A065FA}" type="datetimeFigureOut">
               <a:rPr lang="zh-CN" altLang="en-US" smtClean="0"/>
-              <a:t>2024/2/16</a:t>
+              <a:t>2024/2/17</a:t>
             </a:fld>
             <a:endParaRPr lang="zh-CN" altLang="en-US"/>
           </a:p>
@@ -1955,7 +1962,7 @@
           <a:p>
             <a:fld id="{01233CE7-9F99-43B8-8E0A-C2A344A065FA}" type="datetimeFigureOut">
               <a:rPr lang="zh-CN" altLang="en-US" smtClean="0"/>
-              <a:t>2024/2/16</a:t>
+              <a:t>2024/2/17</a:t>
             </a:fld>
             <a:endParaRPr lang="zh-CN" altLang="en-US"/>
           </a:p>
@@ -2068,7 +2075,7 @@
           <a:p>
             <a:fld id="{01233CE7-9F99-43B8-8E0A-C2A344A065FA}" type="datetimeFigureOut">
               <a:rPr lang="zh-CN" altLang="en-US" smtClean="0"/>
-              <a:t>2024/2/16</a:t>
+              <a:t>2024/2/17</a:t>
             </a:fld>
             <a:endParaRPr lang="zh-CN" altLang="en-US"/>
           </a:p>
@@ -2379,7 +2386,7 @@
           <a:p>
             <a:fld id="{01233CE7-9F99-43B8-8E0A-C2A344A065FA}" type="datetimeFigureOut">
               <a:rPr lang="zh-CN" altLang="en-US" smtClean="0"/>
-              <a:t>2024/2/16</a:t>
+              <a:t>2024/2/17</a:t>
             </a:fld>
             <a:endParaRPr lang="zh-CN" altLang="en-US"/>
           </a:p>
@@ -2667,7 +2674,7 @@
           <a:p>
             <a:fld id="{01233CE7-9F99-43B8-8E0A-C2A344A065FA}" type="datetimeFigureOut">
               <a:rPr lang="zh-CN" altLang="en-US" smtClean="0"/>
-              <a:t>2024/2/16</a:t>
+              <a:t>2024/2/17</a:t>
             </a:fld>
             <a:endParaRPr lang="zh-CN" altLang="en-US"/>
           </a:p>
@@ -2908,7 +2915,7 @@
           <a:p>
             <a:fld id="{01233CE7-9F99-43B8-8E0A-C2A344A065FA}" type="datetimeFigureOut">
               <a:rPr lang="zh-CN" altLang="en-US" smtClean="0"/>
-              <a:t>2024/2/16</a:t>
+              <a:t>2024/2/17</a:t>
             </a:fld>
             <a:endParaRPr lang="zh-CN" altLang="en-US"/>
           </a:p>
@@ -4875,10 +4882,1268 @@
           </a:prstGeom>
         </p:spPr>
       </p:pic>
+      <p:sp>
+        <p:nvSpPr>
+          <p:cNvPr id="6" name="椭圆 5">
+            <a:extLst>
+              <a:ext uri="{FF2B5EF4-FFF2-40B4-BE49-F238E27FC236}">
+                <a16:creationId xmlns:a16="http://schemas.microsoft.com/office/drawing/2014/main" id="{069C437A-2B43-493E-9863-075119BED38A}"/>
+              </a:ext>
+            </a:extLst>
+          </p:cNvPr>
+          <p:cNvSpPr/>
+          <p:nvPr/>
+        </p:nvSpPr>
+        <p:spPr>
+          <a:xfrm>
+            <a:off x="618359" y="1894839"/>
+            <a:ext cx="3068320" cy="3068320"/>
+          </a:xfrm>
+          <a:prstGeom prst="ellipse">
+            <a:avLst/>
+          </a:prstGeom>
+          <a:solidFill>
+            <a:schemeClr val="bg1"/>
+          </a:solidFill>
+          <a:ln w="76200">
+            <a:solidFill>
+              <a:schemeClr val="tx1"/>
+            </a:solidFill>
+            <a:prstDash val="lgDash"/>
+          </a:ln>
+        </p:spPr>
+        <p:style>
+          <a:lnRef idx="2">
+            <a:schemeClr val="accent1">
+              <a:shade val="50000"/>
+            </a:schemeClr>
+          </a:lnRef>
+          <a:fillRef idx="1">
+            <a:schemeClr val="accent1"/>
+          </a:fillRef>
+          <a:effectRef idx="0">
+            <a:schemeClr val="accent1"/>
+          </a:effectRef>
+          <a:fontRef idx="minor">
+            <a:schemeClr val="lt1"/>
+          </a:fontRef>
+        </p:style>
+        <p:txBody>
+          <a:bodyPr rtlCol="0" anchor="ctr"/>
+          <a:lstStyle/>
+          <a:p>
+            <a:pPr algn="ctr"/>
+            <a:endParaRPr lang="zh-CN" altLang="en-US" dirty="0"/>
+          </a:p>
+        </p:txBody>
+      </p:sp>
+      <p:pic>
+        <p:nvPicPr>
+          <p:cNvPr id="7" name="图形 6" descr="足球 纯色填充">
+            <a:extLst>
+              <a:ext uri="{FF2B5EF4-FFF2-40B4-BE49-F238E27FC236}">
+                <a16:creationId xmlns:a16="http://schemas.microsoft.com/office/drawing/2014/main" id="{EE7235AE-DA86-4808-95E1-223AEB49FCE1}"/>
+              </a:ext>
+            </a:extLst>
+          </p:cNvPr>
+          <p:cNvPicPr>
+            <a:picLocks noChangeAspect="1"/>
+          </p:cNvPicPr>
+          <p:nvPr/>
+        </p:nvPicPr>
+        <p:blipFill>
+          <a:blip r:embed="rId4">
+            <a:extLst>
+              <a:ext uri="{28A0092B-C50C-407E-A947-70E740481C1C}">
+                <a14:useLocalDpi xmlns:a14="http://schemas.microsoft.com/office/drawing/2010/main" val="0"/>
+              </a:ext>
+              <a:ext uri="{96DAC541-7B7A-43D3-8B79-37D633B846F1}">
+                <asvg:svgBlip xmlns:asvg="http://schemas.microsoft.com/office/drawing/2016/SVG/main" r:embed="rId5"/>
+              </a:ext>
+            </a:extLst>
+          </a:blip>
+          <a:stretch>
+            <a:fillRect/>
+          </a:stretch>
+        </p:blipFill>
+        <p:spPr>
+          <a:xfrm>
+            <a:off x="557160" y="1833640"/>
+            <a:ext cx="3190717" cy="3190717"/>
+          </a:xfrm>
+          <a:prstGeom prst="rect">
+            <a:avLst/>
+          </a:prstGeom>
+        </p:spPr>
+      </p:pic>
     </p:spTree>
     <p:extLst>
       <p:ext uri="{BB962C8B-B14F-4D97-AF65-F5344CB8AC3E}">
         <p14:creationId xmlns:p14="http://schemas.microsoft.com/office/powerpoint/2010/main" val="1273415017"/>
+      </p:ext>
+    </p:extLst>
+  </p:cSld>
+  <p:clrMapOvr>
+    <a:masterClrMapping/>
+  </p:clrMapOvr>
+</p:sld>
+</file>
+
+<file path=ppt/slides/slide6.xml><?xml version="1.0" encoding="utf-8"?>
+<p:sld xmlns:a="http://schemas.openxmlformats.org/drawingml/2006/main" xmlns:r="http://schemas.openxmlformats.org/officeDocument/2006/relationships" xmlns:p="http://schemas.openxmlformats.org/presentationml/2006/main">
+  <p:cSld>
+    <p:spTree>
+      <p:nvGrpSpPr>
+        <p:cNvPr id="1" name=""/>
+        <p:cNvGrpSpPr/>
+        <p:nvPr/>
+      </p:nvGrpSpPr>
+      <p:grpSpPr>
+        <a:xfrm>
+          <a:off x="0" y="0"/>
+          <a:ext cx="0" cy="0"/>
+          <a:chOff x="0" y="0"/>
+          <a:chExt cx="0" cy="0"/>
+        </a:xfrm>
+      </p:grpSpPr>
+      <p:sp>
+        <p:nvSpPr>
+          <p:cNvPr id="2" name="椭圆 1">
+            <a:extLst>
+              <a:ext uri="{FF2B5EF4-FFF2-40B4-BE49-F238E27FC236}">
+                <a16:creationId xmlns:a16="http://schemas.microsoft.com/office/drawing/2014/main" id="{3C2488C9-4684-48EC-8D1C-6B717DC62ACB}"/>
+              </a:ext>
+            </a:extLst>
+          </p:cNvPr>
+          <p:cNvSpPr/>
+          <p:nvPr/>
+        </p:nvSpPr>
+        <p:spPr>
+          <a:xfrm>
+            <a:off x="1035620" y="1970088"/>
+            <a:ext cx="3068320" cy="3068320"/>
+          </a:xfrm>
+          <a:prstGeom prst="ellipse">
+            <a:avLst/>
+          </a:prstGeom>
+          <a:solidFill>
+            <a:schemeClr val="bg1">
+              <a:lumMod val="95000"/>
+            </a:schemeClr>
+          </a:solidFill>
+          <a:ln w="76200">
+            <a:solidFill>
+              <a:srgbClr val="FF0000"/>
+            </a:solidFill>
+            <a:prstDash val="lgDash"/>
+          </a:ln>
+        </p:spPr>
+        <p:style>
+          <a:lnRef idx="2">
+            <a:schemeClr val="accent1">
+              <a:shade val="50000"/>
+            </a:schemeClr>
+          </a:lnRef>
+          <a:fillRef idx="1">
+            <a:schemeClr val="accent1"/>
+          </a:fillRef>
+          <a:effectRef idx="0">
+            <a:schemeClr val="accent1"/>
+          </a:effectRef>
+          <a:fontRef idx="minor">
+            <a:schemeClr val="lt1"/>
+          </a:fontRef>
+        </p:style>
+        <p:txBody>
+          <a:bodyPr rtlCol="0" anchor="ctr"/>
+          <a:lstStyle/>
+          <a:p>
+            <a:pPr algn="ctr"/>
+            <a:endParaRPr lang="zh-CN" altLang="en-US" dirty="0"/>
+          </a:p>
+        </p:txBody>
+      </p:sp>
+      <p:sp>
+        <p:nvSpPr>
+          <p:cNvPr id="3" name="星形: 六角 2">
+            <a:extLst>
+              <a:ext uri="{FF2B5EF4-FFF2-40B4-BE49-F238E27FC236}">
+                <a16:creationId xmlns:a16="http://schemas.microsoft.com/office/drawing/2014/main" id="{8F03576F-8D59-433B-AD0B-2DAB67B070AA}"/>
+              </a:ext>
+            </a:extLst>
+          </p:cNvPr>
+          <p:cNvSpPr/>
+          <p:nvPr/>
+        </p:nvSpPr>
+        <p:spPr>
+          <a:xfrm>
+            <a:off x="1248027" y="2045335"/>
+            <a:ext cx="2643505" cy="2917825"/>
+          </a:xfrm>
+          <a:prstGeom prst="star6">
+            <a:avLst/>
+          </a:prstGeom>
+          <a:solidFill>
+            <a:schemeClr val="accent2">
+              <a:lumMod val="40000"/>
+              <a:lumOff val="60000"/>
+            </a:schemeClr>
+          </a:solidFill>
+          <a:ln w="76200">
+            <a:solidFill>
+              <a:schemeClr val="accent2">
+                <a:lumMod val="60000"/>
+                <a:lumOff val="40000"/>
+              </a:schemeClr>
+            </a:solidFill>
+          </a:ln>
+        </p:spPr>
+        <p:style>
+          <a:lnRef idx="2">
+            <a:schemeClr val="accent1">
+              <a:shade val="50000"/>
+            </a:schemeClr>
+          </a:lnRef>
+          <a:fillRef idx="1">
+            <a:schemeClr val="accent1"/>
+          </a:fillRef>
+          <a:effectRef idx="0">
+            <a:schemeClr val="accent1"/>
+          </a:effectRef>
+          <a:fontRef idx="minor">
+            <a:schemeClr val="lt1"/>
+          </a:fontRef>
+        </p:style>
+        <p:txBody>
+          <a:bodyPr rtlCol="0" anchor="ctr"/>
+          <a:lstStyle/>
+          <a:p>
+            <a:pPr algn="ctr"/>
+            <a:endParaRPr lang="zh-CN" altLang="en-US"/>
+          </a:p>
+        </p:txBody>
+      </p:sp>
+      <p:sp>
+        <p:nvSpPr>
+          <p:cNvPr id="4" name="椭圆 3">
+            <a:extLst>
+              <a:ext uri="{FF2B5EF4-FFF2-40B4-BE49-F238E27FC236}">
+                <a16:creationId xmlns:a16="http://schemas.microsoft.com/office/drawing/2014/main" id="{AD429318-4689-43CC-A7CB-773E2DC902F1}"/>
+              </a:ext>
+            </a:extLst>
+          </p:cNvPr>
+          <p:cNvSpPr/>
+          <p:nvPr/>
+        </p:nvSpPr>
+        <p:spPr>
+          <a:xfrm>
+            <a:off x="1492820" y="2427288"/>
+            <a:ext cx="2153920" cy="2153920"/>
+          </a:xfrm>
+          <a:prstGeom prst="ellipse">
+            <a:avLst/>
+          </a:prstGeom>
+          <a:solidFill>
+            <a:srgbClr val="FF0000"/>
+          </a:solidFill>
+          <a:ln>
+            <a:solidFill>
+              <a:schemeClr val="accent2">
+                <a:lumMod val="60000"/>
+                <a:lumOff val="40000"/>
+              </a:schemeClr>
+            </a:solidFill>
+          </a:ln>
+        </p:spPr>
+        <p:style>
+          <a:lnRef idx="2">
+            <a:schemeClr val="accent1">
+              <a:shade val="50000"/>
+            </a:schemeClr>
+          </a:lnRef>
+          <a:fillRef idx="1">
+            <a:schemeClr val="accent1"/>
+          </a:fillRef>
+          <a:effectRef idx="0">
+            <a:schemeClr val="accent1"/>
+          </a:effectRef>
+          <a:fontRef idx="minor">
+            <a:schemeClr val="lt1"/>
+          </a:fontRef>
+        </p:style>
+        <p:txBody>
+          <a:bodyPr rtlCol="0" anchor="ctr"/>
+          <a:lstStyle/>
+          <a:p>
+            <a:pPr algn="ctr"/>
+            <a:r>
+              <a:rPr lang="en-US" altLang="zh-CN" sz="8800" b="1" dirty="0">
+                <a:latin typeface="Aharoni" panose="02010803020104030203" pitchFamily="2" charset="-79"/>
+                <a:cs typeface="Aharoni" panose="02010803020104030203" pitchFamily="2" charset="-79"/>
+              </a:rPr>
+              <a:t>01</a:t>
+            </a:r>
+            <a:endParaRPr lang="zh-CN" altLang="en-US" sz="8800" b="1" dirty="0">
+              <a:latin typeface="Aharoni" panose="02010803020104030203" pitchFamily="2" charset="-79"/>
+              <a:cs typeface="Aharoni" panose="02010803020104030203" pitchFamily="2" charset="-79"/>
+            </a:endParaRPr>
+          </a:p>
+        </p:txBody>
+      </p:sp>
+      <p:sp>
+        <p:nvSpPr>
+          <p:cNvPr id="6" name="椭圆 5">
+            <a:extLst>
+              <a:ext uri="{FF2B5EF4-FFF2-40B4-BE49-F238E27FC236}">
+                <a16:creationId xmlns:a16="http://schemas.microsoft.com/office/drawing/2014/main" id="{D580A93E-E4B8-4209-B4EF-82A90DD1D5E0}"/>
+              </a:ext>
+            </a:extLst>
+          </p:cNvPr>
+          <p:cNvSpPr/>
+          <p:nvPr/>
+        </p:nvSpPr>
+        <p:spPr>
+          <a:xfrm>
+            <a:off x="4561840" y="1894840"/>
+            <a:ext cx="3068320" cy="3068320"/>
+          </a:xfrm>
+          <a:prstGeom prst="ellipse">
+            <a:avLst/>
+          </a:prstGeom>
+          <a:solidFill>
+            <a:schemeClr val="bg1">
+              <a:lumMod val="95000"/>
+            </a:schemeClr>
+          </a:solidFill>
+          <a:ln w="76200">
+            <a:solidFill>
+              <a:srgbClr val="FF0000"/>
+            </a:solidFill>
+            <a:prstDash val="lgDash"/>
+          </a:ln>
+        </p:spPr>
+        <p:style>
+          <a:lnRef idx="2">
+            <a:schemeClr val="accent1">
+              <a:shade val="50000"/>
+            </a:schemeClr>
+          </a:lnRef>
+          <a:fillRef idx="1">
+            <a:schemeClr val="accent1"/>
+          </a:fillRef>
+          <a:effectRef idx="0">
+            <a:schemeClr val="accent1"/>
+          </a:effectRef>
+          <a:fontRef idx="minor">
+            <a:schemeClr val="lt1"/>
+          </a:fontRef>
+        </p:style>
+        <p:txBody>
+          <a:bodyPr rtlCol="0" anchor="ctr"/>
+          <a:lstStyle/>
+          <a:p>
+            <a:pPr algn="ctr"/>
+            <a:endParaRPr lang="zh-CN" altLang="en-US" dirty="0"/>
+          </a:p>
+        </p:txBody>
+      </p:sp>
+      <p:sp>
+        <p:nvSpPr>
+          <p:cNvPr id="7" name="星形: 六角 6">
+            <a:extLst>
+              <a:ext uri="{FF2B5EF4-FFF2-40B4-BE49-F238E27FC236}">
+                <a16:creationId xmlns:a16="http://schemas.microsoft.com/office/drawing/2014/main" id="{2655ACD1-6B2A-4FA6-8C98-020F0E245BD2}"/>
+              </a:ext>
+            </a:extLst>
+          </p:cNvPr>
+          <p:cNvSpPr/>
+          <p:nvPr/>
+        </p:nvSpPr>
+        <p:spPr>
+          <a:xfrm>
+            <a:off x="4774247" y="1970087"/>
+            <a:ext cx="2643505" cy="2917825"/>
+          </a:xfrm>
+          <a:prstGeom prst="star6">
+            <a:avLst/>
+          </a:prstGeom>
+          <a:solidFill>
+            <a:schemeClr val="accent2">
+              <a:lumMod val="40000"/>
+              <a:lumOff val="60000"/>
+            </a:schemeClr>
+          </a:solidFill>
+          <a:ln w="76200">
+            <a:solidFill>
+              <a:schemeClr val="accent2">
+                <a:lumMod val="60000"/>
+                <a:lumOff val="40000"/>
+              </a:schemeClr>
+            </a:solidFill>
+          </a:ln>
+        </p:spPr>
+        <p:style>
+          <a:lnRef idx="2">
+            <a:schemeClr val="accent1">
+              <a:shade val="50000"/>
+            </a:schemeClr>
+          </a:lnRef>
+          <a:fillRef idx="1">
+            <a:schemeClr val="accent1"/>
+          </a:fillRef>
+          <a:effectRef idx="0">
+            <a:schemeClr val="accent1"/>
+          </a:effectRef>
+          <a:fontRef idx="minor">
+            <a:schemeClr val="lt1"/>
+          </a:fontRef>
+        </p:style>
+        <p:txBody>
+          <a:bodyPr rtlCol="0" anchor="ctr"/>
+          <a:lstStyle/>
+          <a:p>
+            <a:pPr algn="ctr"/>
+            <a:endParaRPr lang="zh-CN" altLang="en-US"/>
+          </a:p>
+        </p:txBody>
+      </p:sp>
+      <p:sp>
+        <p:nvSpPr>
+          <p:cNvPr id="8" name="椭圆 7">
+            <a:extLst>
+              <a:ext uri="{FF2B5EF4-FFF2-40B4-BE49-F238E27FC236}">
+                <a16:creationId xmlns:a16="http://schemas.microsoft.com/office/drawing/2014/main" id="{73D5814D-AAE6-4791-B6FC-7BA530AA91E9}"/>
+              </a:ext>
+            </a:extLst>
+          </p:cNvPr>
+          <p:cNvSpPr/>
+          <p:nvPr/>
+        </p:nvSpPr>
+        <p:spPr>
+          <a:xfrm>
+            <a:off x="5019040" y="2352040"/>
+            <a:ext cx="2153920" cy="2153920"/>
+          </a:xfrm>
+          <a:prstGeom prst="ellipse">
+            <a:avLst/>
+          </a:prstGeom>
+          <a:solidFill>
+            <a:srgbClr val="FF0000"/>
+          </a:solidFill>
+          <a:ln>
+            <a:solidFill>
+              <a:schemeClr val="accent2">
+                <a:lumMod val="60000"/>
+                <a:lumOff val="40000"/>
+              </a:schemeClr>
+            </a:solidFill>
+          </a:ln>
+        </p:spPr>
+        <p:style>
+          <a:lnRef idx="2">
+            <a:schemeClr val="accent1">
+              <a:shade val="50000"/>
+            </a:schemeClr>
+          </a:lnRef>
+          <a:fillRef idx="1">
+            <a:schemeClr val="accent1"/>
+          </a:fillRef>
+          <a:effectRef idx="0">
+            <a:schemeClr val="accent1"/>
+          </a:effectRef>
+          <a:fontRef idx="minor">
+            <a:schemeClr val="lt1"/>
+          </a:fontRef>
+        </p:style>
+        <p:txBody>
+          <a:bodyPr rtlCol="0" anchor="ctr"/>
+          <a:lstStyle/>
+          <a:p>
+            <a:pPr algn="ctr"/>
+            <a:r>
+              <a:rPr lang="en-US" altLang="zh-CN" sz="8800" b="1" dirty="0">
+                <a:latin typeface="Aharoni" panose="02010803020104030203" pitchFamily="2" charset="-79"/>
+                <a:cs typeface="Aharoni" panose="02010803020104030203" pitchFamily="2" charset="-79"/>
+              </a:rPr>
+              <a:t>02</a:t>
+            </a:r>
+            <a:endParaRPr lang="zh-CN" altLang="en-US" sz="8800" b="1" dirty="0">
+              <a:latin typeface="Aharoni" panose="02010803020104030203" pitchFamily="2" charset="-79"/>
+              <a:cs typeface="Aharoni" panose="02010803020104030203" pitchFamily="2" charset="-79"/>
+            </a:endParaRPr>
+          </a:p>
+        </p:txBody>
+      </p:sp>
+      <p:sp>
+        <p:nvSpPr>
+          <p:cNvPr id="9" name="椭圆 8">
+            <a:extLst>
+              <a:ext uri="{FF2B5EF4-FFF2-40B4-BE49-F238E27FC236}">
+                <a16:creationId xmlns:a16="http://schemas.microsoft.com/office/drawing/2014/main" id="{49E975C6-ADB6-44BB-B15B-38077811E371}"/>
+              </a:ext>
+            </a:extLst>
+          </p:cNvPr>
+          <p:cNvSpPr/>
+          <p:nvPr/>
+        </p:nvSpPr>
+        <p:spPr>
+          <a:xfrm>
+            <a:off x="8332853" y="1894840"/>
+            <a:ext cx="3068320" cy="3068320"/>
+          </a:xfrm>
+          <a:prstGeom prst="ellipse">
+            <a:avLst/>
+          </a:prstGeom>
+          <a:solidFill>
+            <a:schemeClr val="bg1">
+              <a:lumMod val="95000"/>
+            </a:schemeClr>
+          </a:solidFill>
+          <a:ln w="76200">
+            <a:solidFill>
+              <a:srgbClr val="FF0000"/>
+            </a:solidFill>
+            <a:prstDash val="lgDash"/>
+          </a:ln>
+        </p:spPr>
+        <p:style>
+          <a:lnRef idx="2">
+            <a:schemeClr val="accent1">
+              <a:shade val="50000"/>
+            </a:schemeClr>
+          </a:lnRef>
+          <a:fillRef idx="1">
+            <a:schemeClr val="accent1"/>
+          </a:fillRef>
+          <a:effectRef idx="0">
+            <a:schemeClr val="accent1"/>
+          </a:effectRef>
+          <a:fontRef idx="minor">
+            <a:schemeClr val="lt1"/>
+          </a:fontRef>
+        </p:style>
+        <p:txBody>
+          <a:bodyPr rtlCol="0" anchor="ctr"/>
+          <a:lstStyle/>
+          <a:p>
+            <a:pPr algn="ctr"/>
+            <a:endParaRPr lang="zh-CN" altLang="en-US" dirty="0"/>
+          </a:p>
+        </p:txBody>
+      </p:sp>
+      <p:sp>
+        <p:nvSpPr>
+          <p:cNvPr id="10" name="星形: 六角 9">
+            <a:extLst>
+              <a:ext uri="{FF2B5EF4-FFF2-40B4-BE49-F238E27FC236}">
+                <a16:creationId xmlns:a16="http://schemas.microsoft.com/office/drawing/2014/main" id="{E2AB1A15-4B78-45BB-ABBB-DD8D8279457E}"/>
+              </a:ext>
+            </a:extLst>
+          </p:cNvPr>
+          <p:cNvSpPr/>
+          <p:nvPr/>
+        </p:nvSpPr>
+        <p:spPr>
+          <a:xfrm>
+            <a:off x="8545260" y="1970087"/>
+            <a:ext cx="2643505" cy="2917825"/>
+          </a:xfrm>
+          <a:prstGeom prst="star6">
+            <a:avLst/>
+          </a:prstGeom>
+          <a:solidFill>
+            <a:schemeClr val="accent2">
+              <a:lumMod val="40000"/>
+              <a:lumOff val="60000"/>
+            </a:schemeClr>
+          </a:solidFill>
+          <a:ln w="76200">
+            <a:solidFill>
+              <a:schemeClr val="accent2">
+                <a:lumMod val="60000"/>
+                <a:lumOff val="40000"/>
+              </a:schemeClr>
+            </a:solidFill>
+          </a:ln>
+        </p:spPr>
+        <p:style>
+          <a:lnRef idx="2">
+            <a:schemeClr val="accent1">
+              <a:shade val="50000"/>
+            </a:schemeClr>
+          </a:lnRef>
+          <a:fillRef idx="1">
+            <a:schemeClr val="accent1"/>
+          </a:fillRef>
+          <a:effectRef idx="0">
+            <a:schemeClr val="accent1"/>
+          </a:effectRef>
+          <a:fontRef idx="minor">
+            <a:schemeClr val="lt1"/>
+          </a:fontRef>
+        </p:style>
+        <p:txBody>
+          <a:bodyPr rtlCol="0" anchor="ctr"/>
+          <a:lstStyle/>
+          <a:p>
+            <a:pPr algn="ctr"/>
+            <a:endParaRPr lang="zh-CN" altLang="en-US"/>
+          </a:p>
+        </p:txBody>
+      </p:sp>
+      <p:sp>
+        <p:nvSpPr>
+          <p:cNvPr id="11" name="椭圆 10">
+            <a:extLst>
+              <a:ext uri="{FF2B5EF4-FFF2-40B4-BE49-F238E27FC236}">
+                <a16:creationId xmlns:a16="http://schemas.microsoft.com/office/drawing/2014/main" id="{6DD979E4-5A68-4724-A2DE-5D98476B9FFB}"/>
+              </a:ext>
+            </a:extLst>
+          </p:cNvPr>
+          <p:cNvSpPr/>
+          <p:nvPr/>
+        </p:nvSpPr>
+        <p:spPr>
+          <a:xfrm>
+            <a:off x="8790053" y="2352040"/>
+            <a:ext cx="2153920" cy="2153920"/>
+          </a:xfrm>
+          <a:prstGeom prst="ellipse">
+            <a:avLst/>
+          </a:prstGeom>
+          <a:solidFill>
+            <a:srgbClr val="FF0000"/>
+          </a:solidFill>
+          <a:ln>
+            <a:solidFill>
+              <a:schemeClr val="accent2">
+                <a:lumMod val="60000"/>
+                <a:lumOff val="40000"/>
+              </a:schemeClr>
+            </a:solidFill>
+          </a:ln>
+        </p:spPr>
+        <p:style>
+          <a:lnRef idx="2">
+            <a:schemeClr val="accent1">
+              <a:shade val="50000"/>
+            </a:schemeClr>
+          </a:lnRef>
+          <a:fillRef idx="1">
+            <a:schemeClr val="accent1"/>
+          </a:fillRef>
+          <a:effectRef idx="0">
+            <a:schemeClr val="accent1"/>
+          </a:effectRef>
+          <a:fontRef idx="minor">
+            <a:schemeClr val="lt1"/>
+          </a:fontRef>
+        </p:style>
+        <p:txBody>
+          <a:bodyPr rtlCol="0" anchor="ctr"/>
+          <a:lstStyle/>
+          <a:p>
+            <a:pPr algn="ctr"/>
+            <a:r>
+              <a:rPr lang="en-US" altLang="zh-CN" sz="8800" b="1" dirty="0">
+                <a:latin typeface="Aharoni" panose="02010803020104030203" pitchFamily="2" charset="-79"/>
+                <a:cs typeface="Aharoni" panose="02010803020104030203" pitchFamily="2" charset="-79"/>
+              </a:rPr>
+              <a:t>03</a:t>
+            </a:r>
+            <a:endParaRPr lang="zh-CN" altLang="en-US" sz="8800" b="1" dirty="0">
+              <a:latin typeface="Aharoni" panose="02010803020104030203" pitchFamily="2" charset="-79"/>
+              <a:cs typeface="Aharoni" panose="02010803020104030203" pitchFamily="2" charset="-79"/>
+            </a:endParaRPr>
+          </a:p>
+        </p:txBody>
+      </p:sp>
+    </p:spTree>
+    <p:extLst>
+      <p:ext uri="{BB962C8B-B14F-4D97-AF65-F5344CB8AC3E}">
+        <p14:creationId xmlns:p14="http://schemas.microsoft.com/office/powerpoint/2010/main" val="16986644"/>
+      </p:ext>
+    </p:extLst>
+  </p:cSld>
+  <p:clrMapOvr>
+    <a:masterClrMapping/>
+  </p:clrMapOvr>
+</p:sld>
+</file>
+
+<file path=ppt/slides/slide7.xml><?xml version="1.0" encoding="utf-8"?>
+<p:sld xmlns:a="http://schemas.openxmlformats.org/drawingml/2006/main" xmlns:r="http://schemas.openxmlformats.org/officeDocument/2006/relationships" xmlns:p="http://schemas.openxmlformats.org/presentationml/2006/main">
+  <p:cSld>
+    <p:spTree>
+      <p:nvGrpSpPr>
+        <p:cNvPr id="1" name=""/>
+        <p:cNvGrpSpPr/>
+        <p:nvPr/>
+      </p:nvGrpSpPr>
+      <p:grpSpPr>
+        <a:xfrm>
+          <a:off x="0" y="0"/>
+          <a:ext cx="0" cy="0"/>
+          <a:chOff x="0" y="0"/>
+          <a:chExt cx="0" cy="0"/>
+        </a:xfrm>
+      </p:grpSpPr>
+      <p:sp>
+        <p:nvSpPr>
+          <p:cNvPr id="2" name="椭圆 1">
+            <a:extLst>
+              <a:ext uri="{FF2B5EF4-FFF2-40B4-BE49-F238E27FC236}">
+                <a16:creationId xmlns:a16="http://schemas.microsoft.com/office/drawing/2014/main" id="{3C2488C9-4684-48EC-8D1C-6B717DC62ACB}"/>
+              </a:ext>
+            </a:extLst>
+          </p:cNvPr>
+          <p:cNvSpPr/>
+          <p:nvPr/>
+        </p:nvSpPr>
+        <p:spPr>
+          <a:xfrm>
+            <a:off x="1035620" y="1970088"/>
+            <a:ext cx="3068320" cy="3068320"/>
+          </a:xfrm>
+          <a:prstGeom prst="ellipse">
+            <a:avLst/>
+          </a:prstGeom>
+          <a:solidFill>
+            <a:schemeClr val="bg1">
+              <a:lumMod val="95000"/>
+            </a:schemeClr>
+          </a:solidFill>
+          <a:ln w="76200">
+            <a:solidFill>
+              <a:schemeClr val="tx2"/>
+            </a:solidFill>
+            <a:prstDash val="lgDash"/>
+          </a:ln>
+        </p:spPr>
+        <p:style>
+          <a:lnRef idx="2">
+            <a:schemeClr val="accent1">
+              <a:shade val="50000"/>
+            </a:schemeClr>
+          </a:lnRef>
+          <a:fillRef idx="1">
+            <a:schemeClr val="accent1"/>
+          </a:fillRef>
+          <a:effectRef idx="0">
+            <a:schemeClr val="accent1"/>
+          </a:effectRef>
+          <a:fontRef idx="minor">
+            <a:schemeClr val="lt1"/>
+          </a:fontRef>
+        </p:style>
+        <p:txBody>
+          <a:bodyPr rtlCol="0" anchor="ctr"/>
+          <a:lstStyle/>
+          <a:p>
+            <a:pPr algn="ctr"/>
+            <a:endParaRPr lang="zh-CN" altLang="en-US" dirty="0"/>
+          </a:p>
+        </p:txBody>
+      </p:sp>
+      <p:sp>
+        <p:nvSpPr>
+          <p:cNvPr id="3" name="星形: 六角 2">
+            <a:extLst>
+              <a:ext uri="{FF2B5EF4-FFF2-40B4-BE49-F238E27FC236}">
+                <a16:creationId xmlns:a16="http://schemas.microsoft.com/office/drawing/2014/main" id="{8F03576F-8D59-433B-AD0B-2DAB67B070AA}"/>
+              </a:ext>
+            </a:extLst>
+          </p:cNvPr>
+          <p:cNvSpPr/>
+          <p:nvPr/>
+        </p:nvSpPr>
+        <p:spPr>
+          <a:xfrm>
+            <a:off x="1248027" y="2045335"/>
+            <a:ext cx="2643505" cy="2917825"/>
+          </a:xfrm>
+          <a:prstGeom prst="star6">
+            <a:avLst/>
+          </a:prstGeom>
+          <a:solidFill>
+            <a:schemeClr val="accent1">
+              <a:lumMod val="20000"/>
+              <a:lumOff val="80000"/>
+            </a:schemeClr>
+          </a:solidFill>
+          <a:ln w="76200">
+            <a:solidFill>
+              <a:schemeClr val="tx2">
+                <a:lumMod val="60000"/>
+                <a:lumOff val="40000"/>
+              </a:schemeClr>
+            </a:solidFill>
+          </a:ln>
+        </p:spPr>
+        <p:style>
+          <a:lnRef idx="2">
+            <a:schemeClr val="accent1">
+              <a:shade val="50000"/>
+            </a:schemeClr>
+          </a:lnRef>
+          <a:fillRef idx="1">
+            <a:schemeClr val="accent1"/>
+          </a:fillRef>
+          <a:effectRef idx="0">
+            <a:schemeClr val="accent1"/>
+          </a:effectRef>
+          <a:fontRef idx="minor">
+            <a:schemeClr val="lt1"/>
+          </a:fontRef>
+        </p:style>
+        <p:txBody>
+          <a:bodyPr rtlCol="0" anchor="ctr"/>
+          <a:lstStyle/>
+          <a:p>
+            <a:pPr algn="ctr"/>
+            <a:endParaRPr lang="zh-CN" altLang="en-US"/>
+          </a:p>
+        </p:txBody>
+      </p:sp>
+      <p:sp>
+        <p:nvSpPr>
+          <p:cNvPr id="4" name="椭圆 3">
+            <a:extLst>
+              <a:ext uri="{FF2B5EF4-FFF2-40B4-BE49-F238E27FC236}">
+                <a16:creationId xmlns:a16="http://schemas.microsoft.com/office/drawing/2014/main" id="{AD429318-4689-43CC-A7CB-773E2DC902F1}"/>
+              </a:ext>
+            </a:extLst>
+          </p:cNvPr>
+          <p:cNvSpPr/>
+          <p:nvPr/>
+        </p:nvSpPr>
+        <p:spPr>
+          <a:xfrm>
+            <a:off x="1492820" y="2427288"/>
+            <a:ext cx="2153920" cy="2153920"/>
+          </a:xfrm>
+          <a:prstGeom prst="ellipse">
+            <a:avLst/>
+          </a:prstGeom>
+          <a:solidFill>
+            <a:schemeClr val="tx2"/>
+          </a:solidFill>
+          <a:ln>
+            <a:solidFill>
+              <a:schemeClr val="accent1">
+                <a:lumMod val="60000"/>
+                <a:lumOff val="40000"/>
+              </a:schemeClr>
+            </a:solidFill>
+          </a:ln>
+        </p:spPr>
+        <p:style>
+          <a:lnRef idx="2">
+            <a:schemeClr val="accent1">
+              <a:shade val="50000"/>
+            </a:schemeClr>
+          </a:lnRef>
+          <a:fillRef idx="1">
+            <a:schemeClr val="accent1"/>
+          </a:fillRef>
+          <a:effectRef idx="0">
+            <a:schemeClr val="accent1"/>
+          </a:effectRef>
+          <a:fontRef idx="minor">
+            <a:schemeClr val="lt1"/>
+          </a:fontRef>
+        </p:style>
+        <p:txBody>
+          <a:bodyPr rtlCol="0" anchor="ctr"/>
+          <a:lstStyle/>
+          <a:p>
+            <a:pPr algn="ctr"/>
+            <a:r>
+              <a:rPr lang="en-US" altLang="zh-CN" sz="8800" b="1" dirty="0">
+                <a:latin typeface="Aharoni" panose="02010803020104030203" pitchFamily="2" charset="-79"/>
+                <a:cs typeface="Aharoni" panose="02010803020104030203" pitchFamily="2" charset="-79"/>
+              </a:rPr>
+              <a:t>01</a:t>
+            </a:r>
+            <a:endParaRPr lang="zh-CN" altLang="en-US" sz="8800" b="1" dirty="0">
+              <a:latin typeface="Aharoni" panose="02010803020104030203" pitchFamily="2" charset="-79"/>
+              <a:cs typeface="Aharoni" panose="02010803020104030203" pitchFamily="2" charset="-79"/>
+            </a:endParaRPr>
+          </a:p>
+        </p:txBody>
+      </p:sp>
+      <p:sp>
+        <p:nvSpPr>
+          <p:cNvPr id="12" name="椭圆 11">
+            <a:extLst>
+              <a:ext uri="{FF2B5EF4-FFF2-40B4-BE49-F238E27FC236}">
+                <a16:creationId xmlns:a16="http://schemas.microsoft.com/office/drawing/2014/main" id="{AAE569E0-31D0-4381-A59A-C2AFF3D06631}"/>
+              </a:ext>
+            </a:extLst>
+          </p:cNvPr>
+          <p:cNvSpPr/>
+          <p:nvPr/>
+        </p:nvSpPr>
+        <p:spPr>
+          <a:xfrm>
+            <a:off x="4561840" y="2045335"/>
+            <a:ext cx="3068320" cy="3068320"/>
+          </a:xfrm>
+          <a:prstGeom prst="ellipse">
+            <a:avLst/>
+          </a:prstGeom>
+          <a:solidFill>
+            <a:schemeClr val="bg1">
+              <a:lumMod val="95000"/>
+            </a:schemeClr>
+          </a:solidFill>
+          <a:ln w="76200">
+            <a:solidFill>
+              <a:schemeClr val="tx2"/>
+            </a:solidFill>
+            <a:prstDash val="lgDash"/>
+          </a:ln>
+        </p:spPr>
+        <p:style>
+          <a:lnRef idx="2">
+            <a:schemeClr val="accent1">
+              <a:shade val="50000"/>
+            </a:schemeClr>
+          </a:lnRef>
+          <a:fillRef idx="1">
+            <a:schemeClr val="accent1"/>
+          </a:fillRef>
+          <a:effectRef idx="0">
+            <a:schemeClr val="accent1"/>
+          </a:effectRef>
+          <a:fontRef idx="minor">
+            <a:schemeClr val="lt1"/>
+          </a:fontRef>
+        </p:style>
+        <p:txBody>
+          <a:bodyPr rtlCol="0" anchor="ctr"/>
+          <a:lstStyle/>
+          <a:p>
+            <a:pPr algn="ctr"/>
+            <a:endParaRPr lang="zh-CN" altLang="en-US" dirty="0"/>
+          </a:p>
+        </p:txBody>
+      </p:sp>
+      <p:sp>
+        <p:nvSpPr>
+          <p:cNvPr id="13" name="星形: 六角 12">
+            <a:extLst>
+              <a:ext uri="{FF2B5EF4-FFF2-40B4-BE49-F238E27FC236}">
+                <a16:creationId xmlns:a16="http://schemas.microsoft.com/office/drawing/2014/main" id="{80221F33-C456-4EF7-8EA4-537178E6378A}"/>
+              </a:ext>
+            </a:extLst>
+          </p:cNvPr>
+          <p:cNvSpPr/>
+          <p:nvPr/>
+        </p:nvSpPr>
+        <p:spPr>
+          <a:xfrm>
+            <a:off x="4774247" y="2120582"/>
+            <a:ext cx="2643505" cy="2917825"/>
+          </a:xfrm>
+          <a:prstGeom prst="star6">
+            <a:avLst/>
+          </a:prstGeom>
+          <a:solidFill>
+            <a:schemeClr val="accent1">
+              <a:lumMod val="20000"/>
+              <a:lumOff val="80000"/>
+            </a:schemeClr>
+          </a:solidFill>
+          <a:ln w="76200">
+            <a:solidFill>
+              <a:schemeClr val="tx2">
+                <a:lumMod val="60000"/>
+                <a:lumOff val="40000"/>
+              </a:schemeClr>
+            </a:solidFill>
+          </a:ln>
+        </p:spPr>
+        <p:style>
+          <a:lnRef idx="2">
+            <a:schemeClr val="accent1">
+              <a:shade val="50000"/>
+            </a:schemeClr>
+          </a:lnRef>
+          <a:fillRef idx="1">
+            <a:schemeClr val="accent1"/>
+          </a:fillRef>
+          <a:effectRef idx="0">
+            <a:schemeClr val="accent1"/>
+          </a:effectRef>
+          <a:fontRef idx="minor">
+            <a:schemeClr val="lt1"/>
+          </a:fontRef>
+        </p:style>
+        <p:txBody>
+          <a:bodyPr rtlCol="0" anchor="ctr"/>
+          <a:lstStyle/>
+          <a:p>
+            <a:pPr algn="ctr"/>
+            <a:endParaRPr lang="zh-CN" altLang="en-US"/>
+          </a:p>
+        </p:txBody>
+      </p:sp>
+      <p:sp>
+        <p:nvSpPr>
+          <p:cNvPr id="14" name="椭圆 13">
+            <a:extLst>
+              <a:ext uri="{FF2B5EF4-FFF2-40B4-BE49-F238E27FC236}">
+                <a16:creationId xmlns:a16="http://schemas.microsoft.com/office/drawing/2014/main" id="{41DD6C9D-0666-4C67-8F5D-05867F37951A}"/>
+              </a:ext>
+            </a:extLst>
+          </p:cNvPr>
+          <p:cNvSpPr/>
+          <p:nvPr/>
+        </p:nvSpPr>
+        <p:spPr>
+          <a:xfrm>
+            <a:off x="5019040" y="2502535"/>
+            <a:ext cx="2153920" cy="2153920"/>
+          </a:xfrm>
+          <a:prstGeom prst="ellipse">
+            <a:avLst/>
+          </a:prstGeom>
+          <a:solidFill>
+            <a:schemeClr val="tx2"/>
+          </a:solidFill>
+          <a:ln>
+            <a:solidFill>
+              <a:schemeClr val="accent1">
+                <a:lumMod val="60000"/>
+                <a:lumOff val="40000"/>
+              </a:schemeClr>
+            </a:solidFill>
+          </a:ln>
+        </p:spPr>
+        <p:style>
+          <a:lnRef idx="2">
+            <a:schemeClr val="accent1">
+              <a:shade val="50000"/>
+            </a:schemeClr>
+          </a:lnRef>
+          <a:fillRef idx="1">
+            <a:schemeClr val="accent1"/>
+          </a:fillRef>
+          <a:effectRef idx="0">
+            <a:schemeClr val="accent1"/>
+          </a:effectRef>
+          <a:fontRef idx="minor">
+            <a:schemeClr val="lt1"/>
+          </a:fontRef>
+        </p:style>
+        <p:txBody>
+          <a:bodyPr rtlCol="0" anchor="ctr"/>
+          <a:lstStyle/>
+          <a:p>
+            <a:pPr algn="ctr"/>
+            <a:r>
+              <a:rPr lang="en-US" altLang="zh-CN" sz="8800" b="1" dirty="0">
+                <a:latin typeface="Aharoni" panose="02010803020104030203" pitchFamily="2" charset="-79"/>
+                <a:cs typeface="Aharoni" panose="02010803020104030203" pitchFamily="2" charset="-79"/>
+              </a:rPr>
+              <a:t>02</a:t>
+            </a:r>
+            <a:endParaRPr lang="zh-CN" altLang="en-US" sz="8800" b="1" dirty="0">
+              <a:latin typeface="Aharoni" panose="02010803020104030203" pitchFamily="2" charset="-79"/>
+              <a:cs typeface="Aharoni" panose="02010803020104030203" pitchFamily="2" charset="-79"/>
+            </a:endParaRPr>
+          </a:p>
+        </p:txBody>
+      </p:sp>
+      <p:sp>
+        <p:nvSpPr>
+          <p:cNvPr id="15" name="椭圆 14">
+            <a:extLst>
+              <a:ext uri="{FF2B5EF4-FFF2-40B4-BE49-F238E27FC236}">
+                <a16:creationId xmlns:a16="http://schemas.microsoft.com/office/drawing/2014/main" id="{9682ACF8-A3A1-4E92-807C-39BE0AC8B1B2}"/>
+              </a:ext>
+            </a:extLst>
+          </p:cNvPr>
+          <p:cNvSpPr/>
+          <p:nvPr/>
+        </p:nvSpPr>
+        <p:spPr>
+          <a:xfrm>
+            <a:off x="8088060" y="2045335"/>
+            <a:ext cx="3068320" cy="3068320"/>
+          </a:xfrm>
+          <a:prstGeom prst="ellipse">
+            <a:avLst/>
+          </a:prstGeom>
+          <a:solidFill>
+            <a:schemeClr val="bg1">
+              <a:lumMod val="95000"/>
+            </a:schemeClr>
+          </a:solidFill>
+          <a:ln w="76200">
+            <a:solidFill>
+              <a:schemeClr val="tx2"/>
+            </a:solidFill>
+            <a:prstDash val="lgDash"/>
+          </a:ln>
+        </p:spPr>
+        <p:style>
+          <a:lnRef idx="2">
+            <a:schemeClr val="accent1">
+              <a:shade val="50000"/>
+            </a:schemeClr>
+          </a:lnRef>
+          <a:fillRef idx="1">
+            <a:schemeClr val="accent1"/>
+          </a:fillRef>
+          <a:effectRef idx="0">
+            <a:schemeClr val="accent1"/>
+          </a:effectRef>
+          <a:fontRef idx="minor">
+            <a:schemeClr val="lt1"/>
+          </a:fontRef>
+        </p:style>
+        <p:txBody>
+          <a:bodyPr rtlCol="0" anchor="ctr"/>
+          <a:lstStyle/>
+          <a:p>
+            <a:pPr algn="ctr"/>
+            <a:endParaRPr lang="zh-CN" altLang="en-US" dirty="0"/>
+          </a:p>
+        </p:txBody>
+      </p:sp>
+      <p:sp>
+        <p:nvSpPr>
+          <p:cNvPr id="16" name="星形: 六角 15">
+            <a:extLst>
+              <a:ext uri="{FF2B5EF4-FFF2-40B4-BE49-F238E27FC236}">
+                <a16:creationId xmlns:a16="http://schemas.microsoft.com/office/drawing/2014/main" id="{20AD366E-3207-4BA5-AAE3-CC0C7165D868}"/>
+              </a:ext>
+            </a:extLst>
+          </p:cNvPr>
+          <p:cNvSpPr/>
+          <p:nvPr/>
+        </p:nvSpPr>
+        <p:spPr>
+          <a:xfrm>
+            <a:off x="8300467" y="2120582"/>
+            <a:ext cx="2643505" cy="2917825"/>
+          </a:xfrm>
+          <a:prstGeom prst="star6">
+            <a:avLst/>
+          </a:prstGeom>
+          <a:solidFill>
+            <a:schemeClr val="accent1">
+              <a:lumMod val="20000"/>
+              <a:lumOff val="80000"/>
+            </a:schemeClr>
+          </a:solidFill>
+          <a:ln w="76200">
+            <a:solidFill>
+              <a:schemeClr val="tx2">
+                <a:lumMod val="60000"/>
+                <a:lumOff val="40000"/>
+              </a:schemeClr>
+            </a:solidFill>
+          </a:ln>
+        </p:spPr>
+        <p:style>
+          <a:lnRef idx="2">
+            <a:schemeClr val="accent1">
+              <a:shade val="50000"/>
+            </a:schemeClr>
+          </a:lnRef>
+          <a:fillRef idx="1">
+            <a:schemeClr val="accent1"/>
+          </a:fillRef>
+          <a:effectRef idx="0">
+            <a:schemeClr val="accent1"/>
+          </a:effectRef>
+          <a:fontRef idx="minor">
+            <a:schemeClr val="lt1"/>
+          </a:fontRef>
+        </p:style>
+        <p:txBody>
+          <a:bodyPr rtlCol="0" anchor="ctr"/>
+          <a:lstStyle/>
+          <a:p>
+            <a:pPr algn="ctr"/>
+            <a:endParaRPr lang="zh-CN" altLang="en-US"/>
+          </a:p>
+        </p:txBody>
+      </p:sp>
+      <p:sp>
+        <p:nvSpPr>
+          <p:cNvPr id="17" name="椭圆 16">
+            <a:extLst>
+              <a:ext uri="{FF2B5EF4-FFF2-40B4-BE49-F238E27FC236}">
+                <a16:creationId xmlns:a16="http://schemas.microsoft.com/office/drawing/2014/main" id="{758E751A-A909-48D9-B18C-06F1E485ABFB}"/>
+              </a:ext>
+            </a:extLst>
+          </p:cNvPr>
+          <p:cNvSpPr/>
+          <p:nvPr/>
+        </p:nvSpPr>
+        <p:spPr>
+          <a:xfrm>
+            <a:off x="8545260" y="2502535"/>
+            <a:ext cx="2153920" cy="2153920"/>
+          </a:xfrm>
+          <a:prstGeom prst="ellipse">
+            <a:avLst/>
+          </a:prstGeom>
+          <a:solidFill>
+            <a:schemeClr val="tx2"/>
+          </a:solidFill>
+          <a:ln>
+            <a:solidFill>
+              <a:schemeClr val="accent1">
+                <a:lumMod val="60000"/>
+                <a:lumOff val="40000"/>
+              </a:schemeClr>
+            </a:solidFill>
+          </a:ln>
+        </p:spPr>
+        <p:style>
+          <a:lnRef idx="2">
+            <a:schemeClr val="accent1">
+              <a:shade val="50000"/>
+            </a:schemeClr>
+          </a:lnRef>
+          <a:fillRef idx="1">
+            <a:schemeClr val="accent1"/>
+          </a:fillRef>
+          <a:effectRef idx="0">
+            <a:schemeClr val="accent1"/>
+          </a:effectRef>
+          <a:fontRef idx="minor">
+            <a:schemeClr val="lt1"/>
+          </a:fontRef>
+        </p:style>
+        <p:txBody>
+          <a:bodyPr rtlCol="0" anchor="ctr"/>
+          <a:lstStyle/>
+          <a:p>
+            <a:pPr algn="ctr"/>
+            <a:r>
+              <a:rPr lang="en-US" altLang="zh-CN" sz="8800" b="1" dirty="0">
+                <a:latin typeface="Aharoni" panose="02010803020104030203" pitchFamily="2" charset="-79"/>
+                <a:cs typeface="Aharoni" panose="02010803020104030203" pitchFamily="2" charset="-79"/>
+              </a:rPr>
+              <a:t>03</a:t>
+            </a:r>
+            <a:endParaRPr lang="zh-CN" altLang="en-US" sz="8800" b="1" dirty="0">
+              <a:latin typeface="Aharoni" panose="02010803020104030203" pitchFamily="2" charset="-79"/>
+              <a:cs typeface="Aharoni" panose="02010803020104030203" pitchFamily="2" charset="-79"/>
+            </a:endParaRPr>
+          </a:p>
+        </p:txBody>
+      </p:sp>
+    </p:spTree>
+    <p:extLst>
+      <p:ext uri="{BB962C8B-B14F-4D97-AF65-F5344CB8AC3E}">
+        <p14:creationId xmlns:p14="http://schemas.microsoft.com/office/powerpoint/2010/main" val="999314765"/>
       </p:ext>
     </p:extLst>
   </p:cSld>

--- a/pics/paintings.pptx
+++ b/pics/paintings.pptx
@@ -12,6 +12,9 @@
     <p:sldId id="259" r:id="rId6"/>
     <p:sldId id="261" r:id="rId7"/>
     <p:sldId id="262" r:id="rId8"/>
+    <p:sldId id="263" r:id="rId9"/>
+    <p:sldId id="264" r:id="rId10"/>
+    <p:sldId id="265" r:id="rId11"/>
   </p:sldIdLst>
   <p:sldSz cx="12192000" cy="6858000"/>
   <p:notesSz cx="6858000" cy="9144000"/>
@@ -265,7 +268,7 @@
           <a:p>
             <a:fld id="{01233CE7-9F99-43B8-8E0A-C2A344A065FA}" type="datetimeFigureOut">
               <a:rPr lang="zh-CN" altLang="en-US" smtClean="0"/>
-              <a:t>2024/2/17</a:t>
+              <a:t>2024/3/2</a:t>
             </a:fld>
             <a:endParaRPr lang="zh-CN" altLang="en-US"/>
           </a:p>
@@ -463,7 +466,7 @@
           <a:p>
             <a:fld id="{01233CE7-9F99-43B8-8E0A-C2A344A065FA}" type="datetimeFigureOut">
               <a:rPr lang="zh-CN" altLang="en-US" smtClean="0"/>
-              <a:t>2024/2/17</a:t>
+              <a:t>2024/3/2</a:t>
             </a:fld>
             <a:endParaRPr lang="zh-CN" altLang="en-US"/>
           </a:p>
@@ -671,7 +674,7 @@
           <a:p>
             <a:fld id="{01233CE7-9F99-43B8-8E0A-C2A344A065FA}" type="datetimeFigureOut">
               <a:rPr lang="zh-CN" altLang="en-US" smtClean="0"/>
-              <a:t>2024/2/17</a:t>
+              <a:t>2024/3/2</a:t>
             </a:fld>
             <a:endParaRPr lang="zh-CN" altLang="en-US"/>
           </a:p>
@@ -869,7 +872,7 @@
           <a:p>
             <a:fld id="{01233CE7-9F99-43B8-8E0A-C2A344A065FA}" type="datetimeFigureOut">
               <a:rPr lang="zh-CN" altLang="en-US" smtClean="0"/>
-              <a:t>2024/2/17</a:t>
+              <a:t>2024/3/2</a:t>
             </a:fld>
             <a:endParaRPr lang="zh-CN" altLang="en-US"/>
           </a:p>
@@ -1144,7 +1147,7 @@
           <a:p>
             <a:fld id="{01233CE7-9F99-43B8-8E0A-C2A344A065FA}" type="datetimeFigureOut">
               <a:rPr lang="zh-CN" altLang="en-US" smtClean="0"/>
-              <a:t>2024/2/17</a:t>
+              <a:t>2024/3/2</a:t>
             </a:fld>
             <a:endParaRPr lang="zh-CN" altLang="en-US"/>
           </a:p>
@@ -1409,7 +1412,7 @@
           <a:p>
             <a:fld id="{01233CE7-9F99-43B8-8E0A-C2A344A065FA}" type="datetimeFigureOut">
               <a:rPr lang="zh-CN" altLang="en-US" smtClean="0"/>
-              <a:t>2024/2/17</a:t>
+              <a:t>2024/3/2</a:t>
             </a:fld>
             <a:endParaRPr lang="zh-CN" altLang="en-US"/>
           </a:p>
@@ -1821,7 +1824,7 @@
           <a:p>
             <a:fld id="{01233CE7-9F99-43B8-8E0A-C2A344A065FA}" type="datetimeFigureOut">
               <a:rPr lang="zh-CN" altLang="en-US" smtClean="0"/>
-              <a:t>2024/2/17</a:t>
+              <a:t>2024/3/2</a:t>
             </a:fld>
             <a:endParaRPr lang="zh-CN" altLang="en-US"/>
           </a:p>
@@ -1962,7 +1965,7 @@
           <a:p>
             <a:fld id="{01233CE7-9F99-43B8-8E0A-C2A344A065FA}" type="datetimeFigureOut">
               <a:rPr lang="zh-CN" altLang="en-US" smtClean="0"/>
-              <a:t>2024/2/17</a:t>
+              <a:t>2024/3/2</a:t>
             </a:fld>
             <a:endParaRPr lang="zh-CN" altLang="en-US"/>
           </a:p>
@@ -2075,7 +2078,7 @@
           <a:p>
             <a:fld id="{01233CE7-9F99-43B8-8E0A-C2A344A065FA}" type="datetimeFigureOut">
               <a:rPr lang="zh-CN" altLang="en-US" smtClean="0"/>
-              <a:t>2024/2/17</a:t>
+              <a:t>2024/3/2</a:t>
             </a:fld>
             <a:endParaRPr lang="zh-CN" altLang="en-US"/>
           </a:p>
@@ -2386,7 +2389,7 @@
           <a:p>
             <a:fld id="{01233CE7-9F99-43B8-8E0A-C2A344A065FA}" type="datetimeFigureOut">
               <a:rPr lang="zh-CN" altLang="en-US" smtClean="0"/>
-              <a:t>2024/2/17</a:t>
+              <a:t>2024/3/2</a:t>
             </a:fld>
             <a:endParaRPr lang="zh-CN" altLang="en-US"/>
           </a:p>
@@ -2674,7 +2677,7 @@
           <a:p>
             <a:fld id="{01233CE7-9F99-43B8-8E0A-C2A344A065FA}" type="datetimeFigureOut">
               <a:rPr lang="zh-CN" altLang="en-US" smtClean="0"/>
-              <a:t>2024/2/17</a:t>
+              <a:t>2024/3/2</a:t>
             </a:fld>
             <a:endParaRPr lang="zh-CN" altLang="en-US"/>
           </a:p>
@@ -2915,7 +2918,7 @@
           <a:p>
             <a:fld id="{01233CE7-9F99-43B8-8E0A-C2A344A065FA}" type="datetimeFigureOut">
               <a:rPr lang="zh-CN" altLang="en-US" smtClean="0"/>
-              <a:t>2024/2/17</a:t>
+              <a:t>2024/3/2</a:t>
             </a:fld>
             <a:endParaRPr lang="zh-CN" altLang="en-US"/>
           </a:p>
@@ -3378,7 +3381,7 @@
           <a:bodyPr/>
           <a:lstStyle/>
           <a:p>
-            <a:endParaRPr lang="zh-CN" altLang="en-US"/>
+            <a:endParaRPr lang="zh-CN" altLang="en-US" dirty="0"/>
           </a:p>
         </p:txBody>
       </p:sp>
@@ -3386,6 +3389,83 @@
     <p:extLst>
       <p:ext uri="{BB962C8B-B14F-4D97-AF65-F5344CB8AC3E}">
         <p14:creationId xmlns:p14="http://schemas.microsoft.com/office/powerpoint/2010/main" val="377135409"/>
+      </p:ext>
+    </p:extLst>
+  </p:cSld>
+  <p:clrMapOvr>
+    <a:masterClrMapping/>
+  </p:clrMapOvr>
+</p:sld>
+</file>
+
+<file path=ppt/slides/slide10.xml><?xml version="1.0" encoding="utf-8"?>
+<p:sld xmlns:a="http://schemas.openxmlformats.org/drawingml/2006/main" xmlns:r="http://schemas.openxmlformats.org/officeDocument/2006/relationships" xmlns:p="http://schemas.openxmlformats.org/presentationml/2006/main">
+  <p:cSld>
+    <p:spTree>
+      <p:nvGrpSpPr>
+        <p:cNvPr id="1" name=""/>
+        <p:cNvGrpSpPr/>
+        <p:nvPr/>
+      </p:nvGrpSpPr>
+      <p:grpSpPr>
+        <a:xfrm>
+          <a:off x="0" y="0"/>
+          <a:ext cx="0" cy="0"/>
+          <a:chOff x="0" y="0"/>
+          <a:chExt cx="0" cy="0"/>
+        </a:xfrm>
+      </p:grpSpPr>
+      <p:sp>
+        <p:nvSpPr>
+          <p:cNvPr id="2" name="星形: 五角 1">
+            <a:extLst>
+              <a:ext uri="{FF2B5EF4-FFF2-40B4-BE49-F238E27FC236}">
+                <a16:creationId xmlns:a16="http://schemas.microsoft.com/office/drawing/2014/main" id="{0AA8EBEE-3AAA-5463-D0B2-CC2BB7505DC7}"/>
+              </a:ext>
+            </a:extLst>
+          </p:cNvPr>
+          <p:cNvSpPr/>
+          <p:nvPr/>
+        </p:nvSpPr>
+        <p:spPr>
+          <a:xfrm>
+            <a:off x="3335624" y="2746376"/>
+            <a:ext cx="616857" cy="638628"/>
+          </a:xfrm>
+          <a:prstGeom prst="star5">
+            <a:avLst/>
+          </a:prstGeom>
+          <a:solidFill>
+            <a:schemeClr val="accent4"/>
+          </a:solidFill>
+        </p:spPr>
+        <p:style>
+          <a:lnRef idx="2">
+            <a:schemeClr val="accent4"/>
+          </a:lnRef>
+          <a:fillRef idx="1">
+            <a:schemeClr val="lt1"/>
+          </a:fillRef>
+          <a:effectRef idx="0">
+            <a:schemeClr val="accent4"/>
+          </a:effectRef>
+          <a:fontRef idx="minor">
+            <a:schemeClr val="dk1"/>
+          </a:fontRef>
+        </p:style>
+        <p:txBody>
+          <a:bodyPr rtlCol="0" anchor="ctr"/>
+          <a:lstStyle/>
+          <a:p>
+            <a:pPr algn="ctr"/>
+            <a:endParaRPr lang="zh-CN" altLang="en-US"/>
+          </a:p>
+        </p:txBody>
+      </p:sp>
+    </p:spTree>
+    <p:extLst>
+      <p:ext uri="{BB962C8B-B14F-4D97-AF65-F5344CB8AC3E}">
+        <p14:creationId xmlns:p14="http://schemas.microsoft.com/office/powerpoint/2010/main" val="239508628"/>
       </p:ext>
     </p:extLst>
   </p:cSld>
@@ -4843,45 +4923,6 @@
           </a:p>
         </p:txBody>
       </p:sp>
-      <p:pic>
-        <p:nvPicPr>
-          <p:cNvPr id="5" name="图形 4" descr="女性宇航员 轮廓">
-            <a:extLst>
-              <a:ext uri="{FF2B5EF4-FFF2-40B4-BE49-F238E27FC236}">
-                <a16:creationId xmlns:a16="http://schemas.microsoft.com/office/drawing/2014/main" id="{4EBFD623-0ABB-44B1-97D8-F4AE51166BD8}"/>
-              </a:ext>
-            </a:extLst>
-          </p:cNvPr>
-          <p:cNvPicPr>
-            <a:picLocks noChangeAspect="1"/>
-          </p:cNvPicPr>
-          <p:nvPr/>
-        </p:nvPicPr>
-        <p:blipFill>
-          <a:blip r:embed="rId2">
-            <a:extLst>
-              <a:ext uri="{28A0092B-C50C-407E-A947-70E740481C1C}">
-                <a14:useLocalDpi xmlns:a14="http://schemas.microsoft.com/office/drawing/2010/main" val="0"/>
-              </a:ext>
-              <a:ext uri="{96DAC541-7B7A-43D3-8B79-37D633B846F1}">
-                <asvg:svgBlip xmlns:asvg="http://schemas.microsoft.com/office/drawing/2016/SVG/main" r:embed="rId3"/>
-              </a:ext>
-            </a:extLst>
-          </a:blip>
-          <a:stretch>
-            <a:fillRect/>
-          </a:stretch>
-        </p:blipFill>
-        <p:spPr>
-          <a:xfrm>
-            <a:off x="5466080" y="2799080"/>
-            <a:ext cx="1259840" cy="1259840"/>
-          </a:xfrm>
-          <a:prstGeom prst="rect">
-            <a:avLst/>
-          </a:prstGeom>
-        </p:spPr>
-      </p:pic>
       <p:sp>
         <p:nvSpPr>
           <p:cNvPr id="6" name="椭圆 5">
@@ -4937,6 +4978,45 @@
           </a:p>
         </p:txBody>
       </p:sp>
+      <p:pic>
+        <p:nvPicPr>
+          <p:cNvPr id="5" name="图形 4" descr="女性宇航员 轮廓">
+            <a:extLst>
+              <a:ext uri="{FF2B5EF4-FFF2-40B4-BE49-F238E27FC236}">
+                <a16:creationId xmlns:a16="http://schemas.microsoft.com/office/drawing/2014/main" id="{4EBFD623-0ABB-44B1-97D8-F4AE51166BD8}"/>
+              </a:ext>
+            </a:extLst>
+          </p:cNvPr>
+          <p:cNvPicPr>
+            <a:picLocks noChangeAspect="1"/>
+          </p:cNvPicPr>
+          <p:nvPr/>
+        </p:nvPicPr>
+        <p:blipFill>
+          <a:blip r:embed="rId2">
+            <a:extLst>
+              <a:ext uri="{28A0092B-C50C-407E-A947-70E740481C1C}">
+                <a14:useLocalDpi xmlns:a14="http://schemas.microsoft.com/office/drawing/2010/main" val="0"/>
+              </a:ext>
+              <a:ext uri="{96DAC541-7B7A-43D3-8B79-37D633B846F1}">
+                <asvg:svgBlip xmlns:asvg="http://schemas.microsoft.com/office/drawing/2016/SVG/main" r:embed="rId3"/>
+              </a:ext>
+            </a:extLst>
+          </a:blip>
+          <a:stretch>
+            <a:fillRect/>
+          </a:stretch>
+        </p:blipFill>
+        <p:spPr>
+          <a:xfrm>
+            <a:off x="5466080" y="2799080"/>
+            <a:ext cx="1259840" cy="1259840"/>
+          </a:xfrm>
+          <a:prstGeom prst="rect">
+            <a:avLst/>
+          </a:prstGeom>
+        </p:spPr>
+      </p:pic>
       <p:pic>
         <p:nvPicPr>
           <p:cNvPr id="7" name="图形 6" descr="足球 纯色填充">
@@ -6144,6 +6224,2148 @@
     <p:extLst>
       <p:ext uri="{BB962C8B-B14F-4D97-AF65-F5344CB8AC3E}">
         <p14:creationId xmlns:p14="http://schemas.microsoft.com/office/powerpoint/2010/main" val="999314765"/>
+      </p:ext>
+    </p:extLst>
+  </p:cSld>
+  <p:clrMapOvr>
+    <a:masterClrMapping/>
+  </p:clrMapOvr>
+</p:sld>
+</file>
+
+<file path=ppt/slides/slide8.xml><?xml version="1.0" encoding="utf-8"?>
+<p:sld xmlns:a="http://schemas.openxmlformats.org/drawingml/2006/main" xmlns:r="http://schemas.openxmlformats.org/officeDocument/2006/relationships" xmlns:p="http://schemas.openxmlformats.org/presentationml/2006/main">
+  <p:cSld>
+    <p:spTree>
+      <p:nvGrpSpPr>
+        <p:cNvPr id="1" name=""/>
+        <p:cNvGrpSpPr/>
+        <p:nvPr/>
+      </p:nvGrpSpPr>
+      <p:grpSpPr>
+        <a:xfrm>
+          <a:off x="0" y="0"/>
+          <a:ext cx="0" cy="0"/>
+          <a:chOff x="0" y="0"/>
+          <a:chExt cx="0" cy="0"/>
+        </a:xfrm>
+      </p:grpSpPr>
+      <p:sp>
+        <p:nvSpPr>
+          <p:cNvPr id="2" name="文本框 1">
+            <a:extLst>
+              <a:ext uri="{FF2B5EF4-FFF2-40B4-BE49-F238E27FC236}">
+                <a16:creationId xmlns:a16="http://schemas.microsoft.com/office/drawing/2014/main" id="{698685C9-004A-F0A1-46DD-B1B96FA8551D}"/>
+              </a:ext>
+            </a:extLst>
+          </p:cNvPr>
+          <p:cNvSpPr txBox="1"/>
+          <p:nvPr/>
+        </p:nvSpPr>
+        <p:spPr>
+          <a:xfrm>
+            <a:off x="2380343" y="1799772"/>
+            <a:ext cx="7859486" cy="3831772"/>
+          </a:xfrm>
+          <a:prstGeom prst="rect">
+            <a:avLst/>
+          </a:prstGeom>
+          <a:solidFill>
+            <a:schemeClr val="accent4">
+              <a:lumMod val="40000"/>
+              <a:lumOff val="60000"/>
+            </a:schemeClr>
+          </a:solidFill>
+        </p:spPr>
+        <p:txBody>
+          <a:bodyPr wrap="square" rtlCol="0">
+            <a:spAutoFit/>
+          </a:bodyPr>
+          <a:lstStyle/>
+          <a:p>
+            <a:endParaRPr lang="zh-CN" altLang="en-US" dirty="0"/>
+          </a:p>
+        </p:txBody>
+      </p:sp>
+      <p:sp>
+        <p:nvSpPr>
+          <p:cNvPr id="3" name="矩形 2">
+            <a:extLst>
+              <a:ext uri="{FF2B5EF4-FFF2-40B4-BE49-F238E27FC236}">
+                <a16:creationId xmlns:a16="http://schemas.microsoft.com/office/drawing/2014/main" id="{45ED1004-469A-83D0-07C3-367C6C22E300}"/>
+              </a:ext>
+            </a:extLst>
+          </p:cNvPr>
+          <p:cNvSpPr/>
+          <p:nvPr/>
+        </p:nvSpPr>
+        <p:spPr>
+          <a:xfrm>
+            <a:off x="4767567" y="3528389"/>
+            <a:ext cx="2794000" cy="767443"/>
+          </a:xfrm>
+          <a:prstGeom prst="rect">
+            <a:avLst/>
+          </a:prstGeom>
+          <a:solidFill>
+            <a:srgbClr val="FF0000"/>
+          </a:solidFill>
+        </p:spPr>
+        <p:style>
+          <a:lnRef idx="2">
+            <a:schemeClr val="accent1">
+              <a:shade val="15000"/>
+            </a:schemeClr>
+          </a:lnRef>
+          <a:fillRef idx="1">
+            <a:schemeClr val="accent1"/>
+          </a:fillRef>
+          <a:effectRef idx="0">
+            <a:schemeClr val="accent1"/>
+          </a:effectRef>
+          <a:fontRef idx="minor">
+            <a:schemeClr val="lt1"/>
+          </a:fontRef>
+        </p:style>
+        <p:txBody>
+          <a:bodyPr rtlCol="0" anchor="ctr"/>
+          <a:lstStyle/>
+          <a:p>
+            <a:pPr algn="ctr"/>
+            <a:endParaRPr lang="zh-CN" altLang="en-US" dirty="0"/>
+          </a:p>
+        </p:txBody>
+      </p:sp>
+      <p:sp>
+        <p:nvSpPr>
+          <p:cNvPr id="4" name="椭圆 3">
+            <a:extLst>
+              <a:ext uri="{FF2B5EF4-FFF2-40B4-BE49-F238E27FC236}">
+                <a16:creationId xmlns:a16="http://schemas.microsoft.com/office/drawing/2014/main" id="{70F39F1C-3725-A83C-E72E-C584F7BB5CBD}"/>
+              </a:ext>
+            </a:extLst>
+          </p:cNvPr>
+          <p:cNvSpPr/>
+          <p:nvPr/>
+        </p:nvSpPr>
+        <p:spPr>
+          <a:xfrm>
+            <a:off x="4263567" y="4455887"/>
+            <a:ext cx="1008000" cy="1008000"/>
+          </a:xfrm>
+          <a:prstGeom prst="ellipse">
+            <a:avLst/>
+          </a:prstGeom>
+          <a:solidFill>
+            <a:srgbClr val="FF0000"/>
+          </a:solidFill>
+        </p:spPr>
+        <p:style>
+          <a:lnRef idx="2">
+            <a:schemeClr val="accent1">
+              <a:shade val="15000"/>
+            </a:schemeClr>
+          </a:lnRef>
+          <a:fillRef idx="1">
+            <a:schemeClr val="accent1"/>
+          </a:fillRef>
+          <a:effectRef idx="0">
+            <a:schemeClr val="accent1"/>
+          </a:effectRef>
+          <a:fontRef idx="minor">
+            <a:schemeClr val="lt1"/>
+          </a:fontRef>
+        </p:style>
+        <p:txBody>
+          <a:bodyPr rtlCol="0" anchor="ctr"/>
+          <a:lstStyle/>
+          <a:p>
+            <a:pPr algn="ctr"/>
+            <a:endParaRPr lang="zh-CN" altLang="en-US"/>
+          </a:p>
+        </p:txBody>
+      </p:sp>
+      <p:sp>
+        <p:nvSpPr>
+          <p:cNvPr id="5" name="椭圆 4">
+            <a:extLst>
+              <a:ext uri="{FF2B5EF4-FFF2-40B4-BE49-F238E27FC236}">
+                <a16:creationId xmlns:a16="http://schemas.microsoft.com/office/drawing/2014/main" id="{2D7CBB33-DDCC-DB6D-B003-32B5850E3856}"/>
+              </a:ext>
+            </a:extLst>
+          </p:cNvPr>
+          <p:cNvSpPr/>
+          <p:nvPr/>
+        </p:nvSpPr>
+        <p:spPr>
+          <a:xfrm>
+            <a:off x="7061199" y="4455887"/>
+            <a:ext cx="1008000" cy="1008000"/>
+          </a:xfrm>
+          <a:prstGeom prst="ellipse">
+            <a:avLst/>
+          </a:prstGeom>
+          <a:solidFill>
+            <a:srgbClr val="FF0000"/>
+          </a:solidFill>
+        </p:spPr>
+        <p:style>
+          <a:lnRef idx="2">
+            <a:schemeClr val="accent1">
+              <a:shade val="15000"/>
+            </a:schemeClr>
+          </a:lnRef>
+          <a:fillRef idx="1">
+            <a:schemeClr val="accent1"/>
+          </a:fillRef>
+          <a:effectRef idx="0">
+            <a:schemeClr val="accent1"/>
+          </a:effectRef>
+          <a:fontRef idx="minor">
+            <a:schemeClr val="lt1"/>
+          </a:fontRef>
+        </p:style>
+        <p:txBody>
+          <a:bodyPr rtlCol="0" anchor="ctr"/>
+          <a:lstStyle/>
+          <a:p>
+            <a:pPr algn="ctr"/>
+            <a:endParaRPr lang="zh-CN" altLang="en-US"/>
+          </a:p>
+        </p:txBody>
+      </p:sp>
+      <p:sp>
+        <p:nvSpPr>
+          <p:cNvPr id="7" name="动作按钮: 转到主页 6">
+            <a:hlinkClick r:id="" action="ppaction://hlinkshowjump?jump=firstslide" highlightClick="1"/>
+            <a:extLst>
+              <a:ext uri="{FF2B5EF4-FFF2-40B4-BE49-F238E27FC236}">
+                <a16:creationId xmlns:a16="http://schemas.microsoft.com/office/drawing/2014/main" id="{024213E1-7177-EEC3-6A8B-63475B7064DD}"/>
+              </a:ext>
+            </a:extLst>
+          </p:cNvPr>
+          <p:cNvSpPr/>
+          <p:nvPr/>
+        </p:nvSpPr>
+        <p:spPr>
+          <a:xfrm>
+            <a:off x="4497567" y="4689887"/>
+            <a:ext cx="540000" cy="540000"/>
+          </a:xfrm>
+          <a:prstGeom prst="actionButtonHome">
+            <a:avLst/>
+          </a:prstGeom>
+        </p:spPr>
+        <p:style>
+          <a:lnRef idx="2">
+            <a:schemeClr val="accent4">
+              <a:shade val="15000"/>
+            </a:schemeClr>
+          </a:lnRef>
+          <a:fillRef idx="1">
+            <a:schemeClr val="accent4"/>
+          </a:fillRef>
+          <a:effectRef idx="0">
+            <a:schemeClr val="accent4"/>
+          </a:effectRef>
+          <a:fontRef idx="minor">
+            <a:schemeClr val="lt1"/>
+          </a:fontRef>
+        </p:style>
+        <p:txBody>
+          <a:bodyPr rtlCol="0" anchor="ctr"/>
+          <a:lstStyle/>
+          <a:p>
+            <a:pPr algn="ctr"/>
+            <a:endParaRPr lang="zh-CN" altLang="en-US"/>
+          </a:p>
+        </p:txBody>
+      </p:sp>
+      <p:sp>
+        <p:nvSpPr>
+          <p:cNvPr id="8" name="动作按钮: 上一张 7">
+            <a:hlinkClick r:id="" action="ppaction://hlinkshowjump?jump=lastslideviewed" highlightClick="1"/>
+            <a:extLst>
+              <a:ext uri="{FF2B5EF4-FFF2-40B4-BE49-F238E27FC236}">
+                <a16:creationId xmlns:a16="http://schemas.microsoft.com/office/drawing/2014/main" id="{A8589843-9287-55C7-A60B-93ED0FB2FB31}"/>
+              </a:ext>
+            </a:extLst>
+          </p:cNvPr>
+          <p:cNvSpPr/>
+          <p:nvPr/>
+        </p:nvSpPr>
+        <p:spPr>
+          <a:xfrm flipV="1">
+            <a:off x="7295199" y="4689887"/>
+            <a:ext cx="540000" cy="540000"/>
+          </a:xfrm>
+          <a:prstGeom prst="actionButtonReturn">
+            <a:avLst/>
+          </a:prstGeom>
+        </p:spPr>
+        <p:style>
+          <a:lnRef idx="2">
+            <a:schemeClr val="accent4">
+              <a:shade val="15000"/>
+            </a:schemeClr>
+          </a:lnRef>
+          <a:fillRef idx="1">
+            <a:schemeClr val="accent4"/>
+          </a:fillRef>
+          <a:effectRef idx="0">
+            <a:schemeClr val="accent4"/>
+          </a:effectRef>
+          <a:fontRef idx="minor">
+            <a:schemeClr val="lt1"/>
+          </a:fontRef>
+        </p:style>
+        <p:txBody>
+          <a:bodyPr rtlCol="0" anchor="ctr"/>
+          <a:lstStyle/>
+          <a:p>
+            <a:pPr algn="ctr"/>
+            <a:endParaRPr lang="zh-CN" altLang="en-US"/>
+          </a:p>
+        </p:txBody>
+      </p:sp>
+      <p:sp>
+        <p:nvSpPr>
+          <p:cNvPr id="17" name="带形: 上凸弯 16">
+            <a:extLst>
+              <a:ext uri="{FF2B5EF4-FFF2-40B4-BE49-F238E27FC236}">
+                <a16:creationId xmlns:a16="http://schemas.microsoft.com/office/drawing/2014/main" id="{2DE890F5-4802-BFA0-49E4-8CC2CE259515}"/>
+              </a:ext>
+            </a:extLst>
+          </p:cNvPr>
+          <p:cNvSpPr/>
+          <p:nvPr/>
+        </p:nvSpPr>
+        <p:spPr>
+          <a:xfrm>
+            <a:off x="2364127" y="1953228"/>
+            <a:ext cx="7859485" cy="1871645"/>
+          </a:xfrm>
+          <a:prstGeom prst="ellipseRibbon2">
+            <a:avLst>
+              <a:gd name="adj1" fmla="val 53941"/>
+              <a:gd name="adj2" fmla="val 27031"/>
+              <a:gd name="adj3" fmla="val 30912"/>
+            </a:avLst>
+          </a:prstGeom>
+          <a:solidFill>
+            <a:srgbClr val="FF0000"/>
+          </a:solidFill>
+        </p:spPr>
+        <p:style>
+          <a:lnRef idx="2">
+            <a:schemeClr val="accent1">
+              <a:shade val="15000"/>
+            </a:schemeClr>
+          </a:lnRef>
+          <a:fillRef idx="1">
+            <a:schemeClr val="accent1"/>
+          </a:fillRef>
+          <a:effectRef idx="0">
+            <a:schemeClr val="accent1"/>
+          </a:effectRef>
+          <a:fontRef idx="minor">
+            <a:schemeClr val="lt1"/>
+          </a:fontRef>
+        </p:style>
+        <p:txBody>
+          <a:bodyPr rtlCol="0" anchor="ctr"/>
+          <a:lstStyle/>
+          <a:p>
+            <a:pPr algn="ctr"/>
+            <a:endParaRPr lang="zh-CN" altLang="en-US" dirty="0"/>
+          </a:p>
+        </p:txBody>
+      </p:sp>
+      <p:sp>
+        <p:nvSpPr>
+          <p:cNvPr id="13" name="星形: 五角 12">
+            <a:extLst>
+              <a:ext uri="{FF2B5EF4-FFF2-40B4-BE49-F238E27FC236}">
+                <a16:creationId xmlns:a16="http://schemas.microsoft.com/office/drawing/2014/main" id="{5529181C-97AF-A109-436D-240813F8519B}"/>
+              </a:ext>
+            </a:extLst>
+          </p:cNvPr>
+          <p:cNvSpPr/>
+          <p:nvPr/>
+        </p:nvSpPr>
+        <p:spPr>
+          <a:xfrm>
+            <a:off x="4562393" y="2505920"/>
+            <a:ext cx="616857" cy="638628"/>
+          </a:xfrm>
+          <a:prstGeom prst="star5">
+            <a:avLst/>
+          </a:prstGeom>
+          <a:noFill/>
+        </p:spPr>
+        <p:style>
+          <a:lnRef idx="2">
+            <a:schemeClr val="accent4"/>
+          </a:lnRef>
+          <a:fillRef idx="1">
+            <a:schemeClr val="lt1"/>
+          </a:fillRef>
+          <a:effectRef idx="0">
+            <a:schemeClr val="accent4"/>
+          </a:effectRef>
+          <a:fontRef idx="minor">
+            <a:schemeClr val="dk1"/>
+          </a:fontRef>
+        </p:style>
+        <p:txBody>
+          <a:bodyPr rtlCol="0" anchor="ctr"/>
+          <a:lstStyle/>
+          <a:p>
+            <a:pPr algn="ctr"/>
+            <a:endParaRPr lang="zh-CN" altLang="en-US"/>
+          </a:p>
+        </p:txBody>
+      </p:sp>
+      <p:sp>
+        <p:nvSpPr>
+          <p:cNvPr id="18" name="星形: 五角 17">
+            <a:extLst>
+              <a:ext uri="{FF2B5EF4-FFF2-40B4-BE49-F238E27FC236}">
+                <a16:creationId xmlns:a16="http://schemas.microsoft.com/office/drawing/2014/main" id="{232AB441-E496-9338-11F4-8BB8E0CF85F4}"/>
+              </a:ext>
+            </a:extLst>
+          </p:cNvPr>
+          <p:cNvSpPr/>
+          <p:nvPr/>
+        </p:nvSpPr>
+        <p:spPr>
+          <a:xfrm>
+            <a:off x="3335624" y="2746376"/>
+            <a:ext cx="616857" cy="638628"/>
+          </a:xfrm>
+          <a:prstGeom prst="star5">
+            <a:avLst/>
+          </a:prstGeom>
+          <a:noFill/>
+        </p:spPr>
+        <p:style>
+          <a:lnRef idx="2">
+            <a:schemeClr val="accent4"/>
+          </a:lnRef>
+          <a:fillRef idx="1">
+            <a:schemeClr val="lt1"/>
+          </a:fillRef>
+          <a:effectRef idx="0">
+            <a:schemeClr val="accent4"/>
+          </a:effectRef>
+          <a:fontRef idx="minor">
+            <a:schemeClr val="dk1"/>
+          </a:fontRef>
+        </p:style>
+        <p:txBody>
+          <a:bodyPr rtlCol="0" anchor="ctr"/>
+          <a:lstStyle/>
+          <a:p>
+            <a:pPr algn="ctr"/>
+            <a:endParaRPr lang="zh-CN" altLang="en-US"/>
+          </a:p>
+        </p:txBody>
+      </p:sp>
+      <p:sp>
+        <p:nvSpPr>
+          <p:cNvPr id="19" name="星形: 五角 18">
+            <a:extLst>
+              <a:ext uri="{FF2B5EF4-FFF2-40B4-BE49-F238E27FC236}">
+                <a16:creationId xmlns:a16="http://schemas.microsoft.com/office/drawing/2014/main" id="{642E2C0A-7FE7-32A7-1BE1-4965B4C1E549}"/>
+              </a:ext>
+            </a:extLst>
+          </p:cNvPr>
+          <p:cNvSpPr/>
+          <p:nvPr/>
+        </p:nvSpPr>
+        <p:spPr>
+          <a:xfrm>
+            <a:off x="3965394" y="2621146"/>
+            <a:ext cx="616857" cy="638628"/>
+          </a:xfrm>
+          <a:prstGeom prst="star5">
+            <a:avLst/>
+          </a:prstGeom>
+          <a:noFill/>
+        </p:spPr>
+        <p:style>
+          <a:lnRef idx="2">
+            <a:schemeClr val="accent4"/>
+          </a:lnRef>
+          <a:fillRef idx="1">
+            <a:schemeClr val="lt1"/>
+          </a:fillRef>
+          <a:effectRef idx="0">
+            <a:schemeClr val="accent4"/>
+          </a:effectRef>
+          <a:fontRef idx="minor">
+            <a:schemeClr val="dk1"/>
+          </a:fontRef>
+        </p:style>
+        <p:txBody>
+          <a:bodyPr rtlCol="0" anchor="ctr"/>
+          <a:lstStyle/>
+          <a:p>
+            <a:pPr algn="ctr"/>
+            <a:endParaRPr lang="zh-CN" altLang="en-US"/>
+          </a:p>
+        </p:txBody>
+      </p:sp>
+      <p:sp>
+        <p:nvSpPr>
+          <p:cNvPr id="20" name="星形: 五角 19">
+            <a:extLst>
+              <a:ext uri="{FF2B5EF4-FFF2-40B4-BE49-F238E27FC236}">
+                <a16:creationId xmlns:a16="http://schemas.microsoft.com/office/drawing/2014/main" id="{5529181C-97AF-A109-436D-240813F8519B}"/>
+              </a:ext>
+            </a:extLst>
+          </p:cNvPr>
+          <p:cNvSpPr/>
+          <p:nvPr/>
+        </p:nvSpPr>
+        <p:spPr>
+          <a:xfrm>
+            <a:off x="8639628" y="2771323"/>
+            <a:ext cx="616857" cy="638628"/>
+          </a:xfrm>
+          <a:prstGeom prst="star5">
+            <a:avLst/>
+          </a:prstGeom>
+          <a:noFill/>
+        </p:spPr>
+        <p:style>
+          <a:lnRef idx="2">
+            <a:schemeClr val="accent4"/>
+          </a:lnRef>
+          <a:fillRef idx="1">
+            <a:schemeClr val="lt1"/>
+          </a:fillRef>
+          <a:effectRef idx="0">
+            <a:schemeClr val="accent4"/>
+          </a:effectRef>
+          <a:fontRef idx="minor">
+            <a:schemeClr val="dk1"/>
+          </a:fontRef>
+        </p:style>
+        <p:txBody>
+          <a:bodyPr rtlCol="0" anchor="ctr"/>
+          <a:lstStyle>
+            <a:defPPr>
+              <a:defRPr lang="zh-CN"/>
+            </a:defPPr>
+            <a:lvl1pPr marL="0" algn="l" defTabSz="914400" rtl="0" eaLnBrk="1" latinLnBrk="0" hangingPunct="1">
+              <a:defRPr sz="1800" kern="1200">
+                <a:solidFill>
+                  <a:schemeClr val="dk1"/>
+                </a:solidFill>
+                <a:latin typeface="+mn-lt"/>
+                <a:ea typeface="+mn-ea"/>
+                <a:cs typeface="+mn-cs"/>
+              </a:defRPr>
+            </a:lvl1pPr>
+            <a:lvl2pPr marL="457200" algn="l" defTabSz="914400" rtl="0" eaLnBrk="1" latinLnBrk="0" hangingPunct="1">
+              <a:defRPr sz="1800" kern="1200">
+                <a:solidFill>
+                  <a:schemeClr val="dk1"/>
+                </a:solidFill>
+                <a:latin typeface="+mn-lt"/>
+                <a:ea typeface="+mn-ea"/>
+                <a:cs typeface="+mn-cs"/>
+              </a:defRPr>
+            </a:lvl2pPr>
+            <a:lvl3pPr marL="914400" algn="l" defTabSz="914400" rtl="0" eaLnBrk="1" latinLnBrk="0" hangingPunct="1">
+              <a:defRPr sz="1800" kern="1200">
+                <a:solidFill>
+                  <a:schemeClr val="dk1"/>
+                </a:solidFill>
+                <a:latin typeface="+mn-lt"/>
+                <a:ea typeface="+mn-ea"/>
+                <a:cs typeface="+mn-cs"/>
+              </a:defRPr>
+            </a:lvl3pPr>
+            <a:lvl4pPr marL="1371600" algn="l" defTabSz="914400" rtl="0" eaLnBrk="1" latinLnBrk="0" hangingPunct="1">
+              <a:defRPr sz="1800" kern="1200">
+                <a:solidFill>
+                  <a:schemeClr val="dk1"/>
+                </a:solidFill>
+                <a:latin typeface="+mn-lt"/>
+                <a:ea typeface="+mn-ea"/>
+                <a:cs typeface="+mn-cs"/>
+              </a:defRPr>
+            </a:lvl4pPr>
+            <a:lvl5pPr marL="1828800" algn="l" defTabSz="914400" rtl="0" eaLnBrk="1" latinLnBrk="0" hangingPunct="1">
+              <a:defRPr sz="1800" kern="1200">
+                <a:solidFill>
+                  <a:schemeClr val="dk1"/>
+                </a:solidFill>
+                <a:latin typeface="+mn-lt"/>
+                <a:ea typeface="+mn-ea"/>
+                <a:cs typeface="+mn-cs"/>
+              </a:defRPr>
+            </a:lvl5pPr>
+            <a:lvl6pPr marL="2286000" algn="l" defTabSz="914400" rtl="0" eaLnBrk="1" latinLnBrk="0" hangingPunct="1">
+              <a:defRPr sz="1800" kern="1200">
+                <a:solidFill>
+                  <a:schemeClr val="dk1"/>
+                </a:solidFill>
+                <a:latin typeface="+mn-lt"/>
+                <a:ea typeface="+mn-ea"/>
+                <a:cs typeface="+mn-cs"/>
+              </a:defRPr>
+            </a:lvl6pPr>
+            <a:lvl7pPr marL="2743200" algn="l" defTabSz="914400" rtl="0" eaLnBrk="1" latinLnBrk="0" hangingPunct="1">
+              <a:defRPr sz="1800" kern="1200">
+                <a:solidFill>
+                  <a:schemeClr val="dk1"/>
+                </a:solidFill>
+                <a:latin typeface="+mn-lt"/>
+                <a:ea typeface="+mn-ea"/>
+                <a:cs typeface="+mn-cs"/>
+              </a:defRPr>
+            </a:lvl7pPr>
+            <a:lvl8pPr marL="3200400" algn="l" defTabSz="914400" rtl="0" eaLnBrk="1" latinLnBrk="0" hangingPunct="1">
+              <a:defRPr sz="1800" kern="1200">
+                <a:solidFill>
+                  <a:schemeClr val="dk1"/>
+                </a:solidFill>
+                <a:latin typeface="+mn-lt"/>
+                <a:ea typeface="+mn-ea"/>
+                <a:cs typeface="+mn-cs"/>
+              </a:defRPr>
+            </a:lvl8pPr>
+            <a:lvl9pPr marL="3657600" algn="l" defTabSz="914400" rtl="0" eaLnBrk="1" latinLnBrk="0" hangingPunct="1">
+              <a:defRPr sz="1800" kern="1200">
+                <a:solidFill>
+                  <a:schemeClr val="dk1"/>
+                </a:solidFill>
+                <a:latin typeface="+mn-lt"/>
+                <a:ea typeface="+mn-ea"/>
+                <a:cs typeface="+mn-cs"/>
+              </a:defRPr>
+            </a:lvl9pPr>
+          </a:lstStyle>
+          <a:p>
+            <a:pPr algn="ctr"/>
+            <a:endParaRPr lang="zh-CN" altLang="en-US"/>
+          </a:p>
+        </p:txBody>
+      </p:sp>
+      <p:sp>
+        <p:nvSpPr>
+          <p:cNvPr id="21" name="星形: 五角 20">
+            <a:extLst>
+              <a:ext uri="{FF2B5EF4-FFF2-40B4-BE49-F238E27FC236}">
+                <a16:creationId xmlns:a16="http://schemas.microsoft.com/office/drawing/2014/main" id="{5529181C-97AF-A109-436D-240813F8519B}"/>
+              </a:ext>
+            </a:extLst>
+          </p:cNvPr>
+          <p:cNvSpPr/>
+          <p:nvPr/>
+        </p:nvSpPr>
+        <p:spPr>
+          <a:xfrm>
+            <a:off x="8019140" y="2695821"/>
+            <a:ext cx="616857" cy="638628"/>
+          </a:xfrm>
+          <a:prstGeom prst="star5">
+            <a:avLst/>
+          </a:prstGeom>
+          <a:noFill/>
+        </p:spPr>
+        <p:style>
+          <a:lnRef idx="2">
+            <a:schemeClr val="accent4"/>
+          </a:lnRef>
+          <a:fillRef idx="1">
+            <a:schemeClr val="lt1"/>
+          </a:fillRef>
+          <a:effectRef idx="0">
+            <a:schemeClr val="accent4"/>
+          </a:effectRef>
+          <a:fontRef idx="minor">
+            <a:schemeClr val="dk1"/>
+          </a:fontRef>
+        </p:style>
+        <p:txBody>
+          <a:bodyPr rtlCol="0" anchor="ctr"/>
+          <a:lstStyle>
+            <a:defPPr>
+              <a:defRPr lang="zh-CN"/>
+            </a:defPPr>
+            <a:lvl1pPr marL="0" algn="l" defTabSz="914400" rtl="0" eaLnBrk="1" latinLnBrk="0" hangingPunct="1">
+              <a:defRPr sz="1800" kern="1200">
+                <a:solidFill>
+                  <a:schemeClr val="dk1"/>
+                </a:solidFill>
+                <a:latin typeface="+mn-lt"/>
+                <a:ea typeface="+mn-ea"/>
+                <a:cs typeface="+mn-cs"/>
+              </a:defRPr>
+            </a:lvl1pPr>
+            <a:lvl2pPr marL="457200" algn="l" defTabSz="914400" rtl="0" eaLnBrk="1" latinLnBrk="0" hangingPunct="1">
+              <a:defRPr sz="1800" kern="1200">
+                <a:solidFill>
+                  <a:schemeClr val="dk1"/>
+                </a:solidFill>
+                <a:latin typeface="+mn-lt"/>
+                <a:ea typeface="+mn-ea"/>
+                <a:cs typeface="+mn-cs"/>
+              </a:defRPr>
+            </a:lvl2pPr>
+            <a:lvl3pPr marL="914400" algn="l" defTabSz="914400" rtl="0" eaLnBrk="1" latinLnBrk="0" hangingPunct="1">
+              <a:defRPr sz="1800" kern="1200">
+                <a:solidFill>
+                  <a:schemeClr val="dk1"/>
+                </a:solidFill>
+                <a:latin typeface="+mn-lt"/>
+                <a:ea typeface="+mn-ea"/>
+                <a:cs typeface="+mn-cs"/>
+              </a:defRPr>
+            </a:lvl3pPr>
+            <a:lvl4pPr marL="1371600" algn="l" defTabSz="914400" rtl="0" eaLnBrk="1" latinLnBrk="0" hangingPunct="1">
+              <a:defRPr sz="1800" kern="1200">
+                <a:solidFill>
+                  <a:schemeClr val="dk1"/>
+                </a:solidFill>
+                <a:latin typeface="+mn-lt"/>
+                <a:ea typeface="+mn-ea"/>
+                <a:cs typeface="+mn-cs"/>
+              </a:defRPr>
+            </a:lvl4pPr>
+            <a:lvl5pPr marL="1828800" algn="l" defTabSz="914400" rtl="0" eaLnBrk="1" latinLnBrk="0" hangingPunct="1">
+              <a:defRPr sz="1800" kern="1200">
+                <a:solidFill>
+                  <a:schemeClr val="dk1"/>
+                </a:solidFill>
+                <a:latin typeface="+mn-lt"/>
+                <a:ea typeface="+mn-ea"/>
+                <a:cs typeface="+mn-cs"/>
+              </a:defRPr>
+            </a:lvl5pPr>
+            <a:lvl6pPr marL="2286000" algn="l" defTabSz="914400" rtl="0" eaLnBrk="1" latinLnBrk="0" hangingPunct="1">
+              <a:defRPr sz="1800" kern="1200">
+                <a:solidFill>
+                  <a:schemeClr val="dk1"/>
+                </a:solidFill>
+                <a:latin typeface="+mn-lt"/>
+                <a:ea typeface="+mn-ea"/>
+                <a:cs typeface="+mn-cs"/>
+              </a:defRPr>
+            </a:lvl6pPr>
+            <a:lvl7pPr marL="2743200" algn="l" defTabSz="914400" rtl="0" eaLnBrk="1" latinLnBrk="0" hangingPunct="1">
+              <a:defRPr sz="1800" kern="1200">
+                <a:solidFill>
+                  <a:schemeClr val="dk1"/>
+                </a:solidFill>
+                <a:latin typeface="+mn-lt"/>
+                <a:ea typeface="+mn-ea"/>
+                <a:cs typeface="+mn-cs"/>
+              </a:defRPr>
+            </a:lvl7pPr>
+            <a:lvl8pPr marL="3200400" algn="l" defTabSz="914400" rtl="0" eaLnBrk="1" latinLnBrk="0" hangingPunct="1">
+              <a:defRPr sz="1800" kern="1200">
+                <a:solidFill>
+                  <a:schemeClr val="dk1"/>
+                </a:solidFill>
+                <a:latin typeface="+mn-lt"/>
+                <a:ea typeface="+mn-ea"/>
+                <a:cs typeface="+mn-cs"/>
+              </a:defRPr>
+            </a:lvl8pPr>
+            <a:lvl9pPr marL="3657600" algn="l" defTabSz="914400" rtl="0" eaLnBrk="1" latinLnBrk="0" hangingPunct="1">
+              <a:defRPr sz="1800" kern="1200">
+                <a:solidFill>
+                  <a:schemeClr val="dk1"/>
+                </a:solidFill>
+                <a:latin typeface="+mn-lt"/>
+                <a:ea typeface="+mn-ea"/>
+                <a:cs typeface="+mn-cs"/>
+              </a:defRPr>
+            </a:lvl9pPr>
+          </a:lstStyle>
+          <a:p>
+            <a:pPr algn="ctr"/>
+            <a:endParaRPr lang="zh-CN" altLang="en-US"/>
+          </a:p>
+        </p:txBody>
+      </p:sp>
+      <p:sp>
+        <p:nvSpPr>
+          <p:cNvPr id="22" name="星形: 五角 21">
+            <a:extLst>
+              <a:ext uri="{FF2B5EF4-FFF2-40B4-BE49-F238E27FC236}">
+                <a16:creationId xmlns:a16="http://schemas.microsoft.com/office/drawing/2014/main" id="{5529181C-97AF-A109-436D-240813F8519B}"/>
+              </a:ext>
+            </a:extLst>
+          </p:cNvPr>
+          <p:cNvSpPr/>
+          <p:nvPr/>
+        </p:nvSpPr>
+        <p:spPr>
+          <a:xfrm>
+            <a:off x="7448384" y="2552141"/>
+            <a:ext cx="616857" cy="638628"/>
+          </a:xfrm>
+          <a:prstGeom prst="star5">
+            <a:avLst/>
+          </a:prstGeom>
+          <a:noFill/>
+        </p:spPr>
+        <p:style>
+          <a:lnRef idx="2">
+            <a:schemeClr val="accent4"/>
+          </a:lnRef>
+          <a:fillRef idx="1">
+            <a:schemeClr val="lt1"/>
+          </a:fillRef>
+          <a:effectRef idx="0">
+            <a:schemeClr val="accent4"/>
+          </a:effectRef>
+          <a:fontRef idx="minor">
+            <a:schemeClr val="dk1"/>
+          </a:fontRef>
+        </p:style>
+        <p:txBody>
+          <a:bodyPr rtlCol="0" anchor="ctr"/>
+          <a:lstStyle>
+            <a:defPPr>
+              <a:defRPr lang="zh-CN"/>
+            </a:defPPr>
+            <a:lvl1pPr marL="0" algn="l" defTabSz="914400" rtl="0" eaLnBrk="1" latinLnBrk="0" hangingPunct="1">
+              <a:defRPr sz="1800" kern="1200">
+                <a:solidFill>
+                  <a:schemeClr val="dk1"/>
+                </a:solidFill>
+                <a:latin typeface="+mn-lt"/>
+                <a:ea typeface="+mn-ea"/>
+                <a:cs typeface="+mn-cs"/>
+              </a:defRPr>
+            </a:lvl1pPr>
+            <a:lvl2pPr marL="457200" algn="l" defTabSz="914400" rtl="0" eaLnBrk="1" latinLnBrk="0" hangingPunct="1">
+              <a:defRPr sz="1800" kern="1200">
+                <a:solidFill>
+                  <a:schemeClr val="dk1"/>
+                </a:solidFill>
+                <a:latin typeface="+mn-lt"/>
+                <a:ea typeface="+mn-ea"/>
+                <a:cs typeface="+mn-cs"/>
+              </a:defRPr>
+            </a:lvl2pPr>
+            <a:lvl3pPr marL="914400" algn="l" defTabSz="914400" rtl="0" eaLnBrk="1" latinLnBrk="0" hangingPunct="1">
+              <a:defRPr sz="1800" kern="1200">
+                <a:solidFill>
+                  <a:schemeClr val="dk1"/>
+                </a:solidFill>
+                <a:latin typeface="+mn-lt"/>
+                <a:ea typeface="+mn-ea"/>
+                <a:cs typeface="+mn-cs"/>
+              </a:defRPr>
+            </a:lvl3pPr>
+            <a:lvl4pPr marL="1371600" algn="l" defTabSz="914400" rtl="0" eaLnBrk="1" latinLnBrk="0" hangingPunct="1">
+              <a:defRPr sz="1800" kern="1200">
+                <a:solidFill>
+                  <a:schemeClr val="dk1"/>
+                </a:solidFill>
+                <a:latin typeface="+mn-lt"/>
+                <a:ea typeface="+mn-ea"/>
+                <a:cs typeface="+mn-cs"/>
+              </a:defRPr>
+            </a:lvl4pPr>
+            <a:lvl5pPr marL="1828800" algn="l" defTabSz="914400" rtl="0" eaLnBrk="1" latinLnBrk="0" hangingPunct="1">
+              <a:defRPr sz="1800" kern="1200">
+                <a:solidFill>
+                  <a:schemeClr val="dk1"/>
+                </a:solidFill>
+                <a:latin typeface="+mn-lt"/>
+                <a:ea typeface="+mn-ea"/>
+                <a:cs typeface="+mn-cs"/>
+              </a:defRPr>
+            </a:lvl5pPr>
+            <a:lvl6pPr marL="2286000" algn="l" defTabSz="914400" rtl="0" eaLnBrk="1" latinLnBrk="0" hangingPunct="1">
+              <a:defRPr sz="1800" kern="1200">
+                <a:solidFill>
+                  <a:schemeClr val="dk1"/>
+                </a:solidFill>
+                <a:latin typeface="+mn-lt"/>
+                <a:ea typeface="+mn-ea"/>
+                <a:cs typeface="+mn-cs"/>
+              </a:defRPr>
+            </a:lvl6pPr>
+            <a:lvl7pPr marL="2743200" algn="l" defTabSz="914400" rtl="0" eaLnBrk="1" latinLnBrk="0" hangingPunct="1">
+              <a:defRPr sz="1800" kern="1200">
+                <a:solidFill>
+                  <a:schemeClr val="dk1"/>
+                </a:solidFill>
+                <a:latin typeface="+mn-lt"/>
+                <a:ea typeface="+mn-ea"/>
+                <a:cs typeface="+mn-cs"/>
+              </a:defRPr>
+            </a:lvl7pPr>
+            <a:lvl8pPr marL="3200400" algn="l" defTabSz="914400" rtl="0" eaLnBrk="1" latinLnBrk="0" hangingPunct="1">
+              <a:defRPr sz="1800" kern="1200">
+                <a:solidFill>
+                  <a:schemeClr val="dk1"/>
+                </a:solidFill>
+                <a:latin typeface="+mn-lt"/>
+                <a:ea typeface="+mn-ea"/>
+                <a:cs typeface="+mn-cs"/>
+              </a:defRPr>
+            </a:lvl8pPr>
+            <a:lvl9pPr marL="3657600" algn="l" defTabSz="914400" rtl="0" eaLnBrk="1" latinLnBrk="0" hangingPunct="1">
+              <a:defRPr sz="1800" kern="1200">
+                <a:solidFill>
+                  <a:schemeClr val="dk1"/>
+                </a:solidFill>
+                <a:latin typeface="+mn-lt"/>
+                <a:ea typeface="+mn-ea"/>
+                <a:cs typeface="+mn-cs"/>
+              </a:defRPr>
+            </a:lvl9pPr>
+          </a:lstStyle>
+          <a:p>
+            <a:pPr algn="ctr"/>
+            <a:endParaRPr lang="zh-CN" altLang="en-US"/>
+          </a:p>
+        </p:txBody>
+      </p:sp>
+      <p:sp>
+        <p:nvSpPr>
+          <p:cNvPr id="23" name="文本框 22">
+            <a:extLst>
+              <a:ext uri="{FF2B5EF4-FFF2-40B4-BE49-F238E27FC236}">
+                <a16:creationId xmlns:a16="http://schemas.microsoft.com/office/drawing/2014/main" id="{5DA06933-A9B9-6C76-37F1-39B067B5ED70}"/>
+              </a:ext>
+            </a:extLst>
+          </p:cNvPr>
+          <p:cNvSpPr txBox="1"/>
+          <p:nvPr/>
+        </p:nvSpPr>
+        <p:spPr>
+          <a:xfrm>
+            <a:off x="4767568" y="3580344"/>
+            <a:ext cx="3067632" cy="707886"/>
+          </a:xfrm>
+          <a:prstGeom prst="rect">
+            <a:avLst/>
+          </a:prstGeom>
+          <a:noFill/>
+        </p:spPr>
+        <p:txBody>
+          <a:bodyPr wrap="square" rtlCol="0">
+            <a:spAutoFit/>
+          </a:bodyPr>
+          <a:lstStyle/>
+          <a:p>
+            <a:pPr algn="ctr"/>
+            <a:r>
+              <a:rPr lang="en-US" altLang="zh-CN" sz="4000" b="1" dirty="0">
+                <a:ln w="22225">
+                  <a:solidFill>
+                    <a:schemeClr val="accent2"/>
+                  </a:solidFill>
+                  <a:prstDash val="solid"/>
+                </a:ln>
+                <a:solidFill>
+                  <a:schemeClr val="accent2">
+                    <a:lumMod val="40000"/>
+                    <a:lumOff val="60000"/>
+                  </a:schemeClr>
+                </a:solidFill>
+                <a:latin typeface="Arial" panose="020B0604020202020204" pitchFamily="34" charset="0"/>
+                <a:cs typeface="Arial" panose="020B0604020202020204" pitchFamily="34" charset="0"/>
+              </a:rPr>
+              <a:t>WIN </a:t>
+            </a:r>
+            <a:r>
+              <a:rPr lang="zh-CN" altLang="en-US" sz="4000" b="1" dirty="0">
+                <a:ln w="22225">
+                  <a:solidFill>
+                    <a:schemeClr val="accent2"/>
+                  </a:solidFill>
+                  <a:prstDash val="solid"/>
+                </a:ln>
+                <a:solidFill>
+                  <a:schemeClr val="accent2">
+                    <a:lumMod val="40000"/>
+                    <a:lumOff val="60000"/>
+                  </a:schemeClr>
+                </a:solidFill>
+                <a:latin typeface="Arial" panose="020B0604020202020204" pitchFamily="34" charset="0"/>
+                <a:cs typeface="Arial" panose="020B0604020202020204" pitchFamily="34" charset="0"/>
+              </a:rPr>
+              <a:t>！！！</a:t>
+            </a:r>
+          </a:p>
+        </p:txBody>
+      </p:sp>
+      <p:sp>
+        <p:nvSpPr>
+          <p:cNvPr id="36" name="星形: 六角 35">
+            <a:extLst>
+              <a:ext uri="{FF2B5EF4-FFF2-40B4-BE49-F238E27FC236}">
+                <a16:creationId xmlns:a16="http://schemas.microsoft.com/office/drawing/2014/main" id="{E22FD614-602C-5710-1C4A-E26B83D61EF3}"/>
+              </a:ext>
+            </a:extLst>
+          </p:cNvPr>
+          <p:cNvSpPr/>
+          <p:nvPr/>
+        </p:nvSpPr>
+        <p:spPr>
+          <a:xfrm>
+            <a:off x="5675086" y="1865990"/>
+            <a:ext cx="1237569" cy="1005465"/>
+          </a:xfrm>
+          <a:prstGeom prst="star6">
+            <a:avLst/>
+          </a:prstGeom>
+          <a:solidFill>
+            <a:schemeClr val="bg1"/>
+          </a:solidFill>
+          <a:ln w="76200">
+            <a:solidFill>
+              <a:srgbClr val="7030A0"/>
+            </a:solidFill>
+          </a:ln>
+        </p:spPr>
+        <p:style>
+          <a:lnRef idx="2">
+            <a:schemeClr val="accent1">
+              <a:shade val="50000"/>
+            </a:schemeClr>
+          </a:lnRef>
+          <a:fillRef idx="1">
+            <a:schemeClr val="accent1"/>
+          </a:fillRef>
+          <a:effectRef idx="0">
+            <a:schemeClr val="accent1"/>
+          </a:effectRef>
+          <a:fontRef idx="minor">
+            <a:schemeClr val="lt1"/>
+          </a:fontRef>
+        </p:style>
+        <p:txBody>
+          <a:bodyPr rtlCol="0" anchor="ctr"/>
+          <a:lstStyle/>
+          <a:p>
+            <a:pPr algn="ctr"/>
+            <a:endParaRPr lang="zh-CN" altLang="en-US"/>
+          </a:p>
+        </p:txBody>
+      </p:sp>
+      <p:pic>
+        <p:nvPicPr>
+          <p:cNvPr id="39" name="图形 6" descr="足球 纯色填充">
+            <a:extLst>
+              <a:ext uri="{FF2B5EF4-FFF2-40B4-BE49-F238E27FC236}">
+                <a16:creationId xmlns:a16="http://schemas.microsoft.com/office/drawing/2014/main" id="{EE7235AE-DA86-4808-95E1-223AEB49FCE1}"/>
+              </a:ext>
+            </a:extLst>
+          </p:cNvPr>
+          <p:cNvPicPr>
+            <a:picLocks noChangeAspect="1"/>
+          </p:cNvPicPr>
+          <p:nvPr/>
+        </p:nvPicPr>
+        <p:blipFill>
+          <a:blip r:embed="rId2">
+            <a:extLst>
+              <a:ext uri="{28A0092B-C50C-407E-A947-70E740481C1C}">
+                <a14:useLocalDpi xmlns:a14="http://schemas.microsoft.com/office/drawing/2010/main" val="0"/>
+              </a:ext>
+              <a:ext uri="{96DAC541-7B7A-43D3-8B79-37D633B846F1}">
+                <asvg:svgBlip xmlns:asvg="http://schemas.microsoft.com/office/drawing/2016/SVG/main" r:embed="rId3"/>
+              </a:ext>
+            </a:extLst>
+          </a:blip>
+          <a:stretch>
+            <a:fillRect/>
+          </a:stretch>
+        </p:blipFill>
+        <p:spPr>
+          <a:xfrm>
+            <a:off x="5871501" y="1987250"/>
+            <a:ext cx="799808" cy="799808"/>
+          </a:xfrm>
+          <a:prstGeom prst="rect">
+            <a:avLst/>
+          </a:prstGeom>
+        </p:spPr>
+      </p:pic>
+    </p:spTree>
+    <p:extLst>
+      <p:ext uri="{BB962C8B-B14F-4D97-AF65-F5344CB8AC3E}">
+        <p14:creationId xmlns:p14="http://schemas.microsoft.com/office/powerpoint/2010/main" val="3013957486"/>
+      </p:ext>
+    </p:extLst>
+  </p:cSld>
+  <p:clrMapOvr>
+    <a:masterClrMapping/>
+  </p:clrMapOvr>
+</p:sld>
+</file>
+
+<file path=ppt/slides/slide9.xml><?xml version="1.0" encoding="utf-8"?>
+<p:sld xmlns:a="http://schemas.openxmlformats.org/drawingml/2006/main" xmlns:r="http://schemas.openxmlformats.org/officeDocument/2006/relationships" xmlns:p="http://schemas.openxmlformats.org/presentationml/2006/main">
+  <p:cSld>
+    <p:spTree>
+      <p:nvGrpSpPr>
+        <p:cNvPr id="1" name="">
+          <a:extLst>
+            <a:ext uri="{FF2B5EF4-FFF2-40B4-BE49-F238E27FC236}">
+              <a16:creationId xmlns:a16="http://schemas.microsoft.com/office/drawing/2014/main" id="{96AB18E6-8DF9-E23E-C070-3973126B8477}"/>
+            </a:ext>
+          </a:extLst>
+        </p:cNvPr>
+        <p:cNvGrpSpPr/>
+        <p:nvPr/>
+      </p:nvGrpSpPr>
+      <p:grpSpPr>
+        <a:xfrm>
+          <a:off x="0" y="0"/>
+          <a:ext cx="0" cy="0"/>
+          <a:chOff x="0" y="0"/>
+          <a:chExt cx="0" cy="0"/>
+        </a:xfrm>
+      </p:grpSpPr>
+      <p:sp>
+        <p:nvSpPr>
+          <p:cNvPr id="2" name="文本框 1">
+            <a:extLst>
+              <a:ext uri="{FF2B5EF4-FFF2-40B4-BE49-F238E27FC236}">
+                <a16:creationId xmlns:a16="http://schemas.microsoft.com/office/drawing/2014/main" id="{5FE79DE8-EB91-D4AF-3724-BDA0216AB1EC}"/>
+              </a:ext>
+            </a:extLst>
+          </p:cNvPr>
+          <p:cNvSpPr txBox="1"/>
+          <p:nvPr/>
+        </p:nvSpPr>
+        <p:spPr>
+          <a:xfrm>
+            <a:off x="2380343" y="1799772"/>
+            <a:ext cx="7859486" cy="3831772"/>
+          </a:xfrm>
+          <a:prstGeom prst="rect">
+            <a:avLst/>
+          </a:prstGeom>
+          <a:solidFill>
+            <a:schemeClr val="accent4">
+              <a:lumMod val="40000"/>
+              <a:lumOff val="60000"/>
+            </a:schemeClr>
+          </a:solidFill>
+        </p:spPr>
+        <p:txBody>
+          <a:bodyPr wrap="square" rtlCol="0">
+            <a:spAutoFit/>
+          </a:bodyPr>
+          <a:lstStyle/>
+          <a:p>
+            <a:endParaRPr lang="zh-CN" altLang="en-US" dirty="0"/>
+          </a:p>
+        </p:txBody>
+      </p:sp>
+      <p:sp>
+        <p:nvSpPr>
+          <p:cNvPr id="3" name="矩形 2">
+            <a:extLst>
+              <a:ext uri="{FF2B5EF4-FFF2-40B4-BE49-F238E27FC236}">
+                <a16:creationId xmlns:a16="http://schemas.microsoft.com/office/drawing/2014/main" id="{F1A7DD97-BB64-5EB6-EC3E-F3CF0DA22E9F}"/>
+              </a:ext>
+            </a:extLst>
+          </p:cNvPr>
+          <p:cNvSpPr/>
+          <p:nvPr/>
+        </p:nvSpPr>
+        <p:spPr>
+          <a:xfrm>
+            <a:off x="4767567" y="3528389"/>
+            <a:ext cx="2794000" cy="767443"/>
+          </a:xfrm>
+          <a:prstGeom prst="rect">
+            <a:avLst/>
+          </a:prstGeom>
+          <a:solidFill>
+            <a:schemeClr val="accent3"/>
+          </a:solidFill>
+        </p:spPr>
+        <p:style>
+          <a:lnRef idx="2">
+            <a:schemeClr val="accent1">
+              <a:shade val="15000"/>
+            </a:schemeClr>
+          </a:lnRef>
+          <a:fillRef idx="1">
+            <a:schemeClr val="accent1"/>
+          </a:fillRef>
+          <a:effectRef idx="0">
+            <a:schemeClr val="accent1"/>
+          </a:effectRef>
+          <a:fontRef idx="minor">
+            <a:schemeClr val="lt1"/>
+          </a:fontRef>
+        </p:style>
+        <p:txBody>
+          <a:bodyPr rtlCol="0" anchor="ctr"/>
+          <a:lstStyle/>
+          <a:p>
+            <a:pPr algn="ctr"/>
+            <a:endParaRPr lang="zh-CN" altLang="en-US" dirty="0">
+              <a:solidFill>
+                <a:schemeClr val="accent3"/>
+              </a:solidFill>
+            </a:endParaRPr>
+          </a:p>
+        </p:txBody>
+      </p:sp>
+      <p:sp>
+        <p:nvSpPr>
+          <p:cNvPr id="4" name="椭圆 3">
+            <a:extLst>
+              <a:ext uri="{FF2B5EF4-FFF2-40B4-BE49-F238E27FC236}">
+                <a16:creationId xmlns:a16="http://schemas.microsoft.com/office/drawing/2014/main" id="{DA699533-744F-8C26-5E41-C791B65207C7}"/>
+              </a:ext>
+            </a:extLst>
+          </p:cNvPr>
+          <p:cNvSpPr/>
+          <p:nvPr/>
+        </p:nvSpPr>
+        <p:spPr>
+          <a:xfrm>
+            <a:off x="4263567" y="4455887"/>
+            <a:ext cx="1008000" cy="1008000"/>
+          </a:xfrm>
+          <a:prstGeom prst="ellipse">
+            <a:avLst/>
+          </a:prstGeom>
+        </p:spPr>
+        <p:style>
+          <a:lnRef idx="2">
+            <a:schemeClr val="accent1">
+              <a:shade val="15000"/>
+            </a:schemeClr>
+          </a:lnRef>
+          <a:fillRef idx="1">
+            <a:schemeClr val="accent1"/>
+          </a:fillRef>
+          <a:effectRef idx="0">
+            <a:schemeClr val="accent1"/>
+          </a:effectRef>
+          <a:fontRef idx="minor">
+            <a:schemeClr val="lt1"/>
+          </a:fontRef>
+        </p:style>
+        <p:txBody>
+          <a:bodyPr rtlCol="0" anchor="ctr"/>
+          <a:lstStyle/>
+          <a:p>
+            <a:pPr algn="ctr"/>
+            <a:endParaRPr lang="zh-CN" altLang="en-US"/>
+          </a:p>
+        </p:txBody>
+      </p:sp>
+      <p:sp>
+        <p:nvSpPr>
+          <p:cNvPr id="5" name="椭圆 4">
+            <a:extLst>
+              <a:ext uri="{FF2B5EF4-FFF2-40B4-BE49-F238E27FC236}">
+                <a16:creationId xmlns:a16="http://schemas.microsoft.com/office/drawing/2014/main" id="{A3053970-A3F3-CE12-1434-F398E03D56D8}"/>
+              </a:ext>
+            </a:extLst>
+          </p:cNvPr>
+          <p:cNvSpPr/>
+          <p:nvPr/>
+        </p:nvSpPr>
+        <p:spPr>
+          <a:xfrm>
+            <a:off x="7061199" y="4455887"/>
+            <a:ext cx="1008000" cy="1008000"/>
+          </a:xfrm>
+          <a:prstGeom prst="ellipse">
+            <a:avLst/>
+          </a:prstGeom>
+        </p:spPr>
+        <p:style>
+          <a:lnRef idx="2">
+            <a:schemeClr val="accent1">
+              <a:shade val="15000"/>
+            </a:schemeClr>
+          </a:lnRef>
+          <a:fillRef idx="1">
+            <a:schemeClr val="accent1"/>
+          </a:fillRef>
+          <a:effectRef idx="0">
+            <a:schemeClr val="accent1"/>
+          </a:effectRef>
+          <a:fontRef idx="minor">
+            <a:schemeClr val="lt1"/>
+          </a:fontRef>
+        </p:style>
+        <p:txBody>
+          <a:bodyPr rtlCol="0" anchor="ctr"/>
+          <a:lstStyle/>
+          <a:p>
+            <a:pPr algn="ctr"/>
+            <a:endParaRPr lang="zh-CN" altLang="en-US"/>
+          </a:p>
+        </p:txBody>
+      </p:sp>
+      <p:sp>
+        <p:nvSpPr>
+          <p:cNvPr id="7" name="动作按钮: 转到主页 6">
+            <a:hlinkClick r:id="" action="ppaction://hlinkshowjump?jump=firstslide" highlightClick="1"/>
+            <a:extLst>
+              <a:ext uri="{FF2B5EF4-FFF2-40B4-BE49-F238E27FC236}">
+                <a16:creationId xmlns:a16="http://schemas.microsoft.com/office/drawing/2014/main" id="{1916DFF5-D89E-682B-46DB-E5C01C944B6D}"/>
+              </a:ext>
+            </a:extLst>
+          </p:cNvPr>
+          <p:cNvSpPr/>
+          <p:nvPr/>
+        </p:nvSpPr>
+        <p:spPr>
+          <a:xfrm>
+            <a:off x="4497567" y="4689887"/>
+            <a:ext cx="540000" cy="540000"/>
+          </a:xfrm>
+          <a:prstGeom prst="actionButtonHome">
+            <a:avLst/>
+          </a:prstGeom>
+        </p:spPr>
+        <p:style>
+          <a:lnRef idx="2">
+            <a:schemeClr val="accent4">
+              <a:shade val="15000"/>
+            </a:schemeClr>
+          </a:lnRef>
+          <a:fillRef idx="1">
+            <a:schemeClr val="accent4"/>
+          </a:fillRef>
+          <a:effectRef idx="0">
+            <a:schemeClr val="accent4"/>
+          </a:effectRef>
+          <a:fontRef idx="minor">
+            <a:schemeClr val="lt1"/>
+          </a:fontRef>
+        </p:style>
+        <p:txBody>
+          <a:bodyPr rtlCol="0" anchor="ctr"/>
+          <a:lstStyle/>
+          <a:p>
+            <a:pPr algn="ctr"/>
+            <a:endParaRPr lang="zh-CN" altLang="en-US"/>
+          </a:p>
+        </p:txBody>
+      </p:sp>
+      <p:sp>
+        <p:nvSpPr>
+          <p:cNvPr id="8" name="动作按钮: 上一张 7">
+            <a:hlinkClick r:id="" action="ppaction://hlinkshowjump?jump=lastslideviewed" highlightClick="1"/>
+            <a:extLst>
+              <a:ext uri="{FF2B5EF4-FFF2-40B4-BE49-F238E27FC236}">
+                <a16:creationId xmlns:a16="http://schemas.microsoft.com/office/drawing/2014/main" id="{3ED2ACBE-63E0-A86A-48C0-D0C13D356809}"/>
+              </a:ext>
+            </a:extLst>
+          </p:cNvPr>
+          <p:cNvSpPr/>
+          <p:nvPr/>
+        </p:nvSpPr>
+        <p:spPr>
+          <a:xfrm flipV="1">
+            <a:off x="7295199" y="4689887"/>
+            <a:ext cx="540000" cy="540000"/>
+          </a:xfrm>
+          <a:prstGeom prst="actionButtonReturn">
+            <a:avLst/>
+          </a:prstGeom>
+        </p:spPr>
+        <p:style>
+          <a:lnRef idx="2">
+            <a:schemeClr val="accent4">
+              <a:shade val="15000"/>
+            </a:schemeClr>
+          </a:lnRef>
+          <a:fillRef idx="1">
+            <a:schemeClr val="accent4"/>
+          </a:fillRef>
+          <a:effectRef idx="0">
+            <a:schemeClr val="accent4"/>
+          </a:effectRef>
+          <a:fontRef idx="minor">
+            <a:schemeClr val="lt1"/>
+          </a:fontRef>
+        </p:style>
+        <p:txBody>
+          <a:bodyPr rtlCol="0" anchor="ctr"/>
+          <a:lstStyle/>
+          <a:p>
+            <a:pPr algn="ctr"/>
+            <a:endParaRPr lang="zh-CN" altLang="en-US"/>
+          </a:p>
+        </p:txBody>
+      </p:sp>
+      <p:sp>
+        <p:nvSpPr>
+          <p:cNvPr id="17" name="带形: 上凸弯 16">
+            <a:extLst>
+              <a:ext uri="{FF2B5EF4-FFF2-40B4-BE49-F238E27FC236}">
+                <a16:creationId xmlns:a16="http://schemas.microsoft.com/office/drawing/2014/main" id="{8C2F5200-D949-AAB0-884C-5772AA34634B}"/>
+              </a:ext>
+            </a:extLst>
+          </p:cNvPr>
+          <p:cNvSpPr/>
+          <p:nvPr/>
+        </p:nvSpPr>
+        <p:spPr>
+          <a:xfrm>
+            <a:off x="2364127" y="1953228"/>
+            <a:ext cx="7859485" cy="1871645"/>
+          </a:xfrm>
+          <a:prstGeom prst="ellipseRibbon2">
+            <a:avLst>
+              <a:gd name="adj1" fmla="val 53941"/>
+              <a:gd name="adj2" fmla="val 27031"/>
+              <a:gd name="adj3" fmla="val 30912"/>
+            </a:avLst>
+          </a:prstGeom>
+        </p:spPr>
+        <p:style>
+          <a:lnRef idx="2">
+            <a:schemeClr val="accent1">
+              <a:shade val="15000"/>
+            </a:schemeClr>
+          </a:lnRef>
+          <a:fillRef idx="1">
+            <a:schemeClr val="accent1"/>
+          </a:fillRef>
+          <a:effectRef idx="0">
+            <a:schemeClr val="accent1"/>
+          </a:effectRef>
+          <a:fontRef idx="minor">
+            <a:schemeClr val="lt1"/>
+          </a:fontRef>
+        </p:style>
+        <p:txBody>
+          <a:bodyPr rtlCol="0" anchor="ctr"/>
+          <a:lstStyle/>
+          <a:p>
+            <a:pPr algn="ctr"/>
+            <a:endParaRPr lang="zh-CN" altLang="en-US" dirty="0"/>
+          </a:p>
+        </p:txBody>
+      </p:sp>
+      <p:sp>
+        <p:nvSpPr>
+          <p:cNvPr id="13" name="星形: 五角 12">
+            <a:extLst>
+              <a:ext uri="{FF2B5EF4-FFF2-40B4-BE49-F238E27FC236}">
+                <a16:creationId xmlns:a16="http://schemas.microsoft.com/office/drawing/2014/main" id="{D013696B-C377-B8C7-6966-4829908CB1AA}"/>
+              </a:ext>
+            </a:extLst>
+          </p:cNvPr>
+          <p:cNvSpPr/>
+          <p:nvPr/>
+        </p:nvSpPr>
+        <p:spPr>
+          <a:xfrm>
+            <a:off x="4562393" y="2505920"/>
+            <a:ext cx="616857" cy="638628"/>
+          </a:xfrm>
+          <a:prstGeom prst="star5">
+            <a:avLst/>
+          </a:prstGeom>
+          <a:noFill/>
+        </p:spPr>
+        <p:style>
+          <a:lnRef idx="2">
+            <a:schemeClr val="accent4"/>
+          </a:lnRef>
+          <a:fillRef idx="1">
+            <a:schemeClr val="lt1"/>
+          </a:fillRef>
+          <a:effectRef idx="0">
+            <a:schemeClr val="accent4"/>
+          </a:effectRef>
+          <a:fontRef idx="minor">
+            <a:schemeClr val="dk1"/>
+          </a:fontRef>
+        </p:style>
+        <p:txBody>
+          <a:bodyPr rtlCol="0" anchor="ctr"/>
+          <a:lstStyle/>
+          <a:p>
+            <a:pPr algn="ctr"/>
+            <a:endParaRPr lang="zh-CN" altLang="en-US"/>
+          </a:p>
+        </p:txBody>
+      </p:sp>
+      <p:sp>
+        <p:nvSpPr>
+          <p:cNvPr id="18" name="星形: 五角 17">
+            <a:extLst>
+              <a:ext uri="{FF2B5EF4-FFF2-40B4-BE49-F238E27FC236}">
+                <a16:creationId xmlns:a16="http://schemas.microsoft.com/office/drawing/2014/main" id="{FB61CA98-5AC7-9EA4-D201-76ACD78492A4}"/>
+              </a:ext>
+            </a:extLst>
+          </p:cNvPr>
+          <p:cNvSpPr/>
+          <p:nvPr/>
+        </p:nvSpPr>
+        <p:spPr>
+          <a:xfrm>
+            <a:off x="3335624" y="2746376"/>
+            <a:ext cx="616857" cy="638628"/>
+          </a:xfrm>
+          <a:prstGeom prst="star5">
+            <a:avLst/>
+          </a:prstGeom>
+          <a:noFill/>
+        </p:spPr>
+        <p:style>
+          <a:lnRef idx="2">
+            <a:schemeClr val="accent4"/>
+          </a:lnRef>
+          <a:fillRef idx="1">
+            <a:schemeClr val="lt1"/>
+          </a:fillRef>
+          <a:effectRef idx="0">
+            <a:schemeClr val="accent4"/>
+          </a:effectRef>
+          <a:fontRef idx="minor">
+            <a:schemeClr val="dk1"/>
+          </a:fontRef>
+        </p:style>
+        <p:txBody>
+          <a:bodyPr rtlCol="0" anchor="ctr"/>
+          <a:lstStyle/>
+          <a:p>
+            <a:pPr algn="ctr"/>
+            <a:endParaRPr lang="zh-CN" altLang="en-US"/>
+          </a:p>
+        </p:txBody>
+      </p:sp>
+      <p:sp>
+        <p:nvSpPr>
+          <p:cNvPr id="19" name="星形: 五角 18">
+            <a:extLst>
+              <a:ext uri="{FF2B5EF4-FFF2-40B4-BE49-F238E27FC236}">
+                <a16:creationId xmlns:a16="http://schemas.microsoft.com/office/drawing/2014/main" id="{5B01B40C-783A-F85B-B393-D3F01895A497}"/>
+              </a:ext>
+            </a:extLst>
+          </p:cNvPr>
+          <p:cNvSpPr/>
+          <p:nvPr/>
+        </p:nvSpPr>
+        <p:spPr>
+          <a:xfrm>
+            <a:off x="3965394" y="2621146"/>
+            <a:ext cx="616857" cy="638628"/>
+          </a:xfrm>
+          <a:prstGeom prst="star5">
+            <a:avLst/>
+          </a:prstGeom>
+          <a:noFill/>
+        </p:spPr>
+        <p:style>
+          <a:lnRef idx="2">
+            <a:schemeClr val="accent4"/>
+          </a:lnRef>
+          <a:fillRef idx="1">
+            <a:schemeClr val="lt1"/>
+          </a:fillRef>
+          <a:effectRef idx="0">
+            <a:schemeClr val="accent4"/>
+          </a:effectRef>
+          <a:fontRef idx="minor">
+            <a:schemeClr val="dk1"/>
+          </a:fontRef>
+        </p:style>
+        <p:txBody>
+          <a:bodyPr rtlCol="0" anchor="ctr"/>
+          <a:lstStyle/>
+          <a:p>
+            <a:pPr algn="ctr"/>
+            <a:endParaRPr lang="zh-CN" altLang="en-US"/>
+          </a:p>
+        </p:txBody>
+      </p:sp>
+      <p:sp>
+        <p:nvSpPr>
+          <p:cNvPr id="20" name="星形: 五角 19">
+            <a:extLst>
+              <a:ext uri="{FF2B5EF4-FFF2-40B4-BE49-F238E27FC236}">
+                <a16:creationId xmlns:a16="http://schemas.microsoft.com/office/drawing/2014/main" id="{CCFDDAB5-24CE-E83E-106F-54656CE816CB}"/>
+              </a:ext>
+            </a:extLst>
+          </p:cNvPr>
+          <p:cNvSpPr/>
+          <p:nvPr/>
+        </p:nvSpPr>
+        <p:spPr>
+          <a:xfrm>
+            <a:off x="8639628" y="2771323"/>
+            <a:ext cx="616857" cy="638628"/>
+          </a:xfrm>
+          <a:prstGeom prst="star5">
+            <a:avLst/>
+          </a:prstGeom>
+          <a:noFill/>
+        </p:spPr>
+        <p:style>
+          <a:lnRef idx="2">
+            <a:schemeClr val="accent4"/>
+          </a:lnRef>
+          <a:fillRef idx="1">
+            <a:schemeClr val="lt1"/>
+          </a:fillRef>
+          <a:effectRef idx="0">
+            <a:schemeClr val="accent4"/>
+          </a:effectRef>
+          <a:fontRef idx="minor">
+            <a:schemeClr val="dk1"/>
+          </a:fontRef>
+        </p:style>
+        <p:txBody>
+          <a:bodyPr rtlCol="0" anchor="ctr"/>
+          <a:lstStyle>
+            <a:defPPr>
+              <a:defRPr lang="zh-CN"/>
+            </a:defPPr>
+            <a:lvl1pPr marL="0" algn="l" defTabSz="914400" rtl="0" eaLnBrk="1" latinLnBrk="0" hangingPunct="1">
+              <a:defRPr sz="1800" kern="1200">
+                <a:solidFill>
+                  <a:schemeClr val="dk1"/>
+                </a:solidFill>
+                <a:latin typeface="+mn-lt"/>
+                <a:ea typeface="+mn-ea"/>
+                <a:cs typeface="+mn-cs"/>
+              </a:defRPr>
+            </a:lvl1pPr>
+            <a:lvl2pPr marL="457200" algn="l" defTabSz="914400" rtl="0" eaLnBrk="1" latinLnBrk="0" hangingPunct="1">
+              <a:defRPr sz="1800" kern="1200">
+                <a:solidFill>
+                  <a:schemeClr val="dk1"/>
+                </a:solidFill>
+                <a:latin typeface="+mn-lt"/>
+                <a:ea typeface="+mn-ea"/>
+                <a:cs typeface="+mn-cs"/>
+              </a:defRPr>
+            </a:lvl2pPr>
+            <a:lvl3pPr marL="914400" algn="l" defTabSz="914400" rtl="0" eaLnBrk="1" latinLnBrk="0" hangingPunct="1">
+              <a:defRPr sz="1800" kern="1200">
+                <a:solidFill>
+                  <a:schemeClr val="dk1"/>
+                </a:solidFill>
+                <a:latin typeface="+mn-lt"/>
+                <a:ea typeface="+mn-ea"/>
+                <a:cs typeface="+mn-cs"/>
+              </a:defRPr>
+            </a:lvl3pPr>
+            <a:lvl4pPr marL="1371600" algn="l" defTabSz="914400" rtl="0" eaLnBrk="1" latinLnBrk="0" hangingPunct="1">
+              <a:defRPr sz="1800" kern="1200">
+                <a:solidFill>
+                  <a:schemeClr val="dk1"/>
+                </a:solidFill>
+                <a:latin typeface="+mn-lt"/>
+                <a:ea typeface="+mn-ea"/>
+                <a:cs typeface="+mn-cs"/>
+              </a:defRPr>
+            </a:lvl4pPr>
+            <a:lvl5pPr marL="1828800" algn="l" defTabSz="914400" rtl="0" eaLnBrk="1" latinLnBrk="0" hangingPunct="1">
+              <a:defRPr sz="1800" kern="1200">
+                <a:solidFill>
+                  <a:schemeClr val="dk1"/>
+                </a:solidFill>
+                <a:latin typeface="+mn-lt"/>
+                <a:ea typeface="+mn-ea"/>
+                <a:cs typeface="+mn-cs"/>
+              </a:defRPr>
+            </a:lvl5pPr>
+            <a:lvl6pPr marL="2286000" algn="l" defTabSz="914400" rtl="0" eaLnBrk="1" latinLnBrk="0" hangingPunct="1">
+              <a:defRPr sz="1800" kern="1200">
+                <a:solidFill>
+                  <a:schemeClr val="dk1"/>
+                </a:solidFill>
+                <a:latin typeface="+mn-lt"/>
+                <a:ea typeface="+mn-ea"/>
+                <a:cs typeface="+mn-cs"/>
+              </a:defRPr>
+            </a:lvl6pPr>
+            <a:lvl7pPr marL="2743200" algn="l" defTabSz="914400" rtl="0" eaLnBrk="1" latinLnBrk="0" hangingPunct="1">
+              <a:defRPr sz="1800" kern="1200">
+                <a:solidFill>
+                  <a:schemeClr val="dk1"/>
+                </a:solidFill>
+                <a:latin typeface="+mn-lt"/>
+                <a:ea typeface="+mn-ea"/>
+                <a:cs typeface="+mn-cs"/>
+              </a:defRPr>
+            </a:lvl7pPr>
+            <a:lvl8pPr marL="3200400" algn="l" defTabSz="914400" rtl="0" eaLnBrk="1" latinLnBrk="0" hangingPunct="1">
+              <a:defRPr sz="1800" kern="1200">
+                <a:solidFill>
+                  <a:schemeClr val="dk1"/>
+                </a:solidFill>
+                <a:latin typeface="+mn-lt"/>
+                <a:ea typeface="+mn-ea"/>
+                <a:cs typeface="+mn-cs"/>
+              </a:defRPr>
+            </a:lvl8pPr>
+            <a:lvl9pPr marL="3657600" algn="l" defTabSz="914400" rtl="0" eaLnBrk="1" latinLnBrk="0" hangingPunct="1">
+              <a:defRPr sz="1800" kern="1200">
+                <a:solidFill>
+                  <a:schemeClr val="dk1"/>
+                </a:solidFill>
+                <a:latin typeface="+mn-lt"/>
+                <a:ea typeface="+mn-ea"/>
+                <a:cs typeface="+mn-cs"/>
+              </a:defRPr>
+            </a:lvl9pPr>
+          </a:lstStyle>
+          <a:p>
+            <a:pPr algn="ctr"/>
+            <a:endParaRPr lang="zh-CN" altLang="en-US"/>
+          </a:p>
+        </p:txBody>
+      </p:sp>
+      <p:sp>
+        <p:nvSpPr>
+          <p:cNvPr id="21" name="星形: 五角 20">
+            <a:extLst>
+              <a:ext uri="{FF2B5EF4-FFF2-40B4-BE49-F238E27FC236}">
+                <a16:creationId xmlns:a16="http://schemas.microsoft.com/office/drawing/2014/main" id="{CB397796-EAFA-5BCC-494E-26EECAEBE02A}"/>
+              </a:ext>
+            </a:extLst>
+          </p:cNvPr>
+          <p:cNvSpPr/>
+          <p:nvPr/>
+        </p:nvSpPr>
+        <p:spPr>
+          <a:xfrm>
+            <a:off x="8019140" y="2695821"/>
+            <a:ext cx="616857" cy="638628"/>
+          </a:xfrm>
+          <a:prstGeom prst="star5">
+            <a:avLst/>
+          </a:prstGeom>
+          <a:noFill/>
+        </p:spPr>
+        <p:style>
+          <a:lnRef idx="2">
+            <a:schemeClr val="accent4"/>
+          </a:lnRef>
+          <a:fillRef idx="1">
+            <a:schemeClr val="lt1"/>
+          </a:fillRef>
+          <a:effectRef idx="0">
+            <a:schemeClr val="accent4"/>
+          </a:effectRef>
+          <a:fontRef idx="minor">
+            <a:schemeClr val="dk1"/>
+          </a:fontRef>
+        </p:style>
+        <p:txBody>
+          <a:bodyPr rtlCol="0" anchor="ctr"/>
+          <a:lstStyle>
+            <a:defPPr>
+              <a:defRPr lang="zh-CN"/>
+            </a:defPPr>
+            <a:lvl1pPr marL="0" algn="l" defTabSz="914400" rtl="0" eaLnBrk="1" latinLnBrk="0" hangingPunct="1">
+              <a:defRPr sz="1800" kern="1200">
+                <a:solidFill>
+                  <a:schemeClr val="dk1"/>
+                </a:solidFill>
+                <a:latin typeface="+mn-lt"/>
+                <a:ea typeface="+mn-ea"/>
+                <a:cs typeface="+mn-cs"/>
+              </a:defRPr>
+            </a:lvl1pPr>
+            <a:lvl2pPr marL="457200" algn="l" defTabSz="914400" rtl="0" eaLnBrk="1" latinLnBrk="0" hangingPunct="1">
+              <a:defRPr sz="1800" kern="1200">
+                <a:solidFill>
+                  <a:schemeClr val="dk1"/>
+                </a:solidFill>
+                <a:latin typeface="+mn-lt"/>
+                <a:ea typeface="+mn-ea"/>
+                <a:cs typeface="+mn-cs"/>
+              </a:defRPr>
+            </a:lvl2pPr>
+            <a:lvl3pPr marL="914400" algn="l" defTabSz="914400" rtl="0" eaLnBrk="1" latinLnBrk="0" hangingPunct="1">
+              <a:defRPr sz="1800" kern="1200">
+                <a:solidFill>
+                  <a:schemeClr val="dk1"/>
+                </a:solidFill>
+                <a:latin typeface="+mn-lt"/>
+                <a:ea typeface="+mn-ea"/>
+                <a:cs typeface="+mn-cs"/>
+              </a:defRPr>
+            </a:lvl3pPr>
+            <a:lvl4pPr marL="1371600" algn="l" defTabSz="914400" rtl="0" eaLnBrk="1" latinLnBrk="0" hangingPunct="1">
+              <a:defRPr sz="1800" kern="1200">
+                <a:solidFill>
+                  <a:schemeClr val="dk1"/>
+                </a:solidFill>
+                <a:latin typeface="+mn-lt"/>
+                <a:ea typeface="+mn-ea"/>
+                <a:cs typeface="+mn-cs"/>
+              </a:defRPr>
+            </a:lvl4pPr>
+            <a:lvl5pPr marL="1828800" algn="l" defTabSz="914400" rtl="0" eaLnBrk="1" latinLnBrk="0" hangingPunct="1">
+              <a:defRPr sz="1800" kern="1200">
+                <a:solidFill>
+                  <a:schemeClr val="dk1"/>
+                </a:solidFill>
+                <a:latin typeface="+mn-lt"/>
+                <a:ea typeface="+mn-ea"/>
+                <a:cs typeface="+mn-cs"/>
+              </a:defRPr>
+            </a:lvl5pPr>
+            <a:lvl6pPr marL="2286000" algn="l" defTabSz="914400" rtl="0" eaLnBrk="1" latinLnBrk="0" hangingPunct="1">
+              <a:defRPr sz="1800" kern="1200">
+                <a:solidFill>
+                  <a:schemeClr val="dk1"/>
+                </a:solidFill>
+                <a:latin typeface="+mn-lt"/>
+                <a:ea typeface="+mn-ea"/>
+                <a:cs typeface="+mn-cs"/>
+              </a:defRPr>
+            </a:lvl6pPr>
+            <a:lvl7pPr marL="2743200" algn="l" defTabSz="914400" rtl="0" eaLnBrk="1" latinLnBrk="0" hangingPunct="1">
+              <a:defRPr sz="1800" kern="1200">
+                <a:solidFill>
+                  <a:schemeClr val="dk1"/>
+                </a:solidFill>
+                <a:latin typeface="+mn-lt"/>
+                <a:ea typeface="+mn-ea"/>
+                <a:cs typeface="+mn-cs"/>
+              </a:defRPr>
+            </a:lvl7pPr>
+            <a:lvl8pPr marL="3200400" algn="l" defTabSz="914400" rtl="0" eaLnBrk="1" latinLnBrk="0" hangingPunct="1">
+              <a:defRPr sz="1800" kern="1200">
+                <a:solidFill>
+                  <a:schemeClr val="dk1"/>
+                </a:solidFill>
+                <a:latin typeface="+mn-lt"/>
+                <a:ea typeface="+mn-ea"/>
+                <a:cs typeface="+mn-cs"/>
+              </a:defRPr>
+            </a:lvl8pPr>
+            <a:lvl9pPr marL="3657600" algn="l" defTabSz="914400" rtl="0" eaLnBrk="1" latinLnBrk="0" hangingPunct="1">
+              <a:defRPr sz="1800" kern="1200">
+                <a:solidFill>
+                  <a:schemeClr val="dk1"/>
+                </a:solidFill>
+                <a:latin typeface="+mn-lt"/>
+                <a:ea typeface="+mn-ea"/>
+                <a:cs typeface="+mn-cs"/>
+              </a:defRPr>
+            </a:lvl9pPr>
+          </a:lstStyle>
+          <a:p>
+            <a:pPr algn="ctr"/>
+            <a:endParaRPr lang="zh-CN" altLang="en-US"/>
+          </a:p>
+        </p:txBody>
+      </p:sp>
+      <p:sp>
+        <p:nvSpPr>
+          <p:cNvPr id="22" name="星形: 五角 21">
+            <a:extLst>
+              <a:ext uri="{FF2B5EF4-FFF2-40B4-BE49-F238E27FC236}">
+                <a16:creationId xmlns:a16="http://schemas.microsoft.com/office/drawing/2014/main" id="{863E9E2E-E269-7F4D-2EA1-FF965F49F883}"/>
+              </a:ext>
+            </a:extLst>
+          </p:cNvPr>
+          <p:cNvSpPr/>
+          <p:nvPr/>
+        </p:nvSpPr>
+        <p:spPr>
+          <a:xfrm>
+            <a:off x="7448384" y="2552141"/>
+            <a:ext cx="616857" cy="638628"/>
+          </a:xfrm>
+          <a:prstGeom prst="star5">
+            <a:avLst/>
+          </a:prstGeom>
+          <a:noFill/>
+        </p:spPr>
+        <p:style>
+          <a:lnRef idx="2">
+            <a:schemeClr val="accent4"/>
+          </a:lnRef>
+          <a:fillRef idx="1">
+            <a:schemeClr val="lt1"/>
+          </a:fillRef>
+          <a:effectRef idx="0">
+            <a:schemeClr val="accent4"/>
+          </a:effectRef>
+          <a:fontRef idx="minor">
+            <a:schemeClr val="dk1"/>
+          </a:fontRef>
+        </p:style>
+        <p:txBody>
+          <a:bodyPr rtlCol="0" anchor="ctr"/>
+          <a:lstStyle>
+            <a:defPPr>
+              <a:defRPr lang="zh-CN"/>
+            </a:defPPr>
+            <a:lvl1pPr marL="0" algn="l" defTabSz="914400" rtl="0" eaLnBrk="1" latinLnBrk="0" hangingPunct="1">
+              <a:defRPr sz="1800" kern="1200">
+                <a:solidFill>
+                  <a:schemeClr val="dk1"/>
+                </a:solidFill>
+                <a:latin typeface="+mn-lt"/>
+                <a:ea typeface="+mn-ea"/>
+                <a:cs typeface="+mn-cs"/>
+              </a:defRPr>
+            </a:lvl1pPr>
+            <a:lvl2pPr marL="457200" algn="l" defTabSz="914400" rtl="0" eaLnBrk="1" latinLnBrk="0" hangingPunct="1">
+              <a:defRPr sz="1800" kern="1200">
+                <a:solidFill>
+                  <a:schemeClr val="dk1"/>
+                </a:solidFill>
+                <a:latin typeface="+mn-lt"/>
+                <a:ea typeface="+mn-ea"/>
+                <a:cs typeface="+mn-cs"/>
+              </a:defRPr>
+            </a:lvl2pPr>
+            <a:lvl3pPr marL="914400" algn="l" defTabSz="914400" rtl="0" eaLnBrk="1" latinLnBrk="0" hangingPunct="1">
+              <a:defRPr sz="1800" kern="1200">
+                <a:solidFill>
+                  <a:schemeClr val="dk1"/>
+                </a:solidFill>
+                <a:latin typeface="+mn-lt"/>
+                <a:ea typeface="+mn-ea"/>
+                <a:cs typeface="+mn-cs"/>
+              </a:defRPr>
+            </a:lvl3pPr>
+            <a:lvl4pPr marL="1371600" algn="l" defTabSz="914400" rtl="0" eaLnBrk="1" latinLnBrk="0" hangingPunct="1">
+              <a:defRPr sz="1800" kern="1200">
+                <a:solidFill>
+                  <a:schemeClr val="dk1"/>
+                </a:solidFill>
+                <a:latin typeface="+mn-lt"/>
+                <a:ea typeface="+mn-ea"/>
+                <a:cs typeface="+mn-cs"/>
+              </a:defRPr>
+            </a:lvl4pPr>
+            <a:lvl5pPr marL="1828800" algn="l" defTabSz="914400" rtl="0" eaLnBrk="1" latinLnBrk="0" hangingPunct="1">
+              <a:defRPr sz="1800" kern="1200">
+                <a:solidFill>
+                  <a:schemeClr val="dk1"/>
+                </a:solidFill>
+                <a:latin typeface="+mn-lt"/>
+                <a:ea typeface="+mn-ea"/>
+                <a:cs typeface="+mn-cs"/>
+              </a:defRPr>
+            </a:lvl5pPr>
+            <a:lvl6pPr marL="2286000" algn="l" defTabSz="914400" rtl="0" eaLnBrk="1" latinLnBrk="0" hangingPunct="1">
+              <a:defRPr sz="1800" kern="1200">
+                <a:solidFill>
+                  <a:schemeClr val="dk1"/>
+                </a:solidFill>
+                <a:latin typeface="+mn-lt"/>
+                <a:ea typeface="+mn-ea"/>
+                <a:cs typeface="+mn-cs"/>
+              </a:defRPr>
+            </a:lvl6pPr>
+            <a:lvl7pPr marL="2743200" algn="l" defTabSz="914400" rtl="0" eaLnBrk="1" latinLnBrk="0" hangingPunct="1">
+              <a:defRPr sz="1800" kern="1200">
+                <a:solidFill>
+                  <a:schemeClr val="dk1"/>
+                </a:solidFill>
+                <a:latin typeface="+mn-lt"/>
+                <a:ea typeface="+mn-ea"/>
+                <a:cs typeface="+mn-cs"/>
+              </a:defRPr>
+            </a:lvl7pPr>
+            <a:lvl8pPr marL="3200400" algn="l" defTabSz="914400" rtl="0" eaLnBrk="1" latinLnBrk="0" hangingPunct="1">
+              <a:defRPr sz="1800" kern="1200">
+                <a:solidFill>
+                  <a:schemeClr val="dk1"/>
+                </a:solidFill>
+                <a:latin typeface="+mn-lt"/>
+                <a:ea typeface="+mn-ea"/>
+                <a:cs typeface="+mn-cs"/>
+              </a:defRPr>
+            </a:lvl8pPr>
+            <a:lvl9pPr marL="3657600" algn="l" defTabSz="914400" rtl="0" eaLnBrk="1" latinLnBrk="0" hangingPunct="1">
+              <a:defRPr sz="1800" kern="1200">
+                <a:solidFill>
+                  <a:schemeClr val="dk1"/>
+                </a:solidFill>
+                <a:latin typeface="+mn-lt"/>
+                <a:ea typeface="+mn-ea"/>
+                <a:cs typeface="+mn-cs"/>
+              </a:defRPr>
+            </a:lvl9pPr>
+          </a:lstStyle>
+          <a:p>
+            <a:pPr algn="ctr"/>
+            <a:endParaRPr lang="zh-CN" altLang="en-US"/>
+          </a:p>
+        </p:txBody>
+      </p:sp>
+      <p:sp>
+        <p:nvSpPr>
+          <p:cNvPr id="23" name="文本框 22">
+            <a:extLst>
+              <a:ext uri="{FF2B5EF4-FFF2-40B4-BE49-F238E27FC236}">
+                <a16:creationId xmlns:a16="http://schemas.microsoft.com/office/drawing/2014/main" id="{10906A83-F5E5-854C-092F-041BF29B1C3B}"/>
+              </a:ext>
+            </a:extLst>
+          </p:cNvPr>
+          <p:cNvSpPr txBox="1"/>
+          <p:nvPr/>
+        </p:nvSpPr>
+        <p:spPr>
+          <a:xfrm>
+            <a:off x="5037567" y="3574610"/>
+            <a:ext cx="2168776" cy="707886"/>
+          </a:xfrm>
+          <a:prstGeom prst="rect">
+            <a:avLst/>
+          </a:prstGeom>
+          <a:noFill/>
+        </p:spPr>
+        <p:txBody>
+          <a:bodyPr wrap="square" rtlCol="0">
+            <a:spAutoFit/>
+          </a:bodyPr>
+          <a:lstStyle/>
+          <a:p>
+            <a:pPr algn="ctr"/>
+            <a:r>
+              <a:rPr lang="en-US" altLang="zh-CN" sz="4000" dirty="0">
+                <a:ln w="0"/>
+                <a:effectLst>
+                  <a:outerShdw blurRad="38100" dist="19050" dir="2700000" algn="tl" rotWithShape="0">
+                    <a:schemeClr val="dk1">
+                      <a:alpha val="40000"/>
+                    </a:schemeClr>
+                  </a:outerShdw>
+                </a:effectLst>
+                <a:latin typeface="Arial" panose="020B0604020202020204" pitchFamily="34" charset="0"/>
+                <a:cs typeface="Arial" panose="020B0604020202020204" pitchFamily="34" charset="0"/>
+              </a:rPr>
+              <a:t>DEFEAT</a:t>
+            </a:r>
+            <a:endParaRPr lang="zh-CN" altLang="en-US" sz="4000" dirty="0">
+              <a:ln w="0"/>
+              <a:effectLst>
+                <a:outerShdw blurRad="38100" dist="19050" dir="2700000" algn="tl" rotWithShape="0">
+                  <a:schemeClr val="dk1">
+                    <a:alpha val="40000"/>
+                  </a:schemeClr>
+                </a:outerShdw>
+              </a:effectLst>
+              <a:latin typeface="Arial" panose="020B0604020202020204" pitchFamily="34" charset="0"/>
+              <a:cs typeface="Arial" panose="020B0604020202020204" pitchFamily="34" charset="0"/>
+            </a:endParaRPr>
+          </a:p>
+        </p:txBody>
+      </p:sp>
+      <p:sp>
+        <p:nvSpPr>
+          <p:cNvPr id="36" name="星形: 六角 35">
+            <a:extLst>
+              <a:ext uri="{FF2B5EF4-FFF2-40B4-BE49-F238E27FC236}">
+                <a16:creationId xmlns:a16="http://schemas.microsoft.com/office/drawing/2014/main" id="{4303ADCB-0C7F-372D-C8D8-85E0574D5A9D}"/>
+              </a:ext>
+            </a:extLst>
+          </p:cNvPr>
+          <p:cNvSpPr/>
+          <p:nvPr/>
+        </p:nvSpPr>
+        <p:spPr>
+          <a:xfrm>
+            <a:off x="5675086" y="1865990"/>
+            <a:ext cx="1237569" cy="1005465"/>
+          </a:xfrm>
+          <a:prstGeom prst="star6">
+            <a:avLst/>
+          </a:prstGeom>
+          <a:solidFill>
+            <a:schemeClr val="bg1"/>
+          </a:solidFill>
+          <a:ln w="76200">
+            <a:solidFill>
+              <a:srgbClr val="0070C0"/>
+            </a:solidFill>
+          </a:ln>
+        </p:spPr>
+        <p:style>
+          <a:lnRef idx="2">
+            <a:schemeClr val="accent1">
+              <a:shade val="50000"/>
+            </a:schemeClr>
+          </a:lnRef>
+          <a:fillRef idx="1">
+            <a:schemeClr val="accent1"/>
+          </a:fillRef>
+          <a:effectRef idx="0">
+            <a:schemeClr val="accent1"/>
+          </a:effectRef>
+          <a:fontRef idx="minor">
+            <a:schemeClr val="lt1"/>
+          </a:fontRef>
+        </p:style>
+        <p:txBody>
+          <a:bodyPr rtlCol="0" anchor="ctr"/>
+          <a:lstStyle/>
+          <a:p>
+            <a:pPr algn="ctr"/>
+            <a:endParaRPr lang="zh-CN" altLang="en-US"/>
+          </a:p>
+        </p:txBody>
+      </p:sp>
+      <p:pic>
+        <p:nvPicPr>
+          <p:cNvPr id="39" name="图形 6" descr="足球 纯色填充">
+            <a:extLst>
+              <a:ext uri="{FF2B5EF4-FFF2-40B4-BE49-F238E27FC236}">
+                <a16:creationId xmlns:a16="http://schemas.microsoft.com/office/drawing/2014/main" id="{CF7811EA-996E-2E3E-842C-037D693AE990}"/>
+              </a:ext>
+            </a:extLst>
+          </p:cNvPr>
+          <p:cNvPicPr>
+            <a:picLocks noChangeAspect="1"/>
+          </p:cNvPicPr>
+          <p:nvPr/>
+        </p:nvPicPr>
+        <p:blipFill>
+          <a:blip r:embed="rId2">
+            <a:extLst>
+              <a:ext uri="{28A0092B-C50C-407E-A947-70E740481C1C}">
+                <a14:useLocalDpi xmlns:a14="http://schemas.microsoft.com/office/drawing/2010/main" val="0"/>
+              </a:ext>
+              <a:ext uri="{96DAC541-7B7A-43D3-8B79-37D633B846F1}">
+                <asvg:svgBlip xmlns:asvg="http://schemas.microsoft.com/office/drawing/2016/SVG/main" r:embed="rId3"/>
+              </a:ext>
+            </a:extLst>
+          </a:blip>
+          <a:stretch>
+            <a:fillRect/>
+          </a:stretch>
+        </p:blipFill>
+        <p:spPr>
+          <a:xfrm>
+            <a:off x="5871501" y="1987250"/>
+            <a:ext cx="799808" cy="799808"/>
+          </a:xfrm>
+          <a:prstGeom prst="rect">
+            <a:avLst/>
+          </a:prstGeom>
+        </p:spPr>
+      </p:pic>
+    </p:spTree>
+    <p:extLst>
+      <p:ext uri="{BB962C8B-B14F-4D97-AF65-F5344CB8AC3E}">
+        <p14:creationId xmlns:p14="http://schemas.microsoft.com/office/powerpoint/2010/main" val="1533152449"/>
       </p:ext>
     </p:extLst>
   </p:cSld>

--- a/pics/paintings.pptx
+++ b/pics/paintings.pptx
@@ -13,8 +13,10 @@
     <p:sldId id="261" r:id="rId7"/>
     <p:sldId id="262" r:id="rId8"/>
     <p:sldId id="263" r:id="rId9"/>
-    <p:sldId id="264" r:id="rId10"/>
-    <p:sldId id="265" r:id="rId11"/>
+    <p:sldId id="267" r:id="rId10"/>
+    <p:sldId id="268" r:id="rId11"/>
+    <p:sldId id="265" r:id="rId12"/>
+    <p:sldId id="266" r:id="rId13"/>
   </p:sldIdLst>
   <p:sldSz cx="12192000" cy="6858000"/>
   <p:notesSz cx="6858000" cy="9144000"/>
@@ -268,7 +270,7 @@
           <a:p>
             <a:fld id="{01233CE7-9F99-43B8-8E0A-C2A344A065FA}" type="datetimeFigureOut">
               <a:rPr lang="zh-CN" altLang="en-US" smtClean="0"/>
-              <a:t>2024/3/2</a:t>
+              <a:t>2024/3/4</a:t>
             </a:fld>
             <a:endParaRPr lang="zh-CN" altLang="en-US"/>
           </a:p>
@@ -466,7 +468,7 @@
           <a:p>
             <a:fld id="{01233CE7-9F99-43B8-8E0A-C2A344A065FA}" type="datetimeFigureOut">
               <a:rPr lang="zh-CN" altLang="en-US" smtClean="0"/>
-              <a:t>2024/3/2</a:t>
+              <a:t>2024/3/4</a:t>
             </a:fld>
             <a:endParaRPr lang="zh-CN" altLang="en-US"/>
           </a:p>
@@ -674,7 +676,7 @@
           <a:p>
             <a:fld id="{01233CE7-9F99-43B8-8E0A-C2A344A065FA}" type="datetimeFigureOut">
               <a:rPr lang="zh-CN" altLang="en-US" smtClean="0"/>
-              <a:t>2024/3/2</a:t>
+              <a:t>2024/3/4</a:t>
             </a:fld>
             <a:endParaRPr lang="zh-CN" altLang="en-US"/>
           </a:p>
@@ -872,7 +874,7 @@
           <a:p>
             <a:fld id="{01233CE7-9F99-43B8-8E0A-C2A344A065FA}" type="datetimeFigureOut">
               <a:rPr lang="zh-CN" altLang="en-US" smtClean="0"/>
-              <a:t>2024/3/2</a:t>
+              <a:t>2024/3/4</a:t>
             </a:fld>
             <a:endParaRPr lang="zh-CN" altLang="en-US"/>
           </a:p>
@@ -1147,7 +1149,7 @@
           <a:p>
             <a:fld id="{01233CE7-9F99-43B8-8E0A-C2A344A065FA}" type="datetimeFigureOut">
               <a:rPr lang="zh-CN" altLang="en-US" smtClean="0"/>
-              <a:t>2024/3/2</a:t>
+              <a:t>2024/3/4</a:t>
             </a:fld>
             <a:endParaRPr lang="zh-CN" altLang="en-US"/>
           </a:p>
@@ -1412,7 +1414,7 @@
           <a:p>
             <a:fld id="{01233CE7-9F99-43B8-8E0A-C2A344A065FA}" type="datetimeFigureOut">
               <a:rPr lang="zh-CN" altLang="en-US" smtClean="0"/>
-              <a:t>2024/3/2</a:t>
+              <a:t>2024/3/4</a:t>
             </a:fld>
             <a:endParaRPr lang="zh-CN" altLang="en-US"/>
           </a:p>
@@ -1824,7 +1826,7 @@
           <a:p>
             <a:fld id="{01233CE7-9F99-43B8-8E0A-C2A344A065FA}" type="datetimeFigureOut">
               <a:rPr lang="zh-CN" altLang="en-US" smtClean="0"/>
-              <a:t>2024/3/2</a:t>
+              <a:t>2024/3/4</a:t>
             </a:fld>
             <a:endParaRPr lang="zh-CN" altLang="en-US"/>
           </a:p>
@@ -1965,7 +1967,7 @@
           <a:p>
             <a:fld id="{01233CE7-9F99-43B8-8E0A-C2A344A065FA}" type="datetimeFigureOut">
               <a:rPr lang="zh-CN" altLang="en-US" smtClean="0"/>
-              <a:t>2024/3/2</a:t>
+              <a:t>2024/3/4</a:t>
             </a:fld>
             <a:endParaRPr lang="zh-CN" altLang="en-US"/>
           </a:p>
@@ -2078,7 +2080,7 @@
           <a:p>
             <a:fld id="{01233CE7-9F99-43B8-8E0A-C2A344A065FA}" type="datetimeFigureOut">
               <a:rPr lang="zh-CN" altLang="en-US" smtClean="0"/>
-              <a:t>2024/3/2</a:t>
+              <a:t>2024/3/4</a:t>
             </a:fld>
             <a:endParaRPr lang="zh-CN" altLang="en-US"/>
           </a:p>
@@ -2389,7 +2391,7 @@
           <a:p>
             <a:fld id="{01233CE7-9F99-43B8-8E0A-C2A344A065FA}" type="datetimeFigureOut">
               <a:rPr lang="zh-CN" altLang="en-US" smtClean="0"/>
-              <a:t>2024/3/2</a:t>
+              <a:t>2024/3/4</a:t>
             </a:fld>
             <a:endParaRPr lang="zh-CN" altLang="en-US"/>
           </a:p>
@@ -2677,7 +2679,7 @@
           <a:p>
             <a:fld id="{01233CE7-9F99-43B8-8E0A-C2A344A065FA}" type="datetimeFigureOut">
               <a:rPr lang="zh-CN" altLang="en-US" smtClean="0"/>
-              <a:t>2024/3/2</a:t>
+              <a:t>2024/3/4</a:t>
             </a:fld>
             <a:endParaRPr lang="zh-CN" altLang="en-US"/>
           </a:p>
@@ -2918,7 +2920,7 @@
           <a:p>
             <a:fld id="{01233CE7-9F99-43B8-8E0A-C2A344A065FA}" type="datetimeFigureOut">
               <a:rPr lang="zh-CN" altLang="en-US" smtClean="0"/>
-              <a:t>2024/3/2</a:t>
+              <a:t>2024/3/4</a:t>
             </a:fld>
             <a:endParaRPr lang="zh-CN" altLang="en-US"/>
           </a:p>
@@ -3356,7 +3358,7 @@
           <a:bodyPr/>
           <a:lstStyle/>
           <a:p>
-            <a:endParaRPr lang="zh-CN" altLang="en-US"/>
+            <a:endParaRPr lang="zh-CN" altLang="en-US" dirty="0"/>
           </a:p>
         </p:txBody>
       </p:sp>
@@ -3403,7 +3405,13 @@
   <p:cSld>
     <p:spTree>
       <p:nvGrpSpPr>
-        <p:cNvPr id="1" name=""/>
+        <p:cNvPr id="1" name="">
+          <a:extLst>
+            <a:ext uri="{FF2B5EF4-FFF2-40B4-BE49-F238E27FC236}">
+              <a16:creationId xmlns:a16="http://schemas.microsoft.com/office/drawing/2014/main" id="{A002CF1E-EFBC-8445-DE7B-D42AFDC4B2A0}"/>
+            </a:ext>
+          </a:extLst>
+        </p:cNvPr>
         <p:cNvGrpSpPr/>
         <p:nvPr/>
       </p:nvGrpSpPr>
@@ -3417,10 +3425,49 @@
       </p:grpSpPr>
       <p:sp>
         <p:nvSpPr>
-          <p:cNvPr id="2" name="星形: 五角 1">
-            <a:extLst>
-              <a:ext uri="{FF2B5EF4-FFF2-40B4-BE49-F238E27FC236}">
-                <a16:creationId xmlns:a16="http://schemas.microsoft.com/office/drawing/2014/main" id="{0AA8EBEE-3AAA-5463-D0B2-CC2BB7505DC7}"/>
+          <p:cNvPr id="2" name="文本框 1">
+            <a:extLst>
+              <a:ext uri="{FF2B5EF4-FFF2-40B4-BE49-F238E27FC236}">
+                <a16:creationId xmlns:a16="http://schemas.microsoft.com/office/drawing/2014/main" id="{09E4ABD2-8578-8A78-0187-D7827B9B6F16}"/>
+              </a:ext>
+            </a:extLst>
+          </p:cNvPr>
+          <p:cNvSpPr txBox="1"/>
+          <p:nvPr/>
+        </p:nvSpPr>
+        <p:spPr>
+          <a:xfrm>
+            <a:off x="2348004" y="1716282"/>
+            <a:ext cx="7859486" cy="4500000"/>
+          </a:xfrm>
+          <a:prstGeom prst="rect">
+            <a:avLst/>
+          </a:prstGeom>
+          <a:solidFill>
+            <a:schemeClr val="tx1">
+              <a:alpha val="95000"/>
+            </a:schemeClr>
+          </a:solidFill>
+          <a:ln>
+            <a:noFill/>
+          </a:ln>
+        </p:spPr>
+        <p:txBody>
+          <a:bodyPr wrap="square" rtlCol="0">
+            <a:spAutoFit/>
+          </a:bodyPr>
+          <a:lstStyle/>
+          <a:p>
+            <a:endParaRPr lang="zh-CN" altLang="en-US" dirty="0"/>
+          </a:p>
+        </p:txBody>
+      </p:sp>
+      <p:sp>
+        <p:nvSpPr>
+          <p:cNvPr id="17" name="带形: 上凸弯 16">
+            <a:extLst>
+              <a:ext uri="{FF2B5EF4-FFF2-40B4-BE49-F238E27FC236}">
+                <a16:creationId xmlns:a16="http://schemas.microsoft.com/office/drawing/2014/main" id="{06403DEF-006F-72D8-0CCD-9BA588407DC6}"/>
               </a:ext>
             </a:extLst>
           </p:cNvPr>
@@ -3429,15 +3476,72 @@
         </p:nvSpPr>
         <p:spPr>
           <a:xfrm>
-            <a:off x="3335624" y="2746376"/>
+            <a:off x="2361851" y="2004637"/>
+            <a:ext cx="7859485" cy="1871645"/>
+          </a:xfrm>
+          <a:prstGeom prst="ellipseRibbon2">
+            <a:avLst>
+              <a:gd name="adj1" fmla="val 53941"/>
+              <a:gd name="adj2" fmla="val 30406"/>
+              <a:gd name="adj3" fmla="val 30912"/>
+            </a:avLst>
+          </a:prstGeom>
+          <a:solidFill>
+            <a:srgbClr val="7030A0"/>
+          </a:solidFill>
+          <a:ln>
+            <a:noFill/>
+          </a:ln>
+        </p:spPr>
+        <p:style>
+          <a:lnRef idx="2">
+            <a:schemeClr val="accent1">
+              <a:shade val="15000"/>
+            </a:schemeClr>
+          </a:lnRef>
+          <a:fillRef idx="1">
+            <a:schemeClr val="accent1"/>
+          </a:fillRef>
+          <a:effectRef idx="0">
+            <a:schemeClr val="accent1"/>
+          </a:effectRef>
+          <a:fontRef idx="minor">
+            <a:schemeClr val="lt1"/>
+          </a:fontRef>
+        </p:style>
+        <p:txBody>
+          <a:bodyPr rtlCol="0" anchor="ctr"/>
+          <a:lstStyle/>
+          <a:p>
+            <a:pPr algn="ctr"/>
+            <a:endParaRPr lang="zh-CN" altLang="en-US" dirty="0"/>
+          </a:p>
+        </p:txBody>
+      </p:sp>
+      <p:sp>
+        <p:nvSpPr>
+          <p:cNvPr id="13" name="星形: 五角 12">
+            <a:extLst>
+              <a:ext uri="{FF2B5EF4-FFF2-40B4-BE49-F238E27FC236}">
+                <a16:creationId xmlns:a16="http://schemas.microsoft.com/office/drawing/2014/main" id="{062DBEA2-98B4-7BE1-CFF7-1016AFDCADBC}"/>
+              </a:ext>
+            </a:extLst>
+          </p:cNvPr>
+          <p:cNvSpPr/>
+          <p:nvPr/>
+        </p:nvSpPr>
+        <p:spPr>
+          <a:xfrm>
+            <a:off x="4562393" y="2505920"/>
             <a:ext cx="616857" cy="638628"/>
           </a:xfrm>
           <a:prstGeom prst="star5">
             <a:avLst/>
           </a:prstGeom>
-          <a:solidFill>
-            <a:schemeClr val="accent4"/>
-          </a:solidFill>
+          <a:noFill/>
+          <a:ln>
+            <a:noFill/>
+          </a:ln>
         </p:spPr>
         <p:style>
           <a:lnRef idx="2">
@@ -3462,10 +3566,1537 @@
           </a:p>
         </p:txBody>
       </p:sp>
+      <p:sp>
+        <p:nvSpPr>
+          <p:cNvPr id="18" name="星形: 五角 17">
+            <a:extLst>
+              <a:ext uri="{FF2B5EF4-FFF2-40B4-BE49-F238E27FC236}">
+                <a16:creationId xmlns:a16="http://schemas.microsoft.com/office/drawing/2014/main" id="{6E20B9C0-EDA1-9667-12C3-D4DFAC596C36}"/>
+              </a:ext>
+            </a:extLst>
+          </p:cNvPr>
+          <p:cNvSpPr/>
+          <p:nvPr/>
+        </p:nvSpPr>
+        <p:spPr>
+          <a:xfrm>
+            <a:off x="3335624" y="2746376"/>
+            <a:ext cx="616857" cy="638628"/>
+          </a:xfrm>
+          <a:prstGeom prst="star5">
+            <a:avLst/>
+          </a:prstGeom>
+          <a:noFill/>
+          <a:ln>
+            <a:noFill/>
+          </a:ln>
+        </p:spPr>
+        <p:style>
+          <a:lnRef idx="2">
+            <a:schemeClr val="accent4"/>
+          </a:lnRef>
+          <a:fillRef idx="1">
+            <a:schemeClr val="lt1"/>
+          </a:fillRef>
+          <a:effectRef idx="0">
+            <a:schemeClr val="accent4"/>
+          </a:effectRef>
+          <a:fontRef idx="minor">
+            <a:schemeClr val="dk1"/>
+          </a:fontRef>
+        </p:style>
+        <p:txBody>
+          <a:bodyPr rtlCol="0" anchor="ctr"/>
+          <a:lstStyle/>
+          <a:p>
+            <a:pPr algn="ctr"/>
+            <a:endParaRPr lang="zh-CN" altLang="en-US"/>
+          </a:p>
+        </p:txBody>
+      </p:sp>
+      <p:sp>
+        <p:nvSpPr>
+          <p:cNvPr id="19" name="星形: 五角 18">
+            <a:extLst>
+              <a:ext uri="{FF2B5EF4-FFF2-40B4-BE49-F238E27FC236}">
+                <a16:creationId xmlns:a16="http://schemas.microsoft.com/office/drawing/2014/main" id="{1A93CA55-5B12-F4B1-E703-98BCBE613184}"/>
+              </a:ext>
+            </a:extLst>
+          </p:cNvPr>
+          <p:cNvSpPr/>
+          <p:nvPr/>
+        </p:nvSpPr>
+        <p:spPr>
+          <a:xfrm>
+            <a:off x="3965394" y="2621146"/>
+            <a:ext cx="616857" cy="638628"/>
+          </a:xfrm>
+          <a:prstGeom prst="star5">
+            <a:avLst/>
+          </a:prstGeom>
+          <a:noFill/>
+          <a:ln>
+            <a:noFill/>
+          </a:ln>
+        </p:spPr>
+        <p:style>
+          <a:lnRef idx="2">
+            <a:schemeClr val="accent4"/>
+          </a:lnRef>
+          <a:fillRef idx="1">
+            <a:schemeClr val="lt1"/>
+          </a:fillRef>
+          <a:effectRef idx="0">
+            <a:schemeClr val="accent4"/>
+          </a:effectRef>
+          <a:fontRef idx="minor">
+            <a:schemeClr val="dk1"/>
+          </a:fontRef>
+        </p:style>
+        <p:txBody>
+          <a:bodyPr rtlCol="0" anchor="ctr"/>
+          <a:lstStyle/>
+          <a:p>
+            <a:pPr algn="ctr"/>
+            <a:endParaRPr lang="zh-CN" altLang="en-US"/>
+          </a:p>
+        </p:txBody>
+      </p:sp>
+      <p:sp>
+        <p:nvSpPr>
+          <p:cNvPr id="20" name="星形: 五角 19">
+            <a:extLst>
+              <a:ext uri="{FF2B5EF4-FFF2-40B4-BE49-F238E27FC236}">
+                <a16:creationId xmlns:a16="http://schemas.microsoft.com/office/drawing/2014/main" id="{45D270B0-04A3-BB1F-D4E3-6F6E7446A7B6}"/>
+              </a:ext>
+            </a:extLst>
+          </p:cNvPr>
+          <p:cNvSpPr/>
+          <p:nvPr/>
+        </p:nvSpPr>
+        <p:spPr>
+          <a:xfrm>
+            <a:off x="8639628" y="2771323"/>
+            <a:ext cx="616857" cy="638628"/>
+          </a:xfrm>
+          <a:prstGeom prst="star5">
+            <a:avLst/>
+          </a:prstGeom>
+          <a:noFill/>
+          <a:ln>
+            <a:noFill/>
+          </a:ln>
+        </p:spPr>
+        <p:style>
+          <a:lnRef idx="2">
+            <a:schemeClr val="accent4"/>
+          </a:lnRef>
+          <a:fillRef idx="1">
+            <a:schemeClr val="lt1"/>
+          </a:fillRef>
+          <a:effectRef idx="0">
+            <a:schemeClr val="accent4"/>
+          </a:effectRef>
+          <a:fontRef idx="minor">
+            <a:schemeClr val="dk1"/>
+          </a:fontRef>
+        </p:style>
+        <p:txBody>
+          <a:bodyPr rtlCol="0" anchor="ctr"/>
+          <a:lstStyle>
+            <a:defPPr>
+              <a:defRPr lang="zh-CN"/>
+            </a:defPPr>
+            <a:lvl1pPr marL="0" algn="l" defTabSz="914400" rtl="0" eaLnBrk="1" latinLnBrk="0" hangingPunct="1">
+              <a:defRPr sz="1800" kern="1200">
+                <a:solidFill>
+                  <a:schemeClr val="dk1"/>
+                </a:solidFill>
+                <a:latin typeface="+mn-lt"/>
+                <a:ea typeface="+mn-ea"/>
+                <a:cs typeface="+mn-cs"/>
+              </a:defRPr>
+            </a:lvl1pPr>
+            <a:lvl2pPr marL="457200" algn="l" defTabSz="914400" rtl="0" eaLnBrk="1" latinLnBrk="0" hangingPunct="1">
+              <a:defRPr sz="1800" kern="1200">
+                <a:solidFill>
+                  <a:schemeClr val="dk1"/>
+                </a:solidFill>
+                <a:latin typeface="+mn-lt"/>
+                <a:ea typeface="+mn-ea"/>
+                <a:cs typeface="+mn-cs"/>
+              </a:defRPr>
+            </a:lvl2pPr>
+            <a:lvl3pPr marL="914400" algn="l" defTabSz="914400" rtl="0" eaLnBrk="1" latinLnBrk="0" hangingPunct="1">
+              <a:defRPr sz="1800" kern="1200">
+                <a:solidFill>
+                  <a:schemeClr val="dk1"/>
+                </a:solidFill>
+                <a:latin typeface="+mn-lt"/>
+                <a:ea typeface="+mn-ea"/>
+                <a:cs typeface="+mn-cs"/>
+              </a:defRPr>
+            </a:lvl3pPr>
+            <a:lvl4pPr marL="1371600" algn="l" defTabSz="914400" rtl="0" eaLnBrk="1" latinLnBrk="0" hangingPunct="1">
+              <a:defRPr sz="1800" kern="1200">
+                <a:solidFill>
+                  <a:schemeClr val="dk1"/>
+                </a:solidFill>
+                <a:latin typeface="+mn-lt"/>
+                <a:ea typeface="+mn-ea"/>
+                <a:cs typeface="+mn-cs"/>
+              </a:defRPr>
+            </a:lvl4pPr>
+            <a:lvl5pPr marL="1828800" algn="l" defTabSz="914400" rtl="0" eaLnBrk="1" latinLnBrk="0" hangingPunct="1">
+              <a:defRPr sz="1800" kern="1200">
+                <a:solidFill>
+                  <a:schemeClr val="dk1"/>
+                </a:solidFill>
+                <a:latin typeface="+mn-lt"/>
+                <a:ea typeface="+mn-ea"/>
+                <a:cs typeface="+mn-cs"/>
+              </a:defRPr>
+            </a:lvl5pPr>
+            <a:lvl6pPr marL="2286000" algn="l" defTabSz="914400" rtl="0" eaLnBrk="1" latinLnBrk="0" hangingPunct="1">
+              <a:defRPr sz="1800" kern="1200">
+                <a:solidFill>
+                  <a:schemeClr val="dk1"/>
+                </a:solidFill>
+                <a:latin typeface="+mn-lt"/>
+                <a:ea typeface="+mn-ea"/>
+                <a:cs typeface="+mn-cs"/>
+              </a:defRPr>
+            </a:lvl6pPr>
+            <a:lvl7pPr marL="2743200" algn="l" defTabSz="914400" rtl="0" eaLnBrk="1" latinLnBrk="0" hangingPunct="1">
+              <a:defRPr sz="1800" kern="1200">
+                <a:solidFill>
+                  <a:schemeClr val="dk1"/>
+                </a:solidFill>
+                <a:latin typeface="+mn-lt"/>
+                <a:ea typeface="+mn-ea"/>
+                <a:cs typeface="+mn-cs"/>
+              </a:defRPr>
+            </a:lvl7pPr>
+            <a:lvl8pPr marL="3200400" algn="l" defTabSz="914400" rtl="0" eaLnBrk="1" latinLnBrk="0" hangingPunct="1">
+              <a:defRPr sz="1800" kern="1200">
+                <a:solidFill>
+                  <a:schemeClr val="dk1"/>
+                </a:solidFill>
+                <a:latin typeface="+mn-lt"/>
+                <a:ea typeface="+mn-ea"/>
+                <a:cs typeface="+mn-cs"/>
+              </a:defRPr>
+            </a:lvl8pPr>
+            <a:lvl9pPr marL="3657600" algn="l" defTabSz="914400" rtl="0" eaLnBrk="1" latinLnBrk="0" hangingPunct="1">
+              <a:defRPr sz="1800" kern="1200">
+                <a:solidFill>
+                  <a:schemeClr val="dk1"/>
+                </a:solidFill>
+                <a:latin typeface="+mn-lt"/>
+                <a:ea typeface="+mn-ea"/>
+                <a:cs typeface="+mn-cs"/>
+              </a:defRPr>
+            </a:lvl9pPr>
+          </a:lstStyle>
+          <a:p>
+            <a:pPr algn="ctr"/>
+            <a:endParaRPr lang="zh-CN" altLang="en-US"/>
+          </a:p>
+        </p:txBody>
+      </p:sp>
+      <p:sp>
+        <p:nvSpPr>
+          <p:cNvPr id="21" name="星形: 五角 20">
+            <a:extLst>
+              <a:ext uri="{FF2B5EF4-FFF2-40B4-BE49-F238E27FC236}">
+                <a16:creationId xmlns:a16="http://schemas.microsoft.com/office/drawing/2014/main" id="{578CD83E-596C-C75A-70D0-988BB454D6B1}"/>
+              </a:ext>
+            </a:extLst>
+          </p:cNvPr>
+          <p:cNvSpPr/>
+          <p:nvPr/>
+        </p:nvSpPr>
+        <p:spPr>
+          <a:xfrm>
+            <a:off x="8019140" y="2695821"/>
+            <a:ext cx="616857" cy="638628"/>
+          </a:xfrm>
+          <a:prstGeom prst="star5">
+            <a:avLst/>
+          </a:prstGeom>
+          <a:noFill/>
+          <a:ln>
+            <a:noFill/>
+          </a:ln>
+        </p:spPr>
+        <p:style>
+          <a:lnRef idx="2">
+            <a:schemeClr val="accent4"/>
+          </a:lnRef>
+          <a:fillRef idx="1">
+            <a:schemeClr val="lt1"/>
+          </a:fillRef>
+          <a:effectRef idx="0">
+            <a:schemeClr val="accent4"/>
+          </a:effectRef>
+          <a:fontRef idx="minor">
+            <a:schemeClr val="dk1"/>
+          </a:fontRef>
+        </p:style>
+        <p:txBody>
+          <a:bodyPr rtlCol="0" anchor="ctr"/>
+          <a:lstStyle>
+            <a:defPPr>
+              <a:defRPr lang="zh-CN"/>
+            </a:defPPr>
+            <a:lvl1pPr marL="0" algn="l" defTabSz="914400" rtl="0" eaLnBrk="1" latinLnBrk="0" hangingPunct="1">
+              <a:defRPr sz="1800" kern="1200">
+                <a:solidFill>
+                  <a:schemeClr val="dk1"/>
+                </a:solidFill>
+                <a:latin typeface="+mn-lt"/>
+                <a:ea typeface="+mn-ea"/>
+                <a:cs typeface="+mn-cs"/>
+              </a:defRPr>
+            </a:lvl1pPr>
+            <a:lvl2pPr marL="457200" algn="l" defTabSz="914400" rtl="0" eaLnBrk="1" latinLnBrk="0" hangingPunct="1">
+              <a:defRPr sz="1800" kern="1200">
+                <a:solidFill>
+                  <a:schemeClr val="dk1"/>
+                </a:solidFill>
+                <a:latin typeface="+mn-lt"/>
+                <a:ea typeface="+mn-ea"/>
+                <a:cs typeface="+mn-cs"/>
+              </a:defRPr>
+            </a:lvl2pPr>
+            <a:lvl3pPr marL="914400" algn="l" defTabSz="914400" rtl="0" eaLnBrk="1" latinLnBrk="0" hangingPunct="1">
+              <a:defRPr sz="1800" kern="1200">
+                <a:solidFill>
+                  <a:schemeClr val="dk1"/>
+                </a:solidFill>
+                <a:latin typeface="+mn-lt"/>
+                <a:ea typeface="+mn-ea"/>
+                <a:cs typeface="+mn-cs"/>
+              </a:defRPr>
+            </a:lvl3pPr>
+            <a:lvl4pPr marL="1371600" algn="l" defTabSz="914400" rtl="0" eaLnBrk="1" latinLnBrk="0" hangingPunct="1">
+              <a:defRPr sz="1800" kern="1200">
+                <a:solidFill>
+                  <a:schemeClr val="dk1"/>
+                </a:solidFill>
+                <a:latin typeface="+mn-lt"/>
+                <a:ea typeface="+mn-ea"/>
+                <a:cs typeface="+mn-cs"/>
+              </a:defRPr>
+            </a:lvl4pPr>
+            <a:lvl5pPr marL="1828800" algn="l" defTabSz="914400" rtl="0" eaLnBrk="1" latinLnBrk="0" hangingPunct="1">
+              <a:defRPr sz="1800" kern="1200">
+                <a:solidFill>
+                  <a:schemeClr val="dk1"/>
+                </a:solidFill>
+                <a:latin typeface="+mn-lt"/>
+                <a:ea typeface="+mn-ea"/>
+                <a:cs typeface="+mn-cs"/>
+              </a:defRPr>
+            </a:lvl5pPr>
+            <a:lvl6pPr marL="2286000" algn="l" defTabSz="914400" rtl="0" eaLnBrk="1" latinLnBrk="0" hangingPunct="1">
+              <a:defRPr sz="1800" kern="1200">
+                <a:solidFill>
+                  <a:schemeClr val="dk1"/>
+                </a:solidFill>
+                <a:latin typeface="+mn-lt"/>
+                <a:ea typeface="+mn-ea"/>
+                <a:cs typeface="+mn-cs"/>
+              </a:defRPr>
+            </a:lvl6pPr>
+            <a:lvl7pPr marL="2743200" algn="l" defTabSz="914400" rtl="0" eaLnBrk="1" latinLnBrk="0" hangingPunct="1">
+              <a:defRPr sz="1800" kern="1200">
+                <a:solidFill>
+                  <a:schemeClr val="dk1"/>
+                </a:solidFill>
+                <a:latin typeface="+mn-lt"/>
+                <a:ea typeface="+mn-ea"/>
+                <a:cs typeface="+mn-cs"/>
+              </a:defRPr>
+            </a:lvl7pPr>
+            <a:lvl8pPr marL="3200400" algn="l" defTabSz="914400" rtl="0" eaLnBrk="1" latinLnBrk="0" hangingPunct="1">
+              <a:defRPr sz="1800" kern="1200">
+                <a:solidFill>
+                  <a:schemeClr val="dk1"/>
+                </a:solidFill>
+                <a:latin typeface="+mn-lt"/>
+                <a:ea typeface="+mn-ea"/>
+                <a:cs typeface="+mn-cs"/>
+              </a:defRPr>
+            </a:lvl8pPr>
+            <a:lvl9pPr marL="3657600" algn="l" defTabSz="914400" rtl="0" eaLnBrk="1" latinLnBrk="0" hangingPunct="1">
+              <a:defRPr sz="1800" kern="1200">
+                <a:solidFill>
+                  <a:schemeClr val="dk1"/>
+                </a:solidFill>
+                <a:latin typeface="+mn-lt"/>
+                <a:ea typeface="+mn-ea"/>
+                <a:cs typeface="+mn-cs"/>
+              </a:defRPr>
+            </a:lvl9pPr>
+          </a:lstStyle>
+          <a:p>
+            <a:pPr algn="ctr"/>
+            <a:endParaRPr lang="zh-CN" altLang="en-US"/>
+          </a:p>
+        </p:txBody>
+      </p:sp>
+      <p:sp>
+        <p:nvSpPr>
+          <p:cNvPr id="50" name="椭圆 49">
+            <a:extLst>
+              <a:ext uri="{FF2B5EF4-FFF2-40B4-BE49-F238E27FC236}">
+                <a16:creationId xmlns:a16="http://schemas.microsoft.com/office/drawing/2014/main" id="{6FC53CB5-4900-C4D8-50AC-AF6E6B968F27}"/>
+              </a:ext>
+            </a:extLst>
+          </p:cNvPr>
+          <p:cNvSpPr/>
+          <p:nvPr/>
+        </p:nvSpPr>
+        <p:spPr>
+          <a:xfrm>
+            <a:off x="7388688" y="4979501"/>
+            <a:ext cx="627020" cy="628073"/>
+          </a:xfrm>
+          <a:prstGeom prst="ellipse">
+            <a:avLst/>
+          </a:prstGeom>
+          <a:solidFill>
+            <a:schemeClr val="bg1"/>
+          </a:solidFill>
+          <a:ln>
+            <a:noFill/>
+          </a:ln>
+        </p:spPr>
+        <p:style>
+          <a:lnRef idx="2">
+            <a:schemeClr val="accent1">
+              <a:shade val="15000"/>
+            </a:schemeClr>
+          </a:lnRef>
+          <a:fillRef idx="1">
+            <a:schemeClr val="accent1"/>
+          </a:fillRef>
+          <a:effectRef idx="0">
+            <a:schemeClr val="accent1"/>
+          </a:effectRef>
+          <a:fontRef idx="minor">
+            <a:schemeClr val="lt1"/>
+          </a:fontRef>
+        </p:style>
+        <p:txBody>
+          <a:bodyPr rtlCol="0" anchor="ctr"/>
+          <a:lstStyle/>
+          <a:p>
+            <a:pPr algn="ctr"/>
+            <a:endParaRPr lang="zh-CN" altLang="en-US"/>
+          </a:p>
+        </p:txBody>
+      </p:sp>
+      <p:sp>
+        <p:nvSpPr>
+          <p:cNvPr id="22" name="星形: 五角 21">
+            <a:extLst>
+              <a:ext uri="{FF2B5EF4-FFF2-40B4-BE49-F238E27FC236}">
+                <a16:creationId xmlns:a16="http://schemas.microsoft.com/office/drawing/2014/main" id="{44661983-BB50-7028-C07F-1C16EDC4E34F}"/>
+              </a:ext>
+            </a:extLst>
+          </p:cNvPr>
+          <p:cNvSpPr/>
+          <p:nvPr/>
+        </p:nvSpPr>
+        <p:spPr>
+          <a:xfrm>
+            <a:off x="7448384" y="2552141"/>
+            <a:ext cx="616857" cy="638628"/>
+          </a:xfrm>
+          <a:prstGeom prst="star5">
+            <a:avLst/>
+          </a:prstGeom>
+          <a:noFill/>
+          <a:ln>
+            <a:noFill/>
+          </a:ln>
+        </p:spPr>
+        <p:style>
+          <a:lnRef idx="2">
+            <a:schemeClr val="accent4"/>
+          </a:lnRef>
+          <a:fillRef idx="1">
+            <a:schemeClr val="lt1"/>
+          </a:fillRef>
+          <a:effectRef idx="0">
+            <a:schemeClr val="accent4"/>
+          </a:effectRef>
+          <a:fontRef idx="minor">
+            <a:schemeClr val="dk1"/>
+          </a:fontRef>
+        </p:style>
+        <p:txBody>
+          <a:bodyPr rtlCol="0" anchor="ctr"/>
+          <a:lstStyle>
+            <a:defPPr>
+              <a:defRPr lang="zh-CN"/>
+            </a:defPPr>
+            <a:lvl1pPr marL="0" algn="l" defTabSz="914400" rtl="0" eaLnBrk="1" latinLnBrk="0" hangingPunct="1">
+              <a:defRPr sz="1800" kern="1200">
+                <a:solidFill>
+                  <a:schemeClr val="dk1"/>
+                </a:solidFill>
+                <a:latin typeface="+mn-lt"/>
+                <a:ea typeface="+mn-ea"/>
+                <a:cs typeface="+mn-cs"/>
+              </a:defRPr>
+            </a:lvl1pPr>
+            <a:lvl2pPr marL="457200" algn="l" defTabSz="914400" rtl="0" eaLnBrk="1" latinLnBrk="0" hangingPunct="1">
+              <a:defRPr sz="1800" kern="1200">
+                <a:solidFill>
+                  <a:schemeClr val="dk1"/>
+                </a:solidFill>
+                <a:latin typeface="+mn-lt"/>
+                <a:ea typeface="+mn-ea"/>
+                <a:cs typeface="+mn-cs"/>
+              </a:defRPr>
+            </a:lvl2pPr>
+            <a:lvl3pPr marL="914400" algn="l" defTabSz="914400" rtl="0" eaLnBrk="1" latinLnBrk="0" hangingPunct="1">
+              <a:defRPr sz="1800" kern="1200">
+                <a:solidFill>
+                  <a:schemeClr val="dk1"/>
+                </a:solidFill>
+                <a:latin typeface="+mn-lt"/>
+                <a:ea typeface="+mn-ea"/>
+                <a:cs typeface="+mn-cs"/>
+              </a:defRPr>
+            </a:lvl3pPr>
+            <a:lvl4pPr marL="1371600" algn="l" defTabSz="914400" rtl="0" eaLnBrk="1" latinLnBrk="0" hangingPunct="1">
+              <a:defRPr sz="1800" kern="1200">
+                <a:solidFill>
+                  <a:schemeClr val="dk1"/>
+                </a:solidFill>
+                <a:latin typeface="+mn-lt"/>
+                <a:ea typeface="+mn-ea"/>
+                <a:cs typeface="+mn-cs"/>
+              </a:defRPr>
+            </a:lvl4pPr>
+            <a:lvl5pPr marL="1828800" algn="l" defTabSz="914400" rtl="0" eaLnBrk="1" latinLnBrk="0" hangingPunct="1">
+              <a:defRPr sz="1800" kern="1200">
+                <a:solidFill>
+                  <a:schemeClr val="dk1"/>
+                </a:solidFill>
+                <a:latin typeface="+mn-lt"/>
+                <a:ea typeface="+mn-ea"/>
+                <a:cs typeface="+mn-cs"/>
+              </a:defRPr>
+            </a:lvl5pPr>
+            <a:lvl6pPr marL="2286000" algn="l" defTabSz="914400" rtl="0" eaLnBrk="1" latinLnBrk="0" hangingPunct="1">
+              <a:defRPr sz="1800" kern="1200">
+                <a:solidFill>
+                  <a:schemeClr val="dk1"/>
+                </a:solidFill>
+                <a:latin typeface="+mn-lt"/>
+                <a:ea typeface="+mn-ea"/>
+                <a:cs typeface="+mn-cs"/>
+              </a:defRPr>
+            </a:lvl6pPr>
+            <a:lvl7pPr marL="2743200" algn="l" defTabSz="914400" rtl="0" eaLnBrk="1" latinLnBrk="0" hangingPunct="1">
+              <a:defRPr sz="1800" kern="1200">
+                <a:solidFill>
+                  <a:schemeClr val="dk1"/>
+                </a:solidFill>
+                <a:latin typeface="+mn-lt"/>
+                <a:ea typeface="+mn-ea"/>
+                <a:cs typeface="+mn-cs"/>
+              </a:defRPr>
+            </a:lvl7pPr>
+            <a:lvl8pPr marL="3200400" algn="l" defTabSz="914400" rtl="0" eaLnBrk="1" latinLnBrk="0" hangingPunct="1">
+              <a:defRPr sz="1800" kern="1200">
+                <a:solidFill>
+                  <a:schemeClr val="dk1"/>
+                </a:solidFill>
+                <a:latin typeface="+mn-lt"/>
+                <a:ea typeface="+mn-ea"/>
+                <a:cs typeface="+mn-cs"/>
+              </a:defRPr>
+            </a:lvl8pPr>
+            <a:lvl9pPr marL="3657600" algn="l" defTabSz="914400" rtl="0" eaLnBrk="1" latinLnBrk="0" hangingPunct="1">
+              <a:defRPr sz="1800" kern="1200">
+                <a:solidFill>
+                  <a:schemeClr val="dk1"/>
+                </a:solidFill>
+                <a:latin typeface="+mn-lt"/>
+                <a:ea typeface="+mn-ea"/>
+                <a:cs typeface="+mn-cs"/>
+              </a:defRPr>
+            </a:lvl9pPr>
+          </a:lstStyle>
+          <a:p>
+            <a:pPr algn="ctr"/>
+            <a:endParaRPr lang="zh-CN" altLang="en-US"/>
+          </a:p>
+        </p:txBody>
+      </p:sp>
+      <p:sp>
+        <p:nvSpPr>
+          <p:cNvPr id="23" name="文本框 22">
+            <a:extLst>
+              <a:ext uri="{FF2B5EF4-FFF2-40B4-BE49-F238E27FC236}">
+                <a16:creationId xmlns:a16="http://schemas.microsoft.com/office/drawing/2014/main" id="{99B708B7-5B92-6D8D-FD45-B48626360F11}"/>
+              </a:ext>
+            </a:extLst>
+          </p:cNvPr>
+          <p:cNvSpPr txBox="1"/>
+          <p:nvPr/>
+        </p:nvSpPr>
+        <p:spPr>
+          <a:xfrm>
+            <a:off x="3453394" y="3678028"/>
+            <a:ext cx="6118963" cy="830997"/>
+          </a:xfrm>
+          <a:prstGeom prst="rect">
+            <a:avLst/>
+          </a:prstGeom>
+          <a:noFill/>
+          <a:ln>
+            <a:noFill/>
+          </a:ln>
+        </p:spPr>
+        <p:txBody>
+          <a:bodyPr wrap="square" rtlCol="0">
+            <a:spAutoFit/>
+          </a:bodyPr>
+          <a:lstStyle/>
+          <a:p>
+            <a:pPr algn="ctr"/>
+            <a:r>
+              <a:rPr lang="en-US" altLang="zh-CN" sz="4800" b="1" dirty="0">
+                <a:ln w="0"/>
+                <a:solidFill>
+                  <a:schemeClr val="accent1"/>
+                </a:solidFill>
+                <a:effectLst>
+                  <a:outerShdw blurRad="38100" dist="25400" dir="5400000" algn="ctr" rotWithShape="0">
+                    <a:srgbClr val="6E747A">
+                      <a:alpha val="43000"/>
+                    </a:srgbClr>
+                  </a:outerShdw>
+                </a:effectLst>
+                <a:latin typeface="Lucida Handwriting" panose="03010101010101010101" pitchFamily="66" charset="0"/>
+                <a:cs typeface="Arial" panose="020B0604020202020204" pitchFamily="34" charset="0"/>
+              </a:rPr>
+              <a:t>WOW DRAW~</a:t>
+            </a:r>
+            <a:endParaRPr lang="zh-CN" altLang="en-US" sz="4800" b="1" dirty="0">
+              <a:ln w="0"/>
+              <a:solidFill>
+                <a:schemeClr val="accent1"/>
+              </a:solidFill>
+              <a:effectLst>
+                <a:outerShdw blurRad="38100" dist="25400" dir="5400000" algn="ctr" rotWithShape="0">
+                  <a:srgbClr val="6E747A">
+                    <a:alpha val="43000"/>
+                  </a:srgbClr>
+                </a:outerShdw>
+              </a:effectLst>
+              <a:latin typeface="Lucida Handwriting" panose="03010101010101010101" pitchFamily="66" charset="0"/>
+              <a:cs typeface="Arial" panose="020B0604020202020204" pitchFamily="34" charset="0"/>
+            </a:endParaRPr>
+          </a:p>
+        </p:txBody>
+      </p:sp>
+      <p:pic>
+        <p:nvPicPr>
+          <p:cNvPr id="39" name="图形 6" descr="足球 纯色填充">
+            <a:extLst>
+              <a:ext uri="{FF2B5EF4-FFF2-40B4-BE49-F238E27FC236}">
+                <a16:creationId xmlns:a16="http://schemas.microsoft.com/office/drawing/2014/main" id="{128C9B17-88E8-8694-49F9-BEBAE3196D61}"/>
+              </a:ext>
+            </a:extLst>
+          </p:cNvPr>
+          <p:cNvPicPr>
+            <a:picLocks noChangeAspect="1"/>
+          </p:cNvPicPr>
+          <p:nvPr/>
+        </p:nvPicPr>
+        <p:blipFill>
+          <a:blip r:embed="rId2">
+            <a:extLst>
+              <a:ext uri="{28A0092B-C50C-407E-A947-70E740481C1C}">
+                <a14:useLocalDpi xmlns:a14="http://schemas.microsoft.com/office/drawing/2010/main" val="0"/>
+              </a:ext>
+              <a:ext uri="{96DAC541-7B7A-43D3-8B79-37D633B846F1}">
+                <asvg:svgBlip xmlns:asvg="http://schemas.microsoft.com/office/drawing/2016/SVG/main" r:embed="rId3"/>
+              </a:ext>
+            </a:extLst>
+          </a:blip>
+          <a:stretch>
+            <a:fillRect/>
+          </a:stretch>
+        </p:blipFill>
+        <p:spPr>
+          <a:xfrm>
+            <a:off x="7303430" y="4892127"/>
+            <a:ext cx="799808" cy="799808"/>
+          </a:xfrm>
+          <a:prstGeom prst="rect">
+            <a:avLst/>
+          </a:prstGeom>
+        </p:spPr>
+      </p:pic>
+      <p:pic>
+        <p:nvPicPr>
+          <p:cNvPr id="6" name="图片 5">
+            <a:extLst>
+              <a:ext uri="{FF2B5EF4-FFF2-40B4-BE49-F238E27FC236}">
+                <a16:creationId xmlns:a16="http://schemas.microsoft.com/office/drawing/2014/main" id="{DA598DA2-5BDB-2CF9-69FC-6E3857C16EF8}"/>
+              </a:ext>
+            </a:extLst>
+          </p:cNvPr>
+          <p:cNvPicPr>
+            <a:picLocks noChangeAspect="1"/>
+          </p:cNvPicPr>
+          <p:nvPr/>
+        </p:nvPicPr>
+        <p:blipFill>
+          <a:blip r:embed="rId4">
+            <a:extLst>
+              <a:ext uri="{28A0092B-C50C-407E-A947-70E740481C1C}">
+                <a14:useLocalDpi xmlns:a14="http://schemas.microsoft.com/office/drawing/2010/main" val="0"/>
+              </a:ext>
+            </a:extLst>
+          </a:blip>
+          <a:stretch>
+            <a:fillRect/>
+          </a:stretch>
+        </p:blipFill>
+        <p:spPr>
+          <a:xfrm>
+            <a:off x="5541993" y="1785373"/>
+            <a:ext cx="1508123" cy="1513923"/>
+          </a:xfrm>
+          <a:prstGeom prst="rect">
+            <a:avLst/>
+          </a:prstGeom>
+        </p:spPr>
+      </p:pic>
+      <p:grpSp>
+        <p:nvGrpSpPr>
+          <p:cNvPr id="28" name="组合 27">
+            <a:extLst>
+              <a:ext uri="{FF2B5EF4-FFF2-40B4-BE49-F238E27FC236}">
+                <a16:creationId xmlns:a16="http://schemas.microsoft.com/office/drawing/2014/main" id="{5F97D073-ED3F-EC58-59DE-C14A986603B3}"/>
+              </a:ext>
+            </a:extLst>
+          </p:cNvPr>
+          <p:cNvGrpSpPr/>
+          <p:nvPr/>
+        </p:nvGrpSpPr>
+        <p:grpSpPr>
+          <a:xfrm>
+            <a:off x="3238365" y="2602486"/>
+            <a:ext cx="1873808" cy="892021"/>
+            <a:chOff x="3238365" y="2602486"/>
+            <a:chExt cx="1873808" cy="892021"/>
+          </a:xfrm>
+        </p:grpSpPr>
+        <p:pic>
+          <p:nvPicPr>
+            <p:cNvPr id="10" name="图片 9">
+              <a:extLst>
+                <a:ext uri="{FF2B5EF4-FFF2-40B4-BE49-F238E27FC236}">
+                  <a16:creationId xmlns:a16="http://schemas.microsoft.com/office/drawing/2014/main" id="{D3A648B3-F385-6C04-EF69-0BD129521553}"/>
+                </a:ext>
+              </a:extLst>
+            </p:cNvPr>
+            <p:cNvPicPr>
+              <a:picLocks noChangeAspect="1"/>
+            </p:cNvPicPr>
+            <p:nvPr/>
+          </p:nvPicPr>
+          <p:blipFill>
+            <a:blip r:embed="rId5">
+              <a:duotone>
+                <a:schemeClr val="accent3">
+                  <a:shade val="45000"/>
+                  <a:satMod val="135000"/>
+                </a:schemeClr>
+                <a:prstClr val="white"/>
+              </a:duotone>
+              <a:extLst>
+                <a:ext uri="{28A0092B-C50C-407E-A947-70E740481C1C}">
+                  <a14:useLocalDpi xmlns:a14="http://schemas.microsoft.com/office/drawing/2010/main" val="0"/>
+                </a:ext>
+              </a:extLst>
+            </a:blip>
+            <a:stretch>
+              <a:fillRect/>
+            </a:stretch>
+          </p:blipFill>
+          <p:spPr>
+            <a:xfrm flipH="1">
+              <a:off x="3238365" y="2846507"/>
+              <a:ext cx="677153" cy="648000"/>
+            </a:xfrm>
+            <a:prstGeom prst="rect">
+              <a:avLst/>
+            </a:prstGeom>
+          </p:spPr>
+        </p:pic>
+        <p:pic>
+          <p:nvPicPr>
+            <p:cNvPr id="16" name="图片 15">
+              <a:extLst>
+                <a:ext uri="{FF2B5EF4-FFF2-40B4-BE49-F238E27FC236}">
+                  <a16:creationId xmlns:a16="http://schemas.microsoft.com/office/drawing/2014/main" id="{8639992C-C229-8CE3-3112-83BED9D6A418}"/>
+                </a:ext>
+              </a:extLst>
+            </p:cNvPr>
+            <p:cNvPicPr>
+              <a:picLocks noChangeAspect="1"/>
+            </p:cNvPicPr>
+            <p:nvPr/>
+          </p:nvPicPr>
+          <p:blipFill>
+            <a:blip r:embed="rId5">
+              <a:duotone>
+                <a:schemeClr val="accent3">
+                  <a:shade val="45000"/>
+                  <a:satMod val="135000"/>
+                </a:schemeClr>
+                <a:prstClr val="white"/>
+              </a:duotone>
+              <a:extLst>
+                <a:ext uri="{28A0092B-C50C-407E-A947-70E740481C1C}">
+                  <a14:useLocalDpi xmlns:a14="http://schemas.microsoft.com/office/drawing/2010/main" val="0"/>
+                </a:ext>
+              </a:extLst>
+            </a:blip>
+            <a:stretch>
+              <a:fillRect/>
+            </a:stretch>
+          </p:blipFill>
+          <p:spPr>
+            <a:xfrm flipH="1">
+              <a:off x="3842139" y="2727713"/>
+              <a:ext cx="677153" cy="648000"/>
+            </a:xfrm>
+            <a:prstGeom prst="rect">
+              <a:avLst/>
+            </a:prstGeom>
+          </p:spPr>
+        </p:pic>
+        <p:pic>
+          <p:nvPicPr>
+            <p:cNvPr id="24" name="图片 23">
+              <a:extLst>
+                <a:ext uri="{FF2B5EF4-FFF2-40B4-BE49-F238E27FC236}">
+                  <a16:creationId xmlns:a16="http://schemas.microsoft.com/office/drawing/2014/main" id="{15C95583-9BC0-B865-EEF6-992D529D5C40}"/>
+                </a:ext>
+              </a:extLst>
+            </p:cNvPr>
+            <p:cNvPicPr>
+              <a:picLocks noChangeAspect="1"/>
+            </p:cNvPicPr>
+            <p:nvPr/>
+          </p:nvPicPr>
+          <p:blipFill>
+            <a:blip r:embed="rId5">
+              <a:duotone>
+                <a:schemeClr val="accent3">
+                  <a:shade val="45000"/>
+                  <a:satMod val="135000"/>
+                </a:schemeClr>
+                <a:prstClr val="white"/>
+              </a:duotone>
+              <a:extLst>
+                <a:ext uri="{28A0092B-C50C-407E-A947-70E740481C1C}">
+                  <a14:useLocalDpi xmlns:a14="http://schemas.microsoft.com/office/drawing/2010/main" val="0"/>
+                </a:ext>
+              </a:extLst>
+            </a:blip>
+            <a:stretch>
+              <a:fillRect/>
+            </a:stretch>
+          </p:blipFill>
+          <p:spPr>
+            <a:xfrm flipH="1">
+              <a:off x="4435020" y="2602486"/>
+              <a:ext cx="677153" cy="648000"/>
+            </a:xfrm>
+            <a:prstGeom prst="rect">
+              <a:avLst/>
+            </a:prstGeom>
+          </p:spPr>
+        </p:pic>
+      </p:grpSp>
+      <p:grpSp>
+        <p:nvGrpSpPr>
+          <p:cNvPr id="29" name="组合 28">
+            <a:extLst>
+              <a:ext uri="{FF2B5EF4-FFF2-40B4-BE49-F238E27FC236}">
+                <a16:creationId xmlns:a16="http://schemas.microsoft.com/office/drawing/2014/main" id="{566276A8-9E06-24E1-2A58-6DCE929ABF5C}"/>
+              </a:ext>
+            </a:extLst>
+          </p:cNvPr>
+          <p:cNvGrpSpPr/>
+          <p:nvPr/>
+        </p:nvGrpSpPr>
+        <p:grpSpPr>
+          <a:xfrm flipH="1">
+            <a:off x="7448383" y="2592146"/>
+            <a:ext cx="1873808" cy="892021"/>
+            <a:chOff x="3238365" y="2602486"/>
+            <a:chExt cx="1873808" cy="892021"/>
+          </a:xfrm>
+        </p:grpSpPr>
+        <p:pic>
+          <p:nvPicPr>
+            <p:cNvPr id="30" name="图片 29">
+              <a:extLst>
+                <a:ext uri="{FF2B5EF4-FFF2-40B4-BE49-F238E27FC236}">
+                  <a16:creationId xmlns:a16="http://schemas.microsoft.com/office/drawing/2014/main" id="{9A44B32D-B4CB-735B-D1A0-25E7B967AABA}"/>
+                </a:ext>
+              </a:extLst>
+            </p:cNvPr>
+            <p:cNvPicPr>
+              <a:picLocks noChangeAspect="1"/>
+            </p:cNvPicPr>
+            <p:nvPr/>
+          </p:nvPicPr>
+          <p:blipFill>
+            <a:blip r:embed="rId5">
+              <a:duotone>
+                <a:schemeClr val="accent3">
+                  <a:shade val="45000"/>
+                  <a:satMod val="135000"/>
+                </a:schemeClr>
+                <a:prstClr val="white"/>
+              </a:duotone>
+              <a:extLst>
+                <a:ext uri="{28A0092B-C50C-407E-A947-70E740481C1C}">
+                  <a14:useLocalDpi xmlns:a14="http://schemas.microsoft.com/office/drawing/2010/main" val="0"/>
+                </a:ext>
+              </a:extLst>
+            </a:blip>
+            <a:stretch>
+              <a:fillRect/>
+            </a:stretch>
+          </p:blipFill>
+          <p:spPr>
+            <a:xfrm flipH="1">
+              <a:off x="3238365" y="2846507"/>
+              <a:ext cx="677153" cy="648000"/>
+            </a:xfrm>
+            <a:prstGeom prst="rect">
+              <a:avLst/>
+            </a:prstGeom>
+          </p:spPr>
+        </p:pic>
+        <p:pic>
+          <p:nvPicPr>
+            <p:cNvPr id="31" name="图片 30">
+              <a:extLst>
+                <a:ext uri="{FF2B5EF4-FFF2-40B4-BE49-F238E27FC236}">
+                  <a16:creationId xmlns:a16="http://schemas.microsoft.com/office/drawing/2014/main" id="{A68385D8-D51E-DE8A-5503-593C32FBE76C}"/>
+                </a:ext>
+              </a:extLst>
+            </p:cNvPr>
+            <p:cNvPicPr>
+              <a:picLocks noChangeAspect="1"/>
+            </p:cNvPicPr>
+            <p:nvPr/>
+          </p:nvPicPr>
+          <p:blipFill>
+            <a:blip r:embed="rId5">
+              <a:duotone>
+                <a:schemeClr val="accent3">
+                  <a:shade val="45000"/>
+                  <a:satMod val="135000"/>
+                </a:schemeClr>
+                <a:prstClr val="white"/>
+              </a:duotone>
+              <a:extLst>
+                <a:ext uri="{28A0092B-C50C-407E-A947-70E740481C1C}">
+                  <a14:useLocalDpi xmlns:a14="http://schemas.microsoft.com/office/drawing/2010/main" val="0"/>
+                </a:ext>
+              </a:extLst>
+            </a:blip>
+            <a:stretch>
+              <a:fillRect/>
+            </a:stretch>
+          </p:blipFill>
+          <p:spPr>
+            <a:xfrm flipH="1">
+              <a:off x="3842139" y="2727713"/>
+              <a:ext cx="677153" cy="648000"/>
+            </a:xfrm>
+            <a:prstGeom prst="rect">
+              <a:avLst/>
+            </a:prstGeom>
+          </p:spPr>
+        </p:pic>
+        <p:pic>
+          <p:nvPicPr>
+            <p:cNvPr id="32" name="图片 31">
+              <a:extLst>
+                <a:ext uri="{FF2B5EF4-FFF2-40B4-BE49-F238E27FC236}">
+                  <a16:creationId xmlns:a16="http://schemas.microsoft.com/office/drawing/2014/main" id="{5A05471B-B258-0F3C-56B0-71289BC0EC55}"/>
+                </a:ext>
+              </a:extLst>
+            </p:cNvPr>
+            <p:cNvPicPr>
+              <a:picLocks noChangeAspect="1"/>
+            </p:cNvPicPr>
+            <p:nvPr/>
+          </p:nvPicPr>
+          <p:blipFill>
+            <a:blip r:embed="rId5">
+              <a:duotone>
+                <a:schemeClr val="accent3">
+                  <a:shade val="45000"/>
+                  <a:satMod val="135000"/>
+                </a:schemeClr>
+                <a:prstClr val="white"/>
+              </a:duotone>
+              <a:extLst>
+                <a:ext uri="{28A0092B-C50C-407E-A947-70E740481C1C}">
+                  <a14:useLocalDpi xmlns:a14="http://schemas.microsoft.com/office/drawing/2010/main" val="0"/>
+                </a:ext>
+              </a:extLst>
+            </a:blip>
+            <a:stretch>
+              <a:fillRect/>
+            </a:stretch>
+          </p:blipFill>
+          <p:spPr>
+            <a:xfrm flipH="1">
+              <a:off x="4435020" y="2602486"/>
+              <a:ext cx="677153" cy="648000"/>
+            </a:xfrm>
+            <a:prstGeom prst="rect">
+              <a:avLst/>
+            </a:prstGeom>
+          </p:spPr>
+        </p:pic>
+      </p:grpSp>
+      <p:pic>
+        <p:nvPicPr>
+          <p:cNvPr id="34" name="图片 33">
+            <a:extLst>
+              <a:ext uri="{FF2B5EF4-FFF2-40B4-BE49-F238E27FC236}">
+                <a16:creationId xmlns:a16="http://schemas.microsoft.com/office/drawing/2014/main" id="{AD927280-74D9-1B17-F0E5-FECD6E99F868}"/>
+              </a:ext>
+            </a:extLst>
+          </p:cNvPr>
+          <p:cNvPicPr>
+            <a:picLocks noChangeAspect="1"/>
+          </p:cNvPicPr>
+          <p:nvPr/>
+        </p:nvPicPr>
+        <p:blipFill>
+          <a:blip r:embed="rId6">
+            <a:extLst>
+              <a:ext uri="{28A0092B-C50C-407E-A947-70E740481C1C}">
+                <a14:useLocalDpi xmlns:a14="http://schemas.microsoft.com/office/drawing/2010/main" val="0"/>
+              </a:ext>
+            </a:extLst>
+          </a:blip>
+          <a:stretch>
+            <a:fillRect/>
+          </a:stretch>
+        </p:blipFill>
+        <p:spPr>
+          <a:xfrm>
+            <a:off x="2392853" y="4188937"/>
+            <a:ext cx="1961563" cy="1961563"/>
+          </a:xfrm>
+          <a:prstGeom prst="rect">
+            <a:avLst/>
+          </a:prstGeom>
+        </p:spPr>
+      </p:pic>
+      <p:pic>
+        <p:nvPicPr>
+          <p:cNvPr id="35" name="图片 34">
+            <a:extLst>
+              <a:ext uri="{FF2B5EF4-FFF2-40B4-BE49-F238E27FC236}">
+                <a16:creationId xmlns:a16="http://schemas.microsoft.com/office/drawing/2014/main" id="{0566B473-8B71-73CA-5575-A6EA858D917C}"/>
+              </a:ext>
+            </a:extLst>
+          </p:cNvPr>
+          <p:cNvPicPr>
+            <a:picLocks noChangeAspect="1"/>
+          </p:cNvPicPr>
+          <p:nvPr/>
+        </p:nvPicPr>
+        <p:blipFill>
+          <a:blip r:embed="rId6">
+            <a:extLst>
+              <a:ext uri="{28A0092B-C50C-407E-A947-70E740481C1C}">
+                <a14:useLocalDpi xmlns:a14="http://schemas.microsoft.com/office/drawing/2010/main" val="0"/>
+              </a:ext>
+            </a:extLst>
+          </a:blip>
+          <a:stretch>
+            <a:fillRect/>
+          </a:stretch>
+        </p:blipFill>
+        <p:spPr>
+          <a:xfrm flipH="1">
+            <a:off x="8182603" y="4163176"/>
+            <a:ext cx="1961563" cy="1961563"/>
+          </a:xfrm>
+          <a:prstGeom prst="rect">
+            <a:avLst/>
+          </a:prstGeom>
+        </p:spPr>
+      </p:pic>
+      <p:sp>
+        <p:nvSpPr>
+          <p:cNvPr id="48" name="椭圆 47">
+            <a:extLst>
+              <a:ext uri="{FF2B5EF4-FFF2-40B4-BE49-F238E27FC236}">
+                <a16:creationId xmlns:a16="http://schemas.microsoft.com/office/drawing/2014/main" id="{3EDDC683-6911-1CED-821F-0996E0946986}"/>
+              </a:ext>
+            </a:extLst>
+          </p:cNvPr>
+          <p:cNvSpPr/>
+          <p:nvPr/>
+        </p:nvSpPr>
+        <p:spPr>
+          <a:xfrm>
+            <a:off x="4582251" y="5006108"/>
+            <a:ext cx="627020" cy="628073"/>
+          </a:xfrm>
+          <a:prstGeom prst="ellipse">
+            <a:avLst/>
+          </a:prstGeom>
+          <a:solidFill>
+            <a:schemeClr val="bg1"/>
+          </a:solidFill>
+          <a:ln>
+            <a:noFill/>
+          </a:ln>
+        </p:spPr>
+        <p:style>
+          <a:lnRef idx="2">
+            <a:schemeClr val="accent1">
+              <a:shade val="15000"/>
+            </a:schemeClr>
+          </a:lnRef>
+          <a:fillRef idx="1">
+            <a:schemeClr val="accent1"/>
+          </a:fillRef>
+          <a:effectRef idx="0">
+            <a:schemeClr val="accent1"/>
+          </a:effectRef>
+          <a:fontRef idx="minor">
+            <a:schemeClr val="lt1"/>
+          </a:fontRef>
+        </p:style>
+        <p:txBody>
+          <a:bodyPr rtlCol="0" anchor="ctr"/>
+          <a:lstStyle/>
+          <a:p>
+            <a:pPr algn="ctr"/>
+            <a:endParaRPr lang="zh-CN" altLang="en-US"/>
+          </a:p>
+        </p:txBody>
+      </p:sp>
+      <p:pic>
+        <p:nvPicPr>
+          <p:cNvPr id="46" name="图片 45">
+            <a:extLst>
+              <a:ext uri="{FF2B5EF4-FFF2-40B4-BE49-F238E27FC236}">
+                <a16:creationId xmlns:a16="http://schemas.microsoft.com/office/drawing/2014/main" id="{60A7DAE9-8BE6-500D-EF03-2ED0A40159B2}"/>
+              </a:ext>
+            </a:extLst>
+          </p:cNvPr>
+          <p:cNvPicPr>
+            <a:picLocks noChangeAspect="1"/>
+          </p:cNvPicPr>
+          <p:nvPr/>
+        </p:nvPicPr>
+        <p:blipFill>
+          <a:blip r:embed="rId7">
+            <a:extLst>
+              <a:ext uri="{28A0092B-C50C-407E-A947-70E740481C1C}">
+                <a14:useLocalDpi xmlns:a14="http://schemas.microsoft.com/office/drawing/2010/main" val="0"/>
+              </a:ext>
+            </a:extLst>
+          </a:blip>
+          <a:stretch>
+            <a:fillRect/>
+          </a:stretch>
+        </p:blipFill>
+        <p:spPr>
+          <a:xfrm>
+            <a:off x="5278506" y="4219861"/>
+            <a:ext cx="2072310" cy="1878227"/>
+          </a:xfrm>
+          <a:prstGeom prst="rect">
+            <a:avLst/>
+          </a:prstGeom>
+        </p:spPr>
+      </p:pic>
+      <p:pic>
+        <p:nvPicPr>
+          <p:cNvPr id="47" name="图形 6" descr="足球 纯色填充">
+            <a:extLst>
+              <a:ext uri="{FF2B5EF4-FFF2-40B4-BE49-F238E27FC236}">
+                <a16:creationId xmlns:a16="http://schemas.microsoft.com/office/drawing/2014/main" id="{0DAA9EC3-6126-71C7-ACDC-CC5453F53183}"/>
+              </a:ext>
+            </a:extLst>
+          </p:cNvPr>
+          <p:cNvPicPr>
+            <a:picLocks noChangeAspect="1"/>
+          </p:cNvPicPr>
+          <p:nvPr/>
+        </p:nvPicPr>
+        <p:blipFill>
+          <a:blip r:embed="rId2">
+            <a:extLst>
+              <a:ext uri="{28A0092B-C50C-407E-A947-70E740481C1C}">
+                <a14:useLocalDpi xmlns:a14="http://schemas.microsoft.com/office/drawing/2010/main" val="0"/>
+              </a:ext>
+              <a:ext uri="{96DAC541-7B7A-43D3-8B79-37D633B846F1}">
+                <asvg:svgBlip xmlns:asvg="http://schemas.microsoft.com/office/drawing/2016/SVG/main" r:embed="rId3"/>
+              </a:ext>
+            </a:extLst>
+          </a:blip>
+          <a:stretch>
+            <a:fillRect/>
+          </a:stretch>
+        </p:blipFill>
+        <p:spPr>
+          <a:xfrm>
+            <a:off x="4493076" y="4919775"/>
+            <a:ext cx="799808" cy="799808"/>
+          </a:xfrm>
+          <a:prstGeom prst="rect">
+            <a:avLst/>
+          </a:prstGeom>
+        </p:spPr>
+      </p:pic>
+    </p:spTree>
+    <p:extLst>
+      <p:ext uri="{BB962C8B-B14F-4D97-AF65-F5344CB8AC3E}">
+        <p14:creationId xmlns:p14="http://schemas.microsoft.com/office/powerpoint/2010/main" val="3184582016"/>
+      </p:ext>
+    </p:extLst>
+  </p:cSld>
+  <p:clrMapOvr>
+    <a:masterClrMapping/>
+  </p:clrMapOvr>
+</p:sld>
+</file>
+
+<file path=ppt/slides/slide11.xml><?xml version="1.0" encoding="utf-8"?>
+<p:sld xmlns:a="http://schemas.openxmlformats.org/drawingml/2006/main" xmlns:r="http://schemas.openxmlformats.org/officeDocument/2006/relationships" xmlns:p="http://schemas.openxmlformats.org/presentationml/2006/main">
+  <p:cSld>
+    <p:spTree>
+      <p:nvGrpSpPr>
+        <p:cNvPr id="1" name=""/>
+        <p:cNvGrpSpPr/>
+        <p:nvPr/>
+      </p:nvGrpSpPr>
+      <p:grpSpPr>
+        <a:xfrm>
+          <a:off x="0" y="0"/>
+          <a:ext cx="0" cy="0"/>
+          <a:chOff x="0" y="0"/>
+          <a:chExt cx="0" cy="0"/>
+        </a:xfrm>
+      </p:grpSpPr>
+      <p:sp>
+        <p:nvSpPr>
+          <p:cNvPr id="2" name="星形: 五角 1">
+            <a:extLst>
+              <a:ext uri="{FF2B5EF4-FFF2-40B4-BE49-F238E27FC236}">
+                <a16:creationId xmlns:a16="http://schemas.microsoft.com/office/drawing/2014/main" id="{0AA8EBEE-3AAA-5463-D0B2-CC2BB7505DC7}"/>
+              </a:ext>
+            </a:extLst>
+          </p:cNvPr>
+          <p:cNvSpPr/>
+          <p:nvPr/>
+        </p:nvSpPr>
+        <p:spPr>
+          <a:xfrm>
+            <a:off x="3335624" y="2746376"/>
+            <a:ext cx="616857" cy="638628"/>
+          </a:xfrm>
+          <a:prstGeom prst="star5">
+            <a:avLst/>
+          </a:prstGeom>
+          <a:solidFill>
+            <a:schemeClr val="accent4"/>
+          </a:solidFill>
+        </p:spPr>
+        <p:style>
+          <a:lnRef idx="2">
+            <a:schemeClr val="accent4"/>
+          </a:lnRef>
+          <a:fillRef idx="1">
+            <a:schemeClr val="lt1"/>
+          </a:fillRef>
+          <a:effectRef idx="0">
+            <a:schemeClr val="accent4"/>
+          </a:effectRef>
+          <a:fontRef idx="minor">
+            <a:schemeClr val="dk1"/>
+          </a:fontRef>
+        </p:style>
+        <p:txBody>
+          <a:bodyPr rtlCol="0" anchor="ctr"/>
+          <a:lstStyle/>
+          <a:p>
+            <a:pPr algn="ctr"/>
+            <a:endParaRPr lang="zh-CN" altLang="en-US"/>
+          </a:p>
+        </p:txBody>
+      </p:sp>
     </p:spTree>
     <p:extLst>
       <p:ext uri="{BB962C8B-B14F-4D97-AF65-F5344CB8AC3E}">
         <p14:creationId xmlns:p14="http://schemas.microsoft.com/office/powerpoint/2010/main" val="239508628"/>
+      </p:ext>
+    </p:extLst>
+  </p:cSld>
+  <p:clrMapOvr>
+    <a:masterClrMapping/>
+  </p:clrMapOvr>
+</p:sld>
+</file>
+
+<file path=ppt/slides/slide12.xml><?xml version="1.0" encoding="utf-8"?>
+<p:sld xmlns:a="http://schemas.openxmlformats.org/drawingml/2006/main" xmlns:r="http://schemas.openxmlformats.org/officeDocument/2006/relationships" xmlns:p="http://schemas.openxmlformats.org/presentationml/2006/main">
+  <p:cSld>
+    <p:spTree>
+      <p:nvGrpSpPr>
+        <p:cNvPr id="1" name=""/>
+        <p:cNvGrpSpPr/>
+        <p:nvPr/>
+      </p:nvGrpSpPr>
+      <p:grpSpPr>
+        <a:xfrm>
+          <a:off x="0" y="0"/>
+          <a:ext cx="0" cy="0"/>
+          <a:chOff x="0" y="0"/>
+          <a:chExt cx="0" cy="0"/>
+        </a:xfrm>
+      </p:grpSpPr>
+      <p:sp>
+        <p:nvSpPr>
+          <p:cNvPr id="4" name="文本框 3">
+            <a:extLst>
+              <a:ext uri="{FF2B5EF4-FFF2-40B4-BE49-F238E27FC236}">
+                <a16:creationId xmlns:a16="http://schemas.microsoft.com/office/drawing/2014/main" id="{354BDA55-94B5-8952-D718-F4A3C302341B}"/>
+              </a:ext>
+            </a:extLst>
+          </p:cNvPr>
+          <p:cNvSpPr txBox="1"/>
+          <p:nvPr/>
+        </p:nvSpPr>
+        <p:spPr>
+          <a:xfrm>
+            <a:off x="2380343" y="1799772"/>
+            <a:ext cx="7859486" cy="3831772"/>
+          </a:xfrm>
+          <a:prstGeom prst="rect">
+            <a:avLst/>
+          </a:prstGeom>
+          <a:solidFill>
+            <a:schemeClr val="tx1">
+              <a:tint val="66000"/>
+              <a:satMod val="160000"/>
+              <a:lumMod val="93000"/>
+              <a:alpha val="40000"/>
+            </a:schemeClr>
+          </a:solidFill>
+        </p:spPr>
+        <p:txBody>
+          <a:bodyPr wrap="square" rtlCol="0">
+            <a:spAutoFit/>
+          </a:bodyPr>
+          <a:lstStyle/>
+          <a:p>
+            <a:endParaRPr lang="zh-CN" altLang="en-US" dirty="0"/>
+          </a:p>
+        </p:txBody>
+      </p:sp>
+      <p:pic>
+        <p:nvPicPr>
+          <p:cNvPr id="3" name="图片 2">
+            <a:extLst>
+              <a:ext uri="{FF2B5EF4-FFF2-40B4-BE49-F238E27FC236}">
+                <a16:creationId xmlns:a16="http://schemas.microsoft.com/office/drawing/2014/main" id="{A1395A60-BD75-FCF1-DA42-2655EB53D20E}"/>
+              </a:ext>
+            </a:extLst>
+          </p:cNvPr>
+          <p:cNvPicPr>
+            <a:picLocks noChangeAspect="1"/>
+          </p:cNvPicPr>
+          <p:nvPr/>
+        </p:nvPicPr>
+        <p:blipFill>
+          <a:blip r:embed="rId2">
+            <a:extLst>
+              <a:ext uri="{28A0092B-C50C-407E-A947-70E740481C1C}">
+                <a14:useLocalDpi xmlns:a14="http://schemas.microsoft.com/office/drawing/2010/main" val="0"/>
+              </a:ext>
+            </a:extLst>
+          </a:blip>
+          <a:stretch>
+            <a:fillRect/>
+          </a:stretch>
+        </p:blipFill>
+        <p:spPr>
+          <a:xfrm>
+            <a:off x="7001809" y="429452"/>
+            <a:ext cx="4985814" cy="2097927"/>
+          </a:xfrm>
+          <a:prstGeom prst="rect">
+            <a:avLst/>
+          </a:prstGeom>
+        </p:spPr>
+      </p:pic>
+      <p:sp>
+        <p:nvSpPr>
+          <p:cNvPr id="5" name="星形: 六角 4">
+            <a:extLst>
+              <a:ext uri="{FF2B5EF4-FFF2-40B4-BE49-F238E27FC236}">
+                <a16:creationId xmlns:a16="http://schemas.microsoft.com/office/drawing/2014/main" id="{D5CD6F04-D82E-0E3E-865F-F2F2BA65D99A}"/>
+              </a:ext>
+            </a:extLst>
+          </p:cNvPr>
+          <p:cNvSpPr/>
+          <p:nvPr/>
+        </p:nvSpPr>
+        <p:spPr>
+          <a:xfrm>
+            <a:off x="6953577" y="211593"/>
+            <a:ext cx="1237569" cy="1005465"/>
+          </a:xfrm>
+          <a:prstGeom prst="star6">
+            <a:avLst/>
+          </a:prstGeom>
+          <a:solidFill>
+            <a:schemeClr val="bg1"/>
+          </a:solidFill>
+          <a:ln w="76200">
+            <a:solidFill>
+              <a:srgbClr val="7030A0"/>
+            </a:solidFill>
+          </a:ln>
+        </p:spPr>
+        <p:style>
+          <a:lnRef idx="2">
+            <a:schemeClr val="accent1">
+              <a:shade val="50000"/>
+            </a:schemeClr>
+          </a:lnRef>
+          <a:fillRef idx="1">
+            <a:schemeClr val="accent1"/>
+          </a:fillRef>
+          <a:effectRef idx="0">
+            <a:schemeClr val="accent1"/>
+          </a:effectRef>
+          <a:fontRef idx="minor">
+            <a:schemeClr val="lt1"/>
+          </a:fontRef>
+        </p:style>
+        <p:txBody>
+          <a:bodyPr rtlCol="0" anchor="ctr"/>
+          <a:lstStyle/>
+          <a:p>
+            <a:pPr algn="ctr"/>
+            <a:endParaRPr lang="zh-CN" altLang="en-US"/>
+          </a:p>
+        </p:txBody>
+      </p:sp>
+      <p:pic>
+        <p:nvPicPr>
+          <p:cNvPr id="6" name="图形 6" descr="足球 纯色填充">
+            <a:extLst>
+              <a:ext uri="{FF2B5EF4-FFF2-40B4-BE49-F238E27FC236}">
+                <a16:creationId xmlns:a16="http://schemas.microsoft.com/office/drawing/2014/main" id="{C066D759-2AD4-5F54-5C78-E177A43BC100}"/>
+              </a:ext>
+            </a:extLst>
+          </p:cNvPr>
+          <p:cNvPicPr>
+            <a:picLocks noChangeAspect="1"/>
+          </p:cNvPicPr>
+          <p:nvPr/>
+        </p:nvPicPr>
+        <p:blipFill>
+          <a:blip r:embed="rId3">
+            <a:extLst>
+              <a:ext uri="{28A0092B-C50C-407E-A947-70E740481C1C}">
+                <a14:useLocalDpi xmlns:a14="http://schemas.microsoft.com/office/drawing/2010/main" val="0"/>
+              </a:ext>
+              <a:ext uri="{96DAC541-7B7A-43D3-8B79-37D633B846F1}">
+                <asvg:svgBlip xmlns:asvg="http://schemas.microsoft.com/office/drawing/2016/SVG/main" r:embed="rId4"/>
+              </a:ext>
+            </a:extLst>
+          </a:blip>
+          <a:stretch>
+            <a:fillRect/>
+          </a:stretch>
+        </p:blipFill>
+        <p:spPr>
+          <a:xfrm>
+            <a:off x="7172457" y="308703"/>
+            <a:ext cx="799808" cy="799808"/>
+          </a:xfrm>
+          <a:prstGeom prst="rect">
+            <a:avLst/>
+          </a:prstGeom>
+        </p:spPr>
+      </p:pic>
+      <p:pic>
+        <p:nvPicPr>
+          <p:cNvPr id="10" name="图片 9">
+            <a:extLst>
+              <a:ext uri="{FF2B5EF4-FFF2-40B4-BE49-F238E27FC236}">
+                <a16:creationId xmlns:a16="http://schemas.microsoft.com/office/drawing/2014/main" id="{0DB81600-B0C5-F253-96BD-95CBB8E1466F}"/>
+              </a:ext>
+            </a:extLst>
+          </p:cNvPr>
+          <p:cNvPicPr>
+            <a:picLocks noChangeAspect="1"/>
+          </p:cNvPicPr>
+          <p:nvPr/>
+        </p:nvPicPr>
+        <p:blipFill>
+          <a:blip r:embed="rId5">
+            <a:extLst>
+              <a:ext uri="{28A0092B-C50C-407E-A947-70E740481C1C}">
+                <a14:useLocalDpi xmlns:a14="http://schemas.microsoft.com/office/drawing/2010/main" val="0"/>
+              </a:ext>
+            </a:extLst>
+          </a:blip>
+          <a:stretch>
+            <a:fillRect/>
+          </a:stretch>
+        </p:blipFill>
+        <p:spPr>
+          <a:xfrm>
+            <a:off x="5190191" y="2079114"/>
+            <a:ext cx="1811618" cy="1818585"/>
+          </a:xfrm>
+          <a:prstGeom prst="rect">
+            <a:avLst/>
+          </a:prstGeom>
+        </p:spPr>
+      </p:pic>
+    </p:spTree>
+    <p:extLst>
+      <p:ext uri="{BB962C8B-B14F-4D97-AF65-F5344CB8AC3E}">
+        <p14:creationId xmlns:p14="http://schemas.microsoft.com/office/powerpoint/2010/main" val="3754340100"/>
       </p:ext>
     </p:extLst>
   </p:cSld>
@@ -6264,18 +7895,20 @@
         </p:nvSpPr>
         <p:spPr>
           <a:xfrm>
-            <a:off x="2380343" y="1799772"/>
-            <a:ext cx="7859486" cy="3831772"/>
+            <a:off x="2348004" y="1716282"/>
+            <a:ext cx="7859486" cy="4500000"/>
           </a:xfrm>
           <a:prstGeom prst="rect">
             <a:avLst/>
           </a:prstGeom>
           <a:solidFill>
-            <a:schemeClr val="accent4">
-              <a:lumMod val="40000"/>
-              <a:lumOff val="60000"/>
+            <a:schemeClr val="tx1">
+              <a:alpha val="95000"/>
             </a:schemeClr>
           </a:solidFill>
+          <a:ln>
+            <a:noFill/>
+          </a:ln>
         </p:spPr>
         <p:txBody>
           <a:bodyPr wrap="square" rtlCol="0">
@@ -6289,10 +7922,10 @@
       </p:sp>
       <p:sp>
         <p:nvSpPr>
-          <p:cNvPr id="3" name="矩形 2">
-            <a:extLst>
-              <a:ext uri="{FF2B5EF4-FFF2-40B4-BE49-F238E27FC236}">
-                <a16:creationId xmlns:a16="http://schemas.microsoft.com/office/drawing/2014/main" id="{45ED1004-469A-83D0-07C3-367C6C22E300}"/>
+          <p:cNvPr id="17" name="带形: 上凸弯 16">
+            <a:extLst>
+              <a:ext uri="{FF2B5EF4-FFF2-40B4-BE49-F238E27FC236}">
+                <a16:creationId xmlns:a16="http://schemas.microsoft.com/office/drawing/2014/main" id="{2DE890F5-4802-BFA0-49E4-8CC2CE259515}"/>
               </a:ext>
             </a:extLst>
           </p:cNvPr>
@@ -6301,15 +7934,43 @@
         </p:nvSpPr>
         <p:spPr>
           <a:xfrm>
-            <a:off x="4767567" y="3528389"/>
-            <a:ext cx="2794000" cy="767443"/>
-          </a:xfrm>
-          <a:prstGeom prst="rect">
-            <a:avLst/>
+            <a:off x="2361851" y="2004637"/>
+            <a:ext cx="7859485" cy="1871645"/>
+          </a:xfrm>
+          <a:prstGeom prst="ellipseRibbon2">
+            <a:avLst>
+              <a:gd name="adj1" fmla="val 53941"/>
+              <a:gd name="adj2" fmla="val 30406"/>
+              <a:gd name="adj3" fmla="val 30912"/>
+            </a:avLst>
           </a:prstGeom>
-          <a:solidFill>
-            <a:srgbClr val="FF0000"/>
-          </a:solidFill>
+          <a:gradFill flip="none" rotWithShape="1">
+            <a:gsLst>
+              <a:gs pos="0">
+                <a:srgbClr val="FF0000">
+                  <a:shade val="30000"/>
+                  <a:satMod val="115000"/>
+                </a:srgbClr>
+              </a:gs>
+              <a:gs pos="50000">
+                <a:srgbClr val="FF0000">
+                  <a:shade val="67500"/>
+                  <a:satMod val="115000"/>
+                </a:srgbClr>
+              </a:gs>
+              <a:gs pos="100000">
+                <a:srgbClr val="FF0000">
+                  <a:shade val="100000"/>
+                  <a:satMod val="115000"/>
+                </a:srgbClr>
+              </a:gs>
+            </a:gsLst>
+            <a:lin ang="5400000" scaled="1"/>
+            <a:tileRect/>
+          </a:gradFill>
+          <a:ln>
+            <a:noFill/>
+          </a:ln>
         </p:spPr>
         <p:style>
           <a:lnRef idx="2">
@@ -6338,251 +7999,6 @@
       </p:sp>
       <p:sp>
         <p:nvSpPr>
-          <p:cNvPr id="4" name="椭圆 3">
-            <a:extLst>
-              <a:ext uri="{FF2B5EF4-FFF2-40B4-BE49-F238E27FC236}">
-                <a16:creationId xmlns:a16="http://schemas.microsoft.com/office/drawing/2014/main" id="{70F39F1C-3725-A83C-E72E-C584F7BB5CBD}"/>
-              </a:ext>
-            </a:extLst>
-          </p:cNvPr>
-          <p:cNvSpPr/>
-          <p:nvPr/>
-        </p:nvSpPr>
-        <p:spPr>
-          <a:xfrm>
-            <a:off x="4263567" y="4455887"/>
-            <a:ext cx="1008000" cy="1008000"/>
-          </a:xfrm>
-          <a:prstGeom prst="ellipse">
-            <a:avLst/>
-          </a:prstGeom>
-          <a:solidFill>
-            <a:srgbClr val="FF0000"/>
-          </a:solidFill>
-        </p:spPr>
-        <p:style>
-          <a:lnRef idx="2">
-            <a:schemeClr val="accent1">
-              <a:shade val="15000"/>
-            </a:schemeClr>
-          </a:lnRef>
-          <a:fillRef idx="1">
-            <a:schemeClr val="accent1"/>
-          </a:fillRef>
-          <a:effectRef idx="0">
-            <a:schemeClr val="accent1"/>
-          </a:effectRef>
-          <a:fontRef idx="minor">
-            <a:schemeClr val="lt1"/>
-          </a:fontRef>
-        </p:style>
-        <p:txBody>
-          <a:bodyPr rtlCol="0" anchor="ctr"/>
-          <a:lstStyle/>
-          <a:p>
-            <a:pPr algn="ctr"/>
-            <a:endParaRPr lang="zh-CN" altLang="en-US"/>
-          </a:p>
-        </p:txBody>
-      </p:sp>
-      <p:sp>
-        <p:nvSpPr>
-          <p:cNvPr id="5" name="椭圆 4">
-            <a:extLst>
-              <a:ext uri="{FF2B5EF4-FFF2-40B4-BE49-F238E27FC236}">
-                <a16:creationId xmlns:a16="http://schemas.microsoft.com/office/drawing/2014/main" id="{2D7CBB33-DDCC-DB6D-B003-32B5850E3856}"/>
-              </a:ext>
-            </a:extLst>
-          </p:cNvPr>
-          <p:cNvSpPr/>
-          <p:nvPr/>
-        </p:nvSpPr>
-        <p:spPr>
-          <a:xfrm>
-            <a:off x="7061199" y="4455887"/>
-            <a:ext cx="1008000" cy="1008000"/>
-          </a:xfrm>
-          <a:prstGeom prst="ellipse">
-            <a:avLst/>
-          </a:prstGeom>
-          <a:solidFill>
-            <a:srgbClr val="FF0000"/>
-          </a:solidFill>
-        </p:spPr>
-        <p:style>
-          <a:lnRef idx="2">
-            <a:schemeClr val="accent1">
-              <a:shade val="15000"/>
-            </a:schemeClr>
-          </a:lnRef>
-          <a:fillRef idx="1">
-            <a:schemeClr val="accent1"/>
-          </a:fillRef>
-          <a:effectRef idx="0">
-            <a:schemeClr val="accent1"/>
-          </a:effectRef>
-          <a:fontRef idx="minor">
-            <a:schemeClr val="lt1"/>
-          </a:fontRef>
-        </p:style>
-        <p:txBody>
-          <a:bodyPr rtlCol="0" anchor="ctr"/>
-          <a:lstStyle/>
-          <a:p>
-            <a:pPr algn="ctr"/>
-            <a:endParaRPr lang="zh-CN" altLang="en-US"/>
-          </a:p>
-        </p:txBody>
-      </p:sp>
-      <p:sp>
-        <p:nvSpPr>
-          <p:cNvPr id="7" name="动作按钮: 转到主页 6">
-            <a:hlinkClick r:id="" action="ppaction://hlinkshowjump?jump=firstslide" highlightClick="1"/>
-            <a:extLst>
-              <a:ext uri="{FF2B5EF4-FFF2-40B4-BE49-F238E27FC236}">
-                <a16:creationId xmlns:a16="http://schemas.microsoft.com/office/drawing/2014/main" id="{024213E1-7177-EEC3-6A8B-63475B7064DD}"/>
-              </a:ext>
-            </a:extLst>
-          </p:cNvPr>
-          <p:cNvSpPr/>
-          <p:nvPr/>
-        </p:nvSpPr>
-        <p:spPr>
-          <a:xfrm>
-            <a:off x="4497567" y="4689887"/>
-            <a:ext cx="540000" cy="540000"/>
-          </a:xfrm>
-          <a:prstGeom prst="actionButtonHome">
-            <a:avLst/>
-          </a:prstGeom>
-        </p:spPr>
-        <p:style>
-          <a:lnRef idx="2">
-            <a:schemeClr val="accent4">
-              <a:shade val="15000"/>
-            </a:schemeClr>
-          </a:lnRef>
-          <a:fillRef idx="1">
-            <a:schemeClr val="accent4"/>
-          </a:fillRef>
-          <a:effectRef idx="0">
-            <a:schemeClr val="accent4"/>
-          </a:effectRef>
-          <a:fontRef idx="minor">
-            <a:schemeClr val="lt1"/>
-          </a:fontRef>
-        </p:style>
-        <p:txBody>
-          <a:bodyPr rtlCol="0" anchor="ctr"/>
-          <a:lstStyle/>
-          <a:p>
-            <a:pPr algn="ctr"/>
-            <a:endParaRPr lang="zh-CN" altLang="en-US"/>
-          </a:p>
-        </p:txBody>
-      </p:sp>
-      <p:sp>
-        <p:nvSpPr>
-          <p:cNvPr id="8" name="动作按钮: 上一张 7">
-            <a:hlinkClick r:id="" action="ppaction://hlinkshowjump?jump=lastslideviewed" highlightClick="1"/>
-            <a:extLst>
-              <a:ext uri="{FF2B5EF4-FFF2-40B4-BE49-F238E27FC236}">
-                <a16:creationId xmlns:a16="http://schemas.microsoft.com/office/drawing/2014/main" id="{A8589843-9287-55C7-A60B-93ED0FB2FB31}"/>
-              </a:ext>
-            </a:extLst>
-          </p:cNvPr>
-          <p:cNvSpPr/>
-          <p:nvPr/>
-        </p:nvSpPr>
-        <p:spPr>
-          <a:xfrm flipV="1">
-            <a:off x="7295199" y="4689887"/>
-            <a:ext cx="540000" cy="540000"/>
-          </a:xfrm>
-          <a:prstGeom prst="actionButtonReturn">
-            <a:avLst/>
-          </a:prstGeom>
-        </p:spPr>
-        <p:style>
-          <a:lnRef idx="2">
-            <a:schemeClr val="accent4">
-              <a:shade val="15000"/>
-            </a:schemeClr>
-          </a:lnRef>
-          <a:fillRef idx="1">
-            <a:schemeClr val="accent4"/>
-          </a:fillRef>
-          <a:effectRef idx="0">
-            <a:schemeClr val="accent4"/>
-          </a:effectRef>
-          <a:fontRef idx="minor">
-            <a:schemeClr val="lt1"/>
-          </a:fontRef>
-        </p:style>
-        <p:txBody>
-          <a:bodyPr rtlCol="0" anchor="ctr"/>
-          <a:lstStyle/>
-          <a:p>
-            <a:pPr algn="ctr"/>
-            <a:endParaRPr lang="zh-CN" altLang="en-US"/>
-          </a:p>
-        </p:txBody>
-      </p:sp>
-      <p:sp>
-        <p:nvSpPr>
-          <p:cNvPr id="17" name="带形: 上凸弯 16">
-            <a:extLst>
-              <a:ext uri="{FF2B5EF4-FFF2-40B4-BE49-F238E27FC236}">
-                <a16:creationId xmlns:a16="http://schemas.microsoft.com/office/drawing/2014/main" id="{2DE890F5-4802-BFA0-49E4-8CC2CE259515}"/>
-              </a:ext>
-            </a:extLst>
-          </p:cNvPr>
-          <p:cNvSpPr/>
-          <p:nvPr/>
-        </p:nvSpPr>
-        <p:spPr>
-          <a:xfrm>
-            <a:off x="2364127" y="1953228"/>
-            <a:ext cx="7859485" cy="1871645"/>
-          </a:xfrm>
-          <a:prstGeom prst="ellipseRibbon2">
-            <a:avLst>
-              <a:gd name="adj1" fmla="val 53941"/>
-              <a:gd name="adj2" fmla="val 27031"/>
-              <a:gd name="adj3" fmla="val 30912"/>
-            </a:avLst>
-          </a:prstGeom>
-          <a:solidFill>
-            <a:srgbClr val="FF0000"/>
-          </a:solidFill>
-        </p:spPr>
-        <p:style>
-          <a:lnRef idx="2">
-            <a:schemeClr val="accent1">
-              <a:shade val="15000"/>
-            </a:schemeClr>
-          </a:lnRef>
-          <a:fillRef idx="1">
-            <a:schemeClr val="accent1"/>
-          </a:fillRef>
-          <a:effectRef idx="0">
-            <a:schemeClr val="accent1"/>
-          </a:effectRef>
-          <a:fontRef idx="minor">
-            <a:schemeClr val="lt1"/>
-          </a:fontRef>
-        </p:style>
-        <p:txBody>
-          <a:bodyPr rtlCol="0" anchor="ctr"/>
-          <a:lstStyle/>
-          <a:p>
-            <a:pPr algn="ctr"/>
-            <a:endParaRPr lang="zh-CN" altLang="en-US" dirty="0"/>
-          </a:p>
-        </p:txBody>
-      </p:sp>
-      <p:sp>
-        <p:nvSpPr>
           <p:cNvPr id="13" name="星形: 五角 12">
             <a:extLst>
               <a:ext uri="{FF2B5EF4-FFF2-40B4-BE49-F238E27FC236}">
@@ -6602,6 +8018,9 @@
             <a:avLst/>
           </a:prstGeom>
           <a:noFill/>
+          <a:ln>
+            <a:noFill/>
+          </a:ln>
         </p:spPr>
         <p:style>
           <a:lnRef idx="2">
@@ -6647,6 +8066,9 @@
             <a:avLst/>
           </a:prstGeom>
           <a:noFill/>
+          <a:ln>
+            <a:noFill/>
+          </a:ln>
         </p:spPr>
         <p:style>
           <a:lnRef idx="2">
@@ -6692,6 +8114,9 @@
             <a:avLst/>
           </a:prstGeom>
           <a:noFill/>
+          <a:ln>
+            <a:noFill/>
+          </a:ln>
         </p:spPr>
         <p:style>
           <a:lnRef idx="2">
@@ -6737,6 +8162,9 @@
             <a:avLst/>
           </a:prstGeom>
           <a:noFill/>
+          <a:ln>
+            <a:noFill/>
+          </a:ln>
         </p:spPr>
         <p:style>
           <a:lnRef idx="2">
@@ -6876,6 +8304,9 @@
             <a:avLst/>
           </a:prstGeom>
           <a:noFill/>
+          <a:ln>
+            <a:noFill/>
+          </a:ln>
         </p:spPr>
         <p:style>
           <a:lnRef idx="2">
@@ -6996,6 +8427,58 @@
       </p:sp>
       <p:sp>
         <p:nvSpPr>
+          <p:cNvPr id="50" name="椭圆 49">
+            <a:extLst>
+              <a:ext uri="{FF2B5EF4-FFF2-40B4-BE49-F238E27FC236}">
+                <a16:creationId xmlns:a16="http://schemas.microsoft.com/office/drawing/2014/main" id="{CAD306BD-774F-BDF1-6275-5154A6367F5A}"/>
+              </a:ext>
+            </a:extLst>
+          </p:cNvPr>
+          <p:cNvSpPr/>
+          <p:nvPr/>
+        </p:nvSpPr>
+        <p:spPr>
+          <a:xfrm>
+            <a:off x="7388688" y="4979501"/>
+            <a:ext cx="627020" cy="628073"/>
+          </a:xfrm>
+          <a:prstGeom prst="ellipse">
+            <a:avLst/>
+          </a:prstGeom>
+          <a:solidFill>
+            <a:schemeClr val="bg1"/>
+          </a:solidFill>
+          <a:ln>
+            <a:noFill/>
+          </a:ln>
+        </p:spPr>
+        <p:style>
+          <a:lnRef idx="2">
+            <a:schemeClr val="accent1">
+              <a:shade val="15000"/>
+            </a:schemeClr>
+          </a:lnRef>
+          <a:fillRef idx="1">
+            <a:schemeClr val="accent1"/>
+          </a:fillRef>
+          <a:effectRef idx="0">
+            <a:schemeClr val="accent1"/>
+          </a:effectRef>
+          <a:fontRef idx="minor">
+            <a:schemeClr val="lt1"/>
+          </a:fontRef>
+        </p:style>
+        <p:txBody>
+          <a:bodyPr rtlCol="0" anchor="ctr"/>
+          <a:lstStyle/>
+          <a:p>
+            <a:pPr algn="ctr"/>
+            <a:endParaRPr lang="zh-CN" altLang="en-US"/>
+          </a:p>
+        </p:txBody>
+      </p:sp>
+      <p:sp>
+        <p:nvSpPr>
           <p:cNvPr id="22" name="星形: 五角 21">
             <a:extLst>
               <a:ext uri="{FF2B5EF4-FFF2-40B4-BE49-F238E27FC236}">
@@ -7015,6 +8498,9 @@
             <a:avLst/>
           </a:prstGeom>
           <a:noFill/>
+          <a:ln>
+            <a:noFill/>
+          </a:ln>
         </p:spPr>
         <p:style>
           <a:lnRef idx="2">
@@ -7147,13 +8633,16 @@
         </p:nvSpPr>
         <p:spPr>
           <a:xfrm>
-            <a:off x="4767568" y="3580344"/>
-            <a:ext cx="3067632" cy="707886"/>
+            <a:off x="3453394" y="3678028"/>
+            <a:ext cx="6118963" cy="830997"/>
           </a:xfrm>
           <a:prstGeom prst="rect">
             <a:avLst/>
           </a:prstGeom>
           <a:noFill/>
+          <a:ln>
+            <a:noFill/>
+          </a:ln>
         </p:spPr>
         <p:txBody>
           <a:bodyPr wrap="square" rtlCol="0">
@@ -7163,52 +8652,497 @@
           <a:p>
             <a:pPr algn="ctr"/>
             <a:r>
-              <a:rPr lang="en-US" altLang="zh-CN" sz="4000" b="1" dirty="0">
-                <a:ln w="22225">
-                  <a:solidFill>
-                    <a:schemeClr val="accent2"/>
-                  </a:solidFill>
-                  <a:prstDash val="solid"/>
-                </a:ln>
+              <a:rPr lang="en-US" altLang="zh-CN" sz="4800" b="1" dirty="0">
+                <a:ln w="0"/>
                 <a:solidFill>
-                  <a:schemeClr val="accent2">
-                    <a:lumMod val="40000"/>
-                    <a:lumOff val="60000"/>
-                  </a:schemeClr>
+                  <a:srgbClr val="FF0000"/>
                 </a:solidFill>
-                <a:latin typeface="Arial" panose="020B0604020202020204" pitchFamily="34" charset="0"/>
+                <a:effectLst>
+                  <a:outerShdw blurRad="38100" dist="19050" dir="2700000" algn="tl" rotWithShape="0">
+                    <a:schemeClr val="dk1">
+                      <a:alpha val="40000"/>
+                    </a:schemeClr>
+                  </a:outerShdw>
+                </a:effectLst>
+                <a:latin typeface="Lucida Handwriting" panose="03010101010101010101" pitchFamily="66" charset="0"/>
                 <a:cs typeface="Arial" panose="020B0604020202020204" pitchFamily="34" charset="0"/>
               </a:rPr>
-              <a:t>WIN </a:t>
+              <a:t>RED TEAM WINS</a:t>
             </a:r>
             <a:r>
-              <a:rPr lang="zh-CN" altLang="en-US" sz="4000" b="1" dirty="0">
-                <a:ln w="22225">
-                  <a:solidFill>
-                    <a:schemeClr val="accent2"/>
-                  </a:solidFill>
-                  <a:prstDash val="solid"/>
-                </a:ln>
+              <a:rPr lang="zh-CN" altLang="en-US" sz="4800" b="1" dirty="0">
+                <a:ln w="0"/>
                 <a:solidFill>
-                  <a:schemeClr val="accent2">
-                    <a:lumMod val="40000"/>
-                    <a:lumOff val="60000"/>
-                  </a:schemeClr>
+                  <a:srgbClr val="FF0000"/>
                 </a:solidFill>
-                <a:latin typeface="Arial" panose="020B0604020202020204" pitchFamily="34" charset="0"/>
+                <a:effectLst>
+                  <a:outerShdw blurRad="38100" dist="19050" dir="2700000" algn="tl" rotWithShape="0">
+                    <a:schemeClr val="dk1">
+                      <a:alpha val="40000"/>
+                    </a:schemeClr>
+                  </a:outerShdw>
+                </a:effectLst>
+                <a:latin typeface="Lucida Handwriting" panose="03010101010101010101" pitchFamily="66" charset="0"/>
                 <a:cs typeface="Arial" panose="020B0604020202020204" pitchFamily="34" charset="0"/>
               </a:rPr>
-              <a:t>！！！</a:t>
+              <a:t>！</a:t>
             </a:r>
           </a:p>
         </p:txBody>
       </p:sp>
-      <p:sp>
-        <p:nvSpPr>
-          <p:cNvPr id="36" name="星形: 六角 35">
-            <a:extLst>
-              <a:ext uri="{FF2B5EF4-FFF2-40B4-BE49-F238E27FC236}">
-                <a16:creationId xmlns:a16="http://schemas.microsoft.com/office/drawing/2014/main" id="{E22FD614-602C-5710-1C4A-E26B83D61EF3}"/>
+      <p:pic>
+        <p:nvPicPr>
+          <p:cNvPr id="39" name="图形 6" descr="足球 纯色填充">
+            <a:extLst>
+              <a:ext uri="{FF2B5EF4-FFF2-40B4-BE49-F238E27FC236}">
+                <a16:creationId xmlns:a16="http://schemas.microsoft.com/office/drawing/2014/main" id="{EE7235AE-DA86-4808-95E1-223AEB49FCE1}"/>
+              </a:ext>
+            </a:extLst>
+          </p:cNvPr>
+          <p:cNvPicPr>
+            <a:picLocks noChangeAspect="1"/>
+          </p:cNvPicPr>
+          <p:nvPr/>
+        </p:nvPicPr>
+        <p:blipFill>
+          <a:blip r:embed="rId2">
+            <a:extLst>
+              <a:ext uri="{28A0092B-C50C-407E-A947-70E740481C1C}">
+                <a14:useLocalDpi xmlns:a14="http://schemas.microsoft.com/office/drawing/2010/main" val="0"/>
+              </a:ext>
+              <a:ext uri="{96DAC541-7B7A-43D3-8B79-37D633B846F1}">
+                <asvg:svgBlip xmlns:asvg="http://schemas.microsoft.com/office/drawing/2016/SVG/main" r:embed="rId3"/>
+              </a:ext>
+            </a:extLst>
+          </a:blip>
+          <a:stretch>
+            <a:fillRect/>
+          </a:stretch>
+        </p:blipFill>
+        <p:spPr>
+          <a:xfrm>
+            <a:off x="7310574" y="4899271"/>
+            <a:ext cx="799808" cy="799808"/>
+          </a:xfrm>
+          <a:prstGeom prst="rect">
+            <a:avLst/>
+          </a:prstGeom>
+        </p:spPr>
+      </p:pic>
+      <p:pic>
+        <p:nvPicPr>
+          <p:cNvPr id="6" name="图片 5">
+            <a:extLst>
+              <a:ext uri="{FF2B5EF4-FFF2-40B4-BE49-F238E27FC236}">
+                <a16:creationId xmlns:a16="http://schemas.microsoft.com/office/drawing/2014/main" id="{B5858782-9167-3FDD-E235-547B5F37FC9B}"/>
+              </a:ext>
+            </a:extLst>
+          </p:cNvPr>
+          <p:cNvPicPr>
+            <a:picLocks noChangeAspect="1"/>
+          </p:cNvPicPr>
+          <p:nvPr/>
+        </p:nvPicPr>
+        <p:blipFill>
+          <a:blip r:embed="rId4">
+            <a:extLst>
+              <a:ext uri="{28A0092B-C50C-407E-A947-70E740481C1C}">
+                <a14:useLocalDpi xmlns:a14="http://schemas.microsoft.com/office/drawing/2010/main" val="0"/>
+              </a:ext>
+            </a:extLst>
+          </a:blip>
+          <a:stretch>
+            <a:fillRect/>
+          </a:stretch>
+        </p:blipFill>
+        <p:spPr>
+          <a:xfrm>
+            <a:off x="5541993" y="1785373"/>
+            <a:ext cx="1508123" cy="1513923"/>
+          </a:xfrm>
+          <a:prstGeom prst="rect">
+            <a:avLst/>
+          </a:prstGeom>
+        </p:spPr>
+      </p:pic>
+      <p:grpSp>
+        <p:nvGrpSpPr>
+          <p:cNvPr id="28" name="组合 27">
+            <a:extLst>
+              <a:ext uri="{FF2B5EF4-FFF2-40B4-BE49-F238E27FC236}">
+                <a16:creationId xmlns:a16="http://schemas.microsoft.com/office/drawing/2014/main" id="{4BC3AB12-4FF3-DC41-4F42-DD29289DC421}"/>
+              </a:ext>
+            </a:extLst>
+          </p:cNvPr>
+          <p:cNvGrpSpPr/>
+          <p:nvPr/>
+        </p:nvGrpSpPr>
+        <p:grpSpPr>
+          <a:xfrm>
+            <a:off x="3238365" y="2602486"/>
+            <a:ext cx="1873808" cy="892021"/>
+            <a:chOff x="3238365" y="2602486"/>
+            <a:chExt cx="1873808" cy="892021"/>
+          </a:xfrm>
+        </p:grpSpPr>
+        <p:pic>
+          <p:nvPicPr>
+            <p:cNvPr id="10" name="图片 9">
+              <a:extLst>
+                <a:ext uri="{FF2B5EF4-FFF2-40B4-BE49-F238E27FC236}">
+                  <a16:creationId xmlns:a16="http://schemas.microsoft.com/office/drawing/2014/main" id="{E2A0AC5E-72B0-AE14-C88B-5F26B258739B}"/>
+                </a:ext>
+              </a:extLst>
+            </p:cNvPr>
+            <p:cNvPicPr>
+              <a:picLocks noChangeAspect="1"/>
+            </p:cNvPicPr>
+            <p:nvPr/>
+          </p:nvPicPr>
+          <p:blipFill>
+            <a:blip r:embed="rId5">
+              <a:duotone>
+                <a:schemeClr val="accent3">
+                  <a:shade val="45000"/>
+                  <a:satMod val="135000"/>
+                </a:schemeClr>
+                <a:prstClr val="white"/>
+              </a:duotone>
+              <a:extLst>
+                <a:ext uri="{28A0092B-C50C-407E-A947-70E740481C1C}">
+                  <a14:useLocalDpi xmlns:a14="http://schemas.microsoft.com/office/drawing/2010/main" val="0"/>
+                </a:ext>
+              </a:extLst>
+            </a:blip>
+            <a:stretch>
+              <a:fillRect/>
+            </a:stretch>
+          </p:blipFill>
+          <p:spPr>
+            <a:xfrm flipH="1">
+              <a:off x="3238365" y="2846507"/>
+              <a:ext cx="677153" cy="648000"/>
+            </a:xfrm>
+            <a:prstGeom prst="rect">
+              <a:avLst/>
+            </a:prstGeom>
+          </p:spPr>
+        </p:pic>
+        <p:pic>
+          <p:nvPicPr>
+            <p:cNvPr id="16" name="图片 15">
+              <a:extLst>
+                <a:ext uri="{FF2B5EF4-FFF2-40B4-BE49-F238E27FC236}">
+                  <a16:creationId xmlns:a16="http://schemas.microsoft.com/office/drawing/2014/main" id="{8CD21947-315F-C80C-74E8-1F740758A3A4}"/>
+                </a:ext>
+              </a:extLst>
+            </p:cNvPr>
+            <p:cNvPicPr>
+              <a:picLocks noChangeAspect="1"/>
+            </p:cNvPicPr>
+            <p:nvPr/>
+          </p:nvPicPr>
+          <p:blipFill>
+            <a:blip r:embed="rId5">
+              <a:duotone>
+                <a:schemeClr val="accent3">
+                  <a:shade val="45000"/>
+                  <a:satMod val="135000"/>
+                </a:schemeClr>
+                <a:prstClr val="white"/>
+              </a:duotone>
+              <a:extLst>
+                <a:ext uri="{28A0092B-C50C-407E-A947-70E740481C1C}">
+                  <a14:useLocalDpi xmlns:a14="http://schemas.microsoft.com/office/drawing/2010/main" val="0"/>
+                </a:ext>
+              </a:extLst>
+            </a:blip>
+            <a:stretch>
+              <a:fillRect/>
+            </a:stretch>
+          </p:blipFill>
+          <p:spPr>
+            <a:xfrm flipH="1">
+              <a:off x="3842139" y="2727713"/>
+              <a:ext cx="677153" cy="648000"/>
+            </a:xfrm>
+            <a:prstGeom prst="rect">
+              <a:avLst/>
+            </a:prstGeom>
+          </p:spPr>
+        </p:pic>
+        <p:pic>
+          <p:nvPicPr>
+            <p:cNvPr id="24" name="图片 23">
+              <a:extLst>
+                <a:ext uri="{FF2B5EF4-FFF2-40B4-BE49-F238E27FC236}">
+                  <a16:creationId xmlns:a16="http://schemas.microsoft.com/office/drawing/2014/main" id="{EEBBFB3D-94BD-253A-C890-82CA92C2831C}"/>
+                </a:ext>
+              </a:extLst>
+            </p:cNvPr>
+            <p:cNvPicPr>
+              <a:picLocks noChangeAspect="1"/>
+            </p:cNvPicPr>
+            <p:nvPr/>
+          </p:nvPicPr>
+          <p:blipFill>
+            <a:blip r:embed="rId5">
+              <a:duotone>
+                <a:schemeClr val="accent3">
+                  <a:shade val="45000"/>
+                  <a:satMod val="135000"/>
+                </a:schemeClr>
+                <a:prstClr val="white"/>
+              </a:duotone>
+              <a:extLst>
+                <a:ext uri="{28A0092B-C50C-407E-A947-70E740481C1C}">
+                  <a14:useLocalDpi xmlns:a14="http://schemas.microsoft.com/office/drawing/2010/main" val="0"/>
+                </a:ext>
+              </a:extLst>
+            </a:blip>
+            <a:stretch>
+              <a:fillRect/>
+            </a:stretch>
+          </p:blipFill>
+          <p:spPr>
+            <a:xfrm flipH="1">
+              <a:off x="4435020" y="2602486"/>
+              <a:ext cx="677153" cy="648000"/>
+            </a:xfrm>
+            <a:prstGeom prst="rect">
+              <a:avLst/>
+            </a:prstGeom>
+          </p:spPr>
+        </p:pic>
+      </p:grpSp>
+      <p:grpSp>
+        <p:nvGrpSpPr>
+          <p:cNvPr id="29" name="组合 28">
+            <a:extLst>
+              <a:ext uri="{FF2B5EF4-FFF2-40B4-BE49-F238E27FC236}">
+                <a16:creationId xmlns:a16="http://schemas.microsoft.com/office/drawing/2014/main" id="{8A261A03-78C1-D970-1303-0ECCE853BA08}"/>
+              </a:ext>
+            </a:extLst>
+          </p:cNvPr>
+          <p:cNvGrpSpPr/>
+          <p:nvPr/>
+        </p:nvGrpSpPr>
+        <p:grpSpPr>
+          <a:xfrm flipH="1">
+            <a:off x="7448383" y="2592146"/>
+            <a:ext cx="1873808" cy="892021"/>
+            <a:chOff x="3238365" y="2602486"/>
+            <a:chExt cx="1873808" cy="892021"/>
+          </a:xfrm>
+        </p:grpSpPr>
+        <p:pic>
+          <p:nvPicPr>
+            <p:cNvPr id="30" name="图片 29">
+              <a:extLst>
+                <a:ext uri="{FF2B5EF4-FFF2-40B4-BE49-F238E27FC236}">
+                  <a16:creationId xmlns:a16="http://schemas.microsoft.com/office/drawing/2014/main" id="{3C4F1DF7-ECBE-25C3-95BA-3AA2AD787D43}"/>
+                </a:ext>
+              </a:extLst>
+            </p:cNvPr>
+            <p:cNvPicPr>
+              <a:picLocks noChangeAspect="1"/>
+            </p:cNvPicPr>
+            <p:nvPr/>
+          </p:nvPicPr>
+          <p:blipFill>
+            <a:blip r:embed="rId5">
+              <a:duotone>
+                <a:schemeClr val="accent3">
+                  <a:shade val="45000"/>
+                  <a:satMod val="135000"/>
+                </a:schemeClr>
+                <a:prstClr val="white"/>
+              </a:duotone>
+              <a:extLst>
+                <a:ext uri="{28A0092B-C50C-407E-A947-70E740481C1C}">
+                  <a14:useLocalDpi xmlns:a14="http://schemas.microsoft.com/office/drawing/2010/main" val="0"/>
+                </a:ext>
+              </a:extLst>
+            </a:blip>
+            <a:stretch>
+              <a:fillRect/>
+            </a:stretch>
+          </p:blipFill>
+          <p:spPr>
+            <a:xfrm flipH="1">
+              <a:off x="3238365" y="2846507"/>
+              <a:ext cx="677153" cy="648000"/>
+            </a:xfrm>
+            <a:prstGeom prst="rect">
+              <a:avLst/>
+            </a:prstGeom>
+          </p:spPr>
+        </p:pic>
+        <p:pic>
+          <p:nvPicPr>
+            <p:cNvPr id="31" name="图片 30">
+              <a:extLst>
+                <a:ext uri="{FF2B5EF4-FFF2-40B4-BE49-F238E27FC236}">
+                  <a16:creationId xmlns:a16="http://schemas.microsoft.com/office/drawing/2014/main" id="{1864463B-DF2E-0F03-1B6C-C77A769EFFEE}"/>
+                </a:ext>
+              </a:extLst>
+            </p:cNvPr>
+            <p:cNvPicPr>
+              <a:picLocks noChangeAspect="1"/>
+            </p:cNvPicPr>
+            <p:nvPr/>
+          </p:nvPicPr>
+          <p:blipFill>
+            <a:blip r:embed="rId5">
+              <a:duotone>
+                <a:schemeClr val="accent3">
+                  <a:shade val="45000"/>
+                  <a:satMod val="135000"/>
+                </a:schemeClr>
+                <a:prstClr val="white"/>
+              </a:duotone>
+              <a:extLst>
+                <a:ext uri="{28A0092B-C50C-407E-A947-70E740481C1C}">
+                  <a14:useLocalDpi xmlns:a14="http://schemas.microsoft.com/office/drawing/2010/main" val="0"/>
+                </a:ext>
+              </a:extLst>
+            </a:blip>
+            <a:stretch>
+              <a:fillRect/>
+            </a:stretch>
+          </p:blipFill>
+          <p:spPr>
+            <a:xfrm flipH="1">
+              <a:off x="3842139" y="2727713"/>
+              <a:ext cx="677153" cy="648000"/>
+            </a:xfrm>
+            <a:prstGeom prst="rect">
+              <a:avLst/>
+            </a:prstGeom>
+          </p:spPr>
+        </p:pic>
+        <p:pic>
+          <p:nvPicPr>
+            <p:cNvPr id="32" name="图片 31">
+              <a:extLst>
+                <a:ext uri="{FF2B5EF4-FFF2-40B4-BE49-F238E27FC236}">
+                  <a16:creationId xmlns:a16="http://schemas.microsoft.com/office/drawing/2014/main" id="{20A7C11F-3FC4-7B4C-5FE0-88B44D887688}"/>
+                </a:ext>
+              </a:extLst>
+            </p:cNvPr>
+            <p:cNvPicPr>
+              <a:picLocks noChangeAspect="1"/>
+            </p:cNvPicPr>
+            <p:nvPr/>
+          </p:nvPicPr>
+          <p:blipFill>
+            <a:blip r:embed="rId5">
+              <a:duotone>
+                <a:schemeClr val="accent3">
+                  <a:shade val="45000"/>
+                  <a:satMod val="135000"/>
+                </a:schemeClr>
+                <a:prstClr val="white"/>
+              </a:duotone>
+              <a:extLst>
+                <a:ext uri="{28A0092B-C50C-407E-A947-70E740481C1C}">
+                  <a14:useLocalDpi xmlns:a14="http://schemas.microsoft.com/office/drawing/2010/main" val="0"/>
+                </a:ext>
+              </a:extLst>
+            </a:blip>
+            <a:stretch>
+              <a:fillRect/>
+            </a:stretch>
+          </p:blipFill>
+          <p:spPr>
+            <a:xfrm flipH="1">
+              <a:off x="4435020" y="2602486"/>
+              <a:ext cx="677153" cy="648000"/>
+            </a:xfrm>
+            <a:prstGeom prst="rect">
+              <a:avLst/>
+            </a:prstGeom>
+          </p:spPr>
+        </p:pic>
+      </p:grpSp>
+      <p:pic>
+        <p:nvPicPr>
+          <p:cNvPr id="34" name="图片 33">
+            <a:extLst>
+              <a:ext uri="{FF2B5EF4-FFF2-40B4-BE49-F238E27FC236}">
+                <a16:creationId xmlns:a16="http://schemas.microsoft.com/office/drawing/2014/main" id="{7650B339-42EF-689B-681A-C5C0D5C86C7C}"/>
+              </a:ext>
+            </a:extLst>
+          </p:cNvPr>
+          <p:cNvPicPr>
+            <a:picLocks noChangeAspect="1"/>
+          </p:cNvPicPr>
+          <p:nvPr/>
+        </p:nvPicPr>
+        <p:blipFill>
+          <a:blip r:embed="rId6">
+            <a:extLst>
+              <a:ext uri="{28A0092B-C50C-407E-A947-70E740481C1C}">
+                <a14:useLocalDpi xmlns:a14="http://schemas.microsoft.com/office/drawing/2010/main" val="0"/>
+              </a:ext>
+            </a:extLst>
+          </a:blip>
+          <a:stretch>
+            <a:fillRect/>
+          </a:stretch>
+        </p:blipFill>
+        <p:spPr>
+          <a:xfrm>
+            <a:off x="2392853" y="4188937"/>
+            <a:ext cx="1961563" cy="1961563"/>
+          </a:xfrm>
+          <a:prstGeom prst="rect">
+            <a:avLst/>
+          </a:prstGeom>
+        </p:spPr>
+      </p:pic>
+      <p:pic>
+        <p:nvPicPr>
+          <p:cNvPr id="35" name="图片 34">
+            <a:extLst>
+              <a:ext uri="{FF2B5EF4-FFF2-40B4-BE49-F238E27FC236}">
+                <a16:creationId xmlns:a16="http://schemas.microsoft.com/office/drawing/2014/main" id="{03751F4A-F65C-015C-751A-E84FE4ABD7D4}"/>
+              </a:ext>
+            </a:extLst>
+          </p:cNvPr>
+          <p:cNvPicPr>
+            <a:picLocks noChangeAspect="1"/>
+          </p:cNvPicPr>
+          <p:nvPr/>
+        </p:nvPicPr>
+        <p:blipFill>
+          <a:blip r:embed="rId6">
+            <a:extLst>
+              <a:ext uri="{28A0092B-C50C-407E-A947-70E740481C1C}">
+                <a14:useLocalDpi xmlns:a14="http://schemas.microsoft.com/office/drawing/2010/main" val="0"/>
+              </a:ext>
+            </a:extLst>
+          </a:blip>
+          <a:stretch>
+            <a:fillRect/>
+          </a:stretch>
+        </p:blipFill>
+        <p:spPr>
+          <a:xfrm flipH="1">
+            <a:off x="8182603" y="4163176"/>
+            <a:ext cx="1961563" cy="1961563"/>
+          </a:xfrm>
+          <a:prstGeom prst="rect">
+            <a:avLst/>
+          </a:prstGeom>
+        </p:spPr>
+      </p:pic>
+      <p:sp>
+        <p:nvSpPr>
+          <p:cNvPr id="48" name="椭圆 47">
+            <a:extLst>
+              <a:ext uri="{FF2B5EF4-FFF2-40B4-BE49-F238E27FC236}">
+                <a16:creationId xmlns:a16="http://schemas.microsoft.com/office/drawing/2014/main" id="{F9125749-948B-D73D-037A-F8E0DB608B61}"/>
               </a:ext>
             </a:extLst>
           </p:cNvPr>
@@ -7217,25 +9151,23 @@
         </p:nvSpPr>
         <p:spPr>
           <a:xfrm>
-            <a:off x="5675086" y="1865990"/>
-            <a:ext cx="1237569" cy="1005465"/>
-          </a:xfrm>
-          <a:prstGeom prst="star6">
+            <a:off x="4582251" y="5006108"/>
+            <a:ext cx="627020" cy="628073"/>
+          </a:xfrm>
+          <a:prstGeom prst="ellipse">
             <a:avLst/>
           </a:prstGeom>
           <a:solidFill>
             <a:schemeClr val="bg1"/>
           </a:solidFill>
-          <a:ln w="76200">
-            <a:solidFill>
-              <a:srgbClr val="7030A0"/>
-            </a:solidFill>
+          <a:ln>
+            <a:noFill/>
           </a:ln>
         </p:spPr>
         <p:style>
           <a:lnRef idx="2">
             <a:schemeClr val="accent1">
-              <a:shade val="50000"/>
+              <a:shade val="15000"/>
             </a:schemeClr>
           </a:lnRef>
           <a:fillRef idx="1">
@@ -7259,10 +9191,46 @@
       </p:sp>
       <p:pic>
         <p:nvPicPr>
-          <p:cNvPr id="39" name="图形 6" descr="足球 纯色填充">
-            <a:extLst>
-              <a:ext uri="{FF2B5EF4-FFF2-40B4-BE49-F238E27FC236}">
-                <a16:creationId xmlns:a16="http://schemas.microsoft.com/office/drawing/2014/main" id="{EE7235AE-DA86-4808-95E1-223AEB49FCE1}"/>
+          <p:cNvPr id="46" name="图片 45">
+            <a:extLst>
+              <a:ext uri="{FF2B5EF4-FFF2-40B4-BE49-F238E27FC236}">
+                <a16:creationId xmlns:a16="http://schemas.microsoft.com/office/drawing/2014/main" id="{9D45A6D8-11C5-4CBE-9E08-3BDB4F303BB1}"/>
+              </a:ext>
+            </a:extLst>
+          </p:cNvPr>
+          <p:cNvPicPr>
+            <a:picLocks noChangeAspect="1"/>
+          </p:cNvPicPr>
+          <p:nvPr/>
+        </p:nvPicPr>
+        <p:blipFill>
+          <a:blip r:embed="rId7">
+            <a:extLst>
+              <a:ext uri="{28A0092B-C50C-407E-A947-70E740481C1C}">
+                <a14:useLocalDpi xmlns:a14="http://schemas.microsoft.com/office/drawing/2010/main" val="0"/>
+              </a:ext>
+            </a:extLst>
+          </a:blip>
+          <a:stretch>
+            <a:fillRect/>
+          </a:stretch>
+        </p:blipFill>
+        <p:spPr>
+          <a:xfrm>
+            <a:off x="5278506" y="4219861"/>
+            <a:ext cx="2072310" cy="1878227"/>
+          </a:xfrm>
+          <a:prstGeom prst="rect">
+            <a:avLst/>
+          </a:prstGeom>
+        </p:spPr>
+      </p:pic>
+      <p:pic>
+        <p:nvPicPr>
+          <p:cNvPr id="47" name="图形 6" descr="足球 纯色填充">
+            <a:extLst>
+              <a:ext uri="{FF2B5EF4-FFF2-40B4-BE49-F238E27FC236}">
+                <a16:creationId xmlns:a16="http://schemas.microsoft.com/office/drawing/2014/main" id="{68F91218-EFB4-F3F2-E9D7-8F521728BBAE}"/>
               </a:ext>
             </a:extLst>
           </p:cNvPr>
@@ -7288,7 +9256,7 @@
         </p:blipFill>
         <p:spPr>
           <a:xfrm>
-            <a:off x="5871501" y="1987250"/>
+            <a:off x="4500220" y="4912631"/>
             <a:ext cx="799808" cy="799808"/>
           </a:xfrm>
           <a:prstGeom prst="rect">
@@ -7317,7 +9285,7 @@
         <p:cNvPr id="1" name="">
           <a:extLst>
             <a:ext uri="{FF2B5EF4-FFF2-40B4-BE49-F238E27FC236}">
-              <a16:creationId xmlns:a16="http://schemas.microsoft.com/office/drawing/2014/main" id="{96AB18E6-8DF9-E23E-C070-3973126B8477}"/>
+              <a16:creationId xmlns:a16="http://schemas.microsoft.com/office/drawing/2014/main" id="{9654E770-CE9B-2957-5FF6-B851BF4AF73E}"/>
             </a:ext>
           </a:extLst>
         </p:cNvPr>
@@ -7337,7 +9305,7 @@
           <p:cNvPr id="2" name="文本框 1">
             <a:extLst>
               <a:ext uri="{FF2B5EF4-FFF2-40B4-BE49-F238E27FC236}">
-                <a16:creationId xmlns:a16="http://schemas.microsoft.com/office/drawing/2014/main" id="{5FE79DE8-EB91-D4AF-3724-BDA0216AB1EC}"/>
+                <a16:creationId xmlns:a16="http://schemas.microsoft.com/office/drawing/2014/main" id="{66D6E72A-C6B9-2F0F-052A-BD3E7CD04E60}"/>
               </a:ext>
             </a:extLst>
           </p:cNvPr>
@@ -7346,18 +9314,20 @@
         </p:nvSpPr>
         <p:spPr>
           <a:xfrm>
-            <a:off x="2380343" y="1799772"/>
-            <a:ext cx="7859486" cy="3831772"/>
+            <a:off x="2348004" y="1716282"/>
+            <a:ext cx="7859486" cy="4500000"/>
           </a:xfrm>
           <a:prstGeom prst="rect">
             <a:avLst/>
           </a:prstGeom>
           <a:solidFill>
-            <a:schemeClr val="accent4">
-              <a:lumMod val="40000"/>
-              <a:lumOff val="60000"/>
+            <a:schemeClr val="tx1">
+              <a:alpha val="95000"/>
             </a:schemeClr>
           </a:solidFill>
+          <a:ln>
+            <a:noFill/>
+          </a:ln>
         </p:spPr>
         <p:txBody>
           <a:bodyPr wrap="square" rtlCol="0">
@@ -7371,10 +9341,10 @@
       </p:sp>
       <p:sp>
         <p:nvSpPr>
-          <p:cNvPr id="3" name="矩形 2">
-            <a:extLst>
-              <a:ext uri="{FF2B5EF4-FFF2-40B4-BE49-F238E27FC236}">
-                <a16:creationId xmlns:a16="http://schemas.microsoft.com/office/drawing/2014/main" id="{F1A7DD97-BB64-5EB6-EC3E-F3CF0DA22E9F}"/>
+          <p:cNvPr id="17" name="带形: 上凸弯 16">
+            <a:extLst>
+              <a:ext uri="{FF2B5EF4-FFF2-40B4-BE49-F238E27FC236}">
+                <a16:creationId xmlns:a16="http://schemas.microsoft.com/office/drawing/2014/main" id="{D1F7842D-990F-D06C-EDA9-D991478F703F}"/>
               </a:ext>
             </a:extLst>
           </p:cNvPr>
@@ -7383,15 +9353,43 @@
         </p:nvSpPr>
         <p:spPr>
           <a:xfrm>
-            <a:off x="4767567" y="3528389"/>
-            <a:ext cx="2794000" cy="767443"/>
-          </a:xfrm>
-          <a:prstGeom prst="rect">
-            <a:avLst/>
+            <a:off x="2361851" y="2004637"/>
+            <a:ext cx="7859485" cy="1871645"/>
+          </a:xfrm>
+          <a:prstGeom prst="ellipseRibbon2">
+            <a:avLst>
+              <a:gd name="adj1" fmla="val 53941"/>
+              <a:gd name="adj2" fmla="val 30406"/>
+              <a:gd name="adj3" fmla="val 30912"/>
+            </a:avLst>
           </a:prstGeom>
-          <a:solidFill>
-            <a:schemeClr val="accent3"/>
-          </a:solidFill>
+          <a:gradFill flip="none" rotWithShape="1">
+            <a:gsLst>
+              <a:gs pos="0">
+                <a:srgbClr val="0070C0">
+                  <a:shade val="30000"/>
+                  <a:satMod val="115000"/>
+                </a:srgbClr>
+              </a:gs>
+              <a:gs pos="50000">
+                <a:srgbClr val="0070C0">
+                  <a:shade val="67500"/>
+                  <a:satMod val="115000"/>
+                </a:srgbClr>
+              </a:gs>
+              <a:gs pos="100000">
+                <a:srgbClr val="0070C0">
+                  <a:shade val="100000"/>
+                  <a:satMod val="115000"/>
+                </a:srgbClr>
+              </a:gs>
+            </a:gsLst>
+            <a:lin ang="5400000" scaled="1"/>
+            <a:tileRect/>
+          </a:gradFill>
+          <a:ln>
+            <a:noFill/>
+          </a:ln>
         </p:spPr>
         <p:style>
           <a:lnRef idx="2">
@@ -7414,246 +9412,6 @@
           <a:lstStyle/>
           <a:p>
             <a:pPr algn="ctr"/>
-            <a:endParaRPr lang="zh-CN" altLang="en-US" dirty="0">
-              <a:solidFill>
-                <a:schemeClr val="accent3"/>
-              </a:solidFill>
-            </a:endParaRPr>
-          </a:p>
-        </p:txBody>
-      </p:sp>
-      <p:sp>
-        <p:nvSpPr>
-          <p:cNvPr id="4" name="椭圆 3">
-            <a:extLst>
-              <a:ext uri="{FF2B5EF4-FFF2-40B4-BE49-F238E27FC236}">
-                <a16:creationId xmlns:a16="http://schemas.microsoft.com/office/drawing/2014/main" id="{DA699533-744F-8C26-5E41-C791B65207C7}"/>
-              </a:ext>
-            </a:extLst>
-          </p:cNvPr>
-          <p:cNvSpPr/>
-          <p:nvPr/>
-        </p:nvSpPr>
-        <p:spPr>
-          <a:xfrm>
-            <a:off x="4263567" y="4455887"/>
-            <a:ext cx="1008000" cy="1008000"/>
-          </a:xfrm>
-          <a:prstGeom prst="ellipse">
-            <a:avLst/>
-          </a:prstGeom>
-        </p:spPr>
-        <p:style>
-          <a:lnRef idx="2">
-            <a:schemeClr val="accent1">
-              <a:shade val="15000"/>
-            </a:schemeClr>
-          </a:lnRef>
-          <a:fillRef idx="1">
-            <a:schemeClr val="accent1"/>
-          </a:fillRef>
-          <a:effectRef idx="0">
-            <a:schemeClr val="accent1"/>
-          </a:effectRef>
-          <a:fontRef idx="minor">
-            <a:schemeClr val="lt1"/>
-          </a:fontRef>
-        </p:style>
-        <p:txBody>
-          <a:bodyPr rtlCol="0" anchor="ctr"/>
-          <a:lstStyle/>
-          <a:p>
-            <a:pPr algn="ctr"/>
-            <a:endParaRPr lang="zh-CN" altLang="en-US"/>
-          </a:p>
-        </p:txBody>
-      </p:sp>
-      <p:sp>
-        <p:nvSpPr>
-          <p:cNvPr id="5" name="椭圆 4">
-            <a:extLst>
-              <a:ext uri="{FF2B5EF4-FFF2-40B4-BE49-F238E27FC236}">
-                <a16:creationId xmlns:a16="http://schemas.microsoft.com/office/drawing/2014/main" id="{A3053970-A3F3-CE12-1434-F398E03D56D8}"/>
-              </a:ext>
-            </a:extLst>
-          </p:cNvPr>
-          <p:cNvSpPr/>
-          <p:nvPr/>
-        </p:nvSpPr>
-        <p:spPr>
-          <a:xfrm>
-            <a:off x="7061199" y="4455887"/>
-            <a:ext cx="1008000" cy="1008000"/>
-          </a:xfrm>
-          <a:prstGeom prst="ellipse">
-            <a:avLst/>
-          </a:prstGeom>
-        </p:spPr>
-        <p:style>
-          <a:lnRef idx="2">
-            <a:schemeClr val="accent1">
-              <a:shade val="15000"/>
-            </a:schemeClr>
-          </a:lnRef>
-          <a:fillRef idx="1">
-            <a:schemeClr val="accent1"/>
-          </a:fillRef>
-          <a:effectRef idx="0">
-            <a:schemeClr val="accent1"/>
-          </a:effectRef>
-          <a:fontRef idx="minor">
-            <a:schemeClr val="lt1"/>
-          </a:fontRef>
-        </p:style>
-        <p:txBody>
-          <a:bodyPr rtlCol="0" anchor="ctr"/>
-          <a:lstStyle/>
-          <a:p>
-            <a:pPr algn="ctr"/>
-            <a:endParaRPr lang="zh-CN" altLang="en-US"/>
-          </a:p>
-        </p:txBody>
-      </p:sp>
-      <p:sp>
-        <p:nvSpPr>
-          <p:cNvPr id="7" name="动作按钮: 转到主页 6">
-            <a:hlinkClick r:id="" action="ppaction://hlinkshowjump?jump=firstslide" highlightClick="1"/>
-            <a:extLst>
-              <a:ext uri="{FF2B5EF4-FFF2-40B4-BE49-F238E27FC236}">
-                <a16:creationId xmlns:a16="http://schemas.microsoft.com/office/drawing/2014/main" id="{1916DFF5-D89E-682B-46DB-E5C01C944B6D}"/>
-              </a:ext>
-            </a:extLst>
-          </p:cNvPr>
-          <p:cNvSpPr/>
-          <p:nvPr/>
-        </p:nvSpPr>
-        <p:spPr>
-          <a:xfrm>
-            <a:off x="4497567" y="4689887"/>
-            <a:ext cx="540000" cy="540000"/>
-          </a:xfrm>
-          <a:prstGeom prst="actionButtonHome">
-            <a:avLst/>
-          </a:prstGeom>
-        </p:spPr>
-        <p:style>
-          <a:lnRef idx="2">
-            <a:schemeClr val="accent4">
-              <a:shade val="15000"/>
-            </a:schemeClr>
-          </a:lnRef>
-          <a:fillRef idx="1">
-            <a:schemeClr val="accent4"/>
-          </a:fillRef>
-          <a:effectRef idx="0">
-            <a:schemeClr val="accent4"/>
-          </a:effectRef>
-          <a:fontRef idx="minor">
-            <a:schemeClr val="lt1"/>
-          </a:fontRef>
-        </p:style>
-        <p:txBody>
-          <a:bodyPr rtlCol="0" anchor="ctr"/>
-          <a:lstStyle/>
-          <a:p>
-            <a:pPr algn="ctr"/>
-            <a:endParaRPr lang="zh-CN" altLang="en-US"/>
-          </a:p>
-        </p:txBody>
-      </p:sp>
-      <p:sp>
-        <p:nvSpPr>
-          <p:cNvPr id="8" name="动作按钮: 上一张 7">
-            <a:hlinkClick r:id="" action="ppaction://hlinkshowjump?jump=lastslideviewed" highlightClick="1"/>
-            <a:extLst>
-              <a:ext uri="{FF2B5EF4-FFF2-40B4-BE49-F238E27FC236}">
-                <a16:creationId xmlns:a16="http://schemas.microsoft.com/office/drawing/2014/main" id="{3ED2ACBE-63E0-A86A-48C0-D0C13D356809}"/>
-              </a:ext>
-            </a:extLst>
-          </p:cNvPr>
-          <p:cNvSpPr/>
-          <p:nvPr/>
-        </p:nvSpPr>
-        <p:spPr>
-          <a:xfrm flipV="1">
-            <a:off x="7295199" y="4689887"/>
-            <a:ext cx="540000" cy="540000"/>
-          </a:xfrm>
-          <a:prstGeom prst="actionButtonReturn">
-            <a:avLst/>
-          </a:prstGeom>
-        </p:spPr>
-        <p:style>
-          <a:lnRef idx="2">
-            <a:schemeClr val="accent4">
-              <a:shade val="15000"/>
-            </a:schemeClr>
-          </a:lnRef>
-          <a:fillRef idx="1">
-            <a:schemeClr val="accent4"/>
-          </a:fillRef>
-          <a:effectRef idx="0">
-            <a:schemeClr val="accent4"/>
-          </a:effectRef>
-          <a:fontRef idx="minor">
-            <a:schemeClr val="lt1"/>
-          </a:fontRef>
-        </p:style>
-        <p:txBody>
-          <a:bodyPr rtlCol="0" anchor="ctr"/>
-          <a:lstStyle/>
-          <a:p>
-            <a:pPr algn="ctr"/>
-            <a:endParaRPr lang="zh-CN" altLang="en-US"/>
-          </a:p>
-        </p:txBody>
-      </p:sp>
-      <p:sp>
-        <p:nvSpPr>
-          <p:cNvPr id="17" name="带形: 上凸弯 16">
-            <a:extLst>
-              <a:ext uri="{FF2B5EF4-FFF2-40B4-BE49-F238E27FC236}">
-                <a16:creationId xmlns:a16="http://schemas.microsoft.com/office/drawing/2014/main" id="{8C2F5200-D949-AAB0-884C-5772AA34634B}"/>
-              </a:ext>
-            </a:extLst>
-          </p:cNvPr>
-          <p:cNvSpPr/>
-          <p:nvPr/>
-        </p:nvSpPr>
-        <p:spPr>
-          <a:xfrm>
-            <a:off x="2364127" y="1953228"/>
-            <a:ext cx="7859485" cy="1871645"/>
-          </a:xfrm>
-          <a:prstGeom prst="ellipseRibbon2">
-            <a:avLst>
-              <a:gd name="adj1" fmla="val 53941"/>
-              <a:gd name="adj2" fmla="val 27031"/>
-              <a:gd name="adj3" fmla="val 30912"/>
-            </a:avLst>
-          </a:prstGeom>
-        </p:spPr>
-        <p:style>
-          <a:lnRef idx="2">
-            <a:schemeClr val="accent1">
-              <a:shade val="15000"/>
-            </a:schemeClr>
-          </a:lnRef>
-          <a:fillRef idx="1">
-            <a:schemeClr val="accent1"/>
-          </a:fillRef>
-          <a:effectRef idx="0">
-            <a:schemeClr val="accent1"/>
-          </a:effectRef>
-          <a:fontRef idx="minor">
-            <a:schemeClr val="lt1"/>
-          </a:fontRef>
-        </p:style>
-        <p:txBody>
-          <a:bodyPr rtlCol="0" anchor="ctr"/>
-          <a:lstStyle/>
-          <a:p>
-            <a:pPr algn="ctr"/>
             <a:endParaRPr lang="zh-CN" altLang="en-US" dirty="0"/>
           </a:p>
         </p:txBody>
@@ -7663,7 +9421,7 @@
           <p:cNvPr id="13" name="星形: 五角 12">
             <a:extLst>
               <a:ext uri="{FF2B5EF4-FFF2-40B4-BE49-F238E27FC236}">
-                <a16:creationId xmlns:a16="http://schemas.microsoft.com/office/drawing/2014/main" id="{D013696B-C377-B8C7-6966-4829908CB1AA}"/>
+                <a16:creationId xmlns:a16="http://schemas.microsoft.com/office/drawing/2014/main" id="{619C24E6-0438-C0DC-F114-406F2F9C0016}"/>
               </a:ext>
             </a:extLst>
           </p:cNvPr>
@@ -7679,6 +9437,9 @@
             <a:avLst/>
           </a:prstGeom>
           <a:noFill/>
+          <a:ln>
+            <a:noFill/>
+          </a:ln>
         </p:spPr>
         <p:style>
           <a:lnRef idx="2">
@@ -7708,7 +9469,7 @@
           <p:cNvPr id="18" name="星形: 五角 17">
             <a:extLst>
               <a:ext uri="{FF2B5EF4-FFF2-40B4-BE49-F238E27FC236}">
-                <a16:creationId xmlns:a16="http://schemas.microsoft.com/office/drawing/2014/main" id="{FB61CA98-5AC7-9EA4-D201-76ACD78492A4}"/>
+                <a16:creationId xmlns:a16="http://schemas.microsoft.com/office/drawing/2014/main" id="{06B6B395-75DE-A4ED-2149-CC6A500ED1B8}"/>
               </a:ext>
             </a:extLst>
           </p:cNvPr>
@@ -7724,6 +9485,9 @@
             <a:avLst/>
           </a:prstGeom>
           <a:noFill/>
+          <a:ln>
+            <a:noFill/>
+          </a:ln>
         </p:spPr>
         <p:style>
           <a:lnRef idx="2">
@@ -7753,7 +9517,7 @@
           <p:cNvPr id="19" name="星形: 五角 18">
             <a:extLst>
               <a:ext uri="{FF2B5EF4-FFF2-40B4-BE49-F238E27FC236}">
-                <a16:creationId xmlns:a16="http://schemas.microsoft.com/office/drawing/2014/main" id="{5B01B40C-783A-F85B-B393-D3F01895A497}"/>
+                <a16:creationId xmlns:a16="http://schemas.microsoft.com/office/drawing/2014/main" id="{3C7236D7-F1EB-F0A2-62E5-E3DECE2EDD87}"/>
               </a:ext>
             </a:extLst>
           </p:cNvPr>
@@ -7769,6 +9533,9 @@
             <a:avLst/>
           </a:prstGeom>
           <a:noFill/>
+          <a:ln>
+            <a:noFill/>
+          </a:ln>
         </p:spPr>
         <p:style>
           <a:lnRef idx="2">
@@ -7798,7 +9565,7 @@
           <p:cNvPr id="20" name="星形: 五角 19">
             <a:extLst>
               <a:ext uri="{FF2B5EF4-FFF2-40B4-BE49-F238E27FC236}">
-                <a16:creationId xmlns:a16="http://schemas.microsoft.com/office/drawing/2014/main" id="{CCFDDAB5-24CE-E83E-106F-54656CE816CB}"/>
+                <a16:creationId xmlns:a16="http://schemas.microsoft.com/office/drawing/2014/main" id="{D2220BC3-A6A0-92EE-EBEC-9B9521781B88}"/>
               </a:ext>
             </a:extLst>
           </p:cNvPr>
@@ -7814,6 +9581,9 @@
             <a:avLst/>
           </a:prstGeom>
           <a:noFill/>
+          <a:ln>
+            <a:noFill/>
+          </a:ln>
         </p:spPr>
         <p:style>
           <a:lnRef idx="2">
@@ -7937,7 +9707,7 @@
           <p:cNvPr id="21" name="星形: 五角 20">
             <a:extLst>
               <a:ext uri="{FF2B5EF4-FFF2-40B4-BE49-F238E27FC236}">
-                <a16:creationId xmlns:a16="http://schemas.microsoft.com/office/drawing/2014/main" id="{CB397796-EAFA-5BCC-494E-26EECAEBE02A}"/>
+                <a16:creationId xmlns:a16="http://schemas.microsoft.com/office/drawing/2014/main" id="{026A4C6D-6830-C93E-9D5B-A7E68843BF89}"/>
               </a:ext>
             </a:extLst>
           </p:cNvPr>
@@ -7953,6 +9723,9 @@
             <a:avLst/>
           </a:prstGeom>
           <a:noFill/>
+          <a:ln>
+            <a:noFill/>
+          </a:ln>
         </p:spPr>
         <p:style>
           <a:lnRef idx="2">
@@ -8073,10 +9846,62 @@
       </p:sp>
       <p:sp>
         <p:nvSpPr>
+          <p:cNvPr id="50" name="椭圆 49">
+            <a:extLst>
+              <a:ext uri="{FF2B5EF4-FFF2-40B4-BE49-F238E27FC236}">
+                <a16:creationId xmlns:a16="http://schemas.microsoft.com/office/drawing/2014/main" id="{8297A8F4-6399-3D68-A179-3EA6E1D0DD1C}"/>
+              </a:ext>
+            </a:extLst>
+          </p:cNvPr>
+          <p:cNvSpPr/>
+          <p:nvPr/>
+        </p:nvSpPr>
+        <p:spPr>
+          <a:xfrm>
+            <a:off x="7388688" y="4979501"/>
+            <a:ext cx="627020" cy="628073"/>
+          </a:xfrm>
+          <a:prstGeom prst="ellipse">
+            <a:avLst/>
+          </a:prstGeom>
+          <a:solidFill>
+            <a:schemeClr val="bg1"/>
+          </a:solidFill>
+          <a:ln>
+            <a:noFill/>
+          </a:ln>
+        </p:spPr>
+        <p:style>
+          <a:lnRef idx="2">
+            <a:schemeClr val="accent1">
+              <a:shade val="15000"/>
+            </a:schemeClr>
+          </a:lnRef>
+          <a:fillRef idx="1">
+            <a:schemeClr val="accent1"/>
+          </a:fillRef>
+          <a:effectRef idx="0">
+            <a:schemeClr val="accent1"/>
+          </a:effectRef>
+          <a:fontRef idx="minor">
+            <a:schemeClr val="lt1"/>
+          </a:fontRef>
+        </p:style>
+        <p:txBody>
+          <a:bodyPr rtlCol="0" anchor="ctr"/>
+          <a:lstStyle/>
+          <a:p>
+            <a:pPr algn="ctr"/>
+            <a:endParaRPr lang="zh-CN" altLang="en-US"/>
+          </a:p>
+        </p:txBody>
+      </p:sp>
+      <p:sp>
+        <p:nvSpPr>
           <p:cNvPr id="22" name="星形: 五角 21">
             <a:extLst>
               <a:ext uri="{FF2B5EF4-FFF2-40B4-BE49-F238E27FC236}">
-                <a16:creationId xmlns:a16="http://schemas.microsoft.com/office/drawing/2014/main" id="{863E9E2E-E269-7F4D-2EA1-FF965F49F883}"/>
+                <a16:creationId xmlns:a16="http://schemas.microsoft.com/office/drawing/2014/main" id="{BD803D35-0737-9A6F-BF90-A5EE0DE33F7C}"/>
               </a:ext>
             </a:extLst>
           </p:cNvPr>
@@ -8092,6 +9917,9 @@
             <a:avLst/>
           </a:prstGeom>
           <a:noFill/>
+          <a:ln>
+            <a:noFill/>
+          </a:ln>
         </p:spPr>
         <p:style>
           <a:lnRef idx="2">
@@ -8215,7 +10043,7 @@
           <p:cNvPr id="23" name="文本框 22">
             <a:extLst>
               <a:ext uri="{FF2B5EF4-FFF2-40B4-BE49-F238E27FC236}">
-                <a16:creationId xmlns:a16="http://schemas.microsoft.com/office/drawing/2014/main" id="{10906A83-F5E5-854C-092F-041BF29B1C3B}"/>
+                <a16:creationId xmlns:a16="http://schemas.microsoft.com/office/drawing/2014/main" id="{CCFD34F6-5B8F-498C-9C98-DC435D2F0374}"/>
               </a:ext>
             </a:extLst>
           </p:cNvPr>
@@ -8224,13 +10052,16 @@
         </p:nvSpPr>
         <p:spPr>
           <a:xfrm>
-            <a:off x="5037567" y="3574610"/>
-            <a:ext cx="2168776" cy="707886"/>
+            <a:off x="3453394" y="3678028"/>
+            <a:ext cx="6118963" cy="830997"/>
           </a:xfrm>
           <a:prstGeom prst="rect">
             <a:avLst/>
           </a:prstGeom>
           <a:noFill/>
+          <a:ln>
+            <a:noFill/>
+          </a:ln>
         </p:spPr>
         <p:txBody>
           <a:bodyPr wrap="square" rtlCol="0">
@@ -8240,41 +10071,497 @@
           <a:p>
             <a:pPr algn="ctr"/>
             <a:r>
-              <a:rPr lang="en-US" altLang="zh-CN" sz="4000" dirty="0">
+              <a:rPr lang="en-US" altLang="zh-CN" sz="4800" b="1" dirty="0">
                 <a:ln w="0"/>
+                <a:solidFill>
+                  <a:schemeClr val="accent1"/>
+                </a:solidFill>
                 <a:effectLst>
-                  <a:outerShdw blurRad="38100" dist="19050" dir="2700000" algn="tl" rotWithShape="0">
-                    <a:schemeClr val="dk1">
-                      <a:alpha val="40000"/>
-                    </a:schemeClr>
+                  <a:outerShdw blurRad="38100" dist="25400" dir="5400000" algn="ctr" rotWithShape="0">
+                    <a:srgbClr val="6E747A">
+                      <a:alpha val="43000"/>
+                    </a:srgbClr>
                   </a:outerShdw>
                 </a:effectLst>
-                <a:latin typeface="Arial" panose="020B0604020202020204" pitchFamily="34" charset="0"/>
+                <a:latin typeface="Lucida Handwriting" panose="03010101010101010101" pitchFamily="66" charset="0"/>
                 <a:cs typeface="Arial" panose="020B0604020202020204" pitchFamily="34" charset="0"/>
               </a:rPr>
-              <a:t>DEFEAT</a:t>
+              <a:t>BLUE TEAM WINS</a:t>
             </a:r>
-            <a:endParaRPr lang="zh-CN" altLang="en-US" sz="4000" dirty="0">
-              <a:ln w="0"/>
-              <a:effectLst>
-                <a:outerShdw blurRad="38100" dist="19050" dir="2700000" algn="tl" rotWithShape="0">
-                  <a:schemeClr val="dk1">
-                    <a:alpha val="40000"/>
-                  </a:schemeClr>
-                </a:outerShdw>
-              </a:effectLst>
-              <a:latin typeface="Arial" panose="020B0604020202020204" pitchFamily="34" charset="0"/>
-              <a:cs typeface="Arial" panose="020B0604020202020204" pitchFamily="34" charset="0"/>
-            </a:endParaRPr>
-          </a:p>
-        </p:txBody>
-      </p:sp>
-      <p:sp>
-        <p:nvSpPr>
-          <p:cNvPr id="36" name="星形: 六角 35">
-            <a:extLst>
-              <a:ext uri="{FF2B5EF4-FFF2-40B4-BE49-F238E27FC236}">
-                <a16:creationId xmlns:a16="http://schemas.microsoft.com/office/drawing/2014/main" id="{4303ADCB-0C7F-372D-C8D8-85E0574D5A9D}"/>
+            <a:r>
+              <a:rPr lang="zh-CN" altLang="en-US" sz="4800" b="1" dirty="0">
+                <a:ln w="0"/>
+                <a:solidFill>
+                  <a:schemeClr val="accent1"/>
+                </a:solidFill>
+                <a:effectLst>
+                  <a:outerShdw blurRad="38100" dist="25400" dir="5400000" algn="ctr" rotWithShape="0">
+                    <a:srgbClr val="6E747A">
+                      <a:alpha val="43000"/>
+                    </a:srgbClr>
+                  </a:outerShdw>
+                </a:effectLst>
+                <a:latin typeface="Lucida Handwriting" panose="03010101010101010101" pitchFamily="66" charset="0"/>
+                <a:cs typeface="Arial" panose="020B0604020202020204" pitchFamily="34" charset="0"/>
+              </a:rPr>
+              <a:t>！</a:t>
+            </a:r>
+          </a:p>
+        </p:txBody>
+      </p:sp>
+      <p:pic>
+        <p:nvPicPr>
+          <p:cNvPr id="39" name="图形 6" descr="足球 纯色填充">
+            <a:extLst>
+              <a:ext uri="{FF2B5EF4-FFF2-40B4-BE49-F238E27FC236}">
+                <a16:creationId xmlns:a16="http://schemas.microsoft.com/office/drawing/2014/main" id="{0758331F-1EA0-6CC5-A19D-5135E87BAD2F}"/>
+              </a:ext>
+            </a:extLst>
+          </p:cNvPr>
+          <p:cNvPicPr>
+            <a:picLocks noChangeAspect="1"/>
+          </p:cNvPicPr>
+          <p:nvPr/>
+        </p:nvPicPr>
+        <p:blipFill>
+          <a:blip r:embed="rId2">
+            <a:extLst>
+              <a:ext uri="{28A0092B-C50C-407E-A947-70E740481C1C}">
+                <a14:useLocalDpi xmlns:a14="http://schemas.microsoft.com/office/drawing/2010/main" val="0"/>
+              </a:ext>
+              <a:ext uri="{96DAC541-7B7A-43D3-8B79-37D633B846F1}">
+                <asvg:svgBlip xmlns:asvg="http://schemas.microsoft.com/office/drawing/2016/SVG/main" r:embed="rId3"/>
+              </a:ext>
+            </a:extLst>
+          </a:blip>
+          <a:stretch>
+            <a:fillRect/>
+          </a:stretch>
+        </p:blipFill>
+        <p:spPr>
+          <a:xfrm>
+            <a:off x="7303430" y="4892127"/>
+            <a:ext cx="799808" cy="799808"/>
+          </a:xfrm>
+          <a:prstGeom prst="rect">
+            <a:avLst/>
+          </a:prstGeom>
+        </p:spPr>
+      </p:pic>
+      <p:pic>
+        <p:nvPicPr>
+          <p:cNvPr id="6" name="图片 5">
+            <a:extLst>
+              <a:ext uri="{FF2B5EF4-FFF2-40B4-BE49-F238E27FC236}">
+                <a16:creationId xmlns:a16="http://schemas.microsoft.com/office/drawing/2014/main" id="{6C8CC958-8634-F1B2-0149-FB0604E63A79}"/>
+              </a:ext>
+            </a:extLst>
+          </p:cNvPr>
+          <p:cNvPicPr>
+            <a:picLocks noChangeAspect="1"/>
+          </p:cNvPicPr>
+          <p:nvPr/>
+        </p:nvPicPr>
+        <p:blipFill>
+          <a:blip r:embed="rId4">
+            <a:extLst>
+              <a:ext uri="{28A0092B-C50C-407E-A947-70E740481C1C}">
+                <a14:useLocalDpi xmlns:a14="http://schemas.microsoft.com/office/drawing/2010/main" val="0"/>
+              </a:ext>
+            </a:extLst>
+          </a:blip>
+          <a:stretch>
+            <a:fillRect/>
+          </a:stretch>
+        </p:blipFill>
+        <p:spPr>
+          <a:xfrm>
+            <a:off x="5541993" y="1785373"/>
+            <a:ext cx="1508123" cy="1513923"/>
+          </a:xfrm>
+          <a:prstGeom prst="rect">
+            <a:avLst/>
+          </a:prstGeom>
+        </p:spPr>
+      </p:pic>
+      <p:grpSp>
+        <p:nvGrpSpPr>
+          <p:cNvPr id="28" name="组合 27">
+            <a:extLst>
+              <a:ext uri="{FF2B5EF4-FFF2-40B4-BE49-F238E27FC236}">
+                <a16:creationId xmlns:a16="http://schemas.microsoft.com/office/drawing/2014/main" id="{BC52488E-C7F7-7E41-50E9-427FB2409A14}"/>
+              </a:ext>
+            </a:extLst>
+          </p:cNvPr>
+          <p:cNvGrpSpPr/>
+          <p:nvPr/>
+        </p:nvGrpSpPr>
+        <p:grpSpPr>
+          <a:xfrm>
+            <a:off x="3238365" y="2602486"/>
+            <a:ext cx="1873808" cy="892021"/>
+            <a:chOff x="3238365" y="2602486"/>
+            <a:chExt cx="1873808" cy="892021"/>
+          </a:xfrm>
+        </p:grpSpPr>
+        <p:pic>
+          <p:nvPicPr>
+            <p:cNvPr id="10" name="图片 9">
+              <a:extLst>
+                <a:ext uri="{FF2B5EF4-FFF2-40B4-BE49-F238E27FC236}">
+                  <a16:creationId xmlns:a16="http://schemas.microsoft.com/office/drawing/2014/main" id="{1BE4996C-AB8D-0FA1-99EF-645FCF3CA7F3}"/>
+                </a:ext>
+              </a:extLst>
+            </p:cNvPr>
+            <p:cNvPicPr>
+              <a:picLocks noChangeAspect="1"/>
+            </p:cNvPicPr>
+            <p:nvPr/>
+          </p:nvPicPr>
+          <p:blipFill>
+            <a:blip r:embed="rId5">
+              <a:duotone>
+                <a:schemeClr val="accent3">
+                  <a:shade val="45000"/>
+                  <a:satMod val="135000"/>
+                </a:schemeClr>
+                <a:prstClr val="white"/>
+              </a:duotone>
+              <a:extLst>
+                <a:ext uri="{28A0092B-C50C-407E-A947-70E740481C1C}">
+                  <a14:useLocalDpi xmlns:a14="http://schemas.microsoft.com/office/drawing/2010/main" val="0"/>
+                </a:ext>
+              </a:extLst>
+            </a:blip>
+            <a:stretch>
+              <a:fillRect/>
+            </a:stretch>
+          </p:blipFill>
+          <p:spPr>
+            <a:xfrm flipH="1">
+              <a:off x="3238365" y="2846507"/>
+              <a:ext cx="677153" cy="648000"/>
+            </a:xfrm>
+            <a:prstGeom prst="rect">
+              <a:avLst/>
+            </a:prstGeom>
+          </p:spPr>
+        </p:pic>
+        <p:pic>
+          <p:nvPicPr>
+            <p:cNvPr id="16" name="图片 15">
+              <a:extLst>
+                <a:ext uri="{FF2B5EF4-FFF2-40B4-BE49-F238E27FC236}">
+                  <a16:creationId xmlns:a16="http://schemas.microsoft.com/office/drawing/2014/main" id="{28105798-58AB-1C79-0EAC-4D2FED64C5EB}"/>
+                </a:ext>
+              </a:extLst>
+            </p:cNvPr>
+            <p:cNvPicPr>
+              <a:picLocks noChangeAspect="1"/>
+            </p:cNvPicPr>
+            <p:nvPr/>
+          </p:nvPicPr>
+          <p:blipFill>
+            <a:blip r:embed="rId5">
+              <a:duotone>
+                <a:schemeClr val="accent3">
+                  <a:shade val="45000"/>
+                  <a:satMod val="135000"/>
+                </a:schemeClr>
+                <a:prstClr val="white"/>
+              </a:duotone>
+              <a:extLst>
+                <a:ext uri="{28A0092B-C50C-407E-A947-70E740481C1C}">
+                  <a14:useLocalDpi xmlns:a14="http://schemas.microsoft.com/office/drawing/2010/main" val="0"/>
+                </a:ext>
+              </a:extLst>
+            </a:blip>
+            <a:stretch>
+              <a:fillRect/>
+            </a:stretch>
+          </p:blipFill>
+          <p:spPr>
+            <a:xfrm flipH="1">
+              <a:off x="3842139" y="2727713"/>
+              <a:ext cx="677153" cy="648000"/>
+            </a:xfrm>
+            <a:prstGeom prst="rect">
+              <a:avLst/>
+            </a:prstGeom>
+          </p:spPr>
+        </p:pic>
+        <p:pic>
+          <p:nvPicPr>
+            <p:cNvPr id="24" name="图片 23">
+              <a:extLst>
+                <a:ext uri="{FF2B5EF4-FFF2-40B4-BE49-F238E27FC236}">
+                  <a16:creationId xmlns:a16="http://schemas.microsoft.com/office/drawing/2014/main" id="{9F9AE267-51D2-F6FC-DD98-8CC4F412D95D}"/>
+                </a:ext>
+              </a:extLst>
+            </p:cNvPr>
+            <p:cNvPicPr>
+              <a:picLocks noChangeAspect="1"/>
+            </p:cNvPicPr>
+            <p:nvPr/>
+          </p:nvPicPr>
+          <p:blipFill>
+            <a:blip r:embed="rId5">
+              <a:duotone>
+                <a:schemeClr val="accent3">
+                  <a:shade val="45000"/>
+                  <a:satMod val="135000"/>
+                </a:schemeClr>
+                <a:prstClr val="white"/>
+              </a:duotone>
+              <a:extLst>
+                <a:ext uri="{28A0092B-C50C-407E-A947-70E740481C1C}">
+                  <a14:useLocalDpi xmlns:a14="http://schemas.microsoft.com/office/drawing/2010/main" val="0"/>
+                </a:ext>
+              </a:extLst>
+            </a:blip>
+            <a:stretch>
+              <a:fillRect/>
+            </a:stretch>
+          </p:blipFill>
+          <p:spPr>
+            <a:xfrm flipH="1">
+              <a:off x="4435020" y="2602486"/>
+              <a:ext cx="677153" cy="648000"/>
+            </a:xfrm>
+            <a:prstGeom prst="rect">
+              <a:avLst/>
+            </a:prstGeom>
+          </p:spPr>
+        </p:pic>
+      </p:grpSp>
+      <p:grpSp>
+        <p:nvGrpSpPr>
+          <p:cNvPr id="29" name="组合 28">
+            <a:extLst>
+              <a:ext uri="{FF2B5EF4-FFF2-40B4-BE49-F238E27FC236}">
+                <a16:creationId xmlns:a16="http://schemas.microsoft.com/office/drawing/2014/main" id="{036ED5F7-F602-034F-5C75-9130B5CBA40F}"/>
+              </a:ext>
+            </a:extLst>
+          </p:cNvPr>
+          <p:cNvGrpSpPr/>
+          <p:nvPr/>
+        </p:nvGrpSpPr>
+        <p:grpSpPr>
+          <a:xfrm flipH="1">
+            <a:off x="7448383" y="2592146"/>
+            <a:ext cx="1873808" cy="892021"/>
+            <a:chOff x="3238365" y="2602486"/>
+            <a:chExt cx="1873808" cy="892021"/>
+          </a:xfrm>
+        </p:grpSpPr>
+        <p:pic>
+          <p:nvPicPr>
+            <p:cNvPr id="30" name="图片 29">
+              <a:extLst>
+                <a:ext uri="{FF2B5EF4-FFF2-40B4-BE49-F238E27FC236}">
+                  <a16:creationId xmlns:a16="http://schemas.microsoft.com/office/drawing/2014/main" id="{235DD3A6-5913-4275-AB3A-E07ED3882AC6}"/>
+                </a:ext>
+              </a:extLst>
+            </p:cNvPr>
+            <p:cNvPicPr>
+              <a:picLocks noChangeAspect="1"/>
+            </p:cNvPicPr>
+            <p:nvPr/>
+          </p:nvPicPr>
+          <p:blipFill>
+            <a:blip r:embed="rId5">
+              <a:duotone>
+                <a:schemeClr val="accent3">
+                  <a:shade val="45000"/>
+                  <a:satMod val="135000"/>
+                </a:schemeClr>
+                <a:prstClr val="white"/>
+              </a:duotone>
+              <a:extLst>
+                <a:ext uri="{28A0092B-C50C-407E-A947-70E740481C1C}">
+                  <a14:useLocalDpi xmlns:a14="http://schemas.microsoft.com/office/drawing/2010/main" val="0"/>
+                </a:ext>
+              </a:extLst>
+            </a:blip>
+            <a:stretch>
+              <a:fillRect/>
+            </a:stretch>
+          </p:blipFill>
+          <p:spPr>
+            <a:xfrm flipH="1">
+              <a:off x="3238365" y="2846507"/>
+              <a:ext cx="677153" cy="648000"/>
+            </a:xfrm>
+            <a:prstGeom prst="rect">
+              <a:avLst/>
+            </a:prstGeom>
+          </p:spPr>
+        </p:pic>
+        <p:pic>
+          <p:nvPicPr>
+            <p:cNvPr id="31" name="图片 30">
+              <a:extLst>
+                <a:ext uri="{FF2B5EF4-FFF2-40B4-BE49-F238E27FC236}">
+                  <a16:creationId xmlns:a16="http://schemas.microsoft.com/office/drawing/2014/main" id="{73214296-BB91-1FB8-457A-3BFBB26D1305}"/>
+                </a:ext>
+              </a:extLst>
+            </p:cNvPr>
+            <p:cNvPicPr>
+              <a:picLocks noChangeAspect="1"/>
+            </p:cNvPicPr>
+            <p:nvPr/>
+          </p:nvPicPr>
+          <p:blipFill>
+            <a:blip r:embed="rId5">
+              <a:duotone>
+                <a:schemeClr val="accent3">
+                  <a:shade val="45000"/>
+                  <a:satMod val="135000"/>
+                </a:schemeClr>
+                <a:prstClr val="white"/>
+              </a:duotone>
+              <a:extLst>
+                <a:ext uri="{28A0092B-C50C-407E-A947-70E740481C1C}">
+                  <a14:useLocalDpi xmlns:a14="http://schemas.microsoft.com/office/drawing/2010/main" val="0"/>
+                </a:ext>
+              </a:extLst>
+            </a:blip>
+            <a:stretch>
+              <a:fillRect/>
+            </a:stretch>
+          </p:blipFill>
+          <p:spPr>
+            <a:xfrm flipH="1">
+              <a:off x="3842139" y="2727713"/>
+              <a:ext cx="677153" cy="648000"/>
+            </a:xfrm>
+            <a:prstGeom prst="rect">
+              <a:avLst/>
+            </a:prstGeom>
+          </p:spPr>
+        </p:pic>
+        <p:pic>
+          <p:nvPicPr>
+            <p:cNvPr id="32" name="图片 31">
+              <a:extLst>
+                <a:ext uri="{FF2B5EF4-FFF2-40B4-BE49-F238E27FC236}">
+                  <a16:creationId xmlns:a16="http://schemas.microsoft.com/office/drawing/2014/main" id="{6A1B6834-448D-7A0E-05A3-7EC01287D9D8}"/>
+                </a:ext>
+              </a:extLst>
+            </p:cNvPr>
+            <p:cNvPicPr>
+              <a:picLocks noChangeAspect="1"/>
+            </p:cNvPicPr>
+            <p:nvPr/>
+          </p:nvPicPr>
+          <p:blipFill>
+            <a:blip r:embed="rId5">
+              <a:duotone>
+                <a:schemeClr val="accent3">
+                  <a:shade val="45000"/>
+                  <a:satMod val="135000"/>
+                </a:schemeClr>
+                <a:prstClr val="white"/>
+              </a:duotone>
+              <a:extLst>
+                <a:ext uri="{28A0092B-C50C-407E-A947-70E740481C1C}">
+                  <a14:useLocalDpi xmlns:a14="http://schemas.microsoft.com/office/drawing/2010/main" val="0"/>
+                </a:ext>
+              </a:extLst>
+            </a:blip>
+            <a:stretch>
+              <a:fillRect/>
+            </a:stretch>
+          </p:blipFill>
+          <p:spPr>
+            <a:xfrm flipH="1">
+              <a:off x="4435020" y="2602486"/>
+              <a:ext cx="677153" cy="648000"/>
+            </a:xfrm>
+            <a:prstGeom prst="rect">
+              <a:avLst/>
+            </a:prstGeom>
+          </p:spPr>
+        </p:pic>
+      </p:grpSp>
+      <p:pic>
+        <p:nvPicPr>
+          <p:cNvPr id="34" name="图片 33">
+            <a:extLst>
+              <a:ext uri="{FF2B5EF4-FFF2-40B4-BE49-F238E27FC236}">
+                <a16:creationId xmlns:a16="http://schemas.microsoft.com/office/drawing/2014/main" id="{AA543F34-1B03-7F3A-313D-2C67037ED40E}"/>
+              </a:ext>
+            </a:extLst>
+          </p:cNvPr>
+          <p:cNvPicPr>
+            <a:picLocks noChangeAspect="1"/>
+          </p:cNvPicPr>
+          <p:nvPr/>
+        </p:nvPicPr>
+        <p:blipFill>
+          <a:blip r:embed="rId6">
+            <a:extLst>
+              <a:ext uri="{28A0092B-C50C-407E-A947-70E740481C1C}">
+                <a14:useLocalDpi xmlns:a14="http://schemas.microsoft.com/office/drawing/2010/main" val="0"/>
+              </a:ext>
+            </a:extLst>
+          </a:blip>
+          <a:stretch>
+            <a:fillRect/>
+          </a:stretch>
+        </p:blipFill>
+        <p:spPr>
+          <a:xfrm>
+            <a:off x="2392853" y="4188937"/>
+            <a:ext cx="1961563" cy="1961563"/>
+          </a:xfrm>
+          <a:prstGeom prst="rect">
+            <a:avLst/>
+          </a:prstGeom>
+        </p:spPr>
+      </p:pic>
+      <p:pic>
+        <p:nvPicPr>
+          <p:cNvPr id="35" name="图片 34">
+            <a:extLst>
+              <a:ext uri="{FF2B5EF4-FFF2-40B4-BE49-F238E27FC236}">
+                <a16:creationId xmlns:a16="http://schemas.microsoft.com/office/drawing/2014/main" id="{4D255527-D3FD-7A4B-568C-813A1961EBF0}"/>
+              </a:ext>
+            </a:extLst>
+          </p:cNvPr>
+          <p:cNvPicPr>
+            <a:picLocks noChangeAspect="1"/>
+          </p:cNvPicPr>
+          <p:nvPr/>
+        </p:nvPicPr>
+        <p:blipFill>
+          <a:blip r:embed="rId6">
+            <a:extLst>
+              <a:ext uri="{28A0092B-C50C-407E-A947-70E740481C1C}">
+                <a14:useLocalDpi xmlns:a14="http://schemas.microsoft.com/office/drawing/2010/main" val="0"/>
+              </a:ext>
+            </a:extLst>
+          </a:blip>
+          <a:stretch>
+            <a:fillRect/>
+          </a:stretch>
+        </p:blipFill>
+        <p:spPr>
+          <a:xfrm flipH="1">
+            <a:off x="8182603" y="4163176"/>
+            <a:ext cx="1961563" cy="1961563"/>
+          </a:xfrm>
+          <a:prstGeom prst="rect">
+            <a:avLst/>
+          </a:prstGeom>
+        </p:spPr>
+      </p:pic>
+      <p:sp>
+        <p:nvSpPr>
+          <p:cNvPr id="48" name="椭圆 47">
+            <a:extLst>
+              <a:ext uri="{FF2B5EF4-FFF2-40B4-BE49-F238E27FC236}">
+                <a16:creationId xmlns:a16="http://schemas.microsoft.com/office/drawing/2014/main" id="{100535DC-F78F-1B7F-71D5-08B6F2048E90}"/>
               </a:ext>
             </a:extLst>
           </p:cNvPr>
@@ -8283,25 +10570,23 @@
         </p:nvSpPr>
         <p:spPr>
           <a:xfrm>
-            <a:off x="5675086" y="1865990"/>
-            <a:ext cx="1237569" cy="1005465"/>
-          </a:xfrm>
-          <a:prstGeom prst="star6">
+            <a:off x="4582251" y="5006108"/>
+            <a:ext cx="627020" cy="628073"/>
+          </a:xfrm>
+          <a:prstGeom prst="ellipse">
             <a:avLst/>
           </a:prstGeom>
           <a:solidFill>
             <a:schemeClr val="bg1"/>
           </a:solidFill>
-          <a:ln w="76200">
-            <a:solidFill>
-              <a:srgbClr val="0070C0"/>
-            </a:solidFill>
+          <a:ln>
+            <a:noFill/>
           </a:ln>
         </p:spPr>
         <p:style>
           <a:lnRef idx="2">
             <a:schemeClr val="accent1">
-              <a:shade val="50000"/>
+              <a:shade val="15000"/>
             </a:schemeClr>
           </a:lnRef>
           <a:fillRef idx="1">
@@ -8325,10 +10610,46 @@
       </p:sp>
       <p:pic>
         <p:nvPicPr>
-          <p:cNvPr id="39" name="图形 6" descr="足球 纯色填充">
-            <a:extLst>
-              <a:ext uri="{FF2B5EF4-FFF2-40B4-BE49-F238E27FC236}">
-                <a16:creationId xmlns:a16="http://schemas.microsoft.com/office/drawing/2014/main" id="{CF7811EA-996E-2E3E-842C-037D693AE990}"/>
+          <p:cNvPr id="46" name="图片 45">
+            <a:extLst>
+              <a:ext uri="{FF2B5EF4-FFF2-40B4-BE49-F238E27FC236}">
+                <a16:creationId xmlns:a16="http://schemas.microsoft.com/office/drawing/2014/main" id="{5B4B9390-8623-95E8-CCED-601A70932ED5}"/>
+              </a:ext>
+            </a:extLst>
+          </p:cNvPr>
+          <p:cNvPicPr>
+            <a:picLocks noChangeAspect="1"/>
+          </p:cNvPicPr>
+          <p:nvPr/>
+        </p:nvPicPr>
+        <p:blipFill>
+          <a:blip r:embed="rId7">
+            <a:extLst>
+              <a:ext uri="{28A0092B-C50C-407E-A947-70E740481C1C}">
+                <a14:useLocalDpi xmlns:a14="http://schemas.microsoft.com/office/drawing/2010/main" val="0"/>
+              </a:ext>
+            </a:extLst>
+          </a:blip>
+          <a:stretch>
+            <a:fillRect/>
+          </a:stretch>
+        </p:blipFill>
+        <p:spPr>
+          <a:xfrm>
+            <a:off x="5278506" y="4219861"/>
+            <a:ext cx="2072310" cy="1878227"/>
+          </a:xfrm>
+          <a:prstGeom prst="rect">
+            <a:avLst/>
+          </a:prstGeom>
+        </p:spPr>
+      </p:pic>
+      <p:pic>
+        <p:nvPicPr>
+          <p:cNvPr id="47" name="图形 6" descr="足球 纯色填充">
+            <a:extLst>
+              <a:ext uri="{FF2B5EF4-FFF2-40B4-BE49-F238E27FC236}">
+                <a16:creationId xmlns:a16="http://schemas.microsoft.com/office/drawing/2014/main" id="{1AAE9405-64DE-622C-EAC8-8442A8871D25}"/>
               </a:ext>
             </a:extLst>
           </p:cNvPr>
@@ -8354,7 +10675,7 @@
         </p:blipFill>
         <p:spPr>
           <a:xfrm>
-            <a:off x="5871501" y="1987250"/>
+            <a:off x="4500220" y="4912631"/>
             <a:ext cx="799808" cy="799808"/>
           </a:xfrm>
           <a:prstGeom prst="rect">
@@ -8365,7 +10686,7 @@
     </p:spTree>
     <p:extLst>
       <p:ext uri="{BB962C8B-B14F-4D97-AF65-F5344CB8AC3E}">
-        <p14:creationId xmlns:p14="http://schemas.microsoft.com/office/powerpoint/2010/main" val="1533152449"/>
+        <p14:creationId xmlns:p14="http://schemas.microsoft.com/office/powerpoint/2010/main" val="4068375970"/>
       </p:ext>
     </p:extLst>
   </p:cSld>

--- a/pics/paintings.pptx
+++ b/pics/paintings.pptx
@@ -270,7 +270,7 @@
           <a:p>
             <a:fld id="{01233CE7-9F99-43B8-8E0A-C2A344A065FA}" type="datetimeFigureOut">
               <a:rPr lang="zh-CN" altLang="en-US" smtClean="0"/>
-              <a:t>2024/3/4</a:t>
+              <a:t>2024/3/5</a:t>
             </a:fld>
             <a:endParaRPr lang="zh-CN" altLang="en-US"/>
           </a:p>
@@ -468,7 +468,7 @@
           <a:p>
             <a:fld id="{01233CE7-9F99-43B8-8E0A-C2A344A065FA}" type="datetimeFigureOut">
               <a:rPr lang="zh-CN" altLang="en-US" smtClean="0"/>
-              <a:t>2024/3/4</a:t>
+              <a:t>2024/3/5</a:t>
             </a:fld>
             <a:endParaRPr lang="zh-CN" altLang="en-US"/>
           </a:p>
@@ -676,7 +676,7 @@
           <a:p>
             <a:fld id="{01233CE7-9F99-43B8-8E0A-C2A344A065FA}" type="datetimeFigureOut">
               <a:rPr lang="zh-CN" altLang="en-US" smtClean="0"/>
-              <a:t>2024/3/4</a:t>
+              <a:t>2024/3/5</a:t>
             </a:fld>
             <a:endParaRPr lang="zh-CN" altLang="en-US"/>
           </a:p>
@@ -874,7 +874,7 @@
           <a:p>
             <a:fld id="{01233CE7-9F99-43B8-8E0A-C2A344A065FA}" type="datetimeFigureOut">
               <a:rPr lang="zh-CN" altLang="en-US" smtClean="0"/>
-              <a:t>2024/3/4</a:t>
+              <a:t>2024/3/5</a:t>
             </a:fld>
             <a:endParaRPr lang="zh-CN" altLang="en-US"/>
           </a:p>
@@ -1149,7 +1149,7 @@
           <a:p>
             <a:fld id="{01233CE7-9F99-43B8-8E0A-C2A344A065FA}" type="datetimeFigureOut">
               <a:rPr lang="zh-CN" altLang="en-US" smtClean="0"/>
-              <a:t>2024/3/4</a:t>
+              <a:t>2024/3/5</a:t>
             </a:fld>
             <a:endParaRPr lang="zh-CN" altLang="en-US"/>
           </a:p>
@@ -1414,7 +1414,7 @@
           <a:p>
             <a:fld id="{01233CE7-9F99-43B8-8E0A-C2A344A065FA}" type="datetimeFigureOut">
               <a:rPr lang="zh-CN" altLang="en-US" smtClean="0"/>
-              <a:t>2024/3/4</a:t>
+              <a:t>2024/3/5</a:t>
             </a:fld>
             <a:endParaRPr lang="zh-CN" altLang="en-US"/>
           </a:p>
@@ -1826,7 +1826,7 @@
           <a:p>
             <a:fld id="{01233CE7-9F99-43B8-8E0A-C2A344A065FA}" type="datetimeFigureOut">
               <a:rPr lang="zh-CN" altLang="en-US" smtClean="0"/>
-              <a:t>2024/3/4</a:t>
+              <a:t>2024/3/5</a:t>
             </a:fld>
             <a:endParaRPr lang="zh-CN" altLang="en-US"/>
           </a:p>
@@ -1967,7 +1967,7 @@
           <a:p>
             <a:fld id="{01233CE7-9F99-43B8-8E0A-C2A344A065FA}" type="datetimeFigureOut">
               <a:rPr lang="zh-CN" altLang="en-US" smtClean="0"/>
-              <a:t>2024/3/4</a:t>
+              <a:t>2024/3/5</a:t>
             </a:fld>
             <a:endParaRPr lang="zh-CN" altLang="en-US"/>
           </a:p>
@@ -2080,7 +2080,7 @@
           <a:p>
             <a:fld id="{01233CE7-9F99-43B8-8E0A-C2A344A065FA}" type="datetimeFigureOut">
               <a:rPr lang="zh-CN" altLang="en-US" smtClean="0"/>
-              <a:t>2024/3/4</a:t>
+              <a:t>2024/3/5</a:t>
             </a:fld>
             <a:endParaRPr lang="zh-CN" altLang="en-US"/>
           </a:p>
@@ -2391,7 +2391,7 @@
           <a:p>
             <a:fld id="{01233CE7-9F99-43B8-8E0A-C2A344A065FA}" type="datetimeFigureOut">
               <a:rPr lang="zh-CN" altLang="en-US" smtClean="0"/>
-              <a:t>2024/3/4</a:t>
+              <a:t>2024/3/5</a:t>
             </a:fld>
             <a:endParaRPr lang="zh-CN" altLang="en-US"/>
           </a:p>
@@ -2679,7 +2679,7 @@
           <a:p>
             <a:fld id="{01233CE7-9F99-43B8-8E0A-C2A344A065FA}" type="datetimeFigureOut">
               <a:rPr lang="zh-CN" altLang="en-US" smtClean="0"/>
-              <a:t>2024/3/4</a:t>
+              <a:t>2024/3/5</a:t>
             </a:fld>
             <a:endParaRPr lang="zh-CN" altLang="en-US"/>
           </a:p>
@@ -2920,7 +2920,7 @@
           <a:p>
             <a:fld id="{01233CE7-9F99-43B8-8E0A-C2A344A065FA}" type="datetimeFigureOut">
               <a:rPr lang="zh-CN" altLang="en-US" smtClean="0"/>
-              <a:t>2024/3/4</a:t>
+              <a:t>2024/3/5</a:t>
             </a:fld>
             <a:endParaRPr lang="zh-CN" altLang="en-US"/>
           </a:p>

--- a/pics/paintings.pptx
+++ b/pics/paintings.pptx
@@ -17,6 +17,7 @@
     <p:sldId id="268" r:id="rId11"/>
     <p:sldId id="265" r:id="rId12"/>
     <p:sldId id="266" r:id="rId13"/>
+    <p:sldId id="269" r:id="rId14"/>
   </p:sldIdLst>
   <p:sldSz cx="12192000" cy="6858000"/>
   <p:notesSz cx="6858000" cy="9144000"/>
@@ -270,7 +271,7 @@
           <a:p>
             <a:fld id="{01233CE7-9F99-43B8-8E0A-C2A344A065FA}" type="datetimeFigureOut">
               <a:rPr lang="zh-CN" altLang="en-US" smtClean="0"/>
-              <a:t>2024/3/4</a:t>
+              <a:t>2024/3/5</a:t>
             </a:fld>
             <a:endParaRPr lang="zh-CN" altLang="en-US"/>
           </a:p>
@@ -468,7 +469,7 @@
           <a:p>
             <a:fld id="{01233CE7-9F99-43B8-8E0A-C2A344A065FA}" type="datetimeFigureOut">
               <a:rPr lang="zh-CN" altLang="en-US" smtClean="0"/>
-              <a:t>2024/3/4</a:t>
+              <a:t>2024/3/5</a:t>
             </a:fld>
             <a:endParaRPr lang="zh-CN" altLang="en-US"/>
           </a:p>
@@ -676,7 +677,7 @@
           <a:p>
             <a:fld id="{01233CE7-9F99-43B8-8E0A-C2A344A065FA}" type="datetimeFigureOut">
               <a:rPr lang="zh-CN" altLang="en-US" smtClean="0"/>
-              <a:t>2024/3/4</a:t>
+              <a:t>2024/3/5</a:t>
             </a:fld>
             <a:endParaRPr lang="zh-CN" altLang="en-US"/>
           </a:p>
@@ -874,7 +875,7 @@
           <a:p>
             <a:fld id="{01233CE7-9F99-43B8-8E0A-C2A344A065FA}" type="datetimeFigureOut">
               <a:rPr lang="zh-CN" altLang="en-US" smtClean="0"/>
-              <a:t>2024/3/4</a:t>
+              <a:t>2024/3/5</a:t>
             </a:fld>
             <a:endParaRPr lang="zh-CN" altLang="en-US"/>
           </a:p>
@@ -1149,7 +1150,7 @@
           <a:p>
             <a:fld id="{01233CE7-9F99-43B8-8E0A-C2A344A065FA}" type="datetimeFigureOut">
               <a:rPr lang="zh-CN" altLang="en-US" smtClean="0"/>
-              <a:t>2024/3/4</a:t>
+              <a:t>2024/3/5</a:t>
             </a:fld>
             <a:endParaRPr lang="zh-CN" altLang="en-US"/>
           </a:p>
@@ -1414,7 +1415,7 @@
           <a:p>
             <a:fld id="{01233CE7-9F99-43B8-8E0A-C2A344A065FA}" type="datetimeFigureOut">
               <a:rPr lang="zh-CN" altLang="en-US" smtClean="0"/>
-              <a:t>2024/3/4</a:t>
+              <a:t>2024/3/5</a:t>
             </a:fld>
             <a:endParaRPr lang="zh-CN" altLang="en-US"/>
           </a:p>
@@ -1826,7 +1827,7 @@
           <a:p>
             <a:fld id="{01233CE7-9F99-43B8-8E0A-C2A344A065FA}" type="datetimeFigureOut">
               <a:rPr lang="zh-CN" altLang="en-US" smtClean="0"/>
-              <a:t>2024/3/4</a:t>
+              <a:t>2024/3/5</a:t>
             </a:fld>
             <a:endParaRPr lang="zh-CN" altLang="en-US"/>
           </a:p>
@@ -1967,7 +1968,7 @@
           <a:p>
             <a:fld id="{01233CE7-9F99-43B8-8E0A-C2A344A065FA}" type="datetimeFigureOut">
               <a:rPr lang="zh-CN" altLang="en-US" smtClean="0"/>
-              <a:t>2024/3/4</a:t>
+              <a:t>2024/3/5</a:t>
             </a:fld>
             <a:endParaRPr lang="zh-CN" altLang="en-US"/>
           </a:p>
@@ -2080,7 +2081,7 @@
           <a:p>
             <a:fld id="{01233CE7-9F99-43B8-8E0A-C2A344A065FA}" type="datetimeFigureOut">
               <a:rPr lang="zh-CN" altLang="en-US" smtClean="0"/>
-              <a:t>2024/3/4</a:t>
+              <a:t>2024/3/5</a:t>
             </a:fld>
             <a:endParaRPr lang="zh-CN" altLang="en-US"/>
           </a:p>
@@ -2391,7 +2392,7 @@
           <a:p>
             <a:fld id="{01233CE7-9F99-43B8-8E0A-C2A344A065FA}" type="datetimeFigureOut">
               <a:rPr lang="zh-CN" altLang="en-US" smtClean="0"/>
-              <a:t>2024/3/4</a:t>
+              <a:t>2024/3/5</a:t>
             </a:fld>
             <a:endParaRPr lang="zh-CN" altLang="en-US"/>
           </a:p>
@@ -2679,7 +2680,7 @@
           <a:p>
             <a:fld id="{01233CE7-9F99-43B8-8E0A-C2A344A065FA}" type="datetimeFigureOut">
               <a:rPr lang="zh-CN" altLang="en-US" smtClean="0"/>
-              <a:t>2024/3/4</a:t>
+              <a:t>2024/3/5</a:t>
             </a:fld>
             <a:endParaRPr lang="zh-CN" altLang="en-US"/>
           </a:p>
@@ -2920,7 +2921,7 @@
           <a:p>
             <a:fld id="{01233CE7-9F99-43B8-8E0A-C2A344A065FA}" type="datetimeFigureOut">
               <a:rPr lang="zh-CN" altLang="en-US" smtClean="0"/>
-              <a:t>2024/3/4</a:t>
+              <a:t>2024/3/5</a:t>
             </a:fld>
             <a:endParaRPr lang="zh-CN" altLang="en-US"/>
           </a:p>
@@ -4176,7 +4177,7 @@
               <a:rPr lang="en-US" altLang="zh-CN" sz="4800" b="1" dirty="0">
                 <a:ln w="0"/>
                 <a:solidFill>
-                  <a:schemeClr val="accent1"/>
+                  <a:srgbClr val="7030A0"/>
                 </a:solidFill>
                 <a:effectLst>
                   <a:outerShdw blurRad="38100" dist="25400" dir="5400000" algn="ctr" rotWithShape="0">
@@ -4188,12 +4189,12 @@
                 <a:latin typeface="Lucida Handwriting" panose="03010101010101010101" pitchFamily="66" charset="0"/>
                 <a:cs typeface="Arial" panose="020B0604020202020204" pitchFamily="34" charset="0"/>
               </a:rPr>
-              <a:t>WOW DRAW~</a:t>
+              <a:t>OOPS DRAW~</a:t>
             </a:r>
             <a:endParaRPr lang="zh-CN" altLang="en-US" sz="4800" b="1" dirty="0">
               <a:ln w="0"/>
               <a:solidFill>
-                <a:schemeClr val="accent1"/>
+                <a:srgbClr val="7030A0"/>
               </a:solidFill>
               <a:effectLst>
                 <a:outerShdw blurRad="38100" dist="25400" dir="5400000" algn="ctr" rotWithShape="0">
@@ -4599,7 +4600,23 @@
         </p:nvPicPr>
         <p:blipFill>
           <a:blip r:embed="rId6">
-            <a:extLst>
+            <a:duotone>
+              <a:prstClr val="black"/>
+              <a:srgbClr val="7030A0">
+                <a:tint val="45000"/>
+                <a:satMod val="400000"/>
+              </a:srgbClr>
+            </a:duotone>
+            <a:extLst>
+              <a:ext uri="{BEBA8EAE-BF5A-486C-A8C5-ECC9F3942E4B}">
+                <a14:imgProps xmlns:a14="http://schemas.microsoft.com/office/drawing/2010/main">
+                  <a14:imgLayer r:embed="rId7">
+                    <a14:imgEffect>
+                      <a14:saturation sat="33000"/>
+                    </a14:imgEffect>
+                  </a14:imgLayer>
+                </a14:imgProps>
+              </a:ext>
               <a:ext uri="{28A0092B-C50C-407E-A947-70E740481C1C}">
                 <a14:useLocalDpi xmlns:a14="http://schemas.microsoft.com/office/drawing/2010/main" val="0"/>
               </a:ext>
@@ -4634,7 +4651,14 @@
           <p:nvPr/>
         </p:nvPicPr>
         <p:blipFill>
-          <a:blip r:embed="rId6">
+          <a:blip r:embed="rId8">
+            <a:duotone>
+              <a:prstClr val="black"/>
+              <a:srgbClr val="7030A0">
+                <a:tint val="45000"/>
+                <a:satMod val="400000"/>
+              </a:srgbClr>
+            </a:duotone>
             <a:extLst>
               <a:ext uri="{28A0092B-C50C-407E-A947-70E740481C1C}">
                 <a14:useLocalDpi xmlns:a14="http://schemas.microsoft.com/office/drawing/2010/main" val="0"/>
@@ -4722,7 +4746,7 @@
           <p:nvPr/>
         </p:nvPicPr>
         <p:blipFill>
-          <a:blip r:embed="rId7">
+          <a:blip r:embed="rId9">
             <a:extLst>
               <a:ext uri="{28A0092B-C50C-407E-A947-70E740481C1C}">
                 <a14:useLocalDpi xmlns:a14="http://schemas.microsoft.com/office/drawing/2010/main" val="0"/>
@@ -4928,42 +4952,6 @@
           </a:p>
         </p:txBody>
       </p:sp>
-      <p:pic>
-        <p:nvPicPr>
-          <p:cNvPr id="3" name="图片 2">
-            <a:extLst>
-              <a:ext uri="{FF2B5EF4-FFF2-40B4-BE49-F238E27FC236}">
-                <a16:creationId xmlns:a16="http://schemas.microsoft.com/office/drawing/2014/main" id="{A1395A60-BD75-FCF1-DA42-2655EB53D20E}"/>
-              </a:ext>
-            </a:extLst>
-          </p:cNvPr>
-          <p:cNvPicPr>
-            <a:picLocks noChangeAspect="1"/>
-          </p:cNvPicPr>
-          <p:nvPr/>
-        </p:nvPicPr>
-        <p:blipFill>
-          <a:blip r:embed="rId2">
-            <a:extLst>
-              <a:ext uri="{28A0092B-C50C-407E-A947-70E740481C1C}">
-                <a14:useLocalDpi xmlns:a14="http://schemas.microsoft.com/office/drawing/2010/main" val="0"/>
-              </a:ext>
-            </a:extLst>
-          </a:blip>
-          <a:stretch>
-            <a:fillRect/>
-          </a:stretch>
-        </p:blipFill>
-        <p:spPr>
-          <a:xfrm>
-            <a:off x="7001809" y="429452"/>
-            <a:ext cx="4985814" cy="2097927"/>
-          </a:xfrm>
-          <a:prstGeom prst="rect">
-            <a:avLst/>
-          </a:prstGeom>
-        </p:spPr>
-      </p:pic>
       <p:sp>
         <p:nvSpPr>
           <p:cNvPr id="5" name="星形: 六角 4">
@@ -5033,13 +5021,13 @@
           <p:nvPr/>
         </p:nvPicPr>
         <p:blipFill>
-          <a:blip r:embed="rId3">
+          <a:blip r:embed="rId2">
             <a:extLst>
               <a:ext uri="{28A0092B-C50C-407E-A947-70E740481C1C}">
                 <a14:useLocalDpi xmlns:a14="http://schemas.microsoft.com/office/drawing/2010/main" val="0"/>
               </a:ext>
               <a:ext uri="{96DAC541-7B7A-43D3-8B79-37D633B846F1}">
-                <asvg:svgBlip xmlns:asvg="http://schemas.microsoft.com/office/drawing/2016/SVG/main" r:embed="rId4"/>
+                <asvg:svgBlip xmlns:asvg="http://schemas.microsoft.com/office/drawing/2016/SVG/main" r:embed="rId3"/>
               </a:ext>
             </a:extLst>
           </a:blip>
@@ -5072,7 +5060,7 @@
           <p:nvPr/>
         </p:nvPicPr>
         <p:blipFill>
-          <a:blip r:embed="rId5">
+          <a:blip r:embed="rId4">
             <a:extLst>
               <a:ext uri="{28A0092B-C50C-407E-A947-70E740481C1C}">
                 <a14:useLocalDpi xmlns:a14="http://schemas.microsoft.com/office/drawing/2010/main" val="0"/>
@@ -5093,10 +5081,2384 @@
           </a:prstGeom>
         </p:spPr>
       </p:pic>
+      <p:sp>
+        <p:nvSpPr>
+          <p:cNvPr id="2" name="文本框 1">
+            <a:extLst>
+              <a:ext uri="{FF2B5EF4-FFF2-40B4-BE49-F238E27FC236}">
+                <a16:creationId xmlns:a16="http://schemas.microsoft.com/office/drawing/2014/main" id="{12CD3444-5C0F-7C38-A331-84110CC74116}"/>
+              </a:ext>
+            </a:extLst>
+          </p:cNvPr>
+          <p:cNvSpPr txBox="1"/>
+          <p:nvPr/>
+        </p:nvSpPr>
+        <p:spPr>
+          <a:xfrm>
+            <a:off x="2348004" y="1716282"/>
+            <a:ext cx="7859486" cy="4500000"/>
+          </a:xfrm>
+          <a:prstGeom prst="rect">
+            <a:avLst/>
+          </a:prstGeom>
+          <a:solidFill>
+            <a:schemeClr val="tx1">
+              <a:alpha val="95000"/>
+            </a:schemeClr>
+          </a:solidFill>
+          <a:ln>
+            <a:noFill/>
+          </a:ln>
+        </p:spPr>
+        <p:txBody>
+          <a:bodyPr wrap="square" rtlCol="0">
+            <a:spAutoFit/>
+          </a:bodyPr>
+          <a:lstStyle/>
+          <a:p>
+            <a:endParaRPr lang="zh-CN" altLang="en-US" dirty="0"/>
+          </a:p>
+        </p:txBody>
+      </p:sp>
+      <p:sp>
+        <p:nvSpPr>
+          <p:cNvPr id="8" name="星形: 五角 7">
+            <a:extLst>
+              <a:ext uri="{FF2B5EF4-FFF2-40B4-BE49-F238E27FC236}">
+                <a16:creationId xmlns:a16="http://schemas.microsoft.com/office/drawing/2014/main" id="{C6B5C7A1-67C6-5C8B-3897-D0E79BB4FFB7}"/>
+              </a:ext>
+            </a:extLst>
+          </p:cNvPr>
+          <p:cNvSpPr/>
+          <p:nvPr/>
+        </p:nvSpPr>
+        <p:spPr>
+          <a:xfrm>
+            <a:off x="4562393" y="2505920"/>
+            <a:ext cx="616857" cy="638628"/>
+          </a:xfrm>
+          <a:prstGeom prst="star5">
+            <a:avLst/>
+          </a:prstGeom>
+          <a:noFill/>
+          <a:ln>
+            <a:noFill/>
+          </a:ln>
+        </p:spPr>
+        <p:style>
+          <a:lnRef idx="2">
+            <a:schemeClr val="accent4"/>
+          </a:lnRef>
+          <a:fillRef idx="1">
+            <a:schemeClr val="lt1"/>
+          </a:fillRef>
+          <a:effectRef idx="0">
+            <a:schemeClr val="accent4"/>
+          </a:effectRef>
+          <a:fontRef idx="minor">
+            <a:schemeClr val="dk1"/>
+          </a:fontRef>
+        </p:style>
+        <p:txBody>
+          <a:bodyPr rtlCol="0" anchor="ctr"/>
+          <a:lstStyle/>
+          <a:p>
+            <a:pPr algn="ctr"/>
+            <a:endParaRPr lang="zh-CN" altLang="en-US"/>
+          </a:p>
+        </p:txBody>
+      </p:sp>
+      <p:sp>
+        <p:nvSpPr>
+          <p:cNvPr id="36" name="矩形 35">
+            <a:extLst>
+              <a:ext uri="{FF2B5EF4-FFF2-40B4-BE49-F238E27FC236}">
+                <a16:creationId xmlns:a16="http://schemas.microsoft.com/office/drawing/2014/main" id="{0FF66540-B4FB-6F6E-2AC4-B1A01007C419}"/>
+              </a:ext>
+            </a:extLst>
+          </p:cNvPr>
+          <p:cNvSpPr/>
+          <p:nvPr/>
+        </p:nvSpPr>
+        <p:spPr>
+          <a:xfrm>
+            <a:off x="2348004" y="3447589"/>
+            <a:ext cx="7859486" cy="1060609"/>
+          </a:xfrm>
+          <a:prstGeom prst="rect">
+            <a:avLst/>
+          </a:prstGeom>
+          <a:gradFill flip="none" rotWithShape="1">
+            <a:gsLst>
+              <a:gs pos="0">
+                <a:srgbClr val="FFC000">
+                  <a:shade val="30000"/>
+                  <a:satMod val="115000"/>
+                </a:srgbClr>
+              </a:gs>
+              <a:gs pos="50000">
+                <a:srgbClr val="FFC000">
+                  <a:shade val="67500"/>
+                  <a:satMod val="115000"/>
+                </a:srgbClr>
+              </a:gs>
+              <a:gs pos="100000">
+                <a:srgbClr val="FFC000">
+                  <a:shade val="100000"/>
+                  <a:satMod val="115000"/>
+                </a:srgbClr>
+              </a:gs>
+            </a:gsLst>
+            <a:path path="circle">
+              <a:fillToRect l="50000" t="50000" r="50000" b="50000"/>
+            </a:path>
+            <a:tileRect/>
+          </a:gradFill>
+        </p:spPr>
+        <p:style>
+          <a:lnRef idx="2">
+            <a:schemeClr val="accent1">
+              <a:shade val="15000"/>
+            </a:schemeClr>
+          </a:lnRef>
+          <a:fillRef idx="1">
+            <a:schemeClr val="accent1"/>
+          </a:fillRef>
+          <a:effectRef idx="0">
+            <a:schemeClr val="accent1"/>
+          </a:effectRef>
+          <a:fontRef idx="minor">
+            <a:schemeClr val="lt1"/>
+          </a:fontRef>
+        </p:style>
+        <p:txBody>
+          <a:bodyPr rtlCol="0" anchor="ctr"/>
+          <a:lstStyle/>
+          <a:p>
+            <a:pPr algn="ctr"/>
+            <a:endParaRPr lang="zh-CN" altLang="en-US"/>
+          </a:p>
+        </p:txBody>
+      </p:sp>
+      <p:sp>
+        <p:nvSpPr>
+          <p:cNvPr id="9" name="星形: 五角 8">
+            <a:extLst>
+              <a:ext uri="{FF2B5EF4-FFF2-40B4-BE49-F238E27FC236}">
+                <a16:creationId xmlns:a16="http://schemas.microsoft.com/office/drawing/2014/main" id="{9D01E312-25DB-B79E-6FBB-6BBE4341DE2B}"/>
+              </a:ext>
+            </a:extLst>
+          </p:cNvPr>
+          <p:cNvSpPr/>
+          <p:nvPr/>
+        </p:nvSpPr>
+        <p:spPr>
+          <a:xfrm>
+            <a:off x="3335624" y="2746376"/>
+            <a:ext cx="616857" cy="638628"/>
+          </a:xfrm>
+          <a:prstGeom prst="star5">
+            <a:avLst/>
+          </a:prstGeom>
+          <a:noFill/>
+          <a:ln>
+            <a:noFill/>
+          </a:ln>
+        </p:spPr>
+        <p:style>
+          <a:lnRef idx="2">
+            <a:schemeClr val="accent4"/>
+          </a:lnRef>
+          <a:fillRef idx="1">
+            <a:schemeClr val="lt1"/>
+          </a:fillRef>
+          <a:effectRef idx="0">
+            <a:schemeClr val="accent4"/>
+          </a:effectRef>
+          <a:fontRef idx="minor">
+            <a:schemeClr val="dk1"/>
+          </a:fontRef>
+        </p:style>
+        <p:txBody>
+          <a:bodyPr rtlCol="0" anchor="ctr"/>
+          <a:lstStyle/>
+          <a:p>
+            <a:pPr algn="ctr"/>
+            <a:endParaRPr lang="zh-CN" altLang="en-US"/>
+          </a:p>
+        </p:txBody>
+      </p:sp>
+      <p:pic>
+        <p:nvPicPr>
+          <p:cNvPr id="3" name="图片 2">
+            <a:extLst>
+              <a:ext uri="{FF2B5EF4-FFF2-40B4-BE49-F238E27FC236}">
+                <a16:creationId xmlns:a16="http://schemas.microsoft.com/office/drawing/2014/main" id="{A1395A60-BD75-FCF1-DA42-2655EB53D20E}"/>
+              </a:ext>
+            </a:extLst>
+          </p:cNvPr>
+          <p:cNvPicPr>
+            <a:picLocks noChangeAspect="1"/>
+          </p:cNvPicPr>
+          <p:nvPr/>
+        </p:nvPicPr>
+        <p:blipFill>
+          <a:blip r:embed="rId5">
+            <a:extLst>
+              <a:ext uri="{28A0092B-C50C-407E-A947-70E740481C1C}">
+                <a14:useLocalDpi xmlns:a14="http://schemas.microsoft.com/office/drawing/2010/main" val="0"/>
+              </a:ext>
+            </a:extLst>
+          </a:blip>
+          <a:stretch>
+            <a:fillRect/>
+          </a:stretch>
+        </p:blipFill>
+        <p:spPr>
+          <a:xfrm>
+            <a:off x="2359261" y="-413381"/>
+            <a:ext cx="4985814" cy="2097927"/>
+          </a:xfrm>
+          <a:prstGeom prst="rect">
+            <a:avLst/>
+          </a:prstGeom>
+        </p:spPr>
+      </p:pic>
+      <p:sp>
+        <p:nvSpPr>
+          <p:cNvPr id="11" name="星形: 五角 10">
+            <a:extLst>
+              <a:ext uri="{FF2B5EF4-FFF2-40B4-BE49-F238E27FC236}">
+                <a16:creationId xmlns:a16="http://schemas.microsoft.com/office/drawing/2014/main" id="{028ED2E3-F81E-AC69-DC3D-2432E6FF41E5}"/>
+              </a:ext>
+            </a:extLst>
+          </p:cNvPr>
+          <p:cNvSpPr/>
+          <p:nvPr/>
+        </p:nvSpPr>
+        <p:spPr>
+          <a:xfrm>
+            <a:off x="3965394" y="2621146"/>
+            <a:ext cx="616857" cy="638628"/>
+          </a:xfrm>
+          <a:prstGeom prst="star5">
+            <a:avLst/>
+          </a:prstGeom>
+          <a:noFill/>
+          <a:ln>
+            <a:noFill/>
+          </a:ln>
+        </p:spPr>
+        <p:style>
+          <a:lnRef idx="2">
+            <a:schemeClr val="accent4"/>
+          </a:lnRef>
+          <a:fillRef idx="1">
+            <a:schemeClr val="lt1"/>
+          </a:fillRef>
+          <a:effectRef idx="0">
+            <a:schemeClr val="accent4"/>
+          </a:effectRef>
+          <a:fontRef idx="minor">
+            <a:schemeClr val="dk1"/>
+          </a:fontRef>
+        </p:style>
+        <p:txBody>
+          <a:bodyPr rtlCol="0" anchor="ctr"/>
+          <a:lstStyle/>
+          <a:p>
+            <a:pPr algn="ctr"/>
+            <a:endParaRPr lang="zh-CN" altLang="en-US"/>
+          </a:p>
+        </p:txBody>
+      </p:sp>
+      <p:sp>
+        <p:nvSpPr>
+          <p:cNvPr id="12" name="星形: 五角 11">
+            <a:extLst>
+              <a:ext uri="{FF2B5EF4-FFF2-40B4-BE49-F238E27FC236}">
+                <a16:creationId xmlns:a16="http://schemas.microsoft.com/office/drawing/2014/main" id="{365E339D-EA15-D0A1-9A5B-FB6FBD78E913}"/>
+              </a:ext>
+            </a:extLst>
+          </p:cNvPr>
+          <p:cNvSpPr/>
+          <p:nvPr/>
+        </p:nvSpPr>
+        <p:spPr>
+          <a:xfrm>
+            <a:off x="8639628" y="2771323"/>
+            <a:ext cx="616857" cy="638628"/>
+          </a:xfrm>
+          <a:prstGeom prst="star5">
+            <a:avLst/>
+          </a:prstGeom>
+          <a:noFill/>
+          <a:ln>
+            <a:noFill/>
+          </a:ln>
+        </p:spPr>
+        <p:style>
+          <a:lnRef idx="2">
+            <a:schemeClr val="accent4"/>
+          </a:lnRef>
+          <a:fillRef idx="1">
+            <a:schemeClr val="lt1"/>
+          </a:fillRef>
+          <a:effectRef idx="0">
+            <a:schemeClr val="accent4"/>
+          </a:effectRef>
+          <a:fontRef idx="minor">
+            <a:schemeClr val="dk1"/>
+          </a:fontRef>
+        </p:style>
+        <p:txBody>
+          <a:bodyPr rtlCol="0" anchor="ctr"/>
+          <a:lstStyle>
+            <a:defPPr>
+              <a:defRPr lang="zh-CN"/>
+            </a:defPPr>
+            <a:lvl1pPr marL="0" algn="l" defTabSz="914400" rtl="0" eaLnBrk="1" latinLnBrk="0" hangingPunct="1">
+              <a:defRPr sz="1800" kern="1200">
+                <a:solidFill>
+                  <a:schemeClr val="dk1"/>
+                </a:solidFill>
+                <a:latin typeface="+mn-lt"/>
+                <a:ea typeface="+mn-ea"/>
+                <a:cs typeface="+mn-cs"/>
+              </a:defRPr>
+            </a:lvl1pPr>
+            <a:lvl2pPr marL="457200" algn="l" defTabSz="914400" rtl="0" eaLnBrk="1" latinLnBrk="0" hangingPunct="1">
+              <a:defRPr sz="1800" kern="1200">
+                <a:solidFill>
+                  <a:schemeClr val="dk1"/>
+                </a:solidFill>
+                <a:latin typeface="+mn-lt"/>
+                <a:ea typeface="+mn-ea"/>
+                <a:cs typeface="+mn-cs"/>
+              </a:defRPr>
+            </a:lvl2pPr>
+            <a:lvl3pPr marL="914400" algn="l" defTabSz="914400" rtl="0" eaLnBrk="1" latinLnBrk="0" hangingPunct="1">
+              <a:defRPr sz="1800" kern="1200">
+                <a:solidFill>
+                  <a:schemeClr val="dk1"/>
+                </a:solidFill>
+                <a:latin typeface="+mn-lt"/>
+                <a:ea typeface="+mn-ea"/>
+                <a:cs typeface="+mn-cs"/>
+              </a:defRPr>
+            </a:lvl3pPr>
+            <a:lvl4pPr marL="1371600" algn="l" defTabSz="914400" rtl="0" eaLnBrk="1" latinLnBrk="0" hangingPunct="1">
+              <a:defRPr sz="1800" kern="1200">
+                <a:solidFill>
+                  <a:schemeClr val="dk1"/>
+                </a:solidFill>
+                <a:latin typeface="+mn-lt"/>
+                <a:ea typeface="+mn-ea"/>
+                <a:cs typeface="+mn-cs"/>
+              </a:defRPr>
+            </a:lvl4pPr>
+            <a:lvl5pPr marL="1828800" algn="l" defTabSz="914400" rtl="0" eaLnBrk="1" latinLnBrk="0" hangingPunct="1">
+              <a:defRPr sz="1800" kern="1200">
+                <a:solidFill>
+                  <a:schemeClr val="dk1"/>
+                </a:solidFill>
+                <a:latin typeface="+mn-lt"/>
+                <a:ea typeface="+mn-ea"/>
+                <a:cs typeface="+mn-cs"/>
+              </a:defRPr>
+            </a:lvl5pPr>
+            <a:lvl6pPr marL="2286000" algn="l" defTabSz="914400" rtl="0" eaLnBrk="1" latinLnBrk="0" hangingPunct="1">
+              <a:defRPr sz="1800" kern="1200">
+                <a:solidFill>
+                  <a:schemeClr val="dk1"/>
+                </a:solidFill>
+                <a:latin typeface="+mn-lt"/>
+                <a:ea typeface="+mn-ea"/>
+                <a:cs typeface="+mn-cs"/>
+              </a:defRPr>
+            </a:lvl6pPr>
+            <a:lvl7pPr marL="2743200" algn="l" defTabSz="914400" rtl="0" eaLnBrk="1" latinLnBrk="0" hangingPunct="1">
+              <a:defRPr sz="1800" kern="1200">
+                <a:solidFill>
+                  <a:schemeClr val="dk1"/>
+                </a:solidFill>
+                <a:latin typeface="+mn-lt"/>
+                <a:ea typeface="+mn-ea"/>
+                <a:cs typeface="+mn-cs"/>
+              </a:defRPr>
+            </a:lvl7pPr>
+            <a:lvl8pPr marL="3200400" algn="l" defTabSz="914400" rtl="0" eaLnBrk="1" latinLnBrk="0" hangingPunct="1">
+              <a:defRPr sz="1800" kern="1200">
+                <a:solidFill>
+                  <a:schemeClr val="dk1"/>
+                </a:solidFill>
+                <a:latin typeface="+mn-lt"/>
+                <a:ea typeface="+mn-ea"/>
+                <a:cs typeface="+mn-cs"/>
+              </a:defRPr>
+            </a:lvl8pPr>
+            <a:lvl9pPr marL="3657600" algn="l" defTabSz="914400" rtl="0" eaLnBrk="1" latinLnBrk="0" hangingPunct="1">
+              <a:defRPr sz="1800" kern="1200">
+                <a:solidFill>
+                  <a:schemeClr val="dk1"/>
+                </a:solidFill>
+                <a:latin typeface="+mn-lt"/>
+                <a:ea typeface="+mn-ea"/>
+                <a:cs typeface="+mn-cs"/>
+              </a:defRPr>
+            </a:lvl9pPr>
+          </a:lstStyle>
+          <a:p>
+            <a:pPr algn="ctr"/>
+            <a:endParaRPr lang="zh-CN" altLang="en-US"/>
+          </a:p>
+        </p:txBody>
+      </p:sp>
+      <p:sp>
+        <p:nvSpPr>
+          <p:cNvPr id="13" name="星形: 五角 12">
+            <a:extLst>
+              <a:ext uri="{FF2B5EF4-FFF2-40B4-BE49-F238E27FC236}">
+                <a16:creationId xmlns:a16="http://schemas.microsoft.com/office/drawing/2014/main" id="{BECC6A7B-EC17-820A-BD9D-AD07DA051578}"/>
+              </a:ext>
+            </a:extLst>
+          </p:cNvPr>
+          <p:cNvSpPr/>
+          <p:nvPr/>
+        </p:nvSpPr>
+        <p:spPr>
+          <a:xfrm>
+            <a:off x="8019140" y="2695821"/>
+            <a:ext cx="616857" cy="638628"/>
+          </a:xfrm>
+          <a:prstGeom prst="star5">
+            <a:avLst/>
+          </a:prstGeom>
+          <a:noFill/>
+          <a:ln>
+            <a:noFill/>
+          </a:ln>
+        </p:spPr>
+        <p:style>
+          <a:lnRef idx="2">
+            <a:schemeClr val="accent4"/>
+          </a:lnRef>
+          <a:fillRef idx="1">
+            <a:schemeClr val="lt1"/>
+          </a:fillRef>
+          <a:effectRef idx="0">
+            <a:schemeClr val="accent4"/>
+          </a:effectRef>
+          <a:fontRef idx="minor">
+            <a:schemeClr val="dk1"/>
+          </a:fontRef>
+        </p:style>
+        <p:txBody>
+          <a:bodyPr rtlCol="0" anchor="ctr"/>
+          <a:lstStyle>
+            <a:defPPr>
+              <a:defRPr lang="zh-CN"/>
+            </a:defPPr>
+            <a:lvl1pPr marL="0" algn="l" defTabSz="914400" rtl="0" eaLnBrk="1" latinLnBrk="0" hangingPunct="1">
+              <a:defRPr sz="1800" kern="1200">
+                <a:solidFill>
+                  <a:schemeClr val="dk1"/>
+                </a:solidFill>
+                <a:latin typeface="+mn-lt"/>
+                <a:ea typeface="+mn-ea"/>
+                <a:cs typeface="+mn-cs"/>
+              </a:defRPr>
+            </a:lvl1pPr>
+            <a:lvl2pPr marL="457200" algn="l" defTabSz="914400" rtl="0" eaLnBrk="1" latinLnBrk="0" hangingPunct="1">
+              <a:defRPr sz="1800" kern="1200">
+                <a:solidFill>
+                  <a:schemeClr val="dk1"/>
+                </a:solidFill>
+                <a:latin typeface="+mn-lt"/>
+                <a:ea typeface="+mn-ea"/>
+                <a:cs typeface="+mn-cs"/>
+              </a:defRPr>
+            </a:lvl2pPr>
+            <a:lvl3pPr marL="914400" algn="l" defTabSz="914400" rtl="0" eaLnBrk="1" latinLnBrk="0" hangingPunct="1">
+              <a:defRPr sz="1800" kern="1200">
+                <a:solidFill>
+                  <a:schemeClr val="dk1"/>
+                </a:solidFill>
+                <a:latin typeface="+mn-lt"/>
+                <a:ea typeface="+mn-ea"/>
+                <a:cs typeface="+mn-cs"/>
+              </a:defRPr>
+            </a:lvl3pPr>
+            <a:lvl4pPr marL="1371600" algn="l" defTabSz="914400" rtl="0" eaLnBrk="1" latinLnBrk="0" hangingPunct="1">
+              <a:defRPr sz="1800" kern="1200">
+                <a:solidFill>
+                  <a:schemeClr val="dk1"/>
+                </a:solidFill>
+                <a:latin typeface="+mn-lt"/>
+                <a:ea typeface="+mn-ea"/>
+                <a:cs typeface="+mn-cs"/>
+              </a:defRPr>
+            </a:lvl4pPr>
+            <a:lvl5pPr marL="1828800" algn="l" defTabSz="914400" rtl="0" eaLnBrk="1" latinLnBrk="0" hangingPunct="1">
+              <a:defRPr sz="1800" kern="1200">
+                <a:solidFill>
+                  <a:schemeClr val="dk1"/>
+                </a:solidFill>
+                <a:latin typeface="+mn-lt"/>
+                <a:ea typeface="+mn-ea"/>
+                <a:cs typeface="+mn-cs"/>
+              </a:defRPr>
+            </a:lvl5pPr>
+            <a:lvl6pPr marL="2286000" algn="l" defTabSz="914400" rtl="0" eaLnBrk="1" latinLnBrk="0" hangingPunct="1">
+              <a:defRPr sz="1800" kern="1200">
+                <a:solidFill>
+                  <a:schemeClr val="dk1"/>
+                </a:solidFill>
+                <a:latin typeface="+mn-lt"/>
+                <a:ea typeface="+mn-ea"/>
+                <a:cs typeface="+mn-cs"/>
+              </a:defRPr>
+            </a:lvl6pPr>
+            <a:lvl7pPr marL="2743200" algn="l" defTabSz="914400" rtl="0" eaLnBrk="1" latinLnBrk="0" hangingPunct="1">
+              <a:defRPr sz="1800" kern="1200">
+                <a:solidFill>
+                  <a:schemeClr val="dk1"/>
+                </a:solidFill>
+                <a:latin typeface="+mn-lt"/>
+                <a:ea typeface="+mn-ea"/>
+                <a:cs typeface="+mn-cs"/>
+              </a:defRPr>
+            </a:lvl7pPr>
+            <a:lvl8pPr marL="3200400" algn="l" defTabSz="914400" rtl="0" eaLnBrk="1" latinLnBrk="0" hangingPunct="1">
+              <a:defRPr sz="1800" kern="1200">
+                <a:solidFill>
+                  <a:schemeClr val="dk1"/>
+                </a:solidFill>
+                <a:latin typeface="+mn-lt"/>
+                <a:ea typeface="+mn-ea"/>
+                <a:cs typeface="+mn-cs"/>
+              </a:defRPr>
+            </a:lvl8pPr>
+            <a:lvl9pPr marL="3657600" algn="l" defTabSz="914400" rtl="0" eaLnBrk="1" latinLnBrk="0" hangingPunct="1">
+              <a:defRPr sz="1800" kern="1200">
+                <a:solidFill>
+                  <a:schemeClr val="dk1"/>
+                </a:solidFill>
+                <a:latin typeface="+mn-lt"/>
+                <a:ea typeface="+mn-ea"/>
+                <a:cs typeface="+mn-cs"/>
+              </a:defRPr>
+            </a:lvl9pPr>
+          </a:lstStyle>
+          <a:p>
+            <a:pPr algn="ctr"/>
+            <a:endParaRPr lang="zh-CN" altLang="en-US"/>
+          </a:p>
+        </p:txBody>
+      </p:sp>
+      <p:sp>
+        <p:nvSpPr>
+          <p:cNvPr id="14" name="椭圆 13">
+            <a:extLst>
+              <a:ext uri="{FF2B5EF4-FFF2-40B4-BE49-F238E27FC236}">
+                <a16:creationId xmlns:a16="http://schemas.microsoft.com/office/drawing/2014/main" id="{9536BCD9-905E-8DE6-FFC5-61493167A117}"/>
+              </a:ext>
+            </a:extLst>
+          </p:cNvPr>
+          <p:cNvSpPr/>
+          <p:nvPr/>
+        </p:nvSpPr>
+        <p:spPr>
+          <a:xfrm>
+            <a:off x="10954752" y="5171888"/>
+            <a:ext cx="627020" cy="628073"/>
+          </a:xfrm>
+          <a:prstGeom prst="ellipse">
+            <a:avLst/>
+          </a:prstGeom>
+          <a:solidFill>
+            <a:schemeClr val="bg1"/>
+          </a:solidFill>
+          <a:ln>
+            <a:noFill/>
+          </a:ln>
+        </p:spPr>
+        <p:style>
+          <a:lnRef idx="2">
+            <a:schemeClr val="accent1">
+              <a:shade val="15000"/>
+            </a:schemeClr>
+          </a:lnRef>
+          <a:fillRef idx="1">
+            <a:schemeClr val="accent1"/>
+          </a:fillRef>
+          <a:effectRef idx="0">
+            <a:schemeClr val="accent1"/>
+          </a:effectRef>
+          <a:fontRef idx="minor">
+            <a:schemeClr val="lt1"/>
+          </a:fontRef>
+        </p:style>
+        <p:txBody>
+          <a:bodyPr rtlCol="0" anchor="ctr"/>
+          <a:lstStyle/>
+          <a:p>
+            <a:pPr algn="ctr"/>
+            <a:endParaRPr lang="zh-CN" altLang="en-US"/>
+          </a:p>
+        </p:txBody>
+      </p:sp>
+      <p:sp>
+        <p:nvSpPr>
+          <p:cNvPr id="15" name="星形: 五角 14">
+            <a:extLst>
+              <a:ext uri="{FF2B5EF4-FFF2-40B4-BE49-F238E27FC236}">
+                <a16:creationId xmlns:a16="http://schemas.microsoft.com/office/drawing/2014/main" id="{14EA13D5-3B69-D343-DC6A-85B1D956A3FB}"/>
+              </a:ext>
+            </a:extLst>
+          </p:cNvPr>
+          <p:cNvSpPr/>
+          <p:nvPr/>
+        </p:nvSpPr>
+        <p:spPr>
+          <a:xfrm>
+            <a:off x="7448384" y="2552141"/>
+            <a:ext cx="616857" cy="638628"/>
+          </a:xfrm>
+          <a:prstGeom prst="star5">
+            <a:avLst/>
+          </a:prstGeom>
+          <a:noFill/>
+          <a:ln>
+            <a:noFill/>
+          </a:ln>
+        </p:spPr>
+        <p:style>
+          <a:lnRef idx="2">
+            <a:schemeClr val="accent4"/>
+          </a:lnRef>
+          <a:fillRef idx="1">
+            <a:schemeClr val="lt1"/>
+          </a:fillRef>
+          <a:effectRef idx="0">
+            <a:schemeClr val="accent4"/>
+          </a:effectRef>
+          <a:fontRef idx="minor">
+            <a:schemeClr val="dk1"/>
+          </a:fontRef>
+        </p:style>
+        <p:txBody>
+          <a:bodyPr rtlCol="0" anchor="ctr"/>
+          <a:lstStyle>
+            <a:defPPr>
+              <a:defRPr lang="zh-CN"/>
+            </a:defPPr>
+            <a:lvl1pPr marL="0" algn="l" defTabSz="914400" rtl="0" eaLnBrk="1" latinLnBrk="0" hangingPunct="1">
+              <a:defRPr sz="1800" kern="1200">
+                <a:solidFill>
+                  <a:schemeClr val="dk1"/>
+                </a:solidFill>
+                <a:latin typeface="+mn-lt"/>
+                <a:ea typeface="+mn-ea"/>
+                <a:cs typeface="+mn-cs"/>
+              </a:defRPr>
+            </a:lvl1pPr>
+            <a:lvl2pPr marL="457200" algn="l" defTabSz="914400" rtl="0" eaLnBrk="1" latinLnBrk="0" hangingPunct="1">
+              <a:defRPr sz="1800" kern="1200">
+                <a:solidFill>
+                  <a:schemeClr val="dk1"/>
+                </a:solidFill>
+                <a:latin typeface="+mn-lt"/>
+                <a:ea typeface="+mn-ea"/>
+                <a:cs typeface="+mn-cs"/>
+              </a:defRPr>
+            </a:lvl2pPr>
+            <a:lvl3pPr marL="914400" algn="l" defTabSz="914400" rtl="0" eaLnBrk="1" latinLnBrk="0" hangingPunct="1">
+              <a:defRPr sz="1800" kern="1200">
+                <a:solidFill>
+                  <a:schemeClr val="dk1"/>
+                </a:solidFill>
+                <a:latin typeface="+mn-lt"/>
+                <a:ea typeface="+mn-ea"/>
+                <a:cs typeface="+mn-cs"/>
+              </a:defRPr>
+            </a:lvl3pPr>
+            <a:lvl4pPr marL="1371600" algn="l" defTabSz="914400" rtl="0" eaLnBrk="1" latinLnBrk="0" hangingPunct="1">
+              <a:defRPr sz="1800" kern="1200">
+                <a:solidFill>
+                  <a:schemeClr val="dk1"/>
+                </a:solidFill>
+                <a:latin typeface="+mn-lt"/>
+                <a:ea typeface="+mn-ea"/>
+                <a:cs typeface="+mn-cs"/>
+              </a:defRPr>
+            </a:lvl4pPr>
+            <a:lvl5pPr marL="1828800" algn="l" defTabSz="914400" rtl="0" eaLnBrk="1" latinLnBrk="0" hangingPunct="1">
+              <a:defRPr sz="1800" kern="1200">
+                <a:solidFill>
+                  <a:schemeClr val="dk1"/>
+                </a:solidFill>
+                <a:latin typeface="+mn-lt"/>
+                <a:ea typeface="+mn-ea"/>
+                <a:cs typeface="+mn-cs"/>
+              </a:defRPr>
+            </a:lvl5pPr>
+            <a:lvl6pPr marL="2286000" algn="l" defTabSz="914400" rtl="0" eaLnBrk="1" latinLnBrk="0" hangingPunct="1">
+              <a:defRPr sz="1800" kern="1200">
+                <a:solidFill>
+                  <a:schemeClr val="dk1"/>
+                </a:solidFill>
+                <a:latin typeface="+mn-lt"/>
+                <a:ea typeface="+mn-ea"/>
+                <a:cs typeface="+mn-cs"/>
+              </a:defRPr>
+            </a:lvl6pPr>
+            <a:lvl7pPr marL="2743200" algn="l" defTabSz="914400" rtl="0" eaLnBrk="1" latinLnBrk="0" hangingPunct="1">
+              <a:defRPr sz="1800" kern="1200">
+                <a:solidFill>
+                  <a:schemeClr val="dk1"/>
+                </a:solidFill>
+                <a:latin typeface="+mn-lt"/>
+                <a:ea typeface="+mn-ea"/>
+                <a:cs typeface="+mn-cs"/>
+              </a:defRPr>
+            </a:lvl7pPr>
+            <a:lvl8pPr marL="3200400" algn="l" defTabSz="914400" rtl="0" eaLnBrk="1" latinLnBrk="0" hangingPunct="1">
+              <a:defRPr sz="1800" kern="1200">
+                <a:solidFill>
+                  <a:schemeClr val="dk1"/>
+                </a:solidFill>
+                <a:latin typeface="+mn-lt"/>
+                <a:ea typeface="+mn-ea"/>
+                <a:cs typeface="+mn-cs"/>
+              </a:defRPr>
+            </a:lvl8pPr>
+            <a:lvl9pPr marL="3657600" algn="l" defTabSz="914400" rtl="0" eaLnBrk="1" latinLnBrk="0" hangingPunct="1">
+              <a:defRPr sz="1800" kern="1200">
+                <a:solidFill>
+                  <a:schemeClr val="dk1"/>
+                </a:solidFill>
+                <a:latin typeface="+mn-lt"/>
+                <a:ea typeface="+mn-ea"/>
+                <a:cs typeface="+mn-cs"/>
+              </a:defRPr>
+            </a:lvl9pPr>
+          </a:lstStyle>
+          <a:p>
+            <a:pPr algn="ctr"/>
+            <a:endParaRPr lang="zh-CN" altLang="en-US"/>
+          </a:p>
+        </p:txBody>
+      </p:sp>
+      <p:sp>
+        <p:nvSpPr>
+          <p:cNvPr id="16" name="文本框 15">
+            <a:extLst>
+              <a:ext uri="{FF2B5EF4-FFF2-40B4-BE49-F238E27FC236}">
+                <a16:creationId xmlns:a16="http://schemas.microsoft.com/office/drawing/2014/main" id="{C2AB7C37-49F6-6917-860E-FF2C05472489}"/>
+              </a:ext>
+            </a:extLst>
+          </p:cNvPr>
+          <p:cNvSpPr txBox="1"/>
+          <p:nvPr/>
+        </p:nvSpPr>
+        <p:spPr>
+          <a:xfrm>
+            <a:off x="2426317" y="3630295"/>
+            <a:ext cx="8026751" cy="769441"/>
+          </a:xfrm>
+          <a:prstGeom prst="rect">
+            <a:avLst/>
+          </a:prstGeom>
+          <a:noFill/>
+          <a:ln>
+            <a:noFill/>
+          </a:ln>
+        </p:spPr>
+        <p:txBody>
+          <a:bodyPr wrap="square" rtlCol="0">
+            <a:spAutoFit/>
+          </a:bodyPr>
+          <a:lstStyle/>
+          <a:p>
+            <a:pPr algn="ctr"/>
+            <a:r>
+              <a:rPr lang="en-US" altLang="zh-CN" sz="4400" b="1" dirty="0">
+                <a:ln w="0"/>
+                <a:solidFill>
+                  <a:schemeClr val="bg1"/>
+                </a:solidFill>
+                <a:effectLst>
+                  <a:outerShdw blurRad="38100" dist="25400" dir="5400000" algn="ctr" rotWithShape="0">
+                    <a:srgbClr val="6E747A">
+                      <a:alpha val="43000"/>
+                    </a:srgbClr>
+                  </a:outerShdw>
+                </a:effectLst>
+                <a:latin typeface="Lucida Handwriting" panose="03010101010101010101" pitchFamily="66" charset="0"/>
+                <a:cs typeface="Arial" panose="020B0604020202020204" pitchFamily="34" charset="0"/>
+              </a:rPr>
+              <a:t>BLUE TEAM SCORED </a:t>
+            </a:r>
+            <a:r>
+              <a:rPr lang="zh-CN" altLang="en-US" sz="4400" b="1" dirty="0">
+                <a:ln w="0"/>
+                <a:solidFill>
+                  <a:schemeClr val="bg1"/>
+                </a:solidFill>
+                <a:effectLst>
+                  <a:outerShdw blurRad="38100" dist="25400" dir="5400000" algn="ctr" rotWithShape="0">
+                    <a:srgbClr val="6E747A">
+                      <a:alpha val="43000"/>
+                    </a:srgbClr>
+                  </a:outerShdw>
+                </a:effectLst>
+                <a:latin typeface="Lucida Handwriting" panose="03010101010101010101" pitchFamily="66" charset="0"/>
+                <a:cs typeface="Arial" panose="020B0604020202020204" pitchFamily="34" charset="0"/>
+              </a:rPr>
+              <a:t>！</a:t>
+            </a:r>
+          </a:p>
+        </p:txBody>
+      </p:sp>
+      <p:pic>
+        <p:nvPicPr>
+          <p:cNvPr id="17" name="图形 6" descr="足球 纯色填充">
+            <a:extLst>
+              <a:ext uri="{FF2B5EF4-FFF2-40B4-BE49-F238E27FC236}">
+                <a16:creationId xmlns:a16="http://schemas.microsoft.com/office/drawing/2014/main" id="{26C2AC04-4818-6933-3924-EE451D5046CE}"/>
+              </a:ext>
+            </a:extLst>
+          </p:cNvPr>
+          <p:cNvPicPr>
+            <a:picLocks noChangeAspect="1"/>
+          </p:cNvPicPr>
+          <p:nvPr/>
+        </p:nvPicPr>
+        <p:blipFill>
+          <a:blip r:embed="rId2">
+            <a:extLst>
+              <a:ext uri="{28A0092B-C50C-407E-A947-70E740481C1C}">
+                <a14:useLocalDpi xmlns:a14="http://schemas.microsoft.com/office/drawing/2010/main" val="0"/>
+              </a:ext>
+              <a:ext uri="{96DAC541-7B7A-43D3-8B79-37D633B846F1}">
+                <asvg:svgBlip xmlns:asvg="http://schemas.microsoft.com/office/drawing/2016/SVG/main" r:embed="rId3"/>
+              </a:ext>
+            </a:extLst>
+          </a:blip>
+          <a:stretch>
+            <a:fillRect/>
+          </a:stretch>
+        </p:blipFill>
+        <p:spPr>
+          <a:xfrm>
+            <a:off x="10869494" y="5084514"/>
+            <a:ext cx="799808" cy="799808"/>
+          </a:xfrm>
+          <a:prstGeom prst="rect">
+            <a:avLst/>
+          </a:prstGeom>
+        </p:spPr>
+      </p:pic>
+      <p:pic>
+        <p:nvPicPr>
+          <p:cNvPr id="27" name="图片 26">
+            <a:extLst>
+              <a:ext uri="{FF2B5EF4-FFF2-40B4-BE49-F238E27FC236}">
+                <a16:creationId xmlns:a16="http://schemas.microsoft.com/office/drawing/2014/main" id="{C9FC8136-886B-0571-38F9-0BDC12884E93}"/>
+              </a:ext>
+            </a:extLst>
+          </p:cNvPr>
+          <p:cNvPicPr>
+            <a:picLocks noChangeAspect="1"/>
+          </p:cNvPicPr>
+          <p:nvPr/>
+        </p:nvPicPr>
+        <p:blipFill>
+          <a:blip r:embed="rId6">
+            <a:duotone>
+              <a:prstClr val="black"/>
+              <a:schemeClr val="accent1">
+                <a:tint val="45000"/>
+                <a:satMod val="400000"/>
+              </a:schemeClr>
+            </a:duotone>
+            <a:extLst>
+              <a:ext uri="{28A0092B-C50C-407E-A947-70E740481C1C}">
+                <a14:useLocalDpi xmlns:a14="http://schemas.microsoft.com/office/drawing/2010/main" val="0"/>
+              </a:ext>
+            </a:extLst>
+          </a:blip>
+          <a:stretch>
+            <a:fillRect/>
+          </a:stretch>
+        </p:blipFill>
+        <p:spPr>
+          <a:xfrm rot="16200000">
+            <a:off x="2252643" y="4389759"/>
+            <a:ext cx="1983094" cy="1983094"/>
+          </a:xfrm>
+          <a:prstGeom prst="rect">
+            <a:avLst/>
+          </a:prstGeom>
+        </p:spPr>
+      </p:pic>
+      <p:pic>
+        <p:nvPicPr>
+          <p:cNvPr id="28" name="图片 27">
+            <a:extLst>
+              <a:ext uri="{FF2B5EF4-FFF2-40B4-BE49-F238E27FC236}">
+                <a16:creationId xmlns:a16="http://schemas.microsoft.com/office/drawing/2014/main" id="{A0ECE2B3-F43E-9F08-2BB7-6C21CA1A397B}"/>
+              </a:ext>
+            </a:extLst>
+          </p:cNvPr>
+          <p:cNvPicPr>
+            <a:picLocks noChangeAspect="1"/>
+          </p:cNvPicPr>
+          <p:nvPr/>
+        </p:nvPicPr>
+        <p:blipFill>
+          <a:blip r:embed="rId6">
+            <a:duotone>
+              <a:prstClr val="black"/>
+              <a:schemeClr val="accent1">
+                <a:tint val="45000"/>
+                <a:satMod val="400000"/>
+              </a:schemeClr>
+            </a:duotone>
+            <a:extLst>
+              <a:ext uri="{28A0092B-C50C-407E-A947-70E740481C1C}">
+                <a14:useLocalDpi xmlns:a14="http://schemas.microsoft.com/office/drawing/2010/main" val="0"/>
+              </a:ext>
+            </a:extLst>
+          </a:blip>
+          <a:stretch>
+            <a:fillRect/>
+          </a:stretch>
+        </p:blipFill>
+        <p:spPr>
+          <a:xfrm flipH="1">
+            <a:off x="8271914" y="1530262"/>
+            <a:ext cx="2000254" cy="2000254"/>
+          </a:xfrm>
+          <a:prstGeom prst="rect">
+            <a:avLst/>
+          </a:prstGeom>
+        </p:spPr>
+      </p:pic>
+      <p:sp>
+        <p:nvSpPr>
+          <p:cNvPr id="29" name="椭圆 28">
+            <a:extLst>
+              <a:ext uri="{FF2B5EF4-FFF2-40B4-BE49-F238E27FC236}">
+                <a16:creationId xmlns:a16="http://schemas.microsoft.com/office/drawing/2014/main" id="{7710E665-4F70-24A5-AEE3-B8DD7698EDC7}"/>
+              </a:ext>
+            </a:extLst>
+          </p:cNvPr>
+          <p:cNvSpPr/>
+          <p:nvPr/>
+        </p:nvSpPr>
+        <p:spPr>
+          <a:xfrm>
+            <a:off x="11325098" y="4306194"/>
+            <a:ext cx="627020" cy="628073"/>
+          </a:xfrm>
+          <a:prstGeom prst="ellipse">
+            <a:avLst/>
+          </a:prstGeom>
+          <a:solidFill>
+            <a:schemeClr val="bg1"/>
+          </a:solidFill>
+          <a:ln>
+            <a:noFill/>
+          </a:ln>
+        </p:spPr>
+        <p:style>
+          <a:lnRef idx="2">
+            <a:schemeClr val="accent1">
+              <a:shade val="15000"/>
+            </a:schemeClr>
+          </a:lnRef>
+          <a:fillRef idx="1">
+            <a:schemeClr val="accent1"/>
+          </a:fillRef>
+          <a:effectRef idx="0">
+            <a:schemeClr val="accent1"/>
+          </a:effectRef>
+          <a:fontRef idx="minor">
+            <a:schemeClr val="lt1"/>
+          </a:fontRef>
+        </p:style>
+        <p:txBody>
+          <a:bodyPr rtlCol="0" anchor="ctr"/>
+          <a:lstStyle/>
+          <a:p>
+            <a:pPr algn="ctr"/>
+            <a:endParaRPr lang="zh-CN" altLang="en-US"/>
+          </a:p>
+        </p:txBody>
+      </p:sp>
+      <p:pic>
+        <p:nvPicPr>
+          <p:cNvPr id="31" name="图形 6" descr="足球 纯色填充">
+            <a:extLst>
+              <a:ext uri="{FF2B5EF4-FFF2-40B4-BE49-F238E27FC236}">
+                <a16:creationId xmlns:a16="http://schemas.microsoft.com/office/drawing/2014/main" id="{1ED31F24-817D-C2CA-153B-5EDF7AC5AF7E}"/>
+              </a:ext>
+            </a:extLst>
+          </p:cNvPr>
+          <p:cNvPicPr>
+            <a:picLocks noChangeAspect="1"/>
+          </p:cNvPicPr>
+          <p:nvPr/>
+        </p:nvPicPr>
+        <p:blipFill>
+          <a:blip r:embed="rId2">
+            <a:extLst>
+              <a:ext uri="{28A0092B-C50C-407E-A947-70E740481C1C}">
+                <a14:useLocalDpi xmlns:a14="http://schemas.microsoft.com/office/drawing/2010/main" val="0"/>
+              </a:ext>
+              <a:ext uri="{96DAC541-7B7A-43D3-8B79-37D633B846F1}">
+                <asvg:svgBlip xmlns:asvg="http://schemas.microsoft.com/office/drawing/2016/SVG/main" r:embed="rId3"/>
+              </a:ext>
+            </a:extLst>
+          </a:blip>
+          <a:stretch>
+            <a:fillRect/>
+          </a:stretch>
+        </p:blipFill>
+        <p:spPr>
+          <a:xfrm>
+            <a:off x="11235923" y="4219861"/>
+            <a:ext cx="799808" cy="799808"/>
+          </a:xfrm>
+          <a:prstGeom prst="rect">
+            <a:avLst/>
+          </a:prstGeom>
+        </p:spPr>
+      </p:pic>
+      <p:pic>
+        <p:nvPicPr>
+          <p:cNvPr id="35" name="图片 34">
+            <a:extLst>
+              <a:ext uri="{FF2B5EF4-FFF2-40B4-BE49-F238E27FC236}">
+                <a16:creationId xmlns:a16="http://schemas.microsoft.com/office/drawing/2014/main" id="{F56FB8B7-EAA8-9DF7-C8A3-9661DDB33CDB}"/>
+              </a:ext>
+            </a:extLst>
+          </p:cNvPr>
+          <p:cNvPicPr>
+            <a:picLocks noChangeAspect="1"/>
+          </p:cNvPicPr>
+          <p:nvPr/>
+        </p:nvPicPr>
+        <p:blipFill>
+          <a:blip r:embed="rId7">
+            <a:extLst>
+              <a:ext uri="{28A0092B-C50C-407E-A947-70E740481C1C}">
+                <a14:useLocalDpi xmlns:a14="http://schemas.microsoft.com/office/drawing/2010/main" val="0"/>
+              </a:ext>
+            </a:extLst>
+          </a:blip>
+          <a:stretch>
+            <a:fillRect/>
+          </a:stretch>
+        </p:blipFill>
+        <p:spPr>
+          <a:xfrm>
+            <a:off x="11268262" y="2486507"/>
+            <a:ext cx="771404" cy="738193"/>
+          </a:xfrm>
+          <a:prstGeom prst="rect">
+            <a:avLst/>
+          </a:prstGeom>
+        </p:spPr>
+      </p:pic>
     </p:spTree>
     <p:extLst>
       <p:ext uri="{BB962C8B-B14F-4D97-AF65-F5344CB8AC3E}">
         <p14:creationId xmlns:p14="http://schemas.microsoft.com/office/powerpoint/2010/main" val="3754340100"/>
+      </p:ext>
+    </p:extLst>
+  </p:cSld>
+  <p:clrMapOvr>
+    <a:masterClrMapping/>
+  </p:clrMapOvr>
+</p:sld>
+</file>
+
+<file path=ppt/slides/slide13.xml><?xml version="1.0" encoding="utf-8"?>
+<p:sld xmlns:a="http://schemas.openxmlformats.org/drawingml/2006/main" xmlns:r="http://schemas.openxmlformats.org/officeDocument/2006/relationships" xmlns:p="http://schemas.openxmlformats.org/presentationml/2006/main">
+  <p:cSld>
+    <p:spTree>
+      <p:nvGrpSpPr>
+        <p:cNvPr id="1" name="">
+          <a:extLst>
+            <a:ext uri="{FF2B5EF4-FFF2-40B4-BE49-F238E27FC236}">
+              <a16:creationId xmlns:a16="http://schemas.microsoft.com/office/drawing/2014/main" id="{ED47B36D-86E0-6099-08FC-B497CB5AD6A9}"/>
+            </a:ext>
+          </a:extLst>
+        </p:cNvPr>
+        <p:cNvGrpSpPr/>
+        <p:nvPr/>
+      </p:nvGrpSpPr>
+      <p:grpSpPr>
+        <a:xfrm>
+          <a:off x="0" y="0"/>
+          <a:ext cx="0" cy="0"/>
+          <a:chOff x="0" y="0"/>
+          <a:chExt cx="0" cy="0"/>
+        </a:xfrm>
+      </p:grpSpPr>
+      <p:sp>
+        <p:nvSpPr>
+          <p:cNvPr id="4" name="文本框 3">
+            <a:extLst>
+              <a:ext uri="{FF2B5EF4-FFF2-40B4-BE49-F238E27FC236}">
+                <a16:creationId xmlns:a16="http://schemas.microsoft.com/office/drawing/2014/main" id="{7EBDCA9C-B78E-D2EF-599E-76F5C800F482}"/>
+              </a:ext>
+            </a:extLst>
+          </p:cNvPr>
+          <p:cNvSpPr txBox="1"/>
+          <p:nvPr/>
+        </p:nvSpPr>
+        <p:spPr>
+          <a:xfrm>
+            <a:off x="2380343" y="1799772"/>
+            <a:ext cx="7859486" cy="3831772"/>
+          </a:xfrm>
+          <a:prstGeom prst="rect">
+            <a:avLst/>
+          </a:prstGeom>
+          <a:solidFill>
+            <a:schemeClr val="tx1">
+              <a:tint val="66000"/>
+              <a:satMod val="160000"/>
+              <a:lumMod val="93000"/>
+              <a:alpha val="40000"/>
+            </a:schemeClr>
+          </a:solidFill>
+        </p:spPr>
+        <p:txBody>
+          <a:bodyPr wrap="square" rtlCol="0">
+            <a:spAutoFit/>
+          </a:bodyPr>
+          <a:lstStyle/>
+          <a:p>
+            <a:endParaRPr lang="zh-CN" altLang="en-US" dirty="0"/>
+          </a:p>
+        </p:txBody>
+      </p:sp>
+      <p:sp>
+        <p:nvSpPr>
+          <p:cNvPr id="5" name="星形: 六角 4">
+            <a:extLst>
+              <a:ext uri="{FF2B5EF4-FFF2-40B4-BE49-F238E27FC236}">
+                <a16:creationId xmlns:a16="http://schemas.microsoft.com/office/drawing/2014/main" id="{26FD0E18-FE68-2EFD-4CF5-AA97C0405FA5}"/>
+              </a:ext>
+            </a:extLst>
+          </p:cNvPr>
+          <p:cNvSpPr/>
+          <p:nvPr/>
+        </p:nvSpPr>
+        <p:spPr>
+          <a:xfrm>
+            <a:off x="6953577" y="211593"/>
+            <a:ext cx="1237569" cy="1005465"/>
+          </a:xfrm>
+          <a:prstGeom prst="star6">
+            <a:avLst/>
+          </a:prstGeom>
+          <a:solidFill>
+            <a:schemeClr val="bg1"/>
+          </a:solidFill>
+          <a:ln w="76200">
+            <a:solidFill>
+              <a:srgbClr val="7030A0"/>
+            </a:solidFill>
+          </a:ln>
+        </p:spPr>
+        <p:style>
+          <a:lnRef idx="2">
+            <a:schemeClr val="accent1">
+              <a:shade val="50000"/>
+            </a:schemeClr>
+          </a:lnRef>
+          <a:fillRef idx="1">
+            <a:schemeClr val="accent1"/>
+          </a:fillRef>
+          <a:effectRef idx="0">
+            <a:schemeClr val="accent1"/>
+          </a:effectRef>
+          <a:fontRef idx="minor">
+            <a:schemeClr val="lt1"/>
+          </a:fontRef>
+        </p:style>
+        <p:txBody>
+          <a:bodyPr rtlCol="0" anchor="ctr"/>
+          <a:lstStyle/>
+          <a:p>
+            <a:pPr algn="ctr"/>
+            <a:endParaRPr lang="zh-CN" altLang="en-US"/>
+          </a:p>
+        </p:txBody>
+      </p:sp>
+      <p:pic>
+        <p:nvPicPr>
+          <p:cNvPr id="6" name="图形 6" descr="足球 纯色填充">
+            <a:extLst>
+              <a:ext uri="{FF2B5EF4-FFF2-40B4-BE49-F238E27FC236}">
+                <a16:creationId xmlns:a16="http://schemas.microsoft.com/office/drawing/2014/main" id="{438C2DE6-6F60-9342-2243-0BC7C6A7E9F3}"/>
+              </a:ext>
+            </a:extLst>
+          </p:cNvPr>
+          <p:cNvPicPr>
+            <a:picLocks noChangeAspect="1"/>
+          </p:cNvPicPr>
+          <p:nvPr/>
+        </p:nvPicPr>
+        <p:blipFill>
+          <a:blip r:embed="rId2">
+            <a:extLst>
+              <a:ext uri="{28A0092B-C50C-407E-A947-70E740481C1C}">
+                <a14:useLocalDpi xmlns:a14="http://schemas.microsoft.com/office/drawing/2010/main" val="0"/>
+              </a:ext>
+              <a:ext uri="{96DAC541-7B7A-43D3-8B79-37D633B846F1}">
+                <asvg:svgBlip xmlns:asvg="http://schemas.microsoft.com/office/drawing/2016/SVG/main" r:embed="rId3"/>
+              </a:ext>
+            </a:extLst>
+          </a:blip>
+          <a:stretch>
+            <a:fillRect/>
+          </a:stretch>
+        </p:blipFill>
+        <p:spPr>
+          <a:xfrm>
+            <a:off x="7172457" y="308703"/>
+            <a:ext cx="799808" cy="799808"/>
+          </a:xfrm>
+          <a:prstGeom prst="rect">
+            <a:avLst/>
+          </a:prstGeom>
+        </p:spPr>
+      </p:pic>
+      <p:pic>
+        <p:nvPicPr>
+          <p:cNvPr id="10" name="图片 9">
+            <a:extLst>
+              <a:ext uri="{FF2B5EF4-FFF2-40B4-BE49-F238E27FC236}">
+                <a16:creationId xmlns:a16="http://schemas.microsoft.com/office/drawing/2014/main" id="{9E6825E2-51BD-A825-1BD6-D6C5B1AD38AB}"/>
+              </a:ext>
+            </a:extLst>
+          </p:cNvPr>
+          <p:cNvPicPr>
+            <a:picLocks noChangeAspect="1"/>
+          </p:cNvPicPr>
+          <p:nvPr/>
+        </p:nvPicPr>
+        <p:blipFill>
+          <a:blip r:embed="rId4">
+            <a:extLst>
+              <a:ext uri="{28A0092B-C50C-407E-A947-70E740481C1C}">
+                <a14:useLocalDpi xmlns:a14="http://schemas.microsoft.com/office/drawing/2010/main" val="0"/>
+              </a:ext>
+            </a:extLst>
+          </a:blip>
+          <a:stretch>
+            <a:fillRect/>
+          </a:stretch>
+        </p:blipFill>
+        <p:spPr>
+          <a:xfrm>
+            <a:off x="5190191" y="2079114"/>
+            <a:ext cx="1811618" cy="1818585"/>
+          </a:xfrm>
+          <a:prstGeom prst="rect">
+            <a:avLst/>
+          </a:prstGeom>
+        </p:spPr>
+      </p:pic>
+      <p:sp>
+        <p:nvSpPr>
+          <p:cNvPr id="2" name="文本框 1">
+            <a:extLst>
+              <a:ext uri="{FF2B5EF4-FFF2-40B4-BE49-F238E27FC236}">
+                <a16:creationId xmlns:a16="http://schemas.microsoft.com/office/drawing/2014/main" id="{9A46F4DB-A962-FB5F-3FAE-C8FED76BDCC2}"/>
+              </a:ext>
+            </a:extLst>
+          </p:cNvPr>
+          <p:cNvSpPr txBox="1"/>
+          <p:nvPr/>
+        </p:nvSpPr>
+        <p:spPr>
+          <a:xfrm>
+            <a:off x="2348004" y="1716282"/>
+            <a:ext cx="7859486" cy="4500000"/>
+          </a:xfrm>
+          <a:prstGeom prst="rect">
+            <a:avLst/>
+          </a:prstGeom>
+          <a:solidFill>
+            <a:schemeClr val="tx1">
+              <a:alpha val="95000"/>
+            </a:schemeClr>
+          </a:solidFill>
+          <a:ln>
+            <a:noFill/>
+          </a:ln>
+        </p:spPr>
+        <p:txBody>
+          <a:bodyPr wrap="square" rtlCol="0">
+            <a:spAutoFit/>
+          </a:bodyPr>
+          <a:lstStyle/>
+          <a:p>
+            <a:endParaRPr lang="zh-CN" altLang="en-US" dirty="0"/>
+          </a:p>
+        </p:txBody>
+      </p:sp>
+      <p:sp>
+        <p:nvSpPr>
+          <p:cNvPr id="8" name="星形: 五角 7">
+            <a:extLst>
+              <a:ext uri="{FF2B5EF4-FFF2-40B4-BE49-F238E27FC236}">
+                <a16:creationId xmlns:a16="http://schemas.microsoft.com/office/drawing/2014/main" id="{F706064C-4538-3096-D355-0F3EA262F91B}"/>
+              </a:ext>
+            </a:extLst>
+          </p:cNvPr>
+          <p:cNvSpPr/>
+          <p:nvPr/>
+        </p:nvSpPr>
+        <p:spPr>
+          <a:xfrm>
+            <a:off x="4562393" y="2505920"/>
+            <a:ext cx="616857" cy="638628"/>
+          </a:xfrm>
+          <a:prstGeom prst="star5">
+            <a:avLst/>
+          </a:prstGeom>
+          <a:noFill/>
+          <a:ln>
+            <a:noFill/>
+          </a:ln>
+        </p:spPr>
+        <p:style>
+          <a:lnRef idx="2">
+            <a:schemeClr val="accent4"/>
+          </a:lnRef>
+          <a:fillRef idx="1">
+            <a:schemeClr val="lt1"/>
+          </a:fillRef>
+          <a:effectRef idx="0">
+            <a:schemeClr val="accent4"/>
+          </a:effectRef>
+          <a:fontRef idx="minor">
+            <a:schemeClr val="dk1"/>
+          </a:fontRef>
+        </p:style>
+        <p:txBody>
+          <a:bodyPr rtlCol="0" anchor="ctr"/>
+          <a:lstStyle/>
+          <a:p>
+            <a:pPr algn="ctr"/>
+            <a:endParaRPr lang="zh-CN" altLang="en-US"/>
+          </a:p>
+        </p:txBody>
+      </p:sp>
+      <p:sp>
+        <p:nvSpPr>
+          <p:cNvPr id="36" name="矩形 35">
+            <a:extLst>
+              <a:ext uri="{FF2B5EF4-FFF2-40B4-BE49-F238E27FC236}">
+                <a16:creationId xmlns:a16="http://schemas.microsoft.com/office/drawing/2014/main" id="{696C5470-76F7-0C62-F0D9-A8C0C30CE278}"/>
+              </a:ext>
+            </a:extLst>
+          </p:cNvPr>
+          <p:cNvSpPr/>
+          <p:nvPr/>
+        </p:nvSpPr>
+        <p:spPr>
+          <a:xfrm>
+            <a:off x="2348004" y="3447589"/>
+            <a:ext cx="7859486" cy="1060609"/>
+          </a:xfrm>
+          <a:prstGeom prst="rect">
+            <a:avLst/>
+          </a:prstGeom>
+          <a:gradFill flip="none" rotWithShape="1">
+            <a:gsLst>
+              <a:gs pos="0">
+                <a:srgbClr val="FFC000">
+                  <a:shade val="30000"/>
+                  <a:satMod val="115000"/>
+                </a:srgbClr>
+              </a:gs>
+              <a:gs pos="50000">
+                <a:srgbClr val="FFC000">
+                  <a:shade val="67500"/>
+                  <a:satMod val="115000"/>
+                </a:srgbClr>
+              </a:gs>
+              <a:gs pos="100000">
+                <a:srgbClr val="FFC000">
+                  <a:shade val="100000"/>
+                  <a:satMod val="115000"/>
+                </a:srgbClr>
+              </a:gs>
+            </a:gsLst>
+            <a:path path="circle">
+              <a:fillToRect l="50000" t="50000" r="50000" b="50000"/>
+            </a:path>
+            <a:tileRect/>
+          </a:gradFill>
+        </p:spPr>
+        <p:style>
+          <a:lnRef idx="2">
+            <a:schemeClr val="accent1">
+              <a:shade val="15000"/>
+            </a:schemeClr>
+          </a:lnRef>
+          <a:fillRef idx="1">
+            <a:schemeClr val="accent1"/>
+          </a:fillRef>
+          <a:effectRef idx="0">
+            <a:schemeClr val="accent1"/>
+          </a:effectRef>
+          <a:fontRef idx="minor">
+            <a:schemeClr val="lt1"/>
+          </a:fontRef>
+        </p:style>
+        <p:txBody>
+          <a:bodyPr rtlCol="0" anchor="ctr"/>
+          <a:lstStyle/>
+          <a:p>
+            <a:pPr algn="ctr"/>
+            <a:endParaRPr lang="zh-CN" altLang="en-US"/>
+          </a:p>
+        </p:txBody>
+      </p:sp>
+      <p:sp>
+        <p:nvSpPr>
+          <p:cNvPr id="9" name="星形: 五角 8">
+            <a:extLst>
+              <a:ext uri="{FF2B5EF4-FFF2-40B4-BE49-F238E27FC236}">
+                <a16:creationId xmlns:a16="http://schemas.microsoft.com/office/drawing/2014/main" id="{774A8789-2B0C-8563-CCAB-53067A65E0BA}"/>
+              </a:ext>
+            </a:extLst>
+          </p:cNvPr>
+          <p:cNvSpPr/>
+          <p:nvPr/>
+        </p:nvSpPr>
+        <p:spPr>
+          <a:xfrm>
+            <a:off x="3335624" y="2746376"/>
+            <a:ext cx="616857" cy="638628"/>
+          </a:xfrm>
+          <a:prstGeom prst="star5">
+            <a:avLst/>
+          </a:prstGeom>
+          <a:noFill/>
+          <a:ln>
+            <a:noFill/>
+          </a:ln>
+        </p:spPr>
+        <p:style>
+          <a:lnRef idx="2">
+            <a:schemeClr val="accent4"/>
+          </a:lnRef>
+          <a:fillRef idx="1">
+            <a:schemeClr val="lt1"/>
+          </a:fillRef>
+          <a:effectRef idx="0">
+            <a:schemeClr val="accent4"/>
+          </a:effectRef>
+          <a:fontRef idx="minor">
+            <a:schemeClr val="dk1"/>
+          </a:fontRef>
+        </p:style>
+        <p:txBody>
+          <a:bodyPr rtlCol="0" anchor="ctr"/>
+          <a:lstStyle/>
+          <a:p>
+            <a:pPr algn="ctr"/>
+            <a:endParaRPr lang="zh-CN" altLang="en-US"/>
+          </a:p>
+        </p:txBody>
+      </p:sp>
+      <p:pic>
+        <p:nvPicPr>
+          <p:cNvPr id="3" name="图片 2">
+            <a:extLst>
+              <a:ext uri="{FF2B5EF4-FFF2-40B4-BE49-F238E27FC236}">
+                <a16:creationId xmlns:a16="http://schemas.microsoft.com/office/drawing/2014/main" id="{BF0434B2-0EE0-94D2-3AE6-02F4C9EE9059}"/>
+              </a:ext>
+            </a:extLst>
+          </p:cNvPr>
+          <p:cNvPicPr>
+            <a:picLocks noChangeAspect="1"/>
+          </p:cNvPicPr>
+          <p:nvPr/>
+        </p:nvPicPr>
+        <p:blipFill>
+          <a:blip r:embed="rId5">
+            <a:extLst>
+              <a:ext uri="{28A0092B-C50C-407E-A947-70E740481C1C}">
+                <a14:useLocalDpi xmlns:a14="http://schemas.microsoft.com/office/drawing/2010/main" val="0"/>
+              </a:ext>
+            </a:extLst>
+          </a:blip>
+          <a:stretch>
+            <a:fillRect/>
+          </a:stretch>
+        </p:blipFill>
+        <p:spPr>
+          <a:xfrm>
+            <a:off x="2359261" y="-413381"/>
+            <a:ext cx="4985814" cy="2097927"/>
+          </a:xfrm>
+          <a:prstGeom prst="rect">
+            <a:avLst/>
+          </a:prstGeom>
+        </p:spPr>
+      </p:pic>
+      <p:sp>
+        <p:nvSpPr>
+          <p:cNvPr id="11" name="星形: 五角 10">
+            <a:extLst>
+              <a:ext uri="{FF2B5EF4-FFF2-40B4-BE49-F238E27FC236}">
+                <a16:creationId xmlns:a16="http://schemas.microsoft.com/office/drawing/2014/main" id="{39B66A70-688C-2B49-B9C0-79B2DD86A0B7}"/>
+              </a:ext>
+            </a:extLst>
+          </p:cNvPr>
+          <p:cNvSpPr/>
+          <p:nvPr/>
+        </p:nvSpPr>
+        <p:spPr>
+          <a:xfrm>
+            <a:off x="3965394" y="2621146"/>
+            <a:ext cx="616857" cy="638628"/>
+          </a:xfrm>
+          <a:prstGeom prst="star5">
+            <a:avLst/>
+          </a:prstGeom>
+          <a:noFill/>
+          <a:ln>
+            <a:noFill/>
+          </a:ln>
+        </p:spPr>
+        <p:style>
+          <a:lnRef idx="2">
+            <a:schemeClr val="accent4"/>
+          </a:lnRef>
+          <a:fillRef idx="1">
+            <a:schemeClr val="lt1"/>
+          </a:fillRef>
+          <a:effectRef idx="0">
+            <a:schemeClr val="accent4"/>
+          </a:effectRef>
+          <a:fontRef idx="minor">
+            <a:schemeClr val="dk1"/>
+          </a:fontRef>
+        </p:style>
+        <p:txBody>
+          <a:bodyPr rtlCol="0" anchor="ctr"/>
+          <a:lstStyle/>
+          <a:p>
+            <a:pPr algn="ctr"/>
+            <a:endParaRPr lang="zh-CN" altLang="en-US"/>
+          </a:p>
+        </p:txBody>
+      </p:sp>
+      <p:sp>
+        <p:nvSpPr>
+          <p:cNvPr id="12" name="星形: 五角 11">
+            <a:extLst>
+              <a:ext uri="{FF2B5EF4-FFF2-40B4-BE49-F238E27FC236}">
+                <a16:creationId xmlns:a16="http://schemas.microsoft.com/office/drawing/2014/main" id="{6B0ACB61-E571-A8B8-4F44-D884DE5F22AA}"/>
+              </a:ext>
+            </a:extLst>
+          </p:cNvPr>
+          <p:cNvSpPr/>
+          <p:nvPr/>
+        </p:nvSpPr>
+        <p:spPr>
+          <a:xfrm>
+            <a:off x="8639628" y="2771323"/>
+            <a:ext cx="616857" cy="638628"/>
+          </a:xfrm>
+          <a:prstGeom prst="star5">
+            <a:avLst/>
+          </a:prstGeom>
+          <a:noFill/>
+          <a:ln>
+            <a:noFill/>
+          </a:ln>
+        </p:spPr>
+        <p:style>
+          <a:lnRef idx="2">
+            <a:schemeClr val="accent4"/>
+          </a:lnRef>
+          <a:fillRef idx="1">
+            <a:schemeClr val="lt1"/>
+          </a:fillRef>
+          <a:effectRef idx="0">
+            <a:schemeClr val="accent4"/>
+          </a:effectRef>
+          <a:fontRef idx="minor">
+            <a:schemeClr val="dk1"/>
+          </a:fontRef>
+        </p:style>
+        <p:txBody>
+          <a:bodyPr rtlCol="0" anchor="ctr"/>
+          <a:lstStyle>
+            <a:defPPr>
+              <a:defRPr lang="zh-CN"/>
+            </a:defPPr>
+            <a:lvl1pPr marL="0" algn="l" defTabSz="914400" rtl="0" eaLnBrk="1" latinLnBrk="0" hangingPunct="1">
+              <a:defRPr sz="1800" kern="1200">
+                <a:solidFill>
+                  <a:schemeClr val="dk1"/>
+                </a:solidFill>
+                <a:latin typeface="+mn-lt"/>
+                <a:ea typeface="+mn-ea"/>
+                <a:cs typeface="+mn-cs"/>
+              </a:defRPr>
+            </a:lvl1pPr>
+            <a:lvl2pPr marL="457200" algn="l" defTabSz="914400" rtl="0" eaLnBrk="1" latinLnBrk="0" hangingPunct="1">
+              <a:defRPr sz="1800" kern="1200">
+                <a:solidFill>
+                  <a:schemeClr val="dk1"/>
+                </a:solidFill>
+                <a:latin typeface="+mn-lt"/>
+                <a:ea typeface="+mn-ea"/>
+                <a:cs typeface="+mn-cs"/>
+              </a:defRPr>
+            </a:lvl2pPr>
+            <a:lvl3pPr marL="914400" algn="l" defTabSz="914400" rtl="0" eaLnBrk="1" latinLnBrk="0" hangingPunct="1">
+              <a:defRPr sz="1800" kern="1200">
+                <a:solidFill>
+                  <a:schemeClr val="dk1"/>
+                </a:solidFill>
+                <a:latin typeface="+mn-lt"/>
+                <a:ea typeface="+mn-ea"/>
+                <a:cs typeface="+mn-cs"/>
+              </a:defRPr>
+            </a:lvl3pPr>
+            <a:lvl4pPr marL="1371600" algn="l" defTabSz="914400" rtl="0" eaLnBrk="1" latinLnBrk="0" hangingPunct="1">
+              <a:defRPr sz="1800" kern="1200">
+                <a:solidFill>
+                  <a:schemeClr val="dk1"/>
+                </a:solidFill>
+                <a:latin typeface="+mn-lt"/>
+                <a:ea typeface="+mn-ea"/>
+                <a:cs typeface="+mn-cs"/>
+              </a:defRPr>
+            </a:lvl4pPr>
+            <a:lvl5pPr marL="1828800" algn="l" defTabSz="914400" rtl="0" eaLnBrk="1" latinLnBrk="0" hangingPunct="1">
+              <a:defRPr sz="1800" kern="1200">
+                <a:solidFill>
+                  <a:schemeClr val="dk1"/>
+                </a:solidFill>
+                <a:latin typeface="+mn-lt"/>
+                <a:ea typeface="+mn-ea"/>
+                <a:cs typeface="+mn-cs"/>
+              </a:defRPr>
+            </a:lvl5pPr>
+            <a:lvl6pPr marL="2286000" algn="l" defTabSz="914400" rtl="0" eaLnBrk="1" latinLnBrk="0" hangingPunct="1">
+              <a:defRPr sz="1800" kern="1200">
+                <a:solidFill>
+                  <a:schemeClr val="dk1"/>
+                </a:solidFill>
+                <a:latin typeface="+mn-lt"/>
+                <a:ea typeface="+mn-ea"/>
+                <a:cs typeface="+mn-cs"/>
+              </a:defRPr>
+            </a:lvl6pPr>
+            <a:lvl7pPr marL="2743200" algn="l" defTabSz="914400" rtl="0" eaLnBrk="1" latinLnBrk="0" hangingPunct="1">
+              <a:defRPr sz="1800" kern="1200">
+                <a:solidFill>
+                  <a:schemeClr val="dk1"/>
+                </a:solidFill>
+                <a:latin typeface="+mn-lt"/>
+                <a:ea typeface="+mn-ea"/>
+                <a:cs typeface="+mn-cs"/>
+              </a:defRPr>
+            </a:lvl7pPr>
+            <a:lvl8pPr marL="3200400" algn="l" defTabSz="914400" rtl="0" eaLnBrk="1" latinLnBrk="0" hangingPunct="1">
+              <a:defRPr sz="1800" kern="1200">
+                <a:solidFill>
+                  <a:schemeClr val="dk1"/>
+                </a:solidFill>
+                <a:latin typeface="+mn-lt"/>
+                <a:ea typeface="+mn-ea"/>
+                <a:cs typeface="+mn-cs"/>
+              </a:defRPr>
+            </a:lvl8pPr>
+            <a:lvl9pPr marL="3657600" algn="l" defTabSz="914400" rtl="0" eaLnBrk="1" latinLnBrk="0" hangingPunct="1">
+              <a:defRPr sz="1800" kern="1200">
+                <a:solidFill>
+                  <a:schemeClr val="dk1"/>
+                </a:solidFill>
+                <a:latin typeface="+mn-lt"/>
+                <a:ea typeface="+mn-ea"/>
+                <a:cs typeface="+mn-cs"/>
+              </a:defRPr>
+            </a:lvl9pPr>
+          </a:lstStyle>
+          <a:p>
+            <a:pPr algn="ctr"/>
+            <a:endParaRPr lang="zh-CN" altLang="en-US"/>
+          </a:p>
+        </p:txBody>
+      </p:sp>
+      <p:sp>
+        <p:nvSpPr>
+          <p:cNvPr id="13" name="星形: 五角 12">
+            <a:extLst>
+              <a:ext uri="{FF2B5EF4-FFF2-40B4-BE49-F238E27FC236}">
+                <a16:creationId xmlns:a16="http://schemas.microsoft.com/office/drawing/2014/main" id="{D4DB6B8C-7B62-89B9-5D4F-634E668B68F8}"/>
+              </a:ext>
+            </a:extLst>
+          </p:cNvPr>
+          <p:cNvSpPr/>
+          <p:nvPr/>
+        </p:nvSpPr>
+        <p:spPr>
+          <a:xfrm>
+            <a:off x="8019140" y="2695821"/>
+            <a:ext cx="616857" cy="638628"/>
+          </a:xfrm>
+          <a:prstGeom prst="star5">
+            <a:avLst/>
+          </a:prstGeom>
+          <a:noFill/>
+          <a:ln>
+            <a:noFill/>
+          </a:ln>
+        </p:spPr>
+        <p:style>
+          <a:lnRef idx="2">
+            <a:schemeClr val="accent4"/>
+          </a:lnRef>
+          <a:fillRef idx="1">
+            <a:schemeClr val="lt1"/>
+          </a:fillRef>
+          <a:effectRef idx="0">
+            <a:schemeClr val="accent4"/>
+          </a:effectRef>
+          <a:fontRef idx="minor">
+            <a:schemeClr val="dk1"/>
+          </a:fontRef>
+        </p:style>
+        <p:txBody>
+          <a:bodyPr rtlCol="0" anchor="ctr"/>
+          <a:lstStyle>
+            <a:defPPr>
+              <a:defRPr lang="zh-CN"/>
+            </a:defPPr>
+            <a:lvl1pPr marL="0" algn="l" defTabSz="914400" rtl="0" eaLnBrk="1" latinLnBrk="0" hangingPunct="1">
+              <a:defRPr sz="1800" kern="1200">
+                <a:solidFill>
+                  <a:schemeClr val="dk1"/>
+                </a:solidFill>
+                <a:latin typeface="+mn-lt"/>
+                <a:ea typeface="+mn-ea"/>
+                <a:cs typeface="+mn-cs"/>
+              </a:defRPr>
+            </a:lvl1pPr>
+            <a:lvl2pPr marL="457200" algn="l" defTabSz="914400" rtl="0" eaLnBrk="1" latinLnBrk="0" hangingPunct="1">
+              <a:defRPr sz="1800" kern="1200">
+                <a:solidFill>
+                  <a:schemeClr val="dk1"/>
+                </a:solidFill>
+                <a:latin typeface="+mn-lt"/>
+                <a:ea typeface="+mn-ea"/>
+                <a:cs typeface="+mn-cs"/>
+              </a:defRPr>
+            </a:lvl2pPr>
+            <a:lvl3pPr marL="914400" algn="l" defTabSz="914400" rtl="0" eaLnBrk="1" latinLnBrk="0" hangingPunct="1">
+              <a:defRPr sz="1800" kern="1200">
+                <a:solidFill>
+                  <a:schemeClr val="dk1"/>
+                </a:solidFill>
+                <a:latin typeface="+mn-lt"/>
+                <a:ea typeface="+mn-ea"/>
+                <a:cs typeface="+mn-cs"/>
+              </a:defRPr>
+            </a:lvl3pPr>
+            <a:lvl4pPr marL="1371600" algn="l" defTabSz="914400" rtl="0" eaLnBrk="1" latinLnBrk="0" hangingPunct="1">
+              <a:defRPr sz="1800" kern="1200">
+                <a:solidFill>
+                  <a:schemeClr val="dk1"/>
+                </a:solidFill>
+                <a:latin typeface="+mn-lt"/>
+                <a:ea typeface="+mn-ea"/>
+                <a:cs typeface="+mn-cs"/>
+              </a:defRPr>
+            </a:lvl4pPr>
+            <a:lvl5pPr marL="1828800" algn="l" defTabSz="914400" rtl="0" eaLnBrk="1" latinLnBrk="0" hangingPunct="1">
+              <a:defRPr sz="1800" kern="1200">
+                <a:solidFill>
+                  <a:schemeClr val="dk1"/>
+                </a:solidFill>
+                <a:latin typeface="+mn-lt"/>
+                <a:ea typeface="+mn-ea"/>
+                <a:cs typeface="+mn-cs"/>
+              </a:defRPr>
+            </a:lvl5pPr>
+            <a:lvl6pPr marL="2286000" algn="l" defTabSz="914400" rtl="0" eaLnBrk="1" latinLnBrk="0" hangingPunct="1">
+              <a:defRPr sz="1800" kern="1200">
+                <a:solidFill>
+                  <a:schemeClr val="dk1"/>
+                </a:solidFill>
+                <a:latin typeface="+mn-lt"/>
+                <a:ea typeface="+mn-ea"/>
+                <a:cs typeface="+mn-cs"/>
+              </a:defRPr>
+            </a:lvl6pPr>
+            <a:lvl7pPr marL="2743200" algn="l" defTabSz="914400" rtl="0" eaLnBrk="1" latinLnBrk="0" hangingPunct="1">
+              <a:defRPr sz="1800" kern="1200">
+                <a:solidFill>
+                  <a:schemeClr val="dk1"/>
+                </a:solidFill>
+                <a:latin typeface="+mn-lt"/>
+                <a:ea typeface="+mn-ea"/>
+                <a:cs typeface="+mn-cs"/>
+              </a:defRPr>
+            </a:lvl7pPr>
+            <a:lvl8pPr marL="3200400" algn="l" defTabSz="914400" rtl="0" eaLnBrk="1" latinLnBrk="0" hangingPunct="1">
+              <a:defRPr sz="1800" kern="1200">
+                <a:solidFill>
+                  <a:schemeClr val="dk1"/>
+                </a:solidFill>
+                <a:latin typeface="+mn-lt"/>
+                <a:ea typeface="+mn-ea"/>
+                <a:cs typeface="+mn-cs"/>
+              </a:defRPr>
+            </a:lvl8pPr>
+            <a:lvl9pPr marL="3657600" algn="l" defTabSz="914400" rtl="0" eaLnBrk="1" latinLnBrk="0" hangingPunct="1">
+              <a:defRPr sz="1800" kern="1200">
+                <a:solidFill>
+                  <a:schemeClr val="dk1"/>
+                </a:solidFill>
+                <a:latin typeface="+mn-lt"/>
+                <a:ea typeface="+mn-ea"/>
+                <a:cs typeface="+mn-cs"/>
+              </a:defRPr>
+            </a:lvl9pPr>
+          </a:lstStyle>
+          <a:p>
+            <a:pPr algn="ctr"/>
+            <a:endParaRPr lang="zh-CN" altLang="en-US"/>
+          </a:p>
+        </p:txBody>
+      </p:sp>
+      <p:sp>
+        <p:nvSpPr>
+          <p:cNvPr id="14" name="椭圆 13">
+            <a:extLst>
+              <a:ext uri="{FF2B5EF4-FFF2-40B4-BE49-F238E27FC236}">
+                <a16:creationId xmlns:a16="http://schemas.microsoft.com/office/drawing/2014/main" id="{94C32018-E7A4-6AEB-F9F6-A19A34114B71}"/>
+              </a:ext>
+            </a:extLst>
+          </p:cNvPr>
+          <p:cNvSpPr/>
+          <p:nvPr/>
+        </p:nvSpPr>
+        <p:spPr>
+          <a:xfrm>
+            <a:off x="10954752" y="5171888"/>
+            <a:ext cx="627020" cy="628073"/>
+          </a:xfrm>
+          <a:prstGeom prst="ellipse">
+            <a:avLst/>
+          </a:prstGeom>
+          <a:solidFill>
+            <a:schemeClr val="bg1"/>
+          </a:solidFill>
+          <a:ln>
+            <a:noFill/>
+          </a:ln>
+        </p:spPr>
+        <p:style>
+          <a:lnRef idx="2">
+            <a:schemeClr val="accent1">
+              <a:shade val="15000"/>
+            </a:schemeClr>
+          </a:lnRef>
+          <a:fillRef idx="1">
+            <a:schemeClr val="accent1"/>
+          </a:fillRef>
+          <a:effectRef idx="0">
+            <a:schemeClr val="accent1"/>
+          </a:effectRef>
+          <a:fontRef idx="minor">
+            <a:schemeClr val="lt1"/>
+          </a:fontRef>
+        </p:style>
+        <p:txBody>
+          <a:bodyPr rtlCol="0" anchor="ctr"/>
+          <a:lstStyle/>
+          <a:p>
+            <a:pPr algn="ctr"/>
+            <a:endParaRPr lang="zh-CN" altLang="en-US"/>
+          </a:p>
+        </p:txBody>
+      </p:sp>
+      <p:sp>
+        <p:nvSpPr>
+          <p:cNvPr id="15" name="星形: 五角 14">
+            <a:extLst>
+              <a:ext uri="{FF2B5EF4-FFF2-40B4-BE49-F238E27FC236}">
+                <a16:creationId xmlns:a16="http://schemas.microsoft.com/office/drawing/2014/main" id="{76089C4D-06B7-81F6-1B94-8011763C8A6B}"/>
+              </a:ext>
+            </a:extLst>
+          </p:cNvPr>
+          <p:cNvSpPr/>
+          <p:nvPr/>
+        </p:nvSpPr>
+        <p:spPr>
+          <a:xfrm>
+            <a:off x="7448384" y="2552141"/>
+            <a:ext cx="616857" cy="638628"/>
+          </a:xfrm>
+          <a:prstGeom prst="star5">
+            <a:avLst/>
+          </a:prstGeom>
+          <a:noFill/>
+          <a:ln>
+            <a:noFill/>
+          </a:ln>
+        </p:spPr>
+        <p:style>
+          <a:lnRef idx="2">
+            <a:schemeClr val="accent4"/>
+          </a:lnRef>
+          <a:fillRef idx="1">
+            <a:schemeClr val="lt1"/>
+          </a:fillRef>
+          <a:effectRef idx="0">
+            <a:schemeClr val="accent4"/>
+          </a:effectRef>
+          <a:fontRef idx="minor">
+            <a:schemeClr val="dk1"/>
+          </a:fontRef>
+        </p:style>
+        <p:txBody>
+          <a:bodyPr rtlCol="0" anchor="ctr"/>
+          <a:lstStyle>
+            <a:defPPr>
+              <a:defRPr lang="zh-CN"/>
+            </a:defPPr>
+            <a:lvl1pPr marL="0" algn="l" defTabSz="914400" rtl="0" eaLnBrk="1" latinLnBrk="0" hangingPunct="1">
+              <a:defRPr sz="1800" kern="1200">
+                <a:solidFill>
+                  <a:schemeClr val="dk1"/>
+                </a:solidFill>
+                <a:latin typeface="+mn-lt"/>
+                <a:ea typeface="+mn-ea"/>
+                <a:cs typeface="+mn-cs"/>
+              </a:defRPr>
+            </a:lvl1pPr>
+            <a:lvl2pPr marL="457200" algn="l" defTabSz="914400" rtl="0" eaLnBrk="1" latinLnBrk="0" hangingPunct="1">
+              <a:defRPr sz="1800" kern="1200">
+                <a:solidFill>
+                  <a:schemeClr val="dk1"/>
+                </a:solidFill>
+                <a:latin typeface="+mn-lt"/>
+                <a:ea typeface="+mn-ea"/>
+                <a:cs typeface="+mn-cs"/>
+              </a:defRPr>
+            </a:lvl2pPr>
+            <a:lvl3pPr marL="914400" algn="l" defTabSz="914400" rtl="0" eaLnBrk="1" latinLnBrk="0" hangingPunct="1">
+              <a:defRPr sz="1800" kern="1200">
+                <a:solidFill>
+                  <a:schemeClr val="dk1"/>
+                </a:solidFill>
+                <a:latin typeface="+mn-lt"/>
+                <a:ea typeface="+mn-ea"/>
+                <a:cs typeface="+mn-cs"/>
+              </a:defRPr>
+            </a:lvl3pPr>
+            <a:lvl4pPr marL="1371600" algn="l" defTabSz="914400" rtl="0" eaLnBrk="1" latinLnBrk="0" hangingPunct="1">
+              <a:defRPr sz="1800" kern="1200">
+                <a:solidFill>
+                  <a:schemeClr val="dk1"/>
+                </a:solidFill>
+                <a:latin typeface="+mn-lt"/>
+                <a:ea typeface="+mn-ea"/>
+                <a:cs typeface="+mn-cs"/>
+              </a:defRPr>
+            </a:lvl4pPr>
+            <a:lvl5pPr marL="1828800" algn="l" defTabSz="914400" rtl="0" eaLnBrk="1" latinLnBrk="0" hangingPunct="1">
+              <a:defRPr sz="1800" kern="1200">
+                <a:solidFill>
+                  <a:schemeClr val="dk1"/>
+                </a:solidFill>
+                <a:latin typeface="+mn-lt"/>
+                <a:ea typeface="+mn-ea"/>
+                <a:cs typeface="+mn-cs"/>
+              </a:defRPr>
+            </a:lvl5pPr>
+            <a:lvl6pPr marL="2286000" algn="l" defTabSz="914400" rtl="0" eaLnBrk="1" latinLnBrk="0" hangingPunct="1">
+              <a:defRPr sz="1800" kern="1200">
+                <a:solidFill>
+                  <a:schemeClr val="dk1"/>
+                </a:solidFill>
+                <a:latin typeface="+mn-lt"/>
+                <a:ea typeface="+mn-ea"/>
+                <a:cs typeface="+mn-cs"/>
+              </a:defRPr>
+            </a:lvl6pPr>
+            <a:lvl7pPr marL="2743200" algn="l" defTabSz="914400" rtl="0" eaLnBrk="1" latinLnBrk="0" hangingPunct="1">
+              <a:defRPr sz="1800" kern="1200">
+                <a:solidFill>
+                  <a:schemeClr val="dk1"/>
+                </a:solidFill>
+                <a:latin typeface="+mn-lt"/>
+                <a:ea typeface="+mn-ea"/>
+                <a:cs typeface="+mn-cs"/>
+              </a:defRPr>
+            </a:lvl7pPr>
+            <a:lvl8pPr marL="3200400" algn="l" defTabSz="914400" rtl="0" eaLnBrk="1" latinLnBrk="0" hangingPunct="1">
+              <a:defRPr sz="1800" kern="1200">
+                <a:solidFill>
+                  <a:schemeClr val="dk1"/>
+                </a:solidFill>
+                <a:latin typeface="+mn-lt"/>
+                <a:ea typeface="+mn-ea"/>
+                <a:cs typeface="+mn-cs"/>
+              </a:defRPr>
+            </a:lvl8pPr>
+            <a:lvl9pPr marL="3657600" algn="l" defTabSz="914400" rtl="0" eaLnBrk="1" latinLnBrk="0" hangingPunct="1">
+              <a:defRPr sz="1800" kern="1200">
+                <a:solidFill>
+                  <a:schemeClr val="dk1"/>
+                </a:solidFill>
+                <a:latin typeface="+mn-lt"/>
+                <a:ea typeface="+mn-ea"/>
+                <a:cs typeface="+mn-cs"/>
+              </a:defRPr>
+            </a:lvl9pPr>
+          </a:lstStyle>
+          <a:p>
+            <a:pPr algn="ctr"/>
+            <a:endParaRPr lang="zh-CN" altLang="en-US"/>
+          </a:p>
+        </p:txBody>
+      </p:sp>
+      <p:sp>
+        <p:nvSpPr>
+          <p:cNvPr id="16" name="文本框 15">
+            <a:extLst>
+              <a:ext uri="{FF2B5EF4-FFF2-40B4-BE49-F238E27FC236}">
+                <a16:creationId xmlns:a16="http://schemas.microsoft.com/office/drawing/2014/main" id="{75201967-F9C0-CA63-3E2D-B6D2876FA7EB}"/>
+              </a:ext>
+            </a:extLst>
+          </p:cNvPr>
+          <p:cNvSpPr txBox="1"/>
+          <p:nvPr/>
+        </p:nvSpPr>
+        <p:spPr>
+          <a:xfrm>
+            <a:off x="2426317" y="3630295"/>
+            <a:ext cx="8026751" cy="769441"/>
+          </a:xfrm>
+          <a:prstGeom prst="rect">
+            <a:avLst/>
+          </a:prstGeom>
+          <a:noFill/>
+          <a:ln>
+            <a:noFill/>
+          </a:ln>
+        </p:spPr>
+        <p:txBody>
+          <a:bodyPr wrap="square" rtlCol="0">
+            <a:spAutoFit/>
+          </a:bodyPr>
+          <a:lstStyle/>
+          <a:p>
+            <a:pPr algn="ctr"/>
+            <a:r>
+              <a:rPr lang="en-US" altLang="zh-CN" sz="4400" b="1" dirty="0">
+                <a:ln w="0"/>
+                <a:solidFill>
+                  <a:schemeClr val="bg1"/>
+                </a:solidFill>
+                <a:effectLst>
+                  <a:outerShdw blurRad="38100" dist="25400" dir="5400000" algn="ctr" rotWithShape="0">
+                    <a:srgbClr val="6E747A">
+                      <a:alpha val="43000"/>
+                    </a:srgbClr>
+                  </a:outerShdw>
+                </a:effectLst>
+                <a:latin typeface="Lucida Handwriting" panose="03010101010101010101" pitchFamily="66" charset="0"/>
+                <a:cs typeface="Arial" panose="020B0604020202020204" pitchFamily="34" charset="0"/>
+              </a:rPr>
+              <a:t>RED TEAM SCORED </a:t>
+            </a:r>
+            <a:r>
+              <a:rPr lang="zh-CN" altLang="en-US" sz="4400" b="1" dirty="0">
+                <a:ln w="0"/>
+                <a:solidFill>
+                  <a:schemeClr val="bg1"/>
+                </a:solidFill>
+                <a:effectLst>
+                  <a:outerShdw blurRad="38100" dist="25400" dir="5400000" algn="ctr" rotWithShape="0">
+                    <a:srgbClr val="6E747A">
+                      <a:alpha val="43000"/>
+                    </a:srgbClr>
+                  </a:outerShdw>
+                </a:effectLst>
+                <a:latin typeface="Lucida Handwriting" panose="03010101010101010101" pitchFamily="66" charset="0"/>
+                <a:cs typeface="Arial" panose="020B0604020202020204" pitchFamily="34" charset="0"/>
+              </a:rPr>
+              <a:t>！</a:t>
+            </a:r>
+          </a:p>
+        </p:txBody>
+      </p:sp>
+      <p:pic>
+        <p:nvPicPr>
+          <p:cNvPr id="17" name="图形 6" descr="足球 纯色填充">
+            <a:extLst>
+              <a:ext uri="{FF2B5EF4-FFF2-40B4-BE49-F238E27FC236}">
+                <a16:creationId xmlns:a16="http://schemas.microsoft.com/office/drawing/2014/main" id="{4B0F9CFA-9222-5B56-13D6-8CE5708B3163}"/>
+              </a:ext>
+            </a:extLst>
+          </p:cNvPr>
+          <p:cNvPicPr>
+            <a:picLocks noChangeAspect="1"/>
+          </p:cNvPicPr>
+          <p:nvPr/>
+        </p:nvPicPr>
+        <p:blipFill>
+          <a:blip r:embed="rId2">
+            <a:extLst>
+              <a:ext uri="{28A0092B-C50C-407E-A947-70E740481C1C}">
+                <a14:useLocalDpi xmlns:a14="http://schemas.microsoft.com/office/drawing/2010/main" val="0"/>
+              </a:ext>
+              <a:ext uri="{96DAC541-7B7A-43D3-8B79-37D633B846F1}">
+                <asvg:svgBlip xmlns:asvg="http://schemas.microsoft.com/office/drawing/2016/SVG/main" r:embed="rId3"/>
+              </a:ext>
+            </a:extLst>
+          </a:blip>
+          <a:stretch>
+            <a:fillRect/>
+          </a:stretch>
+        </p:blipFill>
+        <p:spPr>
+          <a:xfrm>
+            <a:off x="10869494" y="5084514"/>
+            <a:ext cx="799808" cy="799808"/>
+          </a:xfrm>
+          <a:prstGeom prst="rect">
+            <a:avLst/>
+          </a:prstGeom>
+        </p:spPr>
+      </p:pic>
+      <p:pic>
+        <p:nvPicPr>
+          <p:cNvPr id="27" name="图片 26">
+            <a:extLst>
+              <a:ext uri="{FF2B5EF4-FFF2-40B4-BE49-F238E27FC236}">
+                <a16:creationId xmlns:a16="http://schemas.microsoft.com/office/drawing/2014/main" id="{92756ED7-0D13-4EC7-21C0-F77947A881A0}"/>
+              </a:ext>
+            </a:extLst>
+          </p:cNvPr>
+          <p:cNvPicPr>
+            <a:picLocks noChangeAspect="1"/>
+          </p:cNvPicPr>
+          <p:nvPr/>
+        </p:nvPicPr>
+        <p:blipFill>
+          <a:blip r:embed="rId6">
+            <a:extLst>
+              <a:ext uri="{28A0092B-C50C-407E-A947-70E740481C1C}">
+                <a14:useLocalDpi xmlns:a14="http://schemas.microsoft.com/office/drawing/2010/main" val="0"/>
+              </a:ext>
+            </a:extLst>
+          </a:blip>
+          <a:stretch>
+            <a:fillRect/>
+          </a:stretch>
+        </p:blipFill>
+        <p:spPr>
+          <a:xfrm rot="16200000">
+            <a:off x="2252643" y="4389759"/>
+            <a:ext cx="1983094" cy="1983094"/>
+          </a:xfrm>
+          <a:prstGeom prst="rect">
+            <a:avLst/>
+          </a:prstGeom>
+        </p:spPr>
+      </p:pic>
+      <p:pic>
+        <p:nvPicPr>
+          <p:cNvPr id="28" name="图片 27">
+            <a:extLst>
+              <a:ext uri="{FF2B5EF4-FFF2-40B4-BE49-F238E27FC236}">
+                <a16:creationId xmlns:a16="http://schemas.microsoft.com/office/drawing/2014/main" id="{98D31DED-CB6D-9BCD-6368-5FB9F03B5E8D}"/>
+              </a:ext>
+            </a:extLst>
+          </p:cNvPr>
+          <p:cNvPicPr>
+            <a:picLocks noChangeAspect="1"/>
+          </p:cNvPicPr>
+          <p:nvPr/>
+        </p:nvPicPr>
+        <p:blipFill>
+          <a:blip r:embed="rId6">
+            <a:extLst>
+              <a:ext uri="{28A0092B-C50C-407E-A947-70E740481C1C}">
+                <a14:useLocalDpi xmlns:a14="http://schemas.microsoft.com/office/drawing/2010/main" val="0"/>
+              </a:ext>
+            </a:extLst>
+          </a:blip>
+          <a:stretch>
+            <a:fillRect/>
+          </a:stretch>
+        </p:blipFill>
+        <p:spPr>
+          <a:xfrm flipH="1">
+            <a:off x="8271914" y="1530262"/>
+            <a:ext cx="2000254" cy="2000254"/>
+          </a:xfrm>
+          <a:prstGeom prst="rect">
+            <a:avLst/>
+          </a:prstGeom>
+        </p:spPr>
+      </p:pic>
+      <p:sp>
+        <p:nvSpPr>
+          <p:cNvPr id="29" name="椭圆 28">
+            <a:extLst>
+              <a:ext uri="{FF2B5EF4-FFF2-40B4-BE49-F238E27FC236}">
+                <a16:creationId xmlns:a16="http://schemas.microsoft.com/office/drawing/2014/main" id="{F4992098-7644-ABE8-EC67-219710DA2355}"/>
+              </a:ext>
+            </a:extLst>
+          </p:cNvPr>
+          <p:cNvSpPr/>
+          <p:nvPr/>
+        </p:nvSpPr>
+        <p:spPr>
+          <a:xfrm>
+            <a:off x="11325098" y="4306194"/>
+            <a:ext cx="627020" cy="628073"/>
+          </a:xfrm>
+          <a:prstGeom prst="ellipse">
+            <a:avLst/>
+          </a:prstGeom>
+          <a:solidFill>
+            <a:schemeClr val="bg1"/>
+          </a:solidFill>
+          <a:ln>
+            <a:noFill/>
+          </a:ln>
+        </p:spPr>
+        <p:style>
+          <a:lnRef idx="2">
+            <a:schemeClr val="accent1">
+              <a:shade val="15000"/>
+            </a:schemeClr>
+          </a:lnRef>
+          <a:fillRef idx="1">
+            <a:schemeClr val="accent1"/>
+          </a:fillRef>
+          <a:effectRef idx="0">
+            <a:schemeClr val="accent1"/>
+          </a:effectRef>
+          <a:fontRef idx="minor">
+            <a:schemeClr val="lt1"/>
+          </a:fontRef>
+        </p:style>
+        <p:txBody>
+          <a:bodyPr rtlCol="0" anchor="ctr"/>
+          <a:lstStyle/>
+          <a:p>
+            <a:pPr algn="ctr"/>
+            <a:endParaRPr lang="zh-CN" altLang="en-US"/>
+          </a:p>
+        </p:txBody>
+      </p:sp>
+      <p:pic>
+        <p:nvPicPr>
+          <p:cNvPr id="31" name="图形 6" descr="足球 纯色填充">
+            <a:extLst>
+              <a:ext uri="{FF2B5EF4-FFF2-40B4-BE49-F238E27FC236}">
+                <a16:creationId xmlns:a16="http://schemas.microsoft.com/office/drawing/2014/main" id="{ED4B8FE2-E90F-A4D0-6B8A-D599524102AA}"/>
+              </a:ext>
+            </a:extLst>
+          </p:cNvPr>
+          <p:cNvPicPr>
+            <a:picLocks noChangeAspect="1"/>
+          </p:cNvPicPr>
+          <p:nvPr/>
+        </p:nvPicPr>
+        <p:blipFill>
+          <a:blip r:embed="rId2">
+            <a:extLst>
+              <a:ext uri="{28A0092B-C50C-407E-A947-70E740481C1C}">
+                <a14:useLocalDpi xmlns:a14="http://schemas.microsoft.com/office/drawing/2010/main" val="0"/>
+              </a:ext>
+              <a:ext uri="{96DAC541-7B7A-43D3-8B79-37D633B846F1}">
+                <asvg:svgBlip xmlns:asvg="http://schemas.microsoft.com/office/drawing/2016/SVG/main" r:embed="rId3"/>
+              </a:ext>
+            </a:extLst>
+          </a:blip>
+          <a:stretch>
+            <a:fillRect/>
+          </a:stretch>
+        </p:blipFill>
+        <p:spPr>
+          <a:xfrm>
+            <a:off x="11235923" y="4219861"/>
+            <a:ext cx="799808" cy="799808"/>
+          </a:xfrm>
+          <a:prstGeom prst="rect">
+            <a:avLst/>
+          </a:prstGeom>
+        </p:spPr>
+      </p:pic>
+      <p:pic>
+        <p:nvPicPr>
+          <p:cNvPr id="35" name="图片 34">
+            <a:extLst>
+              <a:ext uri="{FF2B5EF4-FFF2-40B4-BE49-F238E27FC236}">
+                <a16:creationId xmlns:a16="http://schemas.microsoft.com/office/drawing/2014/main" id="{C3E7CC10-D5BC-9AFB-420E-F21FE101A054}"/>
+              </a:ext>
+            </a:extLst>
+          </p:cNvPr>
+          <p:cNvPicPr>
+            <a:picLocks noChangeAspect="1"/>
+          </p:cNvPicPr>
+          <p:nvPr/>
+        </p:nvPicPr>
+        <p:blipFill>
+          <a:blip r:embed="rId7">
+            <a:extLst>
+              <a:ext uri="{28A0092B-C50C-407E-A947-70E740481C1C}">
+                <a14:useLocalDpi xmlns:a14="http://schemas.microsoft.com/office/drawing/2010/main" val="0"/>
+              </a:ext>
+            </a:extLst>
+          </a:blip>
+          <a:stretch>
+            <a:fillRect/>
+          </a:stretch>
+        </p:blipFill>
+        <p:spPr>
+          <a:xfrm>
+            <a:off x="11268262" y="2486507"/>
+            <a:ext cx="771404" cy="738193"/>
+          </a:xfrm>
+          <a:prstGeom prst="rect">
+            <a:avLst/>
+          </a:prstGeom>
+        </p:spPr>
+      </p:pic>
+    </p:spTree>
+    <p:extLst>
+      <p:ext uri="{BB962C8B-B14F-4D97-AF65-F5344CB8AC3E}">
+        <p14:creationId xmlns:p14="http://schemas.microsoft.com/office/powerpoint/2010/main" val="3579912106"/>
       </p:ext>
     </p:extLst>
   </p:cSld>
@@ -10500,6 +12862,13 @@
         </p:nvPicPr>
         <p:blipFill>
           <a:blip r:embed="rId6">
+            <a:duotone>
+              <a:prstClr val="black"/>
+              <a:schemeClr val="accent1">
+                <a:tint val="45000"/>
+                <a:satMod val="400000"/>
+              </a:schemeClr>
+            </a:duotone>
             <a:extLst>
               <a:ext uri="{28A0092B-C50C-407E-A947-70E740481C1C}">
                 <a14:useLocalDpi xmlns:a14="http://schemas.microsoft.com/office/drawing/2010/main" val="0"/>
@@ -10536,6 +12905,13 @@
         </p:nvPicPr>
         <p:blipFill>
           <a:blip r:embed="rId6">
+            <a:duotone>
+              <a:prstClr val="black"/>
+              <a:schemeClr val="accent1">
+                <a:tint val="45000"/>
+                <a:satMod val="400000"/>
+              </a:schemeClr>
+            </a:duotone>
             <a:extLst>
               <a:ext uri="{28A0092B-C50C-407E-A947-70E740481C1C}">
                 <a14:useLocalDpi xmlns:a14="http://schemas.microsoft.com/office/drawing/2010/main" val="0"/>

--- a/pics/paintings.pptx
+++ b/pics/paintings.pptx
@@ -270,7 +270,7 @@
           <a:p>
             <a:fld id="{01233CE7-9F99-43B8-8E0A-C2A344A065FA}" type="datetimeFigureOut">
               <a:rPr lang="zh-CN" altLang="en-US" smtClean="0"/>
-              <a:t>2024/3/5</a:t>
+              <a:t>2024/3/6</a:t>
             </a:fld>
             <a:endParaRPr lang="zh-CN" altLang="en-US"/>
           </a:p>
@@ -468,7 +468,7 @@
           <a:p>
             <a:fld id="{01233CE7-9F99-43B8-8E0A-C2A344A065FA}" type="datetimeFigureOut">
               <a:rPr lang="zh-CN" altLang="en-US" smtClean="0"/>
-              <a:t>2024/3/5</a:t>
+              <a:t>2024/3/6</a:t>
             </a:fld>
             <a:endParaRPr lang="zh-CN" altLang="en-US"/>
           </a:p>
@@ -676,7 +676,7 @@
           <a:p>
             <a:fld id="{01233CE7-9F99-43B8-8E0A-C2A344A065FA}" type="datetimeFigureOut">
               <a:rPr lang="zh-CN" altLang="en-US" smtClean="0"/>
-              <a:t>2024/3/5</a:t>
+              <a:t>2024/3/6</a:t>
             </a:fld>
             <a:endParaRPr lang="zh-CN" altLang="en-US"/>
           </a:p>
@@ -874,7 +874,7 @@
           <a:p>
             <a:fld id="{01233CE7-9F99-43B8-8E0A-C2A344A065FA}" type="datetimeFigureOut">
               <a:rPr lang="zh-CN" altLang="en-US" smtClean="0"/>
-              <a:t>2024/3/5</a:t>
+              <a:t>2024/3/6</a:t>
             </a:fld>
             <a:endParaRPr lang="zh-CN" altLang="en-US"/>
           </a:p>
@@ -1149,7 +1149,7 @@
           <a:p>
             <a:fld id="{01233CE7-9F99-43B8-8E0A-C2A344A065FA}" type="datetimeFigureOut">
               <a:rPr lang="zh-CN" altLang="en-US" smtClean="0"/>
-              <a:t>2024/3/5</a:t>
+              <a:t>2024/3/6</a:t>
             </a:fld>
             <a:endParaRPr lang="zh-CN" altLang="en-US"/>
           </a:p>
@@ -1414,7 +1414,7 @@
           <a:p>
             <a:fld id="{01233CE7-9F99-43B8-8E0A-C2A344A065FA}" type="datetimeFigureOut">
               <a:rPr lang="zh-CN" altLang="en-US" smtClean="0"/>
-              <a:t>2024/3/5</a:t>
+              <a:t>2024/3/6</a:t>
             </a:fld>
             <a:endParaRPr lang="zh-CN" altLang="en-US"/>
           </a:p>
@@ -1826,7 +1826,7 @@
           <a:p>
             <a:fld id="{01233CE7-9F99-43B8-8E0A-C2A344A065FA}" type="datetimeFigureOut">
               <a:rPr lang="zh-CN" altLang="en-US" smtClean="0"/>
-              <a:t>2024/3/5</a:t>
+              <a:t>2024/3/6</a:t>
             </a:fld>
             <a:endParaRPr lang="zh-CN" altLang="en-US"/>
           </a:p>
@@ -1967,7 +1967,7 @@
           <a:p>
             <a:fld id="{01233CE7-9F99-43B8-8E0A-C2A344A065FA}" type="datetimeFigureOut">
               <a:rPr lang="zh-CN" altLang="en-US" smtClean="0"/>
-              <a:t>2024/3/5</a:t>
+              <a:t>2024/3/6</a:t>
             </a:fld>
             <a:endParaRPr lang="zh-CN" altLang="en-US"/>
           </a:p>
@@ -2080,7 +2080,7 @@
           <a:p>
             <a:fld id="{01233CE7-9F99-43B8-8E0A-C2A344A065FA}" type="datetimeFigureOut">
               <a:rPr lang="zh-CN" altLang="en-US" smtClean="0"/>
-              <a:t>2024/3/5</a:t>
+              <a:t>2024/3/6</a:t>
             </a:fld>
             <a:endParaRPr lang="zh-CN" altLang="en-US"/>
           </a:p>
@@ -2391,7 +2391,7 @@
           <a:p>
             <a:fld id="{01233CE7-9F99-43B8-8E0A-C2A344A065FA}" type="datetimeFigureOut">
               <a:rPr lang="zh-CN" altLang="en-US" smtClean="0"/>
-              <a:t>2024/3/5</a:t>
+              <a:t>2024/3/6</a:t>
             </a:fld>
             <a:endParaRPr lang="zh-CN" altLang="en-US"/>
           </a:p>
@@ -2679,7 +2679,7 @@
           <a:p>
             <a:fld id="{01233CE7-9F99-43B8-8E0A-C2A344A065FA}" type="datetimeFigureOut">
               <a:rPr lang="zh-CN" altLang="en-US" smtClean="0"/>
-              <a:t>2024/3/5</a:t>
+              <a:t>2024/3/6</a:t>
             </a:fld>
             <a:endParaRPr lang="zh-CN" altLang="en-US"/>
           </a:p>
@@ -2920,7 +2920,7 @@
           <a:p>
             <a:fld id="{01233CE7-9F99-43B8-8E0A-C2A344A065FA}" type="datetimeFigureOut">
               <a:rPr lang="zh-CN" altLang="en-US" smtClean="0"/>
-              <a:t>2024/3/5</a:t>
+              <a:t>2024/3/6</a:t>
             </a:fld>
             <a:endParaRPr lang="zh-CN" altLang="en-US"/>
           </a:p>
@@ -4859,6 +4859,118 @@
           </a:p>
         </p:txBody>
       </p:sp>
+      <p:sp>
+        <p:nvSpPr>
+          <p:cNvPr id="3" name="箭头: 右 2">
+            <a:extLst>
+              <a:ext uri="{FF2B5EF4-FFF2-40B4-BE49-F238E27FC236}">
+                <a16:creationId xmlns:a16="http://schemas.microsoft.com/office/drawing/2014/main" id="{2636FE30-E70C-45A9-810E-35F0968DF3B4}"/>
+              </a:ext>
+            </a:extLst>
+          </p:cNvPr>
+          <p:cNvSpPr/>
+          <p:nvPr/>
+        </p:nvSpPr>
+        <p:spPr>
+          <a:xfrm>
+            <a:off x="5438274" y="1268942"/>
+            <a:ext cx="2233061" cy="1796748"/>
+          </a:xfrm>
+          <a:prstGeom prst="rightArrow">
+            <a:avLst/>
+          </a:prstGeom>
+          <a:solidFill>
+            <a:srgbClr val="FF0000"/>
+          </a:solidFill>
+          <a:ln>
+            <a:noFill/>
+          </a:ln>
+        </p:spPr>
+        <p:style>
+          <a:lnRef idx="2">
+            <a:schemeClr val="accent1">
+              <a:shade val="50000"/>
+            </a:schemeClr>
+          </a:lnRef>
+          <a:fillRef idx="1">
+            <a:schemeClr val="accent1"/>
+          </a:fillRef>
+          <a:effectRef idx="0">
+            <a:schemeClr val="accent1"/>
+          </a:effectRef>
+          <a:fontRef idx="minor">
+            <a:schemeClr val="lt1"/>
+          </a:fontRef>
+        </p:style>
+        <p:txBody>
+          <a:bodyPr rtlCol="0" anchor="ctr"/>
+          <a:lstStyle/>
+          <a:p>
+            <a:pPr algn="ctr"/>
+            <a:endParaRPr lang="zh-CN" altLang="en-US">
+              <a:solidFill>
+                <a:srgbClr val="FF0000"/>
+              </a:solidFill>
+            </a:endParaRPr>
+          </a:p>
+        </p:txBody>
+      </p:sp>
+      <p:sp>
+        <p:nvSpPr>
+          <p:cNvPr id="4" name="箭头: 右 3">
+            <a:extLst>
+              <a:ext uri="{FF2B5EF4-FFF2-40B4-BE49-F238E27FC236}">
+                <a16:creationId xmlns:a16="http://schemas.microsoft.com/office/drawing/2014/main" id="{5304B50E-9B87-4DFB-9B37-3E758FBC8D31}"/>
+              </a:ext>
+            </a:extLst>
+          </p:cNvPr>
+          <p:cNvSpPr/>
+          <p:nvPr/>
+        </p:nvSpPr>
+        <p:spPr>
+          <a:xfrm rot="10800000">
+            <a:off x="5438274" y="3429000"/>
+            <a:ext cx="2233061" cy="1796748"/>
+          </a:xfrm>
+          <a:prstGeom prst="rightArrow">
+            <a:avLst/>
+          </a:prstGeom>
+          <a:solidFill>
+            <a:srgbClr val="002060"/>
+          </a:solidFill>
+          <a:ln>
+            <a:noFill/>
+          </a:ln>
+        </p:spPr>
+        <p:style>
+          <a:lnRef idx="2">
+            <a:schemeClr val="accent1">
+              <a:shade val="50000"/>
+            </a:schemeClr>
+          </a:lnRef>
+          <a:fillRef idx="1">
+            <a:schemeClr val="accent1"/>
+          </a:fillRef>
+          <a:effectRef idx="0">
+            <a:schemeClr val="accent1"/>
+          </a:effectRef>
+          <a:fontRef idx="minor">
+            <a:schemeClr val="lt1"/>
+          </a:fontRef>
+        </p:style>
+        <p:txBody>
+          <a:bodyPr rtlCol="0" anchor="ctr"/>
+          <a:lstStyle/>
+          <a:p>
+            <a:pPr algn="ctr"/>
+            <a:endParaRPr lang="zh-CN" altLang="en-US">
+              <a:solidFill>
+                <a:srgbClr val="002060"/>
+              </a:solidFill>
+            </a:endParaRPr>
+          </a:p>
+        </p:txBody>
+      </p:sp>
     </p:spTree>
     <p:extLst>
       <p:ext uri="{BB962C8B-B14F-4D97-AF65-F5344CB8AC3E}">

--- a/pics/paintings.pptx
+++ b/pics/paintings.pptx
@@ -1,25 +1,25 @@
 
 <file path=ppt/presentation.xml><?xml version="1.0" encoding="utf-8"?>
-<p:presentation xmlns:a="http://schemas.openxmlformats.org/drawingml/2006/main" xmlns:r="http://schemas.openxmlformats.org/officeDocument/2006/relationships" xmlns:p="http://schemas.openxmlformats.org/presentationml/2006/main" saveSubsetFonts="1">
+<p:presentation xmlns:a="http://schemas.openxmlformats.org/drawingml/2006/main" xmlns:r="http://schemas.openxmlformats.org/officeDocument/2006/relationships" xmlns:p="http://schemas.openxmlformats.org/presentationml/2006/main">
   <p:sldMasterIdLst>
     <p:sldMasterId id="2147483648" r:id="rId1"/>
   </p:sldMasterIdLst>
   <p:sldIdLst>
-    <p:sldId id="256" r:id="rId2"/>
-    <p:sldId id="257" r:id="rId3"/>
-    <p:sldId id="260" r:id="rId4"/>
-    <p:sldId id="258" r:id="rId5"/>
-    <p:sldId id="259" r:id="rId6"/>
-    <p:sldId id="261" r:id="rId7"/>
-    <p:sldId id="262" r:id="rId8"/>
-    <p:sldId id="263" r:id="rId9"/>
-    <p:sldId id="267" r:id="rId10"/>
-    <p:sldId id="268" r:id="rId11"/>
-    <p:sldId id="265" r:id="rId12"/>
-    <p:sldId id="266" r:id="rId13"/>
+    <p:sldId id="256" r:id="rId3"/>
+    <p:sldId id="257" r:id="rId4"/>
+    <p:sldId id="260" r:id="rId5"/>
+    <p:sldId id="258" r:id="rId6"/>
+    <p:sldId id="259" r:id="rId7"/>
+    <p:sldId id="261" r:id="rId8"/>
+    <p:sldId id="262" r:id="rId9"/>
+    <p:sldId id="263" r:id="rId10"/>
+    <p:sldId id="267" r:id="rId11"/>
+    <p:sldId id="268" r:id="rId12"/>
+    <p:sldId id="265" r:id="rId13"/>
+    <p:sldId id="266" r:id="rId14"/>
   </p:sldIdLst>
   <p:sldSz cx="12192000" cy="6858000"/>
-  <p:notesSz cx="6858000" cy="9144000"/>
+  <p:notesSz cx="9144000" cy="6858000"/>
   <p:defaultTextStyle>
     <a:defPPr>
       <a:defRPr lang="zh-CN"/>
@@ -115,11 +115,6 @@
       </a:defRPr>
     </a:lvl9pPr>
   </p:defaultTextStyle>
-  <p:extLst>
-    <p:ext uri="{EFAFB233-063F-42B5-8137-9DF3F51BA10A}">
-      <p15:sldGuideLst xmlns:p15="http://schemas.microsoft.com/office/powerpoint/2012/main"/>
-    </p:ext>
-  </p:extLst>
 </p:presentation>
 </file>
 
@@ -142,13 +137,7 @@
       </p:grpSpPr>
       <p:sp>
         <p:nvSpPr>
-          <p:cNvPr id="2" name="标题 1">
-            <a:extLst>
-              <a:ext uri="{FF2B5EF4-FFF2-40B4-BE49-F238E27FC236}">
-                <a16:creationId xmlns:a16="http://schemas.microsoft.com/office/drawing/2014/main" id="{AF16C8D4-9F2A-4064-9930-1EF3741B5E47}"/>
-              </a:ext>
-            </a:extLst>
-          </p:cNvPr>
+          <p:cNvPr id="2" name="标题 1"/>
           <p:cNvSpPr>
             <a:spLocks noGrp="1"/>
           </p:cNvSpPr>
@@ -174,18 +163,13 @@
               <a:rPr lang="zh-CN" altLang="en-US"/>
               <a:t>单击此处编辑母版标题样式</a:t>
             </a:r>
-          </a:p>
-        </p:txBody>
-      </p:sp>
-      <p:sp>
-        <p:nvSpPr>
-          <p:cNvPr id="3" name="副标题 2">
-            <a:extLst>
-              <a:ext uri="{FF2B5EF4-FFF2-40B4-BE49-F238E27FC236}">
-                <a16:creationId xmlns:a16="http://schemas.microsoft.com/office/drawing/2014/main" id="{F0505608-36A6-4300-A492-1E7C9CDCEB28}"/>
-              </a:ext>
-            </a:extLst>
-          </p:cNvPr>
+            <a:endParaRPr lang="zh-CN" altLang="en-US"/>
+          </a:p>
+        </p:txBody>
+      </p:sp>
+      <p:sp>
+        <p:nvSpPr>
+          <p:cNvPr id="3" name="副标题 2"/>
           <p:cNvSpPr>
             <a:spLocks noGrp="1"/>
           </p:cNvSpPr>
@@ -244,18 +228,13 @@
               <a:rPr lang="zh-CN" altLang="en-US"/>
               <a:t>单击此处编辑母版副标题样式</a:t>
             </a:r>
-          </a:p>
-        </p:txBody>
-      </p:sp>
-      <p:sp>
-        <p:nvSpPr>
-          <p:cNvPr id="4" name="日期占位符 3">
-            <a:extLst>
-              <a:ext uri="{FF2B5EF4-FFF2-40B4-BE49-F238E27FC236}">
-                <a16:creationId xmlns:a16="http://schemas.microsoft.com/office/drawing/2014/main" id="{02887BE3-C434-40A3-9CB5-FD41658D4738}"/>
-              </a:ext>
-            </a:extLst>
-          </p:cNvPr>
+            <a:endParaRPr lang="zh-CN" altLang="en-US"/>
+          </a:p>
+        </p:txBody>
+      </p:sp>
+      <p:sp>
+        <p:nvSpPr>
+          <p:cNvPr id="4" name="日期占位符 3"/>
           <p:cNvSpPr>
             <a:spLocks noGrp="1"/>
           </p:cNvSpPr>
@@ -270,7 +249,6 @@
           <a:p>
             <a:fld id="{01233CE7-9F99-43B8-8E0A-C2A344A065FA}" type="datetimeFigureOut">
               <a:rPr lang="zh-CN" altLang="en-US" smtClean="0"/>
-              <a:t>2024/3/5</a:t>
             </a:fld>
             <a:endParaRPr lang="zh-CN" altLang="en-US"/>
           </a:p>
@@ -278,13 +256,7 @@
       </p:sp>
       <p:sp>
         <p:nvSpPr>
-          <p:cNvPr id="5" name="页脚占位符 4">
-            <a:extLst>
-              <a:ext uri="{FF2B5EF4-FFF2-40B4-BE49-F238E27FC236}">
-                <a16:creationId xmlns:a16="http://schemas.microsoft.com/office/drawing/2014/main" id="{C55AB623-2C60-4B79-AAA5-261965AE3D7F}"/>
-              </a:ext>
-            </a:extLst>
-          </p:cNvPr>
+          <p:cNvPr id="5" name="页脚占位符 4"/>
           <p:cNvSpPr>
             <a:spLocks noGrp="1"/>
           </p:cNvSpPr>
@@ -303,13 +275,7 @@
       </p:sp>
       <p:sp>
         <p:nvSpPr>
-          <p:cNvPr id="6" name="灯片编号占位符 5">
-            <a:extLst>
-              <a:ext uri="{FF2B5EF4-FFF2-40B4-BE49-F238E27FC236}">
-                <a16:creationId xmlns:a16="http://schemas.microsoft.com/office/drawing/2014/main" id="{9AD79815-395E-40BE-A83A-B4410EFD6B9A}"/>
-              </a:ext>
-            </a:extLst>
-          </p:cNvPr>
+          <p:cNvPr id="6" name="灯片编号占位符 5"/>
           <p:cNvSpPr>
             <a:spLocks noGrp="1"/>
           </p:cNvSpPr>
@@ -324,18 +290,12 @@
           <a:p>
             <a:fld id="{781E9586-A3D7-4D0E-AACE-A19758DC024C}" type="slidenum">
               <a:rPr lang="zh-CN" altLang="en-US" smtClean="0"/>
-              <a:t>‹#›</a:t>
             </a:fld>
             <a:endParaRPr lang="zh-CN" altLang="en-US"/>
           </a:p>
         </p:txBody>
       </p:sp>
     </p:spTree>
-    <p:extLst>
-      <p:ext uri="{BB962C8B-B14F-4D97-AF65-F5344CB8AC3E}">
-        <p14:creationId xmlns:p14="http://schemas.microsoft.com/office/powerpoint/2010/main" val="2028627588"/>
-      </p:ext>
-    </p:extLst>
   </p:cSld>
   <p:clrMapOvr>
     <a:masterClrMapping/>
@@ -362,13 +322,7 @@
       </p:grpSpPr>
       <p:sp>
         <p:nvSpPr>
-          <p:cNvPr id="2" name="标题 1">
-            <a:extLst>
-              <a:ext uri="{FF2B5EF4-FFF2-40B4-BE49-F238E27FC236}">
-                <a16:creationId xmlns:a16="http://schemas.microsoft.com/office/drawing/2014/main" id="{005D1868-3220-499B-AD65-89D7882F4C02}"/>
-              </a:ext>
-            </a:extLst>
-          </p:cNvPr>
+          <p:cNvPr id="2" name="标题 1"/>
           <p:cNvSpPr>
             <a:spLocks noGrp="1"/>
           </p:cNvSpPr>
@@ -385,18 +339,13 @@
               <a:rPr lang="zh-CN" altLang="en-US"/>
               <a:t>单击此处编辑母版标题样式</a:t>
             </a:r>
-          </a:p>
-        </p:txBody>
-      </p:sp>
-      <p:sp>
-        <p:nvSpPr>
-          <p:cNvPr id="3" name="竖排文字占位符 2">
-            <a:extLst>
-              <a:ext uri="{FF2B5EF4-FFF2-40B4-BE49-F238E27FC236}">
-                <a16:creationId xmlns:a16="http://schemas.microsoft.com/office/drawing/2014/main" id="{47D808BF-9EC0-410E-8875-EF8BC4E9E5EC}"/>
-              </a:ext>
-            </a:extLst>
-          </p:cNvPr>
+            <a:endParaRPr lang="zh-CN" altLang="en-US"/>
+          </a:p>
+        </p:txBody>
+      </p:sp>
+      <p:sp>
+        <p:nvSpPr>
+          <p:cNvPr id="3" name="竖排文字占位符 2"/>
           <p:cNvSpPr>
             <a:spLocks noGrp="1"/>
           </p:cNvSpPr>
@@ -414,6 +363,7 @@
               <a:rPr lang="zh-CN" altLang="en-US"/>
               <a:t>单击此处编辑母版文本样式</a:t>
             </a:r>
+            <a:endParaRPr lang="zh-CN" altLang="en-US"/>
           </a:p>
           <a:p>
             <a:pPr lvl="1"/>
@@ -421,6 +371,7 @@
               <a:rPr lang="zh-CN" altLang="en-US"/>
               <a:t>二级</a:t>
             </a:r>
+            <a:endParaRPr lang="zh-CN" altLang="en-US"/>
           </a:p>
           <a:p>
             <a:pPr lvl="2"/>
@@ -428,6 +379,7 @@
               <a:rPr lang="zh-CN" altLang="en-US"/>
               <a:t>三级</a:t>
             </a:r>
+            <a:endParaRPr lang="zh-CN" altLang="en-US"/>
           </a:p>
           <a:p>
             <a:pPr lvl="3"/>
@@ -435,6 +387,7 @@
               <a:rPr lang="zh-CN" altLang="en-US"/>
               <a:t>四级</a:t>
             </a:r>
+            <a:endParaRPr lang="zh-CN" altLang="en-US"/>
           </a:p>
           <a:p>
             <a:pPr lvl="4"/>
@@ -442,18 +395,13 @@
               <a:rPr lang="zh-CN" altLang="en-US"/>
               <a:t>五级</a:t>
             </a:r>
-          </a:p>
-        </p:txBody>
-      </p:sp>
-      <p:sp>
-        <p:nvSpPr>
-          <p:cNvPr id="4" name="日期占位符 3">
-            <a:extLst>
-              <a:ext uri="{FF2B5EF4-FFF2-40B4-BE49-F238E27FC236}">
-                <a16:creationId xmlns:a16="http://schemas.microsoft.com/office/drawing/2014/main" id="{76BB7F84-5189-49D0-B698-9D55709C8AA7}"/>
-              </a:ext>
-            </a:extLst>
-          </p:cNvPr>
+            <a:endParaRPr lang="zh-CN" altLang="en-US"/>
+          </a:p>
+        </p:txBody>
+      </p:sp>
+      <p:sp>
+        <p:nvSpPr>
+          <p:cNvPr id="4" name="日期占位符 3"/>
           <p:cNvSpPr>
             <a:spLocks noGrp="1"/>
           </p:cNvSpPr>
@@ -468,7 +416,6 @@
           <a:p>
             <a:fld id="{01233CE7-9F99-43B8-8E0A-C2A344A065FA}" type="datetimeFigureOut">
               <a:rPr lang="zh-CN" altLang="en-US" smtClean="0"/>
-              <a:t>2024/3/5</a:t>
             </a:fld>
             <a:endParaRPr lang="zh-CN" altLang="en-US"/>
           </a:p>
@@ -476,13 +423,7 @@
       </p:sp>
       <p:sp>
         <p:nvSpPr>
-          <p:cNvPr id="5" name="页脚占位符 4">
-            <a:extLst>
-              <a:ext uri="{FF2B5EF4-FFF2-40B4-BE49-F238E27FC236}">
-                <a16:creationId xmlns:a16="http://schemas.microsoft.com/office/drawing/2014/main" id="{048E3B7D-4FA3-474A-87BC-C03E64E7A6F0}"/>
-              </a:ext>
-            </a:extLst>
-          </p:cNvPr>
+          <p:cNvPr id="5" name="页脚占位符 4"/>
           <p:cNvSpPr>
             <a:spLocks noGrp="1"/>
           </p:cNvSpPr>
@@ -501,13 +442,7 @@
       </p:sp>
       <p:sp>
         <p:nvSpPr>
-          <p:cNvPr id="6" name="灯片编号占位符 5">
-            <a:extLst>
-              <a:ext uri="{FF2B5EF4-FFF2-40B4-BE49-F238E27FC236}">
-                <a16:creationId xmlns:a16="http://schemas.microsoft.com/office/drawing/2014/main" id="{44251E58-6053-41AE-BEEF-40968A792C48}"/>
-              </a:ext>
-            </a:extLst>
-          </p:cNvPr>
+          <p:cNvPr id="6" name="灯片编号占位符 5"/>
           <p:cNvSpPr>
             <a:spLocks noGrp="1"/>
           </p:cNvSpPr>
@@ -522,18 +457,12 @@
           <a:p>
             <a:fld id="{781E9586-A3D7-4D0E-AACE-A19758DC024C}" type="slidenum">
               <a:rPr lang="zh-CN" altLang="en-US" smtClean="0"/>
-              <a:t>‹#›</a:t>
             </a:fld>
             <a:endParaRPr lang="zh-CN" altLang="en-US"/>
           </a:p>
         </p:txBody>
       </p:sp>
     </p:spTree>
-    <p:extLst>
-      <p:ext uri="{BB962C8B-B14F-4D97-AF65-F5344CB8AC3E}">
-        <p14:creationId xmlns:p14="http://schemas.microsoft.com/office/powerpoint/2010/main" val="950187829"/>
-      </p:ext>
-    </p:extLst>
   </p:cSld>
   <p:clrMapOvr>
     <a:masterClrMapping/>
@@ -560,13 +489,7 @@
       </p:grpSpPr>
       <p:sp>
         <p:nvSpPr>
-          <p:cNvPr id="2" name="竖排标题 1">
-            <a:extLst>
-              <a:ext uri="{FF2B5EF4-FFF2-40B4-BE49-F238E27FC236}">
-                <a16:creationId xmlns:a16="http://schemas.microsoft.com/office/drawing/2014/main" id="{55238DD6-8EB4-45B4-A5E8-EAA8CBFDC050}"/>
-              </a:ext>
-            </a:extLst>
-          </p:cNvPr>
+          <p:cNvPr id="2" name="竖排标题 1"/>
           <p:cNvSpPr>
             <a:spLocks noGrp="1"/>
           </p:cNvSpPr>
@@ -588,18 +511,13 @@
               <a:rPr lang="zh-CN" altLang="en-US"/>
               <a:t>单击此处编辑母版标题样式</a:t>
             </a:r>
-          </a:p>
-        </p:txBody>
-      </p:sp>
-      <p:sp>
-        <p:nvSpPr>
-          <p:cNvPr id="3" name="竖排文字占位符 2">
-            <a:extLst>
-              <a:ext uri="{FF2B5EF4-FFF2-40B4-BE49-F238E27FC236}">
-                <a16:creationId xmlns:a16="http://schemas.microsoft.com/office/drawing/2014/main" id="{0AC41C64-F96A-4C5E-8E68-50DDCFF75D0B}"/>
-              </a:ext>
-            </a:extLst>
-          </p:cNvPr>
+            <a:endParaRPr lang="zh-CN" altLang="en-US"/>
+          </a:p>
+        </p:txBody>
+      </p:sp>
+      <p:sp>
+        <p:nvSpPr>
+          <p:cNvPr id="3" name="竖排文字占位符 2"/>
           <p:cNvSpPr>
             <a:spLocks noGrp="1"/>
           </p:cNvSpPr>
@@ -622,6 +540,7 @@
               <a:rPr lang="zh-CN" altLang="en-US"/>
               <a:t>单击此处编辑母版文本样式</a:t>
             </a:r>
+            <a:endParaRPr lang="zh-CN" altLang="en-US"/>
           </a:p>
           <a:p>
             <a:pPr lvl="1"/>
@@ -629,6 +548,7 @@
               <a:rPr lang="zh-CN" altLang="en-US"/>
               <a:t>二级</a:t>
             </a:r>
+            <a:endParaRPr lang="zh-CN" altLang="en-US"/>
           </a:p>
           <a:p>
             <a:pPr lvl="2"/>
@@ -636,6 +556,7 @@
               <a:rPr lang="zh-CN" altLang="en-US"/>
               <a:t>三级</a:t>
             </a:r>
+            <a:endParaRPr lang="zh-CN" altLang="en-US"/>
           </a:p>
           <a:p>
             <a:pPr lvl="3"/>
@@ -643,6 +564,7 @@
               <a:rPr lang="zh-CN" altLang="en-US"/>
               <a:t>四级</a:t>
             </a:r>
+            <a:endParaRPr lang="zh-CN" altLang="en-US"/>
           </a:p>
           <a:p>
             <a:pPr lvl="4"/>
@@ -650,18 +572,13 @@
               <a:rPr lang="zh-CN" altLang="en-US"/>
               <a:t>五级</a:t>
             </a:r>
-          </a:p>
-        </p:txBody>
-      </p:sp>
-      <p:sp>
-        <p:nvSpPr>
-          <p:cNvPr id="4" name="日期占位符 3">
-            <a:extLst>
-              <a:ext uri="{FF2B5EF4-FFF2-40B4-BE49-F238E27FC236}">
-                <a16:creationId xmlns:a16="http://schemas.microsoft.com/office/drawing/2014/main" id="{2ED6F64E-CD70-4938-A63B-63987D6645B2}"/>
-              </a:ext>
-            </a:extLst>
-          </p:cNvPr>
+            <a:endParaRPr lang="zh-CN" altLang="en-US"/>
+          </a:p>
+        </p:txBody>
+      </p:sp>
+      <p:sp>
+        <p:nvSpPr>
+          <p:cNvPr id="4" name="日期占位符 3"/>
           <p:cNvSpPr>
             <a:spLocks noGrp="1"/>
           </p:cNvSpPr>
@@ -676,7 +593,6 @@
           <a:p>
             <a:fld id="{01233CE7-9F99-43B8-8E0A-C2A344A065FA}" type="datetimeFigureOut">
               <a:rPr lang="zh-CN" altLang="en-US" smtClean="0"/>
-              <a:t>2024/3/5</a:t>
             </a:fld>
             <a:endParaRPr lang="zh-CN" altLang="en-US"/>
           </a:p>
@@ -684,13 +600,7 @@
       </p:sp>
       <p:sp>
         <p:nvSpPr>
-          <p:cNvPr id="5" name="页脚占位符 4">
-            <a:extLst>
-              <a:ext uri="{FF2B5EF4-FFF2-40B4-BE49-F238E27FC236}">
-                <a16:creationId xmlns:a16="http://schemas.microsoft.com/office/drawing/2014/main" id="{F74B6253-26F5-4BF8-88AA-AE526E465C7F}"/>
-              </a:ext>
-            </a:extLst>
-          </p:cNvPr>
+          <p:cNvPr id="5" name="页脚占位符 4"/>
           <p:cNvSpPr>
             <a:spLocks noGrp="1"/>
           </p:cNvSpPr>
@@ -709,13 +619,7 @@
       </p:sp>
       <p:sp>
         <p:nvSpPr>
-          <p:cNvPr id="6" name="灯片编号占位符 5">
-            <a:extLst>
-              <a:ext uri="{FF2B5EF4-FFF2-40B4-BE49-F238E27FC236}">
-                <a16:creationId xmlns:a16="http://schemas.microsoft.com/office/drawing/2014/main" id="{361D63F8-CE24-4646-B7BB-5DD9A69B0221}"/>
-              </a:ext>
-            </a:extLst>
-          </p:cNvPr>
+          <p:cNvPr id="6" name="灯片编号占位符 5"/>
           <p:cNvSpPr>
             <a:spLocks noGrp="1"/>
           </p:cNvSpPr>
@@ -730,18 +634,12 @@
           <a:p>
             <a:fld id="{781E9586-A3D7-4D0E-AACE-A19758DC024C}" type="slidenum">
               <a:rPr lang="zh-CN" altLang="en-US" smtClean="0"/>
-              <a:t>‹#›</a:t>
             </a:fld>
             <a:endParaRPr lang="zh-CN" altLang="en-US"/>
           </a:p>
         </p:txBody>
       </p:sp>
     </p:spTree>
-    <p:extLst>
-      <p:ext uri="{BB962C8B-B14F-4D97-AF65-F5344CB8AC3E}">
-        <p14:creationId xmlns:p14="http://schemas.microsoft.com/office/powerpoint/2010/main" val="4271105809"/>
-      </p:ext>
-    </p:extLst>
   </p:cSld>
   <p:clrMapOvr>
     <a:masterClrMapping/>
@@ -768,13 +666,7 @@
       </p:grpSpPr>
       <p:sp>
         <p:nvSpPr>
-          <p:cNvPr id="2" name="标题 1">
-            <a:extLst>
-              <a:ext uri="{FF2B5EF4-FFF2-40B4-BE49-F238E27FC236}">
-                <a16:creationId xmlns:a16="http://schemas.microsoft.com/office/drawing/2014/main" id="{52A23EA5-042C-40BA-BDA7-013C7D5BB09F}"/>
-              </a:ext>
-            </a:extLst>
-          </p:cNvPr>
+          <p:cNvPr id="2" name="标题 1"/>
           <p:cNvSpPr>
             <a:spLocks noGrp="1"/>
           </p:cNvSpPr>
@@ -791,18 +683,13 @@
               <a:rPr lang="zh-CN" altLang="en-US"/>
               <a:t>单击此处编辑母版标题样式</a:t>
             </a:r>
-          </a:p>
-        </p:txBody>
-      </p:sp>
-      <p:sp>
-        <p:nvSpPr>
-          <p:cNvPr id="3" name="内容占位符 2">
-            <a:extLst>
-              <a:ext uri="{FF2B5EF4-FFF2-40B4-BE49-F238E27FC236}">
-                <a16:creationId xmlns:a16="http://schemas.microsoft.com/office/drawing/2014/main" id="{3CEA004B-E559-4876-A768-9C92FB293813}"/>
-              </a:ext>
-            </a:extLst>
-          </p:cNvPr>
+            <a:endParaRPr lang="zh-CN" altLang="en-US"/>
+          </a:p>
+        </p:txBody>
+      </p:sp>
+      <p:sp>
+        <p:nvSpPr>
+          <p:cNvPr id="3" name="内容占位符 2"/>
           <p:cNvSpPr>
             <a:spLocks noGrp="1"/>
           </p:cNvSpPr>
@@ -820,6 +707,7 @@
               <a:rPr lang="zh-CN" altLang="en-US"/>
               <a:t>单击此处编辑母版文本样式</a:t>
             </a:r>
+            <a:endParaRPr lang="zh-CN" altLang="en-US"/>
           </a:p>
           <a:p>
             <a:pPr lvl="1"/>
@@ -827,6 +715,7 @@
               <a:rPr lang="zh-CN" altLang="en-US"/>
               <a:t>二级</a:t>
             </a:r>
+            <a:endParaRPr lang="zh-CN" altLang="en-US"/>
           </a:p>
           <a:p>
             <a:pPr lvl="2"/>
@@ -834,6 +723,7 @@
               <a:rPr lang="zh-CN" altLang="en-US"/>
               <a:t>三级</a:t>
             </a:r>
+            <a:endParaRPr lang="zh-CN" altLang="en-US"/>
           </a:p>
           <a:p>
             <a:pPr lvl="3"/>
@@ -841,6 +731,7 @@
               <a:rPr lang="zh-CN" altLang="en-US"/>
               <a:t>四级</a:t>
             </a:r>
+            <a:endParaRPr lang="zh-CN" altLang="en-US"/>
           </a:p>
           <a:p>
             <a:pPr lvl="4"/>
@@ -848,18 +739,13 @@
               <a:rPr lang="zh-CN" altLang="en-US"/>
               <a:t>五级</a:t>
             </a:r>
-          </a:p>
-        </p:txBody>
-      </p:sp>
-      <p:sp>
-        <p:nvSpPr>
-          <p:cNvPr id="4" name="日期占位符 3">
-            <a:extLst>
-              <a:ext uri="{FF2B5EF4-FFF2-40B4-BE49-F238E27FC236}">
-                <a16:creationId xmlns:a16="http://schemas.microsoft.com/office/drawing/2014/main" id="{DEFB334A-7E73-427C-809A-FE908DFF6C2F}"/>
-              </a:ext>
-            </a:extLst>
-          </p:cNvPr>
+            <a:endParaRPr lang="zh-CN" altLang="en-US"/>
+          </a:p>
+        </p:txBody>
+      </p:sp>
+      <p:sp>
+        <p:nvSpPr>
+          <p:cNvPr id="4" name="日期占位符 3"/>
           <p:cNvSpPr>
             <a:spLocks noGrp="1"/>
           </p:cNvSpPr>
@@ -874,7 +760,6 @@
           <a:p>
             <a:fld id="{01233CE7-9F99-43B8-8E0A-C2A344A065FA}" type="datetimeFigureOut">
               <a:rPr lang="zh-CN" altLang="en-US" smtClean="0"/>
-              <a:t>2024/3/5</a:t>
             </a:fld>
             <a:endParaRPr lang="zh-CN" altLang="en-US"/>
           </a:p>
@@ -882,13 +767,7 @@
       </p:sp>
       <p:sp>
         <p:nvSpPr>
-          <p:cNvPr id="5" name="页脚占位符 4">
-            <a:extLst>
-              <a:ext uri="{FF2B5EF4-FFF2-40B4-BE49-F238E27FC236}">
-                <a16:creationId xmlns:a16="http://schemas.microsoft.com/office/drawing/2014/main" id="{FD298B2C-3C71-432B-883D-024D1107A72E}"/>
-              </a:ext>
-            </a:extLst>
-          </p:cNvPr>
+          <p:cNvPr id="5" name="页脚占位符 4"/>
           <p:cNvSpPr>
             <a:spLocks noGrp="1"/>
           </p:cNvSpPr>
@@ -907,13 +786,7 @@
       </p:sp>
       <p:sp>
         <p:nvSpPr>
-          <p:cNvPr id="6" name="灯片编号占位符 5">
-            <a:extLst>
-              <a:ext uri="{FF2B5EF4-FFF2-40B4-BE49-F238E27FC236}">
-                <a16:creationId xmlns:a16="http://schemas.microsoft.com/office/drawing/2014/main" id="{FA9E8DD4-2BFD-4D33-97AA-1548F85F6DDB}"/>
-              </a:ext>
-            </a:extLst>
-          </p:cNvPr>
+          <p:cNvPr id="6" name="灯片编号占位符 5"/>
           <p:cNvSpPr>
             <a:spLocks noGrp="1"/>
           </p:cNvSpPr>
@@ -928,18 +801,12 @@
           <a:p>
             <a:fld id="{781E9586-A3D7-4D0E-AACE-A19758DC024C}" type="slidenum">
               <a:rPr lang="zh-CN" altLang="en-US" smtClean="0"/>
-              <a:t>‹#›</a:t>
             </a:fld>
             <a:endParaRPr lang="zh-CN" altLang="en-US"/>
           </a:p>
         </p:txBody>
       </p:sp>
     </p:spTree>
-    <p:extLst>
-      <p:ext uri="{BB962C8B-B14F-4D97-AF65-F5344CB8AC3E}">
-        <p14:creationId xmlns:p14="http://schemas.microsoft.com/office/powerpoint/2010/main" val="434213646"/>
-      </p:ext>
-    </p:extLst>
   </p:cSld>
   <p:clrMapOvr>
     <a:masterClrMapping/>
@@ -966,13 +833,7 @@
       </p:grpSpPr>
       <p:sp>
         <p:nvSpPr>
-          <p:cNvPr id="2" name="标题 1">
-            <a:extLst>
-              <a:ext uri="{FF2B5EF4-FFF2-40B4-BE49-F238E27FC236}">
-                <a16:creationId xmlns:a16="http://schemas.microsoft.com/office/drawing/2014/main" id="{EC9D38B6-C915-4825-838A-09E536912509}"/>
-              </a:ext>
-            </a:extLst>
-          </p:cNvPr>
+          <p:cNvPr id="2" name="标题 1"/>
           <p:cNvSpPr>
             <a:spLocks noGrp="1"/>
           </p:cNvSpPr>
@@ -998,18 +859,13 @@
               <a:rPr lang="zh-CN" altLang="en-US"/>
               <a:t>单击此处编辑母版标题样式</a:t>
             </a:r>
-          </a:p>
-        </p:txBody>
-      </p:sp>
-      <p:sp>
-        <p:nvSpPr>
-          <p:cNvPr id="3" name="文本占位符 2">
-            <a:extLst>
-              <a:ext uri="{FF2B5EF4-FFF2-40B4-BE49-F238E27FC236}">
-                <a16:creationId xmlns:a16="http://schemas.microsoft.com/office/drawing/2014/main" id="{D8F02F01-10E8-4AF0-8C51-0C34C3121DFF}"/>
-              </a:ext>
-            </a:extLst>
-          </p:cNvPr>
+            <a:endParaRPr lang="zh-CN" altLang="en-US"/>
+          </a:p>
+        </p:txBody>
+      </p:sp>
+      <p:sp>
+        <p:nvSpPr>
+          <p:cNvPr id="3" name="文本占位符 2"/>
           <p:cNvSpPr>
             <a:spLocks noGrp="1"/>
           </p:cNvSpPr>
@@ -1123,18 +979,13 @@
               <a:rPr lang="zh-CN" altLang="en-US"/>
               <a:t>单击此处编辑母版文本样式</a:t>
             </a:r>
-          </a:p>
-        </p:txBody>
-      </p:sp>
-      <p:sp>
-        <p:nvSpPr>
-          <p:cNvPr id="4" name="日期占位符 3">
-            <a:extLst>
-              <a:ext uri="{FF2B5EF4-FFF2-40B4-BE49-F238E27FC236}">
-                <a16:creationId xmlns:a16="http://schemas.microsoft.com/office/drawing/2014/main" id="{1527D302-5599-4561-98E3-9E4DA465DBDB}"/>
-              </a:ext>
-            </a:extLst>
-          </p:cNvPr>
+            <a:endParaRPr lang="zh-CN" altLang="en-US"/>
+          </a:p>
+        </p:txBody>
+      </p:sp>
+      <p:sp>
+        <p:nvSpPr>
+          <p:cNvPr id="4" name="日期占位符 3"/>
           <p:cNvSpPr>
             <a:spLocks noGrp="1"/>
           </p:cNvSpPr>
@@ -1149,7 +1000,6 @@
           <a:p>
             <a:fld id="{01233CE7-9F99-43B8-8E0A-C2A344A065FA}" type="datetimeFigureOut">
               <a:rPr lang="zh-CN" altLang="en-US" smtClean="0"/>
-              <a:t>2024/3/5</a:t>
             </a:fld>
             <a:endParaRPr lang="zh-CN" altLang="en-US"/>
           </a:p>
@@ -1157,13 +1007,7 @@
       </p:sp>
       <p:sp>
         <p:nvSpPr>
-          <p:cNvPr id="5" name="页脚占位符 4">
-            <a:extLst>
-              <a:ext uri="{FF2B5EF4-FFF2-40B4-BE49-F238E27FC236}">
-                <a16:creationId xmlns:a16="http://schemas.microsoft.com/office/drawing/2014/main" id="{E786C3F4-1F51-4DD1-A356-6B610146260D}"/>
-              </a:ext>
-            </a:extLst>
-          </p:cNvPr>
+          <p:cNvPr id="5" name="页脚占位符 4"/>
           <p:cNvSpPr>
             <a:spLocks noGrp="1"/>
           </p:cNvSpPr>
@@ -1182,13 +1026,7 @@
       </p:sp>
       <p:sp>
         <p:nvSpPr>
-          <p:cNvPr id="6" name="灯片编号占位符 5">
-            <a:extLst>
-              <a:ext uri="{FF2B5EF4-FFF2-40B4-BE49-F238E27FC236}">
-                <a16:creationId xmlns:a16="http://schemas.microsoft.com/office/drawing/2014/main" id="{B6CF6112-676F-423B-B455-E3A7425FDF5D}"/>
-              </a:ext>
-            </a:extLst>
-          </p:cNvPr>
+          <p:cNvPr id="6" name="灯片编号占位符 5"/>
           <p:cNvSpPr>
             <a:spLocks noGrp="1"/>
           </p:cNvSpPr>
@@ -1203,18 +1041,12 @@
           <a:p>
             <a:fld id="{781E9586-A3D7-4D0E-AACE-A19758DC024C}" type="slidenum">
               <a:rPr lang="zh-CN" altLang="en-US" smtClean="0"/>
-              <a:t>‹#›</a:t>
             </a:fld>
             <a:endParaRPr lang="zh-CN" altLang="en-US"/>
           </a:p>
         </p:txBody>
       </p:sp>
     </p:spTree>
-    <p:extLst>
-      <p:ext uri="{BB962C8B-B14F-4D97-AF65-F5344CB8AC3E}">
-        <p14:creationId xmlns:p14="http://schemas.microsoft.com/office/powerpoint/2010/main" val="3052193995"/>
-      </p:ext>
-    </p:extLst>
   </p:cSld>
   <p:clrMapOvr>
     <a:masterClrMapping/>
@@ -1241,13 +1073,7 @@
       </p:grpSpPr>
       <p:sp>
         <p:nvSpPr>
-          <p:cNvPr id="2" name="标题 1">
-            <a:extLst>
-              <a:ext uri="{FF2B5EF4-FFF2-40B4-BE49-F238E27FC236}">
-                <a16:creationId xmlns:a16="http://schemas.microsoft.com/office/drawing/2014/main" id="{A36B85F9-0668-47BF-ADA4-A474EEFDC170}"/>
-              </a:ext>
-            </a:extLst>
-          </p:cNvPr>
+          <p:cNvPr id="2" name="标题 1"/>
           <p:cNvSpPr>
             <a:spLocks noGrp="1"/>
           </p:cNvSpPr>
@@ -1264,18 +1090,13 @@
               <a:rPr lang="zh-CN" altLang="en-US"/>
               <a:t>单击此处编辑母版标题样式</a:t>
             </a:r>
-          </a:p>
-        </p:txBody>
-      </p:sp>
-      <p:sp>
-        <p:nvSpPr>
-          <p:cNvPr id="3" name="内容占位符 2">
-            <a:extLst>
-              <a:ext uri="{FF2B5EF4-FFF2-40B4-BE49-F238E27FC236}">
-                <a16:creationId xmlns:a16="http://schemas.microsoft.com/office/drawing/2014/main" id="{762F7DB3-E634-4E50-9558-4FE71E93D76F}"/>
-              </a:ext>
-            </a:extLst>
-          </p:cNvPr>
+            <a:endParaRPr lang="zh-CN" altLang="en-US"/>
+          </a:p>
+        </p:txBody>
+      </p:sp>
+      <p:sp>
+        <p:nvSpPr>
+          <p:cNvPr id="3" name="内容占位符 2"/>
           <p:cNvSpPr>
             <a:spLocks noGrp="1"/>
           </p:cNvSpPr>
@@ -1298,6 +1119,7 @@
               <a:rPr lang="zh-CN" altLang="en-US"/>
               <a:t>单击此处编辑母版文本样式</a:t>
             </a:r>
+            <a:endParaRPr lang="zh-CN" altLang="en-US"/>
           </a:p>
           <a:p>
             <a:pPr lvl="1"/>
@@ -1305,6 +1127,7 @@
               <a:rPr lang="zh-CN" altLang="en-US"/>
               <a:t>二级</a:t>
             </a:r>
+            <a:endParaRPr lang="zh-CN" altLang="en-US"/>
           </a:p>
           <a:p>
             <a:pPr lvl="2"/>
@@ -1312,6 +1135,7 @@
               <a:rPr lang="zh-CN" altLang="en-US"/>
               <a:t>三级</a:t>
             </a:r>
+            <a:endParaRPr lang="zh-CN" altLang="en-US"/>
           </a:p>
           <a:p>
             <a:pPr lvl="3"/>
@@ -1319,6 +1143,7 @@
               <a:rPr lang="zh-CN" altLang="en-US"/>
               <a:t>四级</a:t>
             </a:r>
+            <a:endParaRPr lang="zh-CN" altLang="en-US"/>
           </a:p>
           <a:p>
             <a:pPr lvl="4"/>
@@ -1326,18 +1151,13 @@
               <a:rPr lang="zh-CN" altLang="en-US"/>
               <a:t>五级</a:t>
             </a:r>
-          </a:p>
-        </p:txBody>
-      </p:sp>
-      <p:sp>
-        <p:nvSpPr>
-          <p:cNvPr id="4" name="内容占位符 3">
-            <a:extLst>
-              <a:ext uri="{FF2B5EF4-FFF2-40B4-BE49-F238E27FC236}">
-                <a16:creationId xmlns:a16="http://schemas.microsoft.com/office/drawing/2014/main" id="{635FCF70-F059-4A9D-A705-CCC2979D04EE}"/>
-              </a:ext>
-            </a:extLst>
-          </p:cNvPr>
+            <a:endParaRPr lang="zh-CN" altLang="en-US"/>
+          </a:p>
+        </p:txBody>
+      </p:sp>
+      <p:sp>
+        <p:nvSpPr>
+          <p:cNvPr id="4" name="内容占位符 3"/>
           <p:cNvSpPr>
             <a:spLocks noGrp="1"/>
           </p:cNvSpPr>
@@ -1360,6 +1180,7 @@
               <a:rPr lang="zh-CN" altLang="en-US"/>
               <a:t>单击此处编辑母版文本样式</a:t>
             </a:r>
+            <a:endParaRPr lang="zh-CN" altLang="en-US"/>
           </a:p>
           <a:p>
             <a:pPr lvl="1"/>
@@ -1367,6 +1188,7 @@
               <a:rPr lang="zh-CN" altLang="en-US"/>
               <a:t>二级</a:t>
             </a:r>
+            <a:endParaRPr lang="zh-CN" altLang="en-US"/>
           </a:p>
           <a:p>
             <a:pPr lvl="2"/>
@@ -1374,6 +1196,7 @@
               <a:rPr lang="zh-CN" altLang="en-US"/>
               <a:t>三级</a:t>
             </a:r>
+            <a:endParaRPr lang="zh-CN" altLang="en-US"/>
           </a:p>
           <a:p>
             <a:pPr lvl="3"/>
@@ -1381,6 +1204,7 @@
               <a:rPr lang="zh-CN" altLang="en-US"/>
               <a:t>四级</a:t>
             </a:r>
+            <a:endParaRPr lang="zh-CN" altLang="en-US"/>
           </a:p>
           <a:p>
             <a:pPr lvl="4"/>
@@ -1388,18 +1212,13 @@
               <a:rPr lang="zh-CN" altLang="en-US"/>
               <a:t>五级</a:t>
             </a:r>
-          </a:p>
-        </p:txBody>
-      </p:sp>
-      <p:sp>
-        <p:nvSpPr>
-          <p:cNvPr id="5" name="日期占位符 4">
-            <a:extLst>
-              <a:ext uri="{FF2B5EF4-FFF2-40B4-BE49-F238E27FC236}">
-                <a16:creationId xmlns:a16="http://schemas.microsoft.com/office/drawing/2014/main" id="{FDB6C04B-7377-4F1C-814C-A4E640EA6BEC}"/>
-              </a:ext>
-            </a:extLst>
-          </p:cNvPr>
+            <a:endParaRPr lang="zh-CN" altLang="en-US"/>
+          </a:p>
+        </p:txBody>
+      </p:sp>
+      <p:sp>
+        <p:nvSpPr>
+          <p:cNvPr id="5" name="日期占位符 4"/>
           <p:cNvSpPr>
             <a:spLocks noGrp="1"/>
           </p:cNvSpPr>
@@ -1414,7 +1233,6 @@
           <a:p>
             <a:fld id="{01233CE7-9F99-43B8-8E0A-C2A344A065FA}" type="datetimeFigureOut">
               <a:rPr lang="zh-CN" altLang="en-US" smtClean="0"/>
-              <a:t>2024/3/5</a:t>
             </a:fld>
             <a:endParaRPr lang="zh-CN" altLang="en-US"/>
           </a:p>
@@ -1422,13 +1240,7 @@
       </p:sp>
       <p:sp>
         <p:nvSpPr>
-          <p:cNvPr id="6" name="页脚占位符 5">
-            <a:extLst>
-              <a:ext uri="{FF2B5EF4-FFF2-40B4-BE49-F238E27FC236}">
-                <a16:creationId xmlns:a16="http://schemas.microsoft.com/office/drawing/2014/main" id="{1AED1BCB-D31E-4936-8819-4A27DEADE39D}"/>
-              </a:ext>
-            </a:extLst>
-          </p:cNvPr>
+          <p:cNvPr id="6" name="页脚占位符 5"/>
           <p:cNvSpPr>
             <a:spLocks noGrp="1"/>
           </p:cNvSpPr>
@@ -1447,13 +1259,7 @@
       </p:sp>
       <p:sp>
         <p:nvSpPr>
-          <p:cNvPr id="7" name="灯片编号占位符 6">
-            <a:extLst>
-              <a:ext uri="{FF2B5EF4-FFF2-40B4-BE49-F238E27FC236}">
-                <a16:creationId xmlns:a16="http://schemas.microsoft.com/office/drawing/2014/main" id="{4DBA7CE0-D806-4878-90A8-91D4917A3ED3}"/>
-              </a:ext>
-            </a:extLst>
-          </p:cNvPr>
+          <p:cNvPr id="7" name="灯片编号占位符 6"/>
           <p:cNvSpPr>
             <a:spLocks noGrp="1"/>
           </p:cNvSpPr>
@@ -1468,18 +1274,12 @@
           <a:p>
             <a:fld id="{781E9586-A3D7-4D0E-AACE-A19758DC024C}" type="slidenum">
               <a:rPr lang="zh-CN" altLang="en-US" smtClean="0"/>
-              <a:t>‹#›</a:t>
             </a:fld>
             <a:endParaRPr lang="zh-CN" altLang="en-US"/>
           </a:p>
         </p:txBody>
       </p:sp>
     </p:spTree>
-    <p:extLst>
-      <p:ext uri="{BB962C8B-B14F-4D97-AF65-F5344CB8AC3E}">
-        <p14:creationId xmlns:p14="http://schemas.microsoft.com/office/powerpoint/2010/main" val="2607872806"/>
-      </p:ext>
-    </p:extLst>
   </p:cSld>
   <p:clrMapOvr>
     <a:masterClrMapping/>
@@ -1506,13 +1306,7 @@
       </p:grpSpPr>
       <p:sp>
         <p:nvSpPr>
-          <p:cNvPr id="2" name="标题 1">
-            <a:extLst>
-              <a:ext uri="{FF2B5EF4-FFF2-40B4-BE49-F238E27FC236}">
-                <a16:creationId xmlns:a16="http://schemas.microsoft.com/office/drawing/2014/main" id="{C1B19846-10BF-4F0B-80C8-32D79260E697}"/>
-              </a:ext>
-            </a:extLst>
-          </p:cNvPr>
+          <p:cNvPr id="2" name="标题 1"/>
           <p:cNvSpPr>
             <a:spLocks noGrp="1"/>
           </p:cNvSpPr>
@@ -1534,18 +1328,13 @@
               <a:rPr lang="zh-CN" altLang="en-US"/>
               <a:t>单击此处编辑母版标题样式</a:t>
             </a:r>
-          </a:p>
-        </p:txBody>
-      </p:sp>
-      <p:sp>
-        <p:nvSpPr>
-          <p:cNvPr id="3" name="文本占位符 2">
-            <a:extLst>
-              <a:ext uri="{FF2B5EF4-FFF2-40B4-BE49-F238E27FC236}">
-                <a16:creationId xmlns:a16="http://schemas.microsoft.com/office/drawing/2014/main" id="{CAE50D97-BA71-40BC-BE0F-231BEB90C5EC}"/>
-              </a:ext>
-            </a:extLst>
-          </p:cNvPr>
+            <a:endParaRPr lang="zh-CN" altLang="en-US"/>
+          </a:p>
+        </p:txBody>
+      </p:sp>
+      <p:sp>
+        <p:nvSpPr>
+          <p:cNvPr id="3" name="文本占位符 2"/>
           <p:cNvSpPr>
             <a:spLocks noGrp="1"/>
           </p:cNvSpPr>
@@ -1605,18 +1394,13 @@
               <a:rPr lang="zh-CN" altLang="en-US"/>
               <a:t>单击此处编辑母版文本样式</a:t>
             </a:r>
-          </a:p>
-        </p:txBody>
-      </p:sp>
-      <p:sp>
-        <p:nvSpPr>
-          <p:cNvPr id="4" name="内容占位符 3">
-            <a:extLst>
-              <a:ext uri="{FF2B5EF4-FFF2-40B4-BE49-F238E27FC236}">
-                <a16:creationId xmlns:a16="http://schemas.microsoft.com/office/drawing/2014/main" id="{18FBEADE-EBC8-4DC2-9E73-90FCFA62E003}"/>
-              </a:ext>
-            </a:extLst>
-          </p:cNvPr>
+            <a:endParaRPr lang="zh-CN" altLang="en-US"/>
+          </a:p>
+        </p:txBody>
+      </p:sp>
+      <p:sp>
+        <p:nvSpPr>
+          <p:cNvPr id="4" name="内容占位符 3"/>
           <p:cNvSpPr>
             <a:spLocks noGrp="1"/>
           </p:cNvSpPr>
@@ -1639,6 +1423,7 @@
               <a:rPr lang="zh-CN" altLang="en-US"/>
               <a:t>单击此处编辑母版文本样式</a:t>
             </a:r>
+            <a:endParaRPr lang="zh-CN" altLang="en-US"/>
           </a:p>
           <a:p>
             <a:pPr lvl="1"/>
@@ -1646,6 +1431,7 @@
               <a:rPr lang="zh-CN" altLang="en-US"/>
               <a:t>二级</a:t>
             </a:r>
+            <a:endParaRPr lang="zh-CN" altLang="en-US"/>
           </a:p>
           <a:p>
             <a:pPr lvl="2"/>
@@ -1653,6 +1439,7 @@
               <a:rPr lang="zh-CN" altLang="en-US"/>
               <a:t>三级</a:t>
             </a:r>
+            <a:endParaRPr lang="zh-CN" altLang="en-US"/>
           </a:p>
           <a:p>
             <a:pPr lvl="3"/>
@@ -1660,6 +1447,7 @@
               <a:rPr lang="zh-CN" altLang="en-US"/>
               <a:t>四级</a:t>
             </a:r>
+            <a:endParaRPr lang="zh-CN" altLang="en-US"/>
           </a:p>
           <a:p>
             <a:pPr lvl="4"/>
@@ -1667,18 +1455,13 @@
               <a:rPr lang="zh-CN" altLang="en-US"/>
               <a:t>五级</a:t>
             </a:r>
-          </a:p>
-        </p:txBody>
-      </p:sp>
-      <p:sp>
-        <p:nvSpPr>
-          <p:cNvPr id="5" name="文本占位符 4">
-            <a:extLst>
-              <a:ext uri="{FF2B5EF4-FFF2-40B4-BE49-F238E27FC236}">
-                <a16:creationId xmlns:a16="http://schemas.microsoft.com/office/drawing/2014/main" id="{BB5B44A4-982C-4679-8340-472479311E11}"/>
-              </a:ext>
-            </a:extLst>
-          </p:cNvPr>
+            <a:endParaRPr lang="zh-CN" altLang="en-US"/>
+          </a:p>
+        </p:txBody>
+      </p:sp>
+      <p:sp>
+        <p:nvSpPr>
+          <p:cNvPr id="5" name="文本占位符 4"/>
           <p:cNvSpPr>
             <a:spLocks noGrp="1"/>
           </p:cNvSpPr>
@@ -1738,18 +1521,13 @@
               <a:rPr lang="zh-CN" altLang="en-US"/>
               <a:t>单击此处编辑母版文本样式</a:t>
             </a:r>
-          </a:p>
-        </p:txBody>
-      </p:sp>
-      <p:sp>
-        <p:nvSpPr>
-          <p:cNvPr id="6" name="内容占位符 5">
-            <a:extLst>
-              <a:ext uri="{FF2B5EF4-FFF2-40B4-BE49-F238E27FC236}">
-                <a16:creationId xmlns:a16="http://schemas.microsoft.com/office/drawing/2014/main" id="{D249E4CE-505D-4B82-85D0-50A0F931CA9C}"/>
-              </a:ext>
-            </a:extLst>
-          </p:cNvPr>
+            <a:endParaRPr lang="zh-CN" altLang="en-US"/>
+          </a:p>
+        </p:txBody>
+      </p:sp>
+      <p:sp>
+        <p:nvSpPr>
+          <p:cNvPr id="6" name="内容占位符 5"/>
           <p:cNvSpPr>
             <a:spLocks noGrp="1"/>
           </p:cNvSpPr>
@@ -1772,6 +1550,7 @@
               <a:rPr lang="zh-CN" altLang="en-US"/>
               <a:t>单击此处编辑母版文本样式</a:t>
             </a:r>
+            <a:endParaRPr lang="zh-CN" altLang="en-US"/>
           </a:p>
           <a:p>
             <a:pPr lvl="1"/>
@@ -1779,6 +1558,7 @@
               <a:rPr lang="zh-CN" altLang="en-US"/>
               <a:t>二级</a:t>
             </a:r>
+            <a:endParaRPr lang="zh-CN" altLang="en-US"/>
           </a:p>
           <a:p>
             <a:pPr lvl="2"/>
@@ -1786,6 +1566,7 @@
               <a:rPr lang="zh-CN" altLang="en-US"/>
               <a:t>三级</a:t>
             </a:r>
+            <a:endParaRPr lang="zh-CN" altLang="en-US"/>
           </a:p>
           <a:p>
             <a:pPr lvl="3"/>
@@ -1793,6 +1574,7 @@
               <a:rPr lang="zh-CN" altLang="en-US"/>
               <a:t>四级</a:t>
             </a:r>
+            <a:endParaRPr lang="zh-CN" altLang="en-US"/>
           </a:p>
           <a:p>
             <a:pPr lvl="4"/>
@@ -1800,18 +1582,13 @@
               <a:rPr lang="zh-CN" altLang="en-US"/>
               <a:t>五级</a:t>
             </a:r>
-          </a:p>
-        </p:txBody>
-      </p:sp>
-      <p:sp>
-        <p:nvSpPr>
-          <p:cNvPr id="7" name="日期占位符 6">
-            <a:extLst>
-              <a:ext uri="{FF2B5EF4-FFF2-40B4-BE49-F238E27FC236}">
-                <a16:creationId xmlns:a16="http://schemas.microsoft.com/office/drawing/2014/main" id="{C03EC181-8BB7-422F-9BDA-1697CA62A7D9}"/>
-              </a:ext>
-            </a:extLst>
-          </p:cNvPr>
+            <a:endParaRPr lang="zh-CN" altLang="en-US"/>
+          </a:p>
+        </p:txBody>
+      </p:sp>
+      <p:sp>
+        <p:nvSpPr>
+          <p:cNvPr id="7" name="日期占位符 6"/>
           <p:cNvSpPr>
             <a:spLocks noGrp="1"/>
           </p:cNvSpPr>
@@ -1826,7 +1603,6 @@
           <a:p>
             <a:fld id="{01233CE7-9F99-43B8-8E0A-C2A344A065FA}" type="datetimeFigureOut">
               <a:rPr lang="zh-CN" altLang="en-US" smtClean="0"/>
-              <a:t>2024/3/5</a:t>
             </a:fld>
             <a:endParaRPr lang="zh-CN" altLang="en-US"/>
           </a:p>
@@ -1834,13 +1610,7 @@
       </p:sp>
       <p:sp>
         <p:nvSpPr>
-          <p:cNvPr id="8" name="页脚占位符 7">
-            <a:extLst>
-              <a:ext uri="{FF2B5EF4-FFF2-40B4-BE49-F238E27FC236}">
-                <a16:creationId xmlns:a16="http://schemas.microsoft.com/office/drawing/2014/main" id="{2C26B5A9-F275-4EC2-A683-E1AD84D470B3}"/>
-              </a:ext>
-            </a:extLst>
-          </p:cNvPr>
+          <p:cNvPr id="8" name="页脚占位符 7"/>
           <p:cNvSpPr>
             <a:spLocks noGrp="1"/>
           </p:cNvSpPr>
@@ -1859,13 +1629,7 @@
       </p:sp>
       <p:sp>
         <p:nvSpPr>
-          <p:cNvPr id="9" name="灯片编号占位符 8">
-            <a:extLst>
-              <a:ext uri="{FF2B5EF4-FFF2-40B4-BE49-F238E27FC236}">
-                <a16:creationId xmlns:a16="http://schemas.microsoft.com/office/drawing/2014/main" id="{3D3B8972-E137-4EA6-9312-4FE710B3B9E0}"/>
-              </a:ext>
-            </a:extLst>
-          </p:cNvPr>
+          <p:cNvPr id="9" name="灯片编号占位符 8"/>
           <p:cNvSpPr>
             <a:spLocks noGrp="1"/>
           </p:cNvSpPr>
@@ -1880,18 +1644,12 @@
           <a:p>
             <a:fld id="{781E9586-A3D7-4D0E-AACE-A19758DC024C}" type="slidenum">
               <a:rPr lang="zh-CN" altLang="en-US" smtClean="0"/>
-              <a:t>‹#›</a:t>
             </a:fld>
             <a:endParaRPr lang="zh-CN" altLang="en-US"/>
           </a:p>
         </p:txBody>
       </p:sp>
     </p:spTree>
-    <p:extLst>
-      <p:ext uri="{BB962C8B-B14F-4D97-AF65-F5344CB8AC3E}">
-        <p14:creationId xmlns:p14="http://schemas.microsoft.com/office/powerpoint/2010/main" val="219063505"/>
-      </p:ext>
-    </p:extLst>
   </p:cSld>
   <p:clrMapOvr>
     <a:masterClrMapping/>
@@ -1918,13 +1676,7 @@
       </p:grpSpPr>
       <p:sp>
         <p:nvSpPr>
-          <p:cNvPr id="2" name="标题 1">
-            <a:extLst>
-              <a:ext uri="{FF2B5EF4-FFF2-40B4-BE49-F238E27FC236}">
-                <a16:creationId xmlns:a16="http://schemas.microsoft.com/office/drawing/2014/main" id="{9078ED34-EF5D-4FE0-9C66-28A59DB76A4F}"/>
-              </a:ext>
-            </a:extLst>
-          </p:cNvPr>
+          <p:cNvPr id="2" name="标题 1"/>
           <p:cNvSpPr>
             <a:spLocks noGrp="1"/>
           </p:cNvSpPr>
@@ -1941,18 +1693,13 @@
               <a:rPr lang="zh-CN" altLang="en-US"/>
               <a:t>单击此处编辑母版标题样式</a:t>
             </a:r>
-          </a:p>
-        </p:txBody>
-      </p:sp>
-      <p:sp>
-        <p:nvSpPr>
-          <p:cNvPr id="3" name="日期占位符 2">
-            <a:extLst>
-              <a:ext uri="{FF2B5EF4-FFF2-40B4-BE49-F238E27FC236}">
-                <a16:creationId xmlns:a16="http://schemas.microsoft.com/office/drawing/2014/main" id="{7D02208F-BC29-4B21-9173-2DBC57A2CCE0}"/>
-              </a:ext>
-            </a:extLst>
-          </p:cNvPr>
+            <a:endParaRPr lang="zh-CN" altLang="en-US"/>
+          </a:p>
+        </p:txBody>
+      </p:sp>
+      <p:sp>
+        <p:nvSpPr>
+          <p:cNvPr id="3" name="日期占位符 2"/>
           <p:cNvSpPr>
             <a:spLocks noGrp="1"/>
           </p:cNvSpPr>
@@ -1967,7 +1714,6 @@
           <a:p>
             <a:fld id="{01233CE7-9F99-43B8-8E0A-C2A344A065FA}" type="datetimeFigureOut">
               <a:rPr lang="zh-CN" altLang="en-US" smtClean="0"/>
-              <a:t>2024/3/5</a:t>
             </a:fld>
             <a:endParaRPr lang="zh-CN" altLang="en-US"/>
           </a:p>
@@ -1975,13 +1721,7 @@
       </p:sp>
       <p:sp>
         <p:nvSpPr>
-          <p:cNvPr id="4" name="页脚占位符 3">
-            <a:extLst>
-              <a:ext uri="{FF2B5EF4-FFF2-40B4-BE49-F238E27FC236}">
-                <a16:creationId xmlns:a16="http://schemas.microsoft.com/office/drawing/2014/main" id="{3C4CC3EB-3EEF-4C77-80B5-D8E0A24ADE2A}"/>
-              </a:ext>
-            </a:extLst>
-          </p:cNvPr>
+          <p:cNvPr id="4" name="页脚占位符 3"/>
           <p:cNvSpPr>
             <a:spLocks noGrp="1"/>
           </p:cNvSpPr>
@@ -2000,13 +1740,7 @@
       </p:sp>
       <p:sp>
         <p:nvSpPr>
-          <p:cNvPr id="5" name="灯片编号占位符 4">
-            <a:extLst>
-              <a:ext uri="{FF2B5EF4-FFF2-40B4-BE49-F238E27FC236}">
-                <a16:creationId xmlns:a16="http://schemas.microsoft.com/office/drawing/2014/main" id="{5DD4356F-78A2-49A3-B816-18181D82CE95}"/>
-              </a:ext>
-            </a:extLst>
-          </p:cNvPr>
+          <p:cNvPr id="5" name="灯片编号占位符 4"/>
           <p:cNvSpPr>
             <a:spLocks noGrp="1"/>
           </p:cNvSpPr>
@@ -2021,18 +1755,12 @@
           <a:p>
             <a:fld id="{781E9586-A3D7-4D0E-AACE-A19758DC024C}" type="slidenum">
               <a:rPr lang="zh-CN" altLang="en-US" smtClean="0"/>
-              <a:t>‹#›</a:t>
             </a:fld>
             <a:endParaRPr lang="zh-CN" altLang="en-US"/>
           </a:p>
         </p:txBody>
       </p:sp>
     </p:spTree>
-    <p:extLst>
-      <p:ext uri="{BB962C8B-B14F-4D97-AF65-F5344CB8AC3E}">
-        <p14:creationId xmlns:p14="http://schemas.microsoft.com/office/powerpoint/2010/main" val="195107967"/>
-      </p:ext>
-    </p:extLst>
   </p:cSld>
   <p:clrMapOvr>
     <a:masterClrMapping/>
@@ -2059,13 +1787,7 @@
       </p:grpSpPr>
       <p:sp>
         <p:nvSpPr>
-          <p:cNvPr id="2" name="日期占位符 1">
-            <a:extLst>
-              <a:ext uri="{FF2B5EF4-FFF2-40B4-BE49-F238E27FC236}">
-                <a16:creationId xmlns:a16="http://schemas.microsoft.com/office/drawing/2014/main" id="{6D633924-161F-4471-BEB4-8A3FE7BCF9D4}"/>
-              </a:ext>
-            </a:extLst>
-          </p:cNvPr>
+          <p:cNvPr id="2" name="日期占位符 1"/>
           <p:cNvSpPr>
             <a:spLocks noGrp="1"/>
           </p:cNvSpPr>
@@ -2080,7 +1802,6 @@
           <a:p>
             <a:fld id="{01233CE7-9F99-43B8-8E0A-C2A344A065FA}" type="datetimeFigureOut">
               <a:rPr lang="zh-CN" altLang="en-US" smtClean="0"/>
-              <a:t>2024/3/5</a:t>
             </a:fld>
             <a:endParaRPr lang="zh-CN" altLang="en-US"/>
           </a:p>
@@ -2088,13 +1809,7 @@
       </p:sp>
       <p:sp>
         <p:nvSpPr>
-          <p:cNvPr id="3" name="页脚占位符 2">
-            <a:extLst>
-              <a:ext uri="{FF2B5EF4-FFF2-40B4-BE49-F238E27FC236}">
-                <a16:creationId xmlns:a16="http://schemas.microsoft.com/office/drawing/2014/main" id="{FEE45CAB-0E6F-458B-A8E2-F397976E863F}"/>
-              </a:ext>
-            </a:extLst>
-          </p:cNvPr>
+          <p:cNvPr id="3" name="页脚占位符 2"/>
           <p:cNvSpPr>
             <a:spLocks noGrp="1"/>
           </p:cNvSpPr>
@@ -2113,13 +1828,7 @@
       </p:sp>
       <p:sp>
         <p:nvSpPr>
-          <p:cNvPr id="4" name="灯片编号占位符 3">
-            <a:extLst>
-              <a:ext uri="{FF2B5EF4-FFF2-40B4-BE49-F238E27FC236}">
-                <a16:creationId xmlns:a16="http://schemas.microsoft.com/office/drawing/2014/main" id="{82DAE4C9-1144-4D12-8817-711A3B9D44E4}"/>
-              </a:ext>
-            </a:extLst>
-          </p:cNvPr>
+          <p:cNvPr id="4" name="灯片编号占位符 3"/>
           <p:cNvSpPr>
             <a:spLocks noGrp="1"/>
           </p:cNvSpPr>
@@ -2134,18 +1843,12 @@
           <a:p>
             <a:fld id="{781E9586-A3D7-4D0E-AACE-A19758DC024C}" type="slidenum">
               <a:rPr lang="zh-CN" altLang="en-US" smtClean="0"/>
-              <a:t>‹#›</a:t>
             </a:fld>
             <a:endParaRPr lang="zh-CN" altLang="en-US"/>
           </a:p>
         </p:txBody>
       </p:sp>
     </p:spTree>
-    <p:extLst>
-      <p:ext uri="{BB962C8B-B14F-4D97-AF65-F5344CB8AC3E}">
-        <p14:creationId xmlns:p14="http://schemas.microsoft.com/office/powerpoint/2010/main" val="683087608"/>
-      </p:ext>
-    </p:extLst>
   </p:cSld>
   <p:clrMapOvr>
     <a:masterClrMapping/>
@@ -2172,13 +1875,7 @@
       </p:grpSpPr>
       <p:sp>
         <p:nvSpPr>
-          <p:cNvPr id="2" name="标题 1">
-            <a:extLst>
-              <a:ext uri="{FF2B5EF4-FFF2-40B4-BE49-F238E27FC236}">
-                <a16:creationId xmlns:a16="http://schemas.microsoft.com/office/drawing/2014/main" id="{6B76684E-8464-43A9-80E5-A604991DA1E1}"/>
-              </a:ext>
-            </a:extLst>
-          </p:cNvPr>
+          <p:cNvPr id="2" name="标题 1"/>
           <p:cNvSpPr>
             <a:spLocks noGrp="1"/>
           </p:cNvSpPr>
@@ -2204,18 +1901,13 @@
               <a:rPr lang="zh-CN" altLang="en-US"/>
               <a:t>单击此处编辑母版标题样式</a:t>
             </a:r>
-          </a:p>
-        </p:txBody>
-      </p:sp>
-      <p:sp>
-        <p:nvSpPr>
-          <p:cNvPr id="3" name="内容占位符 2">
-            <a:extLst>
-              <a:ext uri="{FF2B5EF4-FFF2-40B4-BE49-F238E27FC236}">
-                <a16:creationId xmlns:a16="http://schemas.microsoft.com/office/drawing/2014/main" id="{D2484157-6942-4449-84C6-3EA587D5BDC2}"/>
-              </a:ext>
-            </a:extLst>
-          </p:cNvPr>
+            <a:endParaRPr lang="zh-CN" altLang="en-US"/>
+          </a:p>
+        </p:txBody>
+      </p:sp>
+      <p:sp>
+        <p:nvSpPr>
+          <p:cNvPr id="3" name="内容占位符 2"/>
           <p:cNvSpPr>
             <a:spLocks noGrp="1"/>
           </p:cNvSpPr>
@@ -2266,6 +1958,7 @@
               <a:rPr lang="zh-CN" altLang="en-US"/>
               <a:t>单击此处编辑母版文本样式</a:t>
             </a:r>
+            <a:endParaRPr lang="zh-CN" altLang="en-US"/>
           </a:p>
           <a:p>
             <a:pPr lvl="1"/>
@@ -2273,6 +1966,7 @@
               <a:rPr lang="zh-CN" altLang="en-US"/>
               <a:t>二级</a:t>
             </a:r>
+            <a:endParaRPr lang="zh-CN" altLang="en-US"/>
           </a:p>
           <a:p>
             <a:pPr lvl="2"/>
@@ -2280,6 +1974,7 @@
               <a:rPr lang="zh-CN" altLang="en-US"/>
               <a:t>三级</a:t>
             </a:r>
+            <a:endParaRPr lang="zh-CN" altLang="en-US"/>
           </a:p>
           <a:p>
             <a:pPr lvl="3"/>
@@ -2287,6 +1982,7 @@
               <a:rPr lang="zh-CN" altLang="en-US"/>
               <a:t>四级</a:t>
             </a:r>
+            <a:endParaRPr lang="zh-CN" altLang="en-US"/>
           </a:p>
           <a:p>
             <a:pPr lvl="4"/>
@@ -2294,18 +1990,13 @@
               <a:rPr lang="zh-CN" altLang="en-US"/>
               <a:t>五级</a:t>
             </a:r>
-          </a:p>
-        </p:txBody>
-      </p:sp>
-      <p:sp>
-        <p:nvSpPr>
-          <p:cNvPr id="4" name="文本占位符 3">
-            <a:extLst>
-              <a:ext uri="{FF2B5EF4-FFF2-40B4-BE49-F238E27FC236}">
-                <a16:creationId xmlns:a16="http://schemas.microsoft.com/office/drawing/2014/main" id="{CB9033BF-7E82-4216-AFFE-2D6821B8D3E8}"/>
-              </a:ext>
-            </a:extLst>
-          </p:cNvPr>
+            <a:endParaRPr lang="zh-CN" altLang="en-US"/>
+          </a:p>
+        </p:txBody>
+      </p:sp>
+      <p:sp>
+        <p:nvSpPr>
+          <p:cNvPr id="4" name="文本占位符 3"/>
           <p:cNvSpPr>
             <a:spLocks noGrp="1"/>
           </p:cNvSpPr>
@@ -2365,18 +2056,13 @@
               <a:rPr lang="zh-CN" altLang="en-US"/>
               <a:t>单击此处编辑母版文本样式</a:t>
             </a:r>
-          </a:p>
-        </p:txBody>
-      </p:sp>
-      <p:sp>
-        <p:nvSpPr>
-          <p:cNvPr id="5" name="日期占位符 4">
-            <a:extLst>
-              <a:ext uri="{FF2B5EF4-FFF2-40B4-BE49-F238E27FC236}">
-                <a16:creationId xmlns:a16="http://schemas.microsoft.com/office/drawing/2014/main" id="{CAC56D1D-1714-4D96-99E3-DE13CCCDA8D3}"/>
-              </a:ext>
-            </a:extLst>
-          </p:cNvPr>
+            <a:endParaRPr lang="zh-CN" altLang="en-US"/>
+          </a:p>
+        </p:txBody>
+      </p:sp>
+      <p:sp>
+        <p:nvSpPr>
+          <p:cNvPr id="5" name="日期占位符 4"/>
           <p:cNvSpPr>
             <a:spLocks noGrp="1"/>
           </p:cNvSpPr>
@@ -2391,7 +2077,6 @@
           <a:p>
             <a:fld id="{01233CE7-9F99-43B8-8E0A-C2A344A065FA}" type="datetimeFigureOut">
               <a:rPr lang="zh-CN" altLang="en-US" smtClean="0"/>
-              <a:t>2024/3/5</a:t>
             </a:fld>
             <a:endParaRPr lang="zh-CN" altLang="en-US"/>
           </a:p>
@@ -2399,13 +2084,7 @@
       </p:sp>
       <p:sp>
         <p:nvSpPr>
-          <p:cNvPr id="6" name="页脚占位符 5">
-            <a:extLst>
-              <a:ext uri="{FF2B5EF4-FFF2-40B4-BE49-F238E27FC236}">
-                <a16:creationId xmlns:a16="http://schemas.microsoft.com/office/drawing/2014/main" id="{7F0ED7F5-87DA-44C9-9EEA-AFF628DFB450}"/>
-              </a:ext>
-            </a:extLst>
-          </p:cNvPr>
+          <p:cNvPr id="6" name="页脚占位符 5"/>
           <p:cNvSpPr>
             <a:spLocks noGrp="1"/>
           </p:cNvSpPr>
@@ -2424,13 +2103,7 @@
       </p:sp>
       <p:sp>
         <p:nvSpPr>
-          <p:cNvPr id="7" name="灯片编号占位符 6">
-            <a:extLst>
-              <a:ext uri="{FF2B5EF4-FFF2-40B4-BE49-F238E27FC236}">
-                <a16:creationId xmlns:a16="http://schemas.microsoft.com/office/drawing/2014/main" id="{DFA66A98-B7C6-4297-BFE8-0812EE872458}"/>
-              </a:ext>
-            </a:extLst>
-          </p:cNvPr>
+          <p:cNvPr id="7" name="灯片编号占位符 6"/>
           <p:cNvSpPr>
             <a:spLocks noGrp="1"/>
           </p:cNvSpPr>
@@ -2445,18 +2118,12 @@
           <a:p>
             <a:fld id="{781E9586-A3D7-4D0E-AACE-A19758DC024C}" type="slidenum">
               <a:rPr lang="zh-CN" altLang="en-US" smtClean="0"/>
-              <a:t>‹#›</a:t>
             </a:fld>
             <a:endParaRPr lang="zh-CN" altLang="en-US"/>
           </a:p>
         </p:txBody>
       </p:sp>
     </p:spTree>
-    <p:extLst>
-      <p:ext uri="{BB962C8B-B14F-4D97-AF65-F5344CB8AC3E}">
-        <p14:creationId xmlns:p14="http://schemas.microsoft.com/office/powerpoint/2010/main" val="4252388274"/>
-      </p:ext>
-    </p:extLst>
   </p:cSld>
   <p:clrMapOvr>
     <a:masterClrMapping/>
@@ -2483,13 +2150,7 @@
       </p:grpSpPr>
       <p:sp>
         <p:nvSpPr>
-          <p:cNvPr id="2" name="标题 1">
-            <a:extLst>
-              <a:ext uri="{FF2B5EF4-FFF2-40B4-BE49-F238E27FC236}">
-                <a16:creationId xmlns:a16="http://schemas.microsoft.com/office/drawing/2014/main" id="{28B97DC1-5321-4ECA-A4D1-0A5E972DEAB2}"/>
-              </a:ext>
-            </a:extLst>
-          </p:cNvPr>
+          <p:cNvPr id="2" name="标题 1"/>
           <p:cNvSpPr>
             <a:spLocks noGrp="1"/>
           </p:cNvSpPr>
@@ -2515,18 +2176,13 @@
               <a:rPr lang="zh-CN" altLang="en-US"/>
               <a:t>单击此处编辑母版标题样式</a:t>
             </a:r>
-          </a:p>
-        </p:txBody>
-      </p:sp>
-      <p:sp>
-        <p:nvSpPr>
-          <p:cNvPr id="3" name="图片占位符 2">
-            <a:extLst>
-              <a:ext uri="{FF2B5EF4-FFF2-40B4-BE49-F238E27FC236}">
-                <a16:creationId xmlns:a16="http://schemas.microsoft.com/office/drawing/2014/main" id="{9E369E0A-1E30-466C-88C3-F0781E4E813D}"/>
-              </a:ext>
-            </a:extLst>
-          </p:cNvPr>
+            <a:endParaRPr lang="zh-CN" altLang="en-US"/>
+          </a:p>
+        </p:txBody>
+      </p:sp>
+      <p:sp>
+        <p:nvSpPr>
+          <p:cNvPr id="3" name="图片占位符 2"/>
           <p:cNvSpPr>
             <a:spLocks noGrp="1"/>
           </p:cNvSpPr>
@@ -2587,13 +2243,7 @@
       </p:sp>
       <p:sp>
         <p:nvSpPr>
-          <p:cNvPr id="4" name="文本占位符 3">
-            <a:extLst>
-              <a:ext uri="{FF2B5EF4-FFF2-40B4-BE49-F238E27FC236}">
-                <a16:creationId xmlns:a16="http://schemas.microsoft.com/office/drawing/2014/main" id="{577BF7CF-036D-4BB3-B8D9-E8D3FD3FE974}"/>
-              </a:ext>
-            </a:extLst>
-          </p:cNvPr>
+          <p:cNvPr id="4" name="文本占位符 3"/>
           <p:cNvSpPr>
             <a:spLocks noGrp="1"/>
           </p:cNvSpPr>
@@ -2653,18 +2303,13 @@
               <a:rPr lang="zh-CN" altLang="en-US"/>
               <a:t>单击此处编辑母版文本样式</a:t>
             </a:r>
-          </a:p>
-        </p:txBody>
-      </p:sp>
-      <p:sp>
-        <p:nvSpPr>
-          <p:cNvPr id="5" name="日期占位符 4">
-            <a:extLst>
-              <a:ext uri="{FF2B5EF4-FFF2-40B4-BE49-F238E27FC236}">
-                <a16:creationId xmlns:a16="http://schemas.microsoft.com/office/drawing/2014/main" id="{3CAA4F67-A50D-4D57-AFD5-74D51A631296}"/>
-              </a:ext>
-            </a:extLst>
-          </p:cNvPr>
+            <a:endParaRPr lang="zh-CN" altLang="en-US"/>
+          </a:p>
+        </p:txBody>
+      </p:sp>
+      <p:sp>
+        <p:nvSpPr>
+          <p:cNvPr id="5" name="日期占位符 4"/>
           <p:cNvSpPr>
             <a:spLocks noGrp="1"/>
           </p:cNvSpPr>
@@ -2679,7 +2324,6 @@
           <a:p>
             <a:fld id="{01233CE7-9F99-43B8-8E0A-C2A344A065FA}" type="datetimeFigureOut">
               <a:rPr lang="zh-CN" altLang="en-US" smtClean="0"/>
-              <a:t>2024/3/5</a:t>
             </a:fld>
             <a:endParaRPr lang="zh-CN" altLang="en-US"/>
           </a:p>
@@ -2687,13 +2331,7 @@
       </p:sp>
       <p:sp>
         <p:nvSpPr>
-          <p:cNvPr id="6" name="页脚占位符 5">
-            <a:extLst>
-              <a:ext uri="{FF2B5EF4-FFF2-40B4-BE49-F238E27FC236}">
-                <a16:creationId xmlns:a16="http://schemas.microsoft.com/office/drawing/2014/main" id="{D7E390AC-C4AE-4EAC-9123-C7DB07C5A38B}"/>
-              </a:ext>
-            </a:extLst>
-          </p:cNvPr>
+          <p:cNvPr id="6" name="页脚占位符 5"/>
           <p:cNvSpPr>
             <a:spLocks noGrp="1"/>
           </p:cNvSpPr>
@@ -2712,13 +2350,7 @@
       </p:sp>
       <p:sp>
         <p:nvSpPr>
-          <p:cNvPr id="7" name="灯片编号占位符 6">
-            <a:extLst>
-              <a:ext uri="{FF2B5EF4-FFF2-40B4-BE49-F238E27FC236}">
-                <a16:creationId xmlns:a16="http://schemas.microsoft.com/office/drawing/2014/main" id="{5D6A9337-E3ED-4B8B-92BB-1DECA96D2DEB}"/>
-              </a:ext>
-            </a:extLst>
-          </p:cNvPr>
+          <p:cNvPr id="7" name="灯片编号占位符 6"/>
           <p:cNvSpPr>
             <a:spLocks noGrp="1"/>
           </p:cNvSpPr>
@@ -2733,18 +2365,12 @@
           <a:p>
             <a:fld id="{781E9586-A3D7-4D0E-AACE-A19758DC024C}" type="slidenum">
               <a:rPr lang="zh-CN" altLang="en-US" smtClean="0"/>
-              <a:t>‹#›</a:t>
             </a:fld>
             <a:endParaRPr lang="zh-CN" altLang="en-US"/>
           </a:p>
         </p:txBody>
       </p:sp>
     </p:spTree>
-    <p:extLst>
-      <p:ext uri="{BB962C8B-B14F-4D97-AF65-F5344CB8AC3E}">
-        <p14:creationId xmlns:p14="http://schemas.microsoft.com/office/powerpoint/2010/main" val="316192556"/>
-      </p:ext>
-    </p:extLst>
   </p:cSld>
   <p:clrMapOvr>
     <a:masterClrMapping/>
@@ -2776,13 +2402,7 @@
       </p:grpSpPr>
       <p:sp>
         <p:nvSpPr>
-          <p:cNvPr id="2" name="标题占位符 1">
-            <a:extLst>
-              <a:ext uri="{FF2B5EF4-FFF2-40B4-BE49-F238E27FC236}">
-                <a16:creationId xmlns:a16="http://schemas.microsoft.com/office/drawing/2014/main" id="{44FA8D1E-EB4B-4B6C-AD92-81CEB8F5BB17}"/>
-              </a:ext>
-            </a:extLst>
-          </p:cNvPr>
+          <p:cNvPr id="2" name="标题占位符 1"/>
           <p:cNvSpPr>
             <a:spLocks noGrp="1"/>
           </p:cNvSpPr>
@@ -2809,18 +2429,13 @@
               <a:rPr lang="zh-CN" altLang="en-US"/>
               <a:t>单击此处编辑母版标题样式</a:t>
             </a:r>
-          </a:p>
-        </p:txBody>
-      </p:sp>
-      <p:sp>
-        <p:nvSpPr>
-          <p:cNvPr id="3" name="文本占位符 2">
-            <a:extLst>
-              <a:ext uri="{FF2B5EF4-FFF2-40B4-BE49-F238E27FC236}">
-                <a16:creationId xmlns:a16="http://schemas.microsoft.com/office/drawing/2014/main" id="{ECDB044B-1DF5-4BDB-8EA5-97360727D3F7}"/>
-              </a:ext>
-            </a:extLst>
-          </p:cNvPr>
+            <a:endParaRPr lang="zh-CN" altLang="en-US"/>
+          </a:p>
+        </p:txBody>
+      </p:sp>
+      <p:sp>
+        <p:nvSpPr>
+          <p:cNvPr id="3" name="文本占位符 2"/>
           <p:cNvSpPr>
             <a:spLocks noGrp="1"/>
           </p:cNvSpPr>
@@ -2848,6 +2463,7 @@
               <a:rPr lang="zh-CN" altLang="en-US"/>
               <a:t>单击此处编辑母版文本样式</a:t>
             </a:r>
+            <a:endParaRPr lang="zh-CN" altLang="en-US"/>
           </a:p>
           <a:p>
             <a:pPr lvl="1"/>
@@ -2855,6 +2471,7 @@
               <a:rPr lang="zh-CN" altLang="en-US"/>
               <a:t>二级</a:t>
             </a:r>
+            <a:endParaRPr lang="zh-CN" altLang="en-US"/>
           </a:p>
           <a:p>
             <a:pPr lvl="2"/>
@@ -2862,6 +2479,7 @@
               <a:rPr lang="zh-CN" altLang="en-US"/>
               <a:t>三级</a:t>
             </a:r>
+            <a:endParaRPr lang="zh-CN" altLang="en-US"/>
           </a:p>
           <a:p>
             <a:pPr lvl="3"/>
@@ -2869,6 +2487,7 @@
               <a:rPr lang="zh-CN" altLang="en-US"/>
               <a:t>四级</a:t>
             </a:r>
+            <a:endParaRPr lang="zh-CN" altLang="en-US"/>
           </a:p>
           <a:p>
             <a:pPr lvl="4"/>
@@ -2876,18 +2495,13 @@
               <a:rPr lang="zh-CN" altLang="en-US"/>
               <a:t>五级</a:t>
             </a:r>
-          </a:p>
-        </p:txBody>
-      </p:sp>
-      <p:sp>
-        <p:nvSpPr>
-          <p:cNvPr id="4" name="日期占位符 3">
-            <a:extLst>
-              <a:ext uri="{FF2B5EF4-FFF2-40B4-BE49-F238E27FC236}">
-                <a16:creationId xmlns:a16="http://schemas.microsoft.com/office/drawing/2014/main" id="{FD16A7BF-6FB0-4B2B-9AC7-0A516AAC0998}"/>
-              </a:ext>
-            </a:extLst>
-          </p:cNvPr>
+            <a:endParaRPr lang="zh-CN" altLang="en-US"/>
+          </a:p>
+        </p:txBody>
+      </p:sp>
+      <p:sp>
+        <p:nvSpPr>
+          <p:cNvPr id="4" name="日期占位符 3"/>
           <p:cNvSpPr>
             <a:spLocks noGrp="1"/>
           </p:cNvSpPr>
@@ -2920,7 +2534,6 @@
           <a:p>
             <a:fld id="{01233CE7-9F99-43B8-8E0A-C2A344A065FA}" type="datetimeFigureOut">
               <a:rPr lang="zh-CN" altLang="en-US" smtClean="0"/>
-              <a:t>2024/3/5</a:t>
             </a:fld>
             <a:endParaRPr lang="zh-CN" altLang="en-US"/>
           </a:p>
@@ -2928,13 +2541,7 @@
       </p:sp>
       <p:sp>
         <p:nvSpPr>
-          <p:cNvPr id="5" name="页脚占位符 4">
-            <a:extLst>
-              <a:ext uri="{FF2B5EF4-FFF2-40B4-BE49-F238E27FC236}">
-                <a16:creationId xmlns:a16="http://schemas.microsoft.com/office/drawing/2014/main" id="{7EB0BB97-7FB2-47E2-9AD3-D032036E5E80}"/>
-              </a:ext>
-            </a:extLst>
-          </p:cNvPr>
+          <p:cNvPr id="5" name="页脚占位符 4"/>
           <p:cNvSpPr>
             <a:spLocks noGrp="1"/>
           </p:cNvSpPr>
@@ -2971,13 +2578,7 @@
       </p:sp>
       <p:sp>
         <p:nvSpPr>
-          <p:cNvPr id="6" name="灯片编号占位符 5">
-            <a:extLst>
-              <a:ext uri="{FF2B5EF4-FFF2-40B4-BE49-F238E27FC236}">
-                <a16:creationId xmlns:a16="http://schemas.microsoft.com/office/drawing/2014/main" id="{9A81B17D-86A9-4921-80C3-C8BAB9E77360}"/>
-              </a:ext>
-            </a:extLst>
-          </p:cNvPr>
+          <p:cNvPr id="6" name="灯片编号占位符 5"/>
           <p:cNvSpPr>
             <a:spLocks noGrp="1"/>
           </p:cNvSpPr>
@@ -3010,18 +2611,12 @@
           <a:p>
             <a:fld id="{781E9586-A3D7-4D0E-AACE-A19758DC024C}" type="slidenum">
               <a:rPr lang="zh-CN" altLang="en-US" smtClean="0"/>
-              <a:t>‹#›</a:t>
             </a:fld>
             <a:endParaRPr lang="zh-CN" altLang="en-US"/>
           </a:p>
         </p:txBody>
       </p:sp>
     </p:spTree>
-    <p:extLst>
-      <p:ext uri="{BB962C8B-B14F-4D97-AF65-F5344CB8AC3E}">
-        <p14:creationId xmlns:p14="http://schemas.microsoft.com/office/powerpoint/2010/main" val="2033946918"/>
-      </p:ext>
-    </p:extLst>
   </p:cSld>
   <p:clrMap bg1="lt1" tx1="dk1" bg2="lt2" tx2="dk2" accent1="accent1" accent2="accent2" accent3="accent3" accent4="accent4" accent5="accent5" accent6="accent6" hlink="hlink" folHlink="folHlink"/>
   <p:sldLayoutIdLst>
@@ -3065,7 +2660,7 @@
         <a:spcBef>
           <a:spcPts val="1000"/>
         </a:spcBef>
-        <a:buFont typeface="Arial" panose="020B0604020202020204" pitchFamily="34" charset="0"/>
+        <a:buFont typeface="Arial" panose="020B0604020202090204" pitchFamily="34" charset="0"/>
         <a:buChar char="•"/>
         <a:defRPr sz="2800" kern="1200">
           <a:solidFill>
@@ -3083,7 +2678,7 @@
         <a:spcBef>
           <a:spcPts val="500"/>
         </a:spcBef>
-        <a:buFont typeface="Arial" panose="020B0604020202020204" pitchFamily="34" charset="0"/>
+        <a:buFont typeface="Arial" panose="020B0604020202090204" pitchFamily="34" charset="0"/>
         <a:buChar char="•"/>
         <a:defRPr sz="2400" kern="1200">
           <a:solidFill>
@@ -3101,7 +2696,7 @@
         <a:spcBef>
           <a:spcPts val="500"/>
         </a:spcBef>
-        <a:buFont typeface="Arial" panose="020B0604020202020204" pitchFamily="34" charset="0"/>
+        <a:buFont typeface="Arial" panose="020B0604020202090204" pitchFamily="34" charset="0"/>
         <a:buChar char="•"/>
         <a:defRPr sz="2000" kern="1200">
           <a:solidFill>
@@ -3119,7 +2714,7 @@
         <a:spcBef>
           <a:spcPts val="500"/>
         </a:spcBef>
-        <a:buFont typeface="Arial" panose="020B0604020202020204" pitchFamily="34" charset="0"/>
+        <a:buFont typeface="Arial" panose="020B0604020202090204" pitchFamily="34" charset="0"/>
         <a:buChar char="•"/>
         <a:defRPr sz="1800" kern="1200">
           <a:solidFill>
@@ -3137,7 +2732,7 @@
         <a:spcBef>
           <a:spcPts val="500"/>
         </a:spcBef>
-        <a:buFont typeface="Arial" panose="020B0604020202020204" pitchFamily="34" charset="0"/>
+        <a:buFont typeface="Arial" panose="020B0604020202090204" pitchFamily="34" charset="0"/>
         <a:buChar char="•"/>
         <a:defRPr sz="1800" kern="1200">
           <a:solidFill>
@@ -3155,7 +2750,7 @@
         <a:spcBef>
           <a:spcPts val="500"/>
         </a:spcBef>
-        <a:buFont typeface="Arial" panose="020B0604020202020204" pitchFamily="34" charset="0"/>
+        <a:buFont typeface="Arial" panose="020B0604020202090204" pitchFamily="34" charset="0"/>
         <a:buChar char="•"/>
         <a:defRPr sz="1800" kern="1200">
           <a:solidFill>
@@ -3173,7 +2768,7 @@
         <a:spcBef>
           <a:spcPts val="500"/>
         </a:spcBef>
-        <a:buFont typeface="Arial" panose="020B0604020202020204" pitchFamily="34" charset="0"/>
+        <a:buFont typeface="Arial" panose="020B0604020202090204" pitchFamily="34" charset="0"/>
         <a:buChar char="•"/>
         <a:defRPr sz="1800" kern="1200">
           <a:solidFill>
@@ -3191,7 +2786,7 @@
         <a:spcBef>
           <a:spcPts val="500"/>
         </a:spcBef>
-        <a:buFont typeface="Arial" panose="020B0604020202020204" pitchFamily="34" charset="0"/>
+        <a:buFont typeface="Arial" panose="020B0604020202090204" pitchFamily="34" charset="0"/>
         <a:buChar char="•"/>
         <a:defRPr sz="1800" kern="1200">
           <a:solidFill>
@@ -3209,7 +2804,7 @@
         <a:spcBef>
           <a:spcPts val="500"/>
         </a:spcBef>
-        <a:buFont typeface="Arial" panose="020B0604020202020204" pitchFamily="34" charset="0"/>
+        <a:buFont typeface="Arial" panose="020B0604020202090204" pitchFamily="34" charset="0"/>
         <a:buChar char="•"/>
         <a:defRPr sz="1800" kern="1200">
           <a:solidFill>
@@ -3339,13 +2934,7 @@
       </p:grpSpPr>
       <p:sp>
         <p:nvSpPr>
-          <p:cNvPr id="2" name="标题 1">
-            <a:extLst>
-              <a:ext uri="{FF2B5EF4-FFF2-40B4-BE49-F238E27FC236}">
-                <a16:creationId xmlns:a16="http://schemas.microsoft.com/office/drawing/2014/main" id="{C4FE3A27-EE01-4DB5-91F9-07B19EBFAE2A}"/>
-              </a:ext>
-            </a:extLst>
-          </p:cNvPr>
+          <p:cNvPr id="2" name="标题 1"/>
           <p:cNvSpPr>
             <a:spLocks noGrp="1"/>
           </p:cNvSpPr>
@@ -3364,13 +2953,7 @@
       </p:sp>
       <p:sp>
         <p:nvSpPr>
-          <p:cNvPr id="3" name="副标题 2">
-            <a:extLst>
-              <a:ext uri="{FF2B5EF4-FFF2-40B4-BE49-F238E27FC236}">
-                <a16:creationId xmlns:a16="http://schemas.microsoft.com/office/drawing/2014/main" id="{46E9D525-9CA4-4EA5-BEF1-225892F5BCB6}"/>
-              </a:ext>
-            </a:extLst>
-          </p:cNvPr>
+          <p:cNvPr id="3" name="副标题 2"/>
           <p:cNvSpPr>
             <a:spLocks noGrp="1"/>
           </p:cNvSpPr>
@@ -3388,11 +2971,6 @@
         </p:txBody>
       </p:sp>
     </p:spTree>
-    <p:extLst>
-      <p:ext uri="{BB962C8B-B14F-4D97-AF65-F5344CB8AC3E}">
-        <p14:creationId xmlns:p14="http://schemas.microsoft.com/office/powerpoint/2010/main" val="377135409"/>
-      </p:ext>
-    </p:extLst>
   </p:cSld>
   <p:clrMapOvr>
     <a:masterClrMapping/>
@@ -3405,13 +2983,7 @@
   <p:cSld>
     <p:spTree>
       <p:nvGrpSpPr>
-        <p:cNvPr id="1" name="">
-          <a:extLst>
-            <a:ext uri="{FF2B5EF4-FFF2-40B4-BE49-F238E27FC236}">
-              <a16:creationId xmlns:a16="http://schemas.microsoft.com/office/drawing/2014/main" id="{A002CF1E-EFBC-8445-DE7B-D42AFDC4B2A0}"/>
-            </a:ext>
-          </a:extLst>
-        </p:cNvPr>
+        <p:cNvPr id="1" name=""/>
         <p:cNvGrpSpPr/>
         <p:nvPr/>
       </p:nvGrpSpPr>
@@ -3425,13 +2997,7 @@
       </p:grpSpPr>
       <p:sp>
         <p:nvSpPr>
-          <p:cNvPr id="2" name="文本框 1">
-            <a:extLst>
-              <a:ext uri="{FF2B5EF4-FFF2-40B4-BE49-F238E27FC236}">
-                <a16:creationId xmlns:a16="http://schemas.microsoft.com/office/drawing/2014/main" id="{09E4ABD2-8578-8A78-0187-D7827B9B6F16}"/>
-              </a:ext>
-            </a:extLst>
-          </p:cNvPr>
+          <p:cNvPr id="2" name="文本框 1"/>
           <p:cNvSpPr txBox="1"/>
           <p:nvPr/>
         </p:nvSpPr>
@@ -3464,13 +3030,7 @@
       </p:sp>
       <p:sp>
         <p:nvSpPr>
-          <p:cNvPr id="17" name="带形: 上凸弯 16">
-            <a:extLst>
-              <a:ext uri="{FF2B5EF4-FFF2-40B4-BE49-F238E27FC236}">
-                <a16:creationId xmlns:a16="http://schemas.microsoft.com/office/drawing/2014/main" id="{06403DEF-006F-72D8-0CCD-9BA588407DC6}"/>
-              </a:ext>
-            </a:extLst>
-          </p:cNvPr>
+          <p:cNvPr id="17" name="带形: 上凸弯 16"/>
           <p:cNvSpPr/>
           <p:nvPr/>
         </p:nvSpPr>
@@ -3520,13 +3080,7 @@
       </p:sp>
       <p:sp>
         <p:nvSpPr>
-          <p:cNvPr id="13" name="星形: 五角 12">
-            <a:extLst>
-              <a:ext uri="{FF2B5EF4-FFF2-40B4-BE49-F238E27FC236}">
-                <a16:creationId xmlns:a16="http://schemas.microsoft.com/office/drawing/2014/main" id="{062DBEA2-98B4-7BE1-CFF7-1016AFDCADBC}"/>
-              </a:ext>
-            </a:extLst>
-          </p:cNvPr>
+          <p:cNvPr id="13" name="星形: 五角 12"/>
           <p:cNvSpPr/>
           <p:nvPr/>
         </p:nvSpPr>
@@ -3568,13 +3122,7 @@
       </p:sp>
       <p:sp>
         <p:nvSpPr>
-          <p:cNvPr id="18" name="星形: 五角 17">
-            <a:extLst>
-              <a:ext uri="{FF2B5EF4-FFF2-40B4-BE49-F238E27FC236}">
-                <a16:creationId xmlns:a16="http://schemas.microsoft.com/office/drawing/2014/main" id="{6E20B9C0-EDA1-9667-12C3-D4DFAC596C36}"/>
-              </a:ext>
-            </a:extLst>
-          </p:cNvPr>
+          <p:cNvPr id="18" name="星形: 五角 17"/>
           <p:cNvSpPr/>
           <p:nvPr/>
         </p:nvSpPr>
@@ -3616,13 +3164,7 @@
       </p:sp>
       <p:sp>
         <p:nvSpPr>
-          <p:cNvPr id="19" name="星形: 五角 18">
-            <a:extLst>
-              <a:ext uri="{FF2B5EF4-FFF2-40B4-BE49-F238E27FC236}">
-                <a16:creationId xmlns:a16="http://schemas.microsoft.com/office/drawing/2014/main" id="{1A93CA55-5B12-F4B1-E703-98BCBE613184}"/>
-              </a:ext>
-            </a:extLst>
-          </p:cNvPr>
+          <p:cNvPr id="19" name="星形: 五角 18"/>
           <p:cNvSpPr/>
           <p:nvPr/>
         </p:nvSpPr>
@@ -3664,13 +3206,7 @@
       </p:sp>
       <p:sp>
         <p:nvSpPr>
-          <p:cNvPr id="20" name="星形: 五角 19">
-            <a:extLst>
-              <a:ext uri="{FF2B5EF4-FFF2-40B4-BE49-F238E27FC236}">
-                <a16:creationId xmlns:a16="http://schemas.microsoft.com/office/drawing/2014/main" id="{45D270B0-04A3-BB1F-D4E3-6F6E7446A7B6}"/>
-              </a:ext>
-            </a:extLst>
-          </p:cNvPr>
+          <p:cNvPr id="20" name="星形: 五角 19"/>
           <p:cNvSpPr/>
           <p:nvPr/>
         </p:nvSpPr>
@@ -3806,13 +3342,7 @@
       </p:sp>
       <p:sp>
         <p:nvSpPr>
-          <p:cNvPr id="21" name="星形: 五角 20">
-            <a:extLst>
-              <a:ext uri="{FF2B5EF4-FFF2-40B4-BE49-F238E27FC236}">
-                <a16:creationId xmlns:a16="http://schemas.microsoft.com/office/drawing/2014/main" id="{578CD83E-596C-C75A-70D0-988BB454D6B1}"/>
-              </a:ext>
-            </a:extLst>
-          </p:cNvPr>
+          <p:cNvPr id="21" name="星形: 五角 20"/>
           <p:cNvSpPr/>
           <p:nvPr/>
         </p:nvSpPr>
@@ -3948,13 +3478,7 @@
       </p:sp>
       <p:sp>
         <p:nvSpPr>
-          <p:cNvPr id="50" name="椭圆 49">
-            <a:extLst>
-              <a:ext uri="{FF2B5EF4-FFF2-40B4-BE49-F238E27FC236}">
-                <a16:creationId xmlns:a16="http://schemas.microsoft.com/office/drawing/2014/main" id="{6FC53CB5-4900-C4D8-50AC-AF6E6B968F27}"/>
-              </a:ext>
-            </a:extLst>
-          </p:cNvPr>
+          <p:cNvPr id="50" name="椭圆 49"/>
           <p:cNvSpPr/>
           <p:nvPr/>
         </p:nvSpPr>
@@ -4000,13 +3524,7 @@
       </p:sp>
       <p:sp>
         <p:nvSpPr>
-          <p:cNvPr id="22" name="星形: 五角 21">
-            <a:extLst>
-              <a:ext uri="{FF2B5EF4-FFF2-40B4-BE49-F238E27FC236}">
-                <a16:creationId xmlns:a16="http://schemas.microsoft.com/office/drawing/2014/main" id="{44661983-BB50-7028-C07F-1C16EDC4E34F}"/>
-              </a:ext>
-            </a:extLst>
-          </p:cNvPr>
+          <p:cNvPr id="22" name="星形: 五角 21"/>
           <p:cNvSpPr/>
           <p:nvPr/>
         </p:nvSpPr>
@@ -4142,13 +3660,7 @@
       </p:sp>
       <p:sp>
         <p:nvSpPr>
-          <p:cNvPr id="23" name="文本框 22">
-            <a:extLst>
-              <a:ext uri="{FF2B5EF4-FFF2-40B4-BE49-F238E27FC236}">
-                <a16:creationId xmlns:a16="http://schemas.microsoft.com/office/drawing/2014/main" id="{99B708B7-5B92-6D8D-FD45-B48626360F11}"/>
-              </a:ext>
-            </a:extLst>
-          </p:cNvPr>
+          <p:cNvPr id="23" name="文本框 22"/>
           <p:cNvSpPr txBox="1"/>
           <p:nvPr/>
         </p:nvSpPr>
@@ -4186,7 +3698,7 @@
                   </a:outerShdw>
                 </a:effectLst>
                 <a:latin typeface="Lucida Handwriting" panose="03010101010101010101" pitchFamily="66" charset="0"/>
-                <a:cs typeface="Arial" panose="020B0604020202020204" pitchFamily="34" charset="0"/>
+                <a:cs typeface="Arial" panose="020B0604020202090204" pitchFamily="34" charset="0"/>
               </a:rPr>
               <a:t>WOW DRAW~</a:t>
             </a:r>
@@ -4203,33 +3715,27 @@
                 </a:outerShdw>
               </a:effectLst>
               <a:latin typeface="Lucida Handwriting" panose="03010101010101010101" pitchFamily="66" charset="0"/>
-              <a:cs typeface="Arial" panose="020B0604020202020204" pitchFamily="34" charset="0"/>
+              <a:cs typeface="Arial" panose="020B0604020202090204" pitchFamily="34" charset="0"/>
             </a:endParaRPr>
           </a:p>
         </p:txBody>
       </p:sp>
       <p:pic>
         <p:nvPicPr>
-          <p:cNvPr id="39" name="图形 6" descr="足球 纯色填充">
-            <a:extLst>
-              <a:ext uri="{FF2B5EF4-FFF2-40B4-BE49-F238E27FC236}">
-                <a16:creationId xmlns:a16="http://schemas.microsoft.com/office/drawing/2014/main" id="{128C9B17-88E8-8694-49F9-BEBAE3196D61}"/>
-              </a:ext>
-            </a:extLst>
-          </p:cNvPr>
+          <p:cNvPr id="39" name="图形 6" descr="足球 纯色填充"/>
           <p:cNvPicPr>
             <a:picLocks noChangeAspect="1"/>
           </p:cNvPicPr>
           <p:nvPr/>
         </p:nvPicPr>
         <p:blipFill>
-          <a:blip r:embed="rId2">
+          <a:blip r:embed="rId1">
             <a:extLst>
               <a:ext uri="{28A0092B-C50C-407E-A947-70E740481C1C}">
                 <a14:useLocalDpi xmlns:a14="http://schemas.microsoft.com/office/drawing/2010/main" val="0"/>
               </a:ext>
               <a:ext uri="{96DAC541-7B7A-43D3-8B79-37D633B846F1}">
-                <asvg:svgBlip xmlns:asvg="http://schemas.microsoft.com/office/drawing/2016/SVG/main" r:embed="rId3"/>
+                <asvg:svgBlip xmlns:asvg="http://schemas.microsoft.com/office/drawing/2016/SVG/main" r:embed="rId2"/>
               </a:ext>
             </a:extLst>
           </a:blip>
@@ -4249,20 +3755,14 @@
       </p:pic>
       <p:pic>
         <p:nvPicPr>
-          <p:cNvPr id="6" name="图片 5">
-            <a:extLst>
-              <a:ext uri="{FF2B5EF4-FFF2-40B4-BE49-F238E27FC236}">
-                <a16:creationId xmlns:a16="http://schemas.microsoft.com/office/drawing/2014/main" id="{DA598DA2-5BDB-2CF9-69FC-6E3857C16EF8}"/>
-              </a:ext>
-            </a:extLst>
-          </p:cNvPr>
+          <p:cNvPr id="6" name="图片 5"/>
           <p:cNvPicPr>
             <a:picLocks noChangeAspect="1"/>
           </p:cNvPicPr>
           <p:nvPr/>
         </p:nvPicPr>
         <p:blipFill>
-          <a:blip r:embed="rId4">
+          <a:blip r:embed="rId3">
             <a:extLst>
               <a:ext uri="{28A0092B-C50C-407E-A947-70E740481C1C}">
                 <a14:useLocalDpi xmlns:a14="http://schemas.microsoft.com/office/drawing/2010/main" val="0"/>
@@ -4285,13 +3785,7 @@
       </p:pic>
       <p:grpSp>
         <p:nvGrpSpPr>
-          <p:cNvPr id="28" name="组合 27">
-            <a:extLst>
-              <a:ext uri="{FF2B5EF4-FFF2-40B4-BE49-F238E27FC236}">
-                <a16:creationId xmlns:a16="http://schemas.microsoft.com/office/drawing/2014/main" id="{5F97D073-ED3F-EC58-59DE-C14A986603B3}"/>
-              </a:ext>
-            </a:extLst>
-          </p:cNvPr>
+          <p:cNvPr id="28" name="组合 27"/>
           <p:cNvGrpSpPr/>
           <p:nvPr/>
         </p:nvGrpSpPr>
@@ -4305,20 +3799,14 @@
         </p:grpSpPr>
         <p:pic>
           <p:nvPicPr>
-            <p:cNvPr id="10" name="图片 9">
-              <a:extLst>
-                <a:ext uri="{FF2B5EF4-FFF2-40B4-BE49-F238E27FC236}">
-                  <a16:creationId xmlns:a16="http://schemas.microsoft.com/office/drawing/2014/main" id="{D3A648B3-F385-6C04-EF69-0BD129521553}"/>
-                </a:ext>
-              </a:extLst>
-            </p:cNvPr>
+            <p:cNvPr id="10" name="图片 9"/>
             <p:cNvPicPr>
               <a:picLocks noChangeAspect="1"/>
             </p:cNvPicPr>
             <p:nvPr/>
           </p:nvPicPr>
           <p:blipFill>
-            <a:blip r:embed="rId5">
+            <a:blip r:embed="rId4">
               <a:duotone>
                 <a:schemeClr val="accent3">
                   <a:shade val="45000"/>
@@ -4348,20 +3836,14 @@
         </p:pic>
         <p:pic>
           <p:nvPicPr>
-            <p:cNvPr id="16" name="图片 15">
-              <a:extLst>
-                <a:ext uri="{FF2B5EF4-FFF2-40B4-BE49-F238E27FC236}">
-                  <a16:creationId xmlns:a16="http://schemas.microsoft.com/office/drawing/2014/main" id="{8639992C-C229-8CE3-3112-83BED9D6A418}"/>
-                </a:ext>
-              </a:extLst>
-            </p:cNvPr>
+            <p:cNvPr id="16" name="图片 15"/>
             <p:cNvPicPr>
               <a:picLocks noChangeAspect="1"/>
             </p:cNvPicPr>
             <p:nvPr/>
           </p:nvPicPr>
           <p:blipFill>
-            <a:blip r:embed="rId5">
+            <a:blip r:embed="rId4">
               <a:duotone>
                 <a:schemeClr val="accent3">
                   <a:shade val="45000"/>
@@ -4391,20 +3873,14 @@
         </p:pic>
         <p:pic>
           <p:nvPicPr>
-            <p:cNvPr id="24" name="图片 23">
-              <a:extLst>
-                <a:ext uri="{FF2B5EF4-FFF2-40B4-BE49-F238E27FC236}">
-                  <a16:creationId xmlns:a16="http://schemas.microsoft.com/office/drawing/2014/main" id="{15C95583-9BC0-B865-EEF6-992D529D5C40}"/>
-                </a:ext>
-              </a:extLst>
-            </p:cNvPr>
+            <p:cNvPr id="24" name="图片 23"/>
             <p:cNvPicPr>
               <a:picLocks noChangeAspect="1"/>
             </p:cNvPicPr>
             <p:nvPr/>
           </p:nvPicPr>
           <p:blipFill>
-            <a:blip r:embed="rId5">
+            <a:blip r:embed="rId4">
               <a:duotone>
                 <a:schemeClr val="accent3">
                   <a:shade val="45000"/>
@@ -4435,13 +3911,7 @@
       </p:grpSp>
       <p:grpSp>
         <p:nvGrpSpPr>
-          <p:cNvPr id="29" name="组合 28">
-            <a:extLst>
-              <a:ext uri="{FF2B5EF4-FFF2-40B4-BE49-F238E27FC236}">
-                <a16:creationId xmlns:a16="http://schemas.microsoft.com/office/drawing/2014/main" id="{566276A8-9E06-24E1-2A58-6DCE929ABF5C}"/>
-              </a:ext>
-            </a:extLst>
-          </p:cNvPr>
+          <p:cNvPr id="29" name="组合 28"/>
           <p:cNvGrpSpPr/>
           <p:nvPr/>
         </p:nvGrpSpPr>
@@ -4455,20 +3925,14 @@
         </p:grpSpPr>
         <p:pic>
           <p:nvPicPr>
-            <p:cNvPr id="30" name="图片 29">
-              <a:extLst>
-                <a:ext uri="{FF2B5EF4-FFF2-40B4-BE49-F238E27FC236}">
-                  <a16:creationId xmlns:a16="http://schemas.microsoft.com/office/drawing/2014/main" id="{9A44B32D-B4CB-735B-D1A0-25E7B967AABA}"/>
-                </a:ext>
-              </a:extLst>
-            </p:cNvPr>
+            <p:cNvPr id="30" name="图片 29"/>
             <p:cNvPicPr>
               <a:picLocks noChangeAspect="1"/>
             </p:cNvPicPr>
             <p:nvPr/>
           </p:nvPicPr>
           <p:blipFill>
-            <a:blip r:embed="rId5">
+            <a:blip r:embed="rId4">
               <a:duotone>
                 <a:schemeClr val="accent3">
                   <a:shade val="45000"/>
@@ -4498,20 +3962,14 @@
         </p:pic>
         <p:pic>
           <p:nvPicPr>
-            <p:cNvPr id="31" name="图片 30">
-              <a:extLst>
-                <a:ext uri="{FF2B5EF4-FFF2-40B4-BE49-F238E27FC236}">
-                  <a16:creationId xmlns:a16="http://schemas.microsoft.com/office/drawing/2014/main" id="{A68385D8-D51E-DE8A-5503-593C32FBE76C}"/>
-                </a:ext>
-              </a:extLst>
-            </p:cNvPr>
+            <p:cNvPr id="31" name="图片 30"/>
             <p:cNvPicPr>
               <a:picLocks noChangeAspect="1"/>
             </p:cNvPicPr>
             <p:nvPr/>
           </p:nvPicPr>
           <p:blipFill>
-            <a:blip r:embed="rId5">
+            <a:blip r:embed="rId4">
               <a:duotone>
                 <a:schemeClr val="accent3">
                   <a:shade val="45000"/>
@@ -4541,20 +3999,14 @@
         </p:pic>
         <p:pic>
           <p:nvPicPr>
-            <p:cNvPr id="32" name="图片 31">
-              <a:extLst>
-                <a:ext uri="{FF2B5EF4-FFF2-40B4-BE49-F238E27FC236}">
-                  <a16:creationId xmlns:a16="http://schemas.microsoft.com/office/drawing/2014/main" id="{5A05471B-B258-0F3C-56B0-71289BC0EC55}"/>
-                </a:ext>
-              </a:extLst>
-            </p:cNvPr>
+            <p:cNvPr id="32" name="图片 31"/>
             <p:cNvPicPr>
               <a:picLocks noChangeAspect="1"/>
             </p:cNvPicPr>
             <p:nvPr/>
           </p:nvPicPr>
           <p:blipFill>
-            <a:blip r:embed="rId5">
+            <a:blip r:embed="rId4">
               <a:duotone>
                 <a:schemeClr val="accent3">
                   <a:shade val="45000"/>
@@ -4585,20 +4037,14 @@
       </p:grpSp>
       <p:pic>
         <p:nvPicPr>
-          <p:cNvPr id="34" name="图片 33">
-            <a:extLst>
-              <a:ext uri="{FF2B5EF4-FFF2-40B4-BE49-F238E27FC236}">
-                <a16:creationId xmlns:a16="http://schemas.microsoft.com/office/drawing/2014/main" id="{AD927280-74D9-1B17-F0E5-FECD6E99F868}"/>
-              </a:ext>
-            </a:extLst>
-          </p:cNvPr>
+          <p:cNvPr id="34" name="图片 33"/>
           <p:cNvPicPr>
             <a:picLocks noChangeAspect="1"/>
           </p:cNvPicPr>
           <p:nvPr/>
         </p:nvPicPr>
         <p:blipFill>
-          <a:blip r:embed="rId6">
+          <a:blip r:embed="rId5">
             <a:extLst>
               <a:ext uri="{28A0092B-C50C-407E-A947-70E740481C1C}">
                 <a14:useLocalDpi xmlns:a14="http://schemas.microsoft.com/office/drawing/2010/main" val="0"/>
@@ -4621,20 +4067,14 @@
       </p:pic>
       <p:pic>
         <p:nvPicPr>
-          <p:cNvPr id="35" name="图片 34">
-            <a:extLst>
-              <a:ext uri="{FF2B5EF4-FFF2-40B4-BE49-F238E27FC236}">
-                <a16:creationId xmlns:a16="http://schemas.microsoft.com/office/drawing/2014/main" id="{0566B473-8B71-73CA-5575-A6EA858D917C}"/>
-              </a:ext>
-            </a:extLst>
-          </p:cNvPr>
+          <p:cNvPr id="35" name="图片 34"/>
           <p:cNvPicPr>
             <a:picLocks noChangeAspect="1"/>
           </p:cNvPicPr>
           <p:nvPr/>
         </p:nvPicPr>
         <p:blipFill>
-          <a:blip r:embed="rId6">
+          <a:blip r:embed="rId5">
             <a:extLst>
               <a:ext uri="{28A0092B-C50C-407E-A947-70E740481C1C}">
                 <a14:useLocalDpi xmlns:a14="http://schemas.microsoft.com/office/drawing/2010/main" val="0"/>
@@ -4657,13 +4097,7 @@
       </p:pic>
       <p:sp>
         <p:nvSpPr>
-          <p:cNvPr id="48" name="椭圆 47">
-            <a:extLst>
-              <a:ext uri="{FF2B5EF4-FFF2-40B4-BE49-F238E27FC236}">
-                <a16:creationId xmlns:a16="http://schemas.microsoft.com/office/drawing/2014/main" id="{3EDDC683-6911-1CED-821F-0996E0946986}"/>
-              </a:ext>
-            </a:extLst>
-          </p:cNvPr>
+          <p:cNvPr id="48" name="椭圆 47"/>
           <p:cNvSpPr/>
           <p:nvPr/>
         </p:nvSpPr>
@@ -4709,20 +4143,14 @@
       </p:sp>
       <p:pic>
         <p:nvPicPr>
-          <p:cNvPr id="46" name="图片 45">
-            <a:extLst>
-              <a:ext uri="{FF2B5EF4-FFF2-40B4-BE49-F238E27FC236}">
-                <a16:creationId xmlns:a16="http://schemas.microsoft.com/office/drawing/2014/main" id="{60A7DAE9-8BE6-500D-EF03-2ED0A40159B2}"/>
-              </a:ext>
-            </a:extLst>
-          </p:cNvPr>
+          <p:cNvPr id="46" name="图片 45"/>
           <p:cNvPicPr>
             <a:picLocks noChangeAspect="1"/>
           </p:cNvPicPr>
           <p:nvPr/>
         </p:nvPicPr>
         <p:blipFill>
-          <a:blip r:embed="rId7">
+          <a:blip r:embed="rId6">
             <a:extLst>
               <a:ext uri="{28A0092B-C50C-407E-A947-70E740481C1C}">
                 <a14:useLocalDpi xmlns:a14="http://schemas.microsoft.com/office/drawing/2010/main" val="0"/>
@@ -4745,26 +4173,20 @@
       </p:pic>
       <p:pic>
         <p:nvPicPr>
-          <p:cNvPr id="47" name="图形 6" descr="足球 纯色填充">
-            <a:extLst>
-              <a:ext uri="{FF2B5EF4-FFF2-40B4-BE49-F238E27FC236}">
-                <a16:creationId xmlns:a16="http://schemas.microsoft.com/office/drawing/2014/main" id="{0DAA9EC3-6126-71C7-ACDC-CC5453F53183}"/>
-              </a:ext>
-            </a:extLst>
-          </p:cNvPr>
+          <p:cNvPr id="47" name="图形 6" descr="足球 纯色填充"/>
           <p:cNvPicPr>
             <a:picLocks noChangeAspect="1"/>
           </p:cNvPicPr>
           <p:nvPr/>
         </p:nvPicPr>
         <p:blipFill>
-          <a:blip r:embed="rId2">
+          <a:blip r:embed="rId1">
             <a:extLst>
               <a:ext uri="{28A0092B-C50C-407E-A947-70E740481C1C}">
                 <a14:useLocalDpi xmlns:a14="http://schemas.microsoft.com/office/drawing/2010/main" val="0"/>
               </a:ext>
               <a:ext uri="{96DAC541-7B7A-43D3-8B79-37D633B846F1}">
-                <asvg:svgBlip xmlns:asvg="http://schemas.microsoft.com/office/drawing/2016/SVG/main" r:embed="rId3"/>
+                <asvg:svgBlip xmlns:asvg="http://schemas.microsoft.com/office/drawing/2016/SVG/main" r:embed="rId2"/>
               </a:ext>
             </a:extLst>
           </a:blip>
@@ -4783,11 +4205,6 @@
         </p:spPr>
       </p:pic>
     </p:spTree>
-    <p:extLst>
-      <p:ext uri="{BB962C8B-B14F-4D97-AF65-F5344CB8AC3E}">
-        <p14:creationId xmlns:p14="http://schemas.microsoft.com/office/powerpoint/2010/main" val="3184582016"/>
-      </p:ext>
-    </p:extLst>
   </p:cSld>
   <p:clrMapOvr>
     <a:masterClrMapping/>
@@ -4814,13 +4231,7 @@
       </p:grpSpPr>
       <p:sp>
         <p:nvSpPr>
-          <p:cNvPr id="2" name="星形: 五角 1">
-            <a:extLst>
-              <a:ext uri="{FF2B5EF4-FFF2-40B4-BE49-F238E27FC236}">
-                <a16:creationId xmlns:a16="http://schemas.microsoft.com/office/drawing/2014/main" id="{0AA8EBEE-3AAA-5463-D0B2-CC2BB7505DC7}"/>
-              </a:ext>
-            </a:extLst>
-          </p:cNvPr>
+          <p:cNvPr id="2" name="星形: 五角 1"/>
           <p:cNvSpPr/>
           <p:nvPr/>
         </p:nvSpPr>
@@ -4860,11 +4271,6 @@
         </p:txBody>
       </p:sp>
     </p:spTree>
-    <p:extLst>
-      <p:ext uri="{BB962C8B-B14F-4D97-AF65-F5344CB8AC3E}">
-        <p14:creationId xmlns:p14="http://schemas.microsoft.com/office/powerpoint/2010/main" val="239508628"/>
-      </p:ext>
-    </p:extLst>
   </p:cSld>
   <p:clrMapOvr>
     <a:masterClrMapping/>
@@ -4891,13 +4297,7 @@
       </p:grpSpPr>
       <p:sp>
         <p:nvSpPr>
-          <p:cNvPr id="4" name="文本框 3">
-            <a:extLst>
-              <a:ext uri="{FF2B5EF4-FFF2-40B4-BE49-F238E27FC236}">
-                <a16:creationId xmlns:a16="http://schemas.microsoft.com/office/drawing/2014/main" id="{354BDA55-94B5-8952-D718-F4A3C302341B}"/>
-              </a:ext>
-            </a:extLst>
-          </p:cNvPr>
+          <p:cNvPr id="4" name="文本框 3"/>
           <p:cNvSpPr txBox="1"/>
           <p:nvPr/>
         </p:nvSpPr>
@@ -4930,20 +4330,14 @@
       </p:sp>
       <p:pic>
         <p:nvPicPr>
-          <p:cNvPr id="3" name="图片 2">
-            <a:extLst>
-              <a:ext uri="{FF2B5EF4-FFF2-40B4-BE49-F238E27FC236}">
-                <a16:creationId xmlns:a16="http://schemas.microsoft.com/office/drawing/2014/main" id="{A1395A60-BD75-FCF1-DA42-2655EB53D20E}"/>
-              </a:ext>
-            </a:extLst>
-          </p:cNvPr>
+          <p:cNvPr id="3" name="图片 2"/>
           <p:cNvPicPr>
             <a:picLocks noChangeAspect="1"/>
           </p:cNvPicPr>
           <p:nvPr/>
         </p:nvPicPr>
         <p:blipFill>
-          <a:blip r:embed="rId2">
+          <a:blip r:embed="rId1">
             <a:extLst>
               <a:ext uri="{28A0092B-C50C-407E-A947-70E740481C1C}">
                 <a14:useLocalDpi xmlns:a14="http://schemas.microsoft.com/office/drawing/2010/main" val="0"/>
@@ -4966,13 +4360,7 @@
       </p:pic>
       <p:sp>
         <p:nvSpPr>
-          <p:cNvPr id="5" name="星形: 六角 4">
-            <a:extLst>
-              <a:ext uri="{FF2B5EF4-FFF2-40B4-BE49-F238E27FC236}">
-                <a16:creationId xmlns:a16="http://schemas.microsoft.com/office/drawing/2014/main" id="{D5CD6F04-D82E-0E3E-865F-F2F2BA65D99A}"/>
-              </a:ext>
-            </a:extLst>
-          </p:cNvPr>
+          <p:cNvPr id="5" name="星形: 六角 4"/>
           <p:cNvSpPr/>
           <p:nvPr/>
         </p:nvSpPr>
@@ -5020,26 +4408,20 @@
       </p:sp>
       <p:pic>
         <p:nvPicPr>
-          <p:cNvPr id="6" name="图形 6" descr="足球 纯色填充">
-            <a:extLst>
-              <a:ext uri="{FF2B5EF4-FFF2-40B4-BE49-F238E27FC236}">
-                <a16:creationId xmlns:a16="http://schemas.microsoft.com/office/drawing/2014/main" id="{C066D759-2AD4-5F54-5C78-E177A43BC100}"/>
-              </a:ext>
-            </a:extLst>
-          </p:cNvPr>
+          <p:cNvPr id="6" name="图形 6" descr="足球 纯色填充"/>
           <p:cNvPicPr>
             <a:picLocks noChangeAspect="1"/>
           </p:cNvPicPr>
           <p:nvPr/>
         </p:nvPicPr>
         <p:blipFill>
-          <a:blip r:embed="rId3">
+          <a:blip r:embed="rId2">
             <a:extLst>
               <a:ext uri="{28A0092B-C50C-407E-A947-70E740481C1C}">
                 <a14:useLocalDpi xmlns:a14="http://schemas.microsoft.com/office/drawing/2010/main" val="0"/>
               </a:ext>
               <a:ext uri="{96DAC541-7B7A-43D3-8B79-37D633B846F1}">
-                <asvg:svgBlip xmlns:asvg="http://schemas.microsoft.com/office/drawing/2016/SVG/main" r:embed="rId4"/>
+                <asvg:svgBlip xmlns:asvg="http://schemas.microsoft.com/office/drawing/2016/SVG/main" r:embed="rId3"/>
               </a:ext>
             </a:extLst>
           </a:blip>
@@ -5059,20 +4441,14 @@
       </p:pic>
       <p:pic>
         <p:nvPicPr>
-          <p:cNvPr id="10" name="图片 9">
-            <a:extLst>
-              <a:ext uri="{FF2B5EF4-FFF2-40B4-BE49-F238E27FC236}">
-                <a16:creationId xmlns:a16="http://schemas.microsoft.com/office/drawing/2014/main" id="{0DB81600-B0C5-F253-96BD-95CBB8E1466F}"/>
-              </a:ext>
-            </a:extLst>
-          </p:cNvPr>
+          <p:cNvPr id="10" name="图片 9"/>
           <p:cNvPicPr>
             <a:picLocks noChangeAspect="1"/>
           </p:cNvPicPr>
           <p:nvPr/>
         </p:nvPicPr>
         <p:blipFill>
-          <a:blip r:embed="rId5">
+          <a:blip r:embed="rId4">
             <a:extLst>
               <a:ext uri="{28A0092B-C50C-407E-A947-70E740481C1C}">
                 <a14:useLocalDpi xmlns:a14="http://schemas.microsoft.com/office/drawing/2010/main" val="0"/>
@@ -5094,11 +4470,6 @@
         </p:spPr>
       </p:pic>
     </p:spTree>
-    <p:extLst>
-      <p:ext uri="{BB962C8B-B14F-4D97-AF65-F5344CB8AC3E}">
-        <p14:creationId xmlns:p14="http://schemas.microsoft.com/office/powerpoint/2010/main" val="3754340100"/>
-      </p:ext>
-    </p:extLst>
   </p:cSld>
   <p:clrMapOvr>
     <a:masterClrMapping/>
@@ -5125,13 +4496,7 @@
       </p:grpSpPr>
       <p:sp>
         <p:nvSpPr>
-          <p:cNvPr id="3" name="矩形 2">
-            <a:extLst>
-              <a:ext uri="{FF2B5EF4-FFF2-40B4-BE49-F238E27FC236}">
-                <a16:creationId xmlns:a16="http://schemas.microsoft.com/office/drawing/2014/main" id="{D85B7604-5829-47C9-A23E-3332295A9BC5}"/>
-              </a:ext>
-            </a:extLst>
-          </p:cNvPr>
+          <p:cNvPr id="3" name="矩形 2"/>
           <p:cNvSpPr/>
           <p:nvPr/>
         </p:nvSpPr>
@@ -5171,13 +4536,7 @@
       </p:sp>
       <p:sp>
         <p:nvSpPr>
-          <p:cNvPr id="2" name="矩形: 圆角 1">
-            <a:extLst>
-              <a:ext uri="{FF2B5EF4-FFF2-40B4-BE49-F238E27FC236}">
-                <a16:creationId xmlns:a16="http://schemas.microsoft.com/office/drawing/2014/main" id="{77F07794-CDF1-4C2C-8E82-AC136F668F7F}"/>
-              </a:ext>
-            </a:extLst>
-          </p:cNvPr>
+          <p:cNvPr id="2" name="矩形: 圆角 1"/>
           <p:cNvSpPr/>
           <p:nvPr/>
         </p:nvSpPr>
@@ -5225,13 +4584,7 @@
       </p:sp>
       <p:cxnSp>
         <p:nvCxnSpPr>
-          <p:cNvPr id="7" name="直接连接符 6">
-            <a:extLst>
-              <a:ext uri="{FF2B5EF4-FFF2-40B4-BE49-F238E27FC236}">
-                <a16:creationId xmlns:a16="http://schemas.microsoft.com/office/drawing/2014/main" id="{564921CF-DFD2-4F88-9D4B-FEC9EC3397BB}"/>
-              </a:ext>
-            </a:extLst>
-          </p:cNvPr>
+          <p:cNvPr id="7" name="直接连接符 6"/>
           <p:cNvCxnSpPr>
             <a:endCxn id="2" idx="2"/>
           </p:cNvCxnSpPr>
@@ -5268,13 +4621,7 @@
       </p:cxnSp>
       <p:sp>
         <p:nvSpPr>
-          <p:cNvPr id="8" name="椭圆 7">
-            <a:extLst>
-              <a:ext uri="{FF2B5EF4-FFF2-40B4-BE49-F238E27FC236}">
-                <a16:creationId xmlns:a16="http://schemas.microsoft.com/office/drawing/2014/main" id="{27794ED8-7668-4D49-9278-C7D2D7645DD3}"/>
-              </a:ext>
-            </a:extLst>
-          </p:cNvPr>
+          <p:cNvPr id="8" name="椭圆 7"/>
           <p:cNvSpPr/>
           <p:nvPr/>
         </p:nvSpPr>
@@ -5320,13 +4667,7 @@
       </p:sp>
       <p:sp>
         <p:nvSpPr>
-          <p:cNvPr id="9" name="矩形 8">
-            <a:extLst>
-              <a:ext uri="{FF2B5EF4-FFF2-40B4-BE49-F238E27FC236}">
-                <a16:creationId xmlns:a16="http://schemas.microsoft.com/office/drawing/2014/main" id="{D76EB3A2-0027-4FFA-96FE-88FEB09DBD90}"/>
-              </a:ext>
-            </a:extLst>
-          </p:cNvPr>
+          <p:cNvPr id="9" name="矩形 8"/>
           <p:cNvSpPr/>
           <p:nvPr/>
         </p:nvSpPr>
@@ -5372,13 +4713,7 @@
       </p:sp>
       <p:sp>
         <p:nvSpPr>
-          <p:cNvPr id="11" name="矩形 10">
-            <a:extLst>
-              <a:ext uri="{FF2B5EF4-FFF2-40B4-BE49-F238E27FC236}">
-                <a16:creationId xmlns:a16="http://schemas.microsoft.com/office/drawing/2014/main" id="{94C05EC6-9A2B-4967-9CDD-EF303E430C96}"/>
-              </a:ext>
-            </a:extLst>
-          </p:cNvPr>
+          <p:cNvPr id="11" name="矩形 10"/>
           <p:cNvSpPr/>
           <p:nvPr/>
         </p:nvSpPr>
@@ -5424,13 +4759,7 @@
       </p:sp>
       <p:sp>
         <p:nvSpPr>
-          <p:cNvPr id="12" name="矩形 11">
-            <a:extLst>
-              <a:ext uri="{FF2B5EF4-FFF2-40B4-BE49-F238E27FC236}">
-                <a16:creationId xmlns:a16="http://schemas.microsoft.com/office/drawing/2014/main" id="{5AC711AD-EBFD-4663-B2D5-D3973226514B}"/>
-              </a:ext>
-            </a:extLst>
-          </p:cNvPr>
+          <p:cNvPr id="12" name="矩形 11"/>
           <p:cNvSpPr/>
           <p:nvPr/>
         </p:nvSpPr>
@@ -5476,13 +4805,7 @@
       </p:sp>
       <p:sp>
         <p:nvSpPr>
-          <p:cNvPr id="13" name="矩形 12">
-            <a:extLst>
-              <a:ext uri="{FF2B5EF4-FFF2-40B4-BE49-F238E27FC236}">
-                <a16:creationId xmlns:a16="http://schemas.microsoft.com/office/drawing/2014/main" id="{2DA1F79D-C03C-4A7D-83E4-B9B309A52F98}"/>
-              </a:ext>
-            </a:extLst>
-          </p:cNvPr>
+          <p:cNvPr id="13" name="矩形 12"/>
           <p:cNvSpPr/>
           <p:nvPr/>
         </p:nvSpPr>
@@ -5528,13 +4851,7 @@
       </p:sp>
       <p:sp>
         <p:nvSpPr>
-          <p:cNvPr id="14" name="椭圆 13">
-            <a:extLst>
-              <a:ext uri="{FF2B5EF4-FFF2-40B4-BE49-F238E27FC236}">
-                <a16:creationId xmlns:a16="http://schemas.microsoft.com/office/drawing/2014/main" id="{383F1F2E-9786-4A6A-9619-6832C8F05DE1}"/>
-              </a:ext>
-            </a:extLst>
-          </p:cNvPr>
+          <p:cNvPr id="14" name="椭圆 13"/>
           <p:cNvSpPr/>
           <p:nvPr/>
         </p:nvSpPr>
@@ -5582,13 +4899,7 @@
       </p:sp>
       <p:grpSp>
         <p:nvGrpSpPr>
-          <p:cNvPr id="15" name="组合 14">
-            <a:extLst>
-              <a:ext uri="{FF2B5EF4-FFF2-40B4-BE49-F238E27FC236}">
-                <a16:creationId xmlns:a16="http://schemas.microsoft.com/office/drawing/2014/main" id="{BFACDC19-F9B6-4342-ACF7-49441C6DBD75}"/>
-              </a:ext>
-            </a:extLst>
-          </p:cNvPr>
+          <p:cNvPr id="15" name="组合 14"/>
           <p:cNvGrpSpPr/>
           <p:nvPr/>
         </p:nvGrpSpPr>
@@ -5602,13 +4913,7 @@
         </p:grpSpPr>
         <p:sp>
           <p:nvSpPr>
-            <p:cNvPr id="16" name="矩形 1">
-              <a:extLst>
-                <a:ext uri="{FF2B5EF4-FFF2-40B4-BE49-F238E27FC236}">
-                  <a16:creationId xmlns:a16="http://schemas.microsoft.com/office/drawing/2014/main" id="{F9DB4A43-A22D-434B-A489-7652FABF407F}"/>
-                </a:ext>
-              </a:extLst>
-            </p:cNvPr>
+            <p:cNvPr id="16" name="矩形 1"/>
             <p:cNvSpPr/>
             <p:nvPr/>
           </p:nvSpPr>
@@ -5630,43 +4935,43 @@
                 <a:gd name="connsiteY3" fmla="*/ 1156137 h 1156137"/>
                 <a:gd name="connsiteX4" fmla="*/ 0 w 515007"/>
                 <a:gd name="connsiteY4" fmla="*/ 0 h 1156137"/>
-                <a:gd name="connsiteX0" fmla="*/ 0 w 515007"/>
-                <a:gd name="connsiteY0" fmla="*/ 116840 h 1272977"/>
-                <a:gd name="connsiteX1" fmla="*/ 515007 w 515007"/>
-                <a:gd name="connsiteY1" fmla="*/ 0 h 1272977"/>
-                <a:gd name="connsiteX2" fmla="*/ 515007 w 515007"/>
-                <a:gd name="connsiteY2" fmla="*/ 1272977 h 1272977"/>
-                <a:gd name="connsiteX3" fmla="*/ 0 w 515007"/>
-                <a:gd name="connsiteY3" fmla="*/ 1272977 h 1272977"/>
-                <a:gd name="connsiteX4" fmla="*/ 0 w 515007"/>
-                <a:gd name="connsiteY4" fmla="*/ 116840 h 1272977"/>
-                <a:gd name="connsiteX0" fmla="*/ 0 w 530247"/>
-                <a:gd name="connsiteY0" fmla="*/ 116840 h 1374577"/>
-                <a:gd name="connsiteX1" fmla="*/ 515007 w 530247"/>
-                <a:gd name="connsiteY1" fmla="*/ 0 h 1374577"/>
-                <a:gd name="connsiteX2" fmla="*/ 530247 w 530247"/>
-                <a:gd name="connsiteY2" fmla="*/ 1374577 h 1374577"/>
-                <a:gd name="connsiteX3" fmla="*/ 0 w 530247"/>
-                <a:gd name="connsiteY3" fmla="*/ 1272977 h 1374577"/>
-                <a:gd name="connsiteX4" fmla="*/ 0 w 530247"/>
-                <a:gd name="connsiteY4" fmla="*/ 116840 h 1374577"/>
+                <a:gd name="connsiteX0-1" fmla="*/ 0 w 515007"/>
+                <a:gd name="connsiteY0-2" fmla="*/ 116840 h 1272977"/>
+                <a:gd name="connsiteX1-3" fmla="*/ 515007 w 515007"/>
+                <a:gd name="connsiteY1-4" fmla="*/ 0 h 1272977"/>
+                <a:gd name="connsiteX2-5" fmla="*/ 515007 w 515007"/>
+                <a:gd name="connsiteY2-6" fmla="*/ 1272977 h 1272977"/>
+                <a:gd name="connsiteX3-7" fmla="*/ 0 w 515007"/>
+                <a:gd name="connsiteY3-8" fmla="*/ 1272977 h 1272977"/>
+                <a:gd name="connsiteX4-9" fmla="*/ 0 w 515007"/>
+                <a:gd name="connsiteY4-10" fmla="*/ 116840 h 1272977"/>
+                <a:gd name="connsiteX0-11" fmla="*/ 0 w 530247"/>
+                <a:gd name="connsiteY0-12" fmla="*/ 116840 h 1374577"/>
+                <a:gd name="connsiteX1-13" fmla="*/ 515007 w 530247"/>
+                <a:gd name="connsiteY1-14" fmla="*/ 0 h 1374577"/>
+                <a:gd name="connsiteX2-15" fmla="*/ 530247 w 530247"/>
+                <a:gd name="connsiteY2-16" fmla="*/ 1374577 h 1374577"/>
+                <a:gd name="connsiteX3-17" fmla="*/ 0 w 530247"/>
+                <a:gd name="connsiteY3-18" fmla="*/ 1272977 h 1374577"/>
+                <a:gd name="connsiteX4-19" fmla="*/ 0 w 530247"/>
+                <a:gd name="connsiteY4-20" fmla="*/ 116840 h 1374577"/>
               </a:gdLst>
               <a:ahLst/>
               <a:cxnLst>
                 <a:cxn ang="0">
-                  <a:pos x="connsiteX0" y="connsiteY0"/>
+                  <a:pos x="connsiteX0-1" y="connsiteY0-2"/>
                 </a:cxn>
                 <a:cxn ang="0">
-                  <a:pos x="connsiteX1" y="connsiteY1"/>
+                  <a:pos x="connsiteX1-3" y="connsiteY1-4"/>
                 </a:cxn>
                 <a:cxn ang="0">
-                  <a:pos x="connsiteX2" y="connsiteY2"/>
+                  <a:pos x="connsiteX2-5" y="connsiteY2-6"/>
                 </a:cxn>
                 <a:cxn ang="0">
-                  <a:pos x="connsiteX3" y="connsiteY3"/>
+                  <a:pos x="connsiteX3-7" y="connsiteY3-8"/>
                 </a:cxn>
                 <a:cxn ang="0">
-                  <a:pos x="connsiteX4" y="connsiteY4"/>
+                  <a:pos x="connsiteX4-9" y="connsiteY4-10"/>
                 </a:cxn>
               </a:cxnLst>
               <a:rect l="l" t="t" r="r" b="b"/>
@@ -5729,22 +5034,18 @@
         </p:sp>
         <p:pic>
           <p:nvPicPr>
-            <p:cNvPr id="17" name="图片 16">
-              <a:extLst>
-                <a:ext uri="{FF2B5EF4-FFF2-40B4-BE49-F238E27FC236}">
-                  <a16:creationId xmlns:a16="http://schemas.microsoft.com/office/drawing/2014/main" id="{D9336560-FE42-43A9-B7C5-3BCEA7986E62}"/>
-                </a:ext>
-              </a:extLst>
-            </p:cNvPr>
+            <p:cNvPr id="17" name="图片 16"/>
             <p:cNvPicPr>
               <a:picLocks noChangeAspect="1"/>
             </p:cNvPicPr>
             <p:nvPr/>
           </p:nvPicPr>
           <p:blipFill rotWithShape="1">
-            <a:blip r:embed="rId2"/>
+            <a:blip r:embed="rId1"/>
             <a:srcRect r="60880" b="69856"/>
-            <a:stretch/>
+            <a:stretch>
+              <a:fillRect/>
+            </a:stretch>
           </p:blipFill>
           <p:spPr>
             <a:xfrm>
@@ -5763,13 +5064,7 @@
       </p:grpSp>
       <p:grpSp>
         <p:nvGrpSpPr>
-          <p:cNvPr id="18" name="组合 17">
-            <a:extLst>
-              <a:ext uri="{FF2B5EF4-FFF2-40B4-BE49-F238E27FC236}">
-                <a16:creationId xmlns:a16="http://schemas.microsoft.com/office/drawing/2014/main" id="{BC0A0AAA-1B2B-43D7-B4C0-6D06ECFEE12D}"/>
-              </a:ext>
-            </a:extLst>
-          </p:cNvPr>
+          <p:cNvPr id="18" name="组合 17"/>
           <p:cNvGrpSpPr/>
           <p:nvPr/>
         </p:nvGrpSpPr>
@@ -5783,13 +5078,7 @@
         </p:grpSpPr>
         <p:sp>
           <p:nvSpPr>
-            <p:cNvPr id="19" name="矩形 1">
-              <a:extLst>
-                <a:ext uri="{FF2B5EF4-FFF2-40B4-BE49-F238E27FC236}">
-                  <a16:creationId xmlns:a16="http://schemas.microsoft.com/office/drawing/2014/main" id="{6C803078-A0BE-4457-8251-860E0BD89ED6}"/>
-                </a:ext>
-              </a:extLst>
-            </p:cNvPr>
+            <p:cNvPr id="19" name="矩形 1"/>
             <p:cNvSpPr/>
             <p:nvPr/>
           </p:nvSpPr>
@@ -5811,43 +5100,43 @@
                 <a:gd name="connsiteY3" fmla="*/ 1156137 h 1156137"/>
                 <a:gd name="connsiteX4" fmla="*/ 0 w 515007"/>
                 <a:gd name="connsiteY4" fmla="*/ 0 h 1156137"/>
-                <a:gd name="connsiteX0" fmla="*/ 0 w 515007"/>
-                <a:gd name="connsiteY0" fmla="*/ 116840 h 1272977"/>
-                <a:gd name="connsiteX1" fmla="*/ 515007 w 515007"/>
-                <a:gd name="connsiteY1" fmla="*/ 0 h 1272977"/>
-                <a:gd name="connsiteX2" fmla="*/ 515007 w 515007"/>
-                <a:gd name="connsiteY2" fmla="*/ 1272977 h 1272977"/>
-                <a:gd name="connsiteX3" fmla="*/ 0 w 515007"/>
-                <a:gd name="connsiteY3" fmla="*/ 1272977 h 1272977"/>
-                <a:gd name="connsiteX4" fmla="*/ 0 w 515007"/>
-                <a:gd name="connsiteY4" fmla="*/ 116840 h 1272977"/>
-                <a:gd name="connsiteX0" fmla="*/ 0 w 530247"/>
-                <a:gd name="connsiteY0" fmla="*/ 116840 h 1374577"/>
-                <a:gd name="connsiteX1" fmla="*/ 515007 w 530247"/>
-                <a:gd name="connsiteY1" fmla="*/ 0 h 1374577"/>
-                <a:gd name="connsiteX2" fmla="*/ 530247 w 530247"/>
-                <a:gd name="connsiteY2" fmla="*/ 1374577 h 1374577"/>
-                <a:gd name="connsiteX3" fmla="*/ 0 w 530247"/>
-                <a:gd name="connsiteY3" fmla="*/ 1272977 h 1374577"/>
-                <a:gd name="connsiteX4" fmla="*/ 0 w 530247"/>
-                <a:gd name="connsiteY4" fmla="*/ 116840 h 1374577"/>
+                <a:gd name="connsiteX0-1" fmla="*/ 0 w 515007"/>
+                <a:gd name="connsiteY0-2" fmla="*/ 116840 h 1272977"/>
+                <a:gd name="connsiteX1-3" fmla="*/ 515007 w 515007"/>
+                <a:gd name="connsiteY1-4" fmla="*/ 0 h 1272977"/>
+                <a:gd name="connsiteX2-5" fmla="*/ 515007 w 515007"/>
+                <a:gd name="connsiteY2-6" fmla="*/ 1272977 h 1272977"/>
+                <a:gd name="connsiteX3-7" fmla="*/ 0 w 515007"/>
+                <a:gd name="connsiteY3-8" fmla="*/ 1272977 h 1272977"/>
+                <a:gd name="connsiteX4-9" fmla="*/ 0 w 515007"/>
+                <a:gd name="connsiteY4-10" fmla="*/ 116840 h 1272977"/>
+                <a:gd name="connsiteX0-11" fmla="*/ 0 w 530247"/>
+                <a:gd name="connsiteY0-12" fmla="*/ 116840 h 1374577"/>
+                <a:gd name="connsiteX1-13" fmla="*/ 515007 w 530247"/>
+                <a:gd name="connsiteY1-14" fmla="*/ 0 h 1374577"/>
+                <a:gd name="connsiteX2-15" fmla="*/ 530247 w 530247"/>
+                <a:gd name="connsiteY2-16" fmla="*/ 1374577 h 1374577"/>
+                <a:gd name="connsiteX3-17" fmla="*/ 0 w 530247"/>
+                <a:gd name="connsiteY3-18" fmla="*/ 1272977 h 1374577"/>
+                <a:gd name="connsiteX4-19" fmla="*/ 0 w 530247"/>
+                <a:gd name="connsiteY4-20" fmla="*/ 116840 h 1374577"/>
               </a:gdLst>
               <a:ahLst/>
               <a:cxnLst>
                 <a:cxn ang="0">
-                  <a:pos x="connsiteX0" y="connsiteY0"/>
+                  <a:pos x="connsiteX0-1" y="connsiteY0-2"/>
                 </a:cxn>
                 <a:cxn ang="0">
-                  <a:pos x="connsiteX1" y="connsiteY1"/>
+                  <a:pos x="connsiteX1-3" y="connsiteY1-4"/>
                 </a:cxn>
                 <a:cxn ang="0">
-                  <a:pos x="connsiteX2" y="connsiteY2"/>
+                  <a:pos x="connsiteX2-5" y="connsiteY2-6"/>
                 </a:cxn>
                 <a:cxn ang="0">
-                  <a:pos x="connsiteX3" y="connsiteY3"/>
+                  <a:pos x="connsiteX3-7" y="connsiteY3-8"/>
                 </a:cxn>
                 <a:cxn ang="0">
-                  <a:pos x="connsiteX4" y="connsiteY4"/>
+                  <a:pos x="connsiteX4-9" y="connsiteY4-10"/>
                 </a:cxn>
               </a:cxnLst>
               <a:rect l="l" t="t" r="r" b="b"/>
@@ -5910,22 +5199,18 @@
         </p:sp>
         <p:pic>
           <p:nvPicPr>
-            <p:cNvPr id="20" name="图片 19">
-              <a:extLst>
-                <a:ext uri="{FF2B5EF4-FFF2-40B4-BE49-F238E27FC236}">
-                  <a16:creationId xmlns:a16="http://schemas.microsoft.com/office/drawing/2014/main" id="{49051FEE-5A95-4A4C-8797-539B12DE4170}"/>
-                </a:ext>
-              </a:extLst>
-            </p:cNvPr>
+            <p:cNvPr id="20" name="图片 19"/>
             <p:cNvPicPr>
               <a:picLocks noChangeAspect="1"/>
             </p:cNvPicPr>
             <p:nvPr/>
           </p:nvPicPr>
           <p:blipFill rotWithShape="1">
-            <a:blip r:embed="rId2"/>
+            <a:blip r:embed="rId1"/>
             <a:srcRect r="60880" b="69856"/>
-            <a:stretch/>
+            <a:stretch>
+              <a:fillRect/>
+            </a:stretch>
           </p:blipFill>
           <p:spPr>
             <a:xfrm>
@@ -5943,11 +5228,6 @@
         </p:pic>
       </p:grpSp>
     </p:spTree>
-    <p:extLst>
-      <p:ext uri="{BB962C8B-B14F-4D97-AF65-F5344CB8AC3E}">
-        <p14:creationId xmlns:p14="http://schemas.microsoft.com/office/powerpoint/2010/main" val="2126770628"/>
-      </p:ext>
-    </p:extLst>
   </p:cSld>
   <p:clrMapOvr>
     <a:masterClrMapping/>
@@ -5974,13 +5254,7 @@
       </p:grpSpPr>
       <p:sp>
         <p:nvSpPr>
-          <p:cNvPr id="45" name="任意多边形: 形状 44">
-            <a:extLst>
-              <a:ext uri="{FF2B5EF4-FFF2-40B4-BE49-F238E27FC236}">
-                <a16:creationId xmlns:a16="http://schemas.microsoft.com/office/drawing/2014/main" id="{D5792600-D60C-48B3-8141-E28B639C0234}"/>
-              </a:ext>
-            </a:extLst>
-          </p:cNvPr>
+          <p:cNvPr id="45" name="任意多边形: 形状 44"/>
           <p:cNvSpPr/>
           <p:nvPr/>
         </p:nvSpPr>
@@ -6147,12 +5421,348 @@
           </a:p>
         </p:txBody>
       </p:sp>
+      <p:sp>
+        <p:nvSpPr>
+          <p:cNvPr id="2" name="流程图: 排序 1"/>
+          <p:cNvSpPr/>
+          <p:nvPr/>
+        </p:nvSpPr>
+        <p:spPr>
+          <a:xfrm>
+            <a:off x="4570095" y="4213225"/>
+            <a:ext cx="622300" cy="1083310"/>
+          </a:xfrm>
+          <a:prstGeom prst="flowChartSort">
+            <a:avLst/>
+          </a:prstGeom>
+          <a:gradFill>
+            <a:gsLst>
+              <a:gs pos="0">
+                <a:srgbClr val="FE4444"/>
+              </a:gs>
+              <a:gs pos="100000">
+                <a:srgbClr val="832B2B"/>
+              </a:gs>
+            </a:gsLst>
+            <a:lin scaled="0"/>
+          </a:gradFill>
+          <a:ln>
+            <a:solidFill>
+              <a:schemeClr val="tx1"/>
+            </a:solidFill>
+          </a:ln>
+        </p:spPr>
+        <p:style>
+          <a:lnRef idx="2">
+            <a:schemeClr val="accent1">
+              <a:lumMod val="75000"/>
+            </a:schemeClr>
+          </a:lnRef>
+          <a:fillRef idx="1">
+            <a:schemeClr val="accent1"/>
+          </a:fillRef>
+          <a:effectRef idx="0">
+            <a:srgbClr val="FFFFFF"/>
+          </a:effectRef>
+          <a:fontRef idx="minor">
+            <a:schemeClr val="lt1"/>
+          </a:fontRef>
+        </p:style>
+        <p:txBody>
+          <a:bodyPr rtlCol="0" anchor="ctr"/>
+          <a:p>
+            <a:pPr algn="ctr"/>
+            <a:endParaRPr lang="zh-CN" altLang="en-US"/>
+          </a:p>
+        </p:txBody>
+      </p:sp>
+      <p:pic>
+        <p:nvPicPr>
+          <p:cNvPr id="3" name="图片 2" descr="3649391"/>
+          <p:cNvPicPr>
+            <a:picLocks noChangeAspect="1"/>
+          </p:cNvPicPr>
+          <p:nvPr/>
+        </p:nvPicPr>
+        <p:blipFill>
+          <a:blip r:embed="rId1">
+            <a:extLst>
+              <a:ext uri="{96DAC541-7B7A-43D3-8B79-37D633B846F1}">
+                <asvg:svgBlip xmlns:asvg="http://schemas.microsoft.com/office/drawing/2016/SVG/main" r:embed="rId2"/>
+              </a:ext>
+            </a:extLst>
+          </a:blip>
+          <a:stretch>
+            <a:fillRect/>
+          </a:stretch>
+        </p:blipFill>
+        <p:spPr>
+          <a:xfrm>
+            <a:off x="0" y="0"/>
+            <a:ext cx="914400" cy="914400"/>
+          </a:xfrm>
+          <a:prstGeom prst="rect">
+            <a:avLst/>
+          </a:prstGeom>
+        </p:spPr>
+      </p:pic>
+      <p:pic>
+        <p:nvPicPr>
+          <p:cNvPr id="4" name="图片 3" descr="21557099"/>
+          <p:cNvPicPr>
+            <a:picLocks noChangeAspect="1"/>
+          </p:cNvPicPr>
+          <p:nvPr/>
+        </p:nvPicPr>
+        <p:blipFill>
+          <a:blip r:embed="rId3">
+            <a:extLst>
+              <a:ext uri="{96DAC541-7B7A-43D3-8B79-37D633B846F1}">
+                <asvg:svgBlip xmlns:asvg="http://schemas.microsoft.com/office/drawing/2016/SVG/main" r:embed="rId4"/>
+              </a:ext>
+            </a:extLst>
+          </a:blip>
+          <a:stretch>
+            <a:fillRect/>
+          </a:stretch>
+        </p:blipFill>
+        <p:spPr>
+          <a:xfrm rot="16200000">
+            <a:off x="5638800" y="914400"/>
+            <a:ext cx="914400" cy="914400"/>
+          </a:xfrm>
+          <a:prstGeom prst="rect">
+            <a:avLst/>
+          </a:prstGeom>
+        </p:spPr>
+      </p:pic>
+      <p:pic>
+        <p:nvPicPr>
+          <p:cNvPr id="5" name="图片 4" descr="21557086"/>
+          <p:cNvPicPr>
+            <a:picLocks noChangeAspect="1"/>
+          </p:cNvPicPr>
+          <p:nvPr/>
+        </p:nvPicPr>
+        <p:blipFill>
+          <a:blip r:embed="rId5">
+            <a:extLst>
+              <a:ext uri="{96DAC541-7B7A-43D3-8B79-37D633B846F1}">
+                <asvg:svgBlip xmlns:asvg="http://schemas.microsoft.com/office/drawing/2016/SVG/main" r:embed="rId6"/>
+              </a:ext>
+            </a:extLst>
+          </a:blip>
+          <a:stretch>
+            <a:fillRect/>
+          </a:stretch>
+        </p:blipFill>
+        <p:spPr>
+          <a:xfrm rot="16200000">
+            <a:off x="2887345" y="1321435"/>
+            <a:ext cx="914400" cy="914400"/>
+          </a:xfrm>
+          <a:prstGeom prst="rect">
+            <a:avLst/>
+          </a:prstGeom>
+        </p:spPr>
+      </p:pic>
+      <p:pic>
+        <p:nvPicPr>
+          <p:cNvPr id="6" name="图片 5" descr="21557098"/>
+          <p:cNvPicPr>
+            <a:picLocks noChangeAspect="1"/>
+          </p:cNvPicPr>
+          <p:nvPr/>
+        </p:nvPicPr>
+        <p:blipFill>
+          <a:blip r:embed="rId7">
+            <a:extLst>
+              <a:ext uri="{96DAC541-7B7A-43D3-8B79-37D633B846F1}">
+                <asvg:svgBlip xmlns:asvg="http://schemas.microsoft.com/office/drawing/2016/SVG/main" r:embed="rId8"/>
+              </a:ext>
+            </a:extLst>
+          </a:blip>
+          <a:stretch>
+            <a:fillRect/>
+          </a:stretch>
+        </p:blipFill>
+        <p:spPr>
+          <a:xfrm>
+            <a:off x="2743200" y="0"/>
+            <a:ext cx="914400" cy="914400"/>
+          </a:xfrm>
+          <a:prstGeom prst="rect">
+            <a:avLst/>
+          </a:prstGeom>
+        </p:spPr>
+      </p:pic>
+      <p:pic>
+        <p:nvPicPr>
+          <p:cNvPr id="7" name="图片 6" descr="21575477"/>
+          <p:cNvPicPr>
+            <a:picLocks noChangeAspect="1"/>
+          </p:cNvPicPr>
+          <p:nvPr/>
+        </p:nvPicPr>
+        <p:blipFill>
+          <a:blip r:embed="rId9">
+            <a:extLst>
+              <a:ext uri="{96DAC541-7B7A-43D3-8B79-37D633B846F1}">
+                <asvg:svgBlip xmlns:asvg="http://schemas.microsoft.com/office/drawing/2016/SVG/main" r:embed="rId10"/>
+              </a:ext>
+            </a:extLst>
+          </a:blip>
+          <a:stretch>
+            <a:fillRect/>
+          </a:stretch>
+        </p:blipFill>
+        <p:spPr>
+          <a:xfrm>
+            <a:off x="4157345" y="3141345"/>
+            <a:ext cx="3716655" cy="3716655"/>
+          </a:xfrm>
+          <a:prstGeom prst="rect">
+            <a:avLst/>
+          </a:prstGeom>
+          <a:effectLst>
+            <a:glow rad="228600">
+              <a:schemeClr val="accent4">
+                <a:satMod val="175000"/>
+                <a:alpha val="40000"/>
+              </a:schemeClr>
+            </a:glow>
+          </a:effectLst>
+        </p:spPr>
+      </p:pic>
+      <p:pic>
+        <p:nvPicPr>
+          <p:cNvPr id="8" name="图片 7" descr="21575477"/>
+          <p:cNvPicPr>
+            <a:picLocks noChangeAspect="1"/>
+          </p:cNvPicPr>
+          <p:nvPr/>
+        </p:nvPicPr>
+        <p:blipFill>
+          <a:blip r:embed="rId11">
+            <a:extLst>
+              <a:ext uri="{96DAC541-7B7A-43D3-8B79-37D633B846F1}">
+                <asvg:svgBlip xmlns:asvg="http://schemas.microsoft.com/office/drawing/2016/SVG/main" r:embed="rId12"/>
+              </a:ext>
+            </a:extLst>
+          </a:blip>
+          <a:stretch>
+            <a:fillRect/>
+          </a:stretch>
+        </p:blipFill>
+        <p:spPr>
+          <a:xfrm>
+            <a:off x="-233045" y="2981960"/>
+            <a:ext cx="3716655" cy="3716655"/>
+          </a:xfrm>
+          <a:prstGeom prst="rect">
+            <a:avLst/>
+          </a:prstGeom>
+          <a:effectLst>
+            <a:glow rad="228600">
+              <a:schemeClr val="accent2">
+                <a:satMod val="175000"/>
+                <a:alpha val="40000"/>
+              </a:schemeClr>
+            </a:glow>
+          </a:effectLst>
+        </p:spPr>
+      </p:pic>
+      <p:pic>
+        <p:nvPicPr>
+          <p:cNvPr id="9" name="图片 8" descr="21590428"/>
+          <p:cNvPicPr>
+            <a:picLocks noChangeAspect="1"/>
+          </p:cNvPicPr>
+          <p:nvPr/>
+        </p:nvPicPr>
+        <p:blipFill>
+          <a:blip r:embed="rId13">
+            <a:extLst>
+              <a:ext uri="{96DAC541-7B7A-43D3-8B79-37D633B846F1}">
+                <asvg:svgBlip xmlns:asvg="http://schemas.microsoft.com/office/drawing/2016/SVG/main" r:embed="rId14"/>
+              </a:ext>
+            </a:extLst>
+          </a:blip>
+          <a:stretch>
+            <a:fillRect/>
+          </a:stretch>
+        </p:blipFill>
+        <p:spPr>
+          <a:xfrm>
+            <a:off x="8188960" y="2981960"/>
+            <a:ext cx="3928110" cy="3928110"/>
+          </a:xfrm>
+          <a:prstGeom prst="rect">
+            <a:avLst/>
+          </a:prstGeom>
+        </p:spPr>
+      </p:pic>
+      <p:pic>
+        <p:nvPicPr>
+          <p:cNvPr id="10" name="图片 9" descr="21557099"/>
+          <p:cNvPicPr>
+            <a:picLocks noChangeAspect="1"/>
+          </p:cNvPicPr>
+          <p:nvPr/>
+        </p:nvPicPr>
+        <p:blipFill>
+          <a:blip r:embed="rId3">
+            <a:extLst>
+              <a:ext uri="{96DAC541-7B7A-43D3-8B79-37D633B846F1}">
+                <asvg:svgBlip xmlns:asvg="http://schemas.microsoft.com/office/drawing/2016/SVG/main" r:embed="rId15"/>
+              </a:ext>
+            </a:extLst>
+          </a:blip>
+          <a:stretch>
+            <a:fillRect/>
+          </a:stretch>
+        </p:blipFill>
+        <p:spPr>
+          <a:xfrm rot="5400000">
+            <a:off x="5638800" y="1741805"/>
+            <a:ext cx="914400" cy="914400"/>
+          </a:xfrm>
+          <a:prstGeom prst="rect">
+            <a:avLst/>
+          </a:prstGeom>
+        </p:spPr>
+      </p:pic>
+      <p:pic>
+        <p:nvPicPr>
+          <p:cNvPr id="11" name="图片 10" descr="21557086"/>
+          <p:cNvPicPr>
+            <a:picLocks noChangeAspect="1"/>
+          </p:cNvPicPr>
+          <p:nvPr/>
+        </p:nvPicPr>
+        <p:blipFill>
+          <a:blip r:embed="rId5">
+            <a:extLst>
+              <a:ext uri="{96DAC541-7B7A-43D3-8B79-37D633B846F1}">
+                <asvg:svgBlip xmlns:asvg="http://schemas.microsoft.com/office/drawing/2016/SVG/main" r:embed="rId6"/>
+              </a:ext>
+            </a:extLst>
+          </a:blip>
+          <a:stretch>
+            <a:fillRect/>
+          </a:stretch>
+        </p:blipFill>
+        <p:spPr>
+          <a:xfrm rot="5400000">
+            <a:off x="2887345" y="2226945"/>
+            <a:ext cx="914400" cy="914400"/>
+          </a:xfrm>
+          <a:prstGeom prst="rect">
+            <a:avLst/>
+          </a:prstGeom>
+        </p:spPr>
+      </p:pic>
     </p:spTree>
-    <p:extLst>
-      <p:ext uri="{BB962C8B-B14F-4D97-AF65-F5344CB8AC3E}">
-        <p14:creationId xmlns:p14="http://schemas.microsoft.com/office/powerpoint/2010/main" val="2869743511"/>
-      </p:ext>
-    </p:extLst>
   </p:cSld>
   <p:clrMapOvr>
     <a:masterClrMapping/>
@@ -6179,13 +5789,7 @@
       </p:grpSpPr>
       <p:grpSp>
         <p:nvGrpSpPr>
-          <p:cNvPr id="9" name="组合 8">
-            <a:extLst>
-              <a:ext uri="{FF2B5EF4-FFF2-40B4-BE49-F238E27FC236}">
-                <a16:creationId xmlns:a16="http://schemas.microsoft.com/office/drawing/2014/main" id="{EAD12A31-BDC3-49F0-96E9-3EBDB9DE5AF9}"/>
-              </a:ext>
-            </a:extLst>
-          </p:cNvPr>
+          <p:cNvPr id="9" name="组合 8"/>
           <p:cNvGrpSpPr/>
           <p:nvPr/>
         </p:nvGrpSpPr>
@@ -6199,13 +5803,7 @@
         </p:grpSpPr>
         <p:sp>
           <p:nvSpPr>
-            <p:cNvPr id="2" name="矩形 1">
-              <a:extLst>
-                <a:ext uri="{FF2B5EF4-FFF2-40B4-BE49-F238E27FC236}">
-                  <a16:creationId xmlns:a16="http://schemas.microsoft.com/office/drawing/2014/main" id="{B92F7FD4-4BE6-46AC-9E55-D6A7B0D5CB21}"/>
-                </a:ext>
-              </a:extLst>
-            </p:cNvPr>
+            <p:cNvPr id="2" name="矩形 1"/>
             <p:cNvSpPr/>
             <p:nvPr/>
           </p:nvSpPr>
@@ -6227,43 +5825,43 @@
                 <a:gd name="connsiteY3" fmla="*/ 1156137 h 1156137"/>
                 <a:gd name="connsiteX4" fmla="*/ 0 w 515007"/>
                 <a:gd name="connsiteY4" fmla="*/ 0 h 1156137"/>
-                <a:gd name="connsiteX0" fmla="*/ 0 w 515007"/>
-                <a:gd name="connsiteY0" fmla="*/ 116840 h 1272977"/>
-                <a:gd name="connsiteX1" fmla="*/ 515007 w 515007"/>
-                <a:gd name="connsiteY1" fmla="*/ 0 h 1272977"/>
-                <a:gd name="connsiteX2" fmla="*/ 515007 w 515007"/>
-                <a:gd name="connsiteY2" fmla="*/ 1272977 h 1272977"/>
-                <a:gd name="connsiteX3" fmla="*/ 0 w 515007"/>
-                <a:gd name="connsiteY3" fmla="*/ 1272977 h 1272977"/>
-                <a:gd name="connsiteX4" fmla="*/ 0 w 515007"/>
-                <a:gd name="connsiteY4" fmla="*/ 116840 h 1272977"/>
-                <a:gd name="connsiteX0" fmla="*/ 0 w 530247"/>
-                <a:gd name="connsiteY0" fmla="*/ 116840 h 1374577"/>
-                <a:gd name="connsiteX1" fmla="*/ 515007 w 530247"/>
-                <a:gd name="connsiteY1" fmla="*/ 0 h 1374577"/>
-                <a:gd name="connsiteX2" fmla="*/ 530247 w 530247"/>
-                <a:gd name="connsiteY2" fmla="*/ 1374577 h 1374577"/>
-                <a:gd name="connsiteX3" fmla="*/ 0 w 530247"/>
-                <a:gd name="connsiteY3" fmla="*/ 1272977 h 1374577"/>
-                <a:gd name="connsiteX4" fmla="*/ 0 w 530247"/>
-                <a:gd name="connsiteY4" fmla="*/ 116840 h 1374577"/>
+                <a:gd name="connsiteX0-1" fmla="*/ 0 w 515007"/>
+                <a:gd name="connsiteY0-2" fmla="*/ 116840 h 1272977"/>
+                <a:gd name="connsiteX1-3" fmla="*/ 515007 w 515007"/>
+                <a:gd name="connsiteY1-4" fmla="*/ 0 h 1272977"/>
+                <a:gd name="connsiteX2-5" fmla="*/ 515007 w 515007"/>
+                <a:gd name="connsiteY2-6" fmla="*/ 1272977 h 1272977"/>
+                <a:gd name="connsiteX3-7" fmla="*/ 0 w 515007"/>
+                <a:gd name="connsiteY3-8" fmla="*/ 1272977 h 1272977"/>
+                <a:gd name="connsiteX4-9" fmla="*/ 0 w 515007"/>
+                <a:gd name="connsiteY4-10" fmla="*/ 116840 h 1272977"/>
+                <a:gd name="connsiteX0-11" fmla="*/ 0 w 530247"/>
+                <a:gd name="connsiteY0-12" fmla="*/ 116840 h 1374577"/>
+                <a:gd name="connsiteX1-13" fmla="*/ 515007 w 530247"/>
+                <a:gd name="connsiteY1-14" fmla="*/ 0 h 1374577"/>
+                <a:gd name="connsiteX2-15" fmla="*/ 530247 w 530247"/>
+                <a:gd name="connsiteY2-16" fmla="*/ 1374577 h 1374577"/>
+                <a:gd name="connsiteX3-17" fmla="*/ 0 w 530247"/>
+                <a:gd name="connsiteY3-18" fmla="*/ 1272977 h 1374577"/>
+                <a:gd name="connsiteX4-19" fmla="*/ 0 w 530247"/>
+                <a:gd name="connsiteY4-20" fmla="*/ 116840 h 1374577"/>
               </a:gdLst>
               <a:ahLst/>
               <a:cxnLst>
                 <a:cxn ang="0">
-                  <a:pos x="connsiteX0" y="connsiteY0"/>
+                  <a:pos x="connsiteX0-1" y="connsiteY0-2"/>
                 </a:cxn>
                 <a:cxn ang="0">
-                  <a:pos x="connsiteX1" y="connsiteY1"/>
+                  <a:pos x="connsiteX1-3" y="connsiteY1-4"/>
                 </a:cxn>
                 <a:cxn ang="0">
-                  <a:pos x="connsiteX2" y="connsiteY2"/>
+                  <a:pos x="connsiteX2-5" y="connsiteY2-6"/>
                 </a:cxn>
                 <a:cxn ang="0">
-                  <a:pos x="connsiteX3" y="connsiteY3"/>
+                  <a:pos x="connsiteX3-7" y="connsiteY3-8"/>
                 </a:cxn>
                 <a:cxn ang="0">
-                  <a:pos x="connsiteX4" y="connsiteY4"/>
+                  <a:pos x="connsiteX4-9" y="connsiteY4-10"/>
                 </a:cxn>
               </a:cxnLst>
               <a:rect l="l" t="t" r="r" b="b"/>
@@ -6326,22 +5924,18 @@
         </p:sp>
         <p:pic>
           <p:nvPicPr>
-            <p:cNvPr id="8" name="图片 7">
-              <a:extLst>
-                <a:ext uri="{FF2B5EF4-FFF2-40B4-BE49-F238E27FC236}">
-                  <a16:creationId xmlns:a16="http://schemas.microsoft.com/office/drawing/2014/main" id="{24AB777D-7DEE-496A-A213-253120F854C7}"/>
-                </a:ext>
-              </a:extLst>
-            </p:cNvPr>
+            <p:cNvPr id="8" name="图片 7"/>
             <p:cNvPicPr>
               <a:picLocks noChangeAspect="1"/>
             </p:cNvPicPr>
             <p:nvPr/>
           </p:nvPicPr>
           <p:blipFill rotWithShape="1">
-            <a:blip r:embed="rId2"/>
+            <a:blip r:embed="rId1"/>
             <a:srcRect r="60880" b="69856"/>
-            <a:stretch/>
+            <a:stretch>
+              <a:fillRect/>
+            </a:stretch>
           </p:blipFill>
           <p:spPr>
             <a:xfrm>
@@ -6359,11 +5953,6 @@
         </p:pic>
       </p:grpSp>
     </p:spTree>
-    <p:extLst>
-      <p:ext uri="{BB962C8B-B14F-4D97-AF65-F5344CB8AC3E}">
-        <p14:creationId xmlns:p14="http://schemas.microsoft.com/office/powerpoint/2010/main" val="996371985"/>
-      </p:ext>
-    </p:extLst>
   </p:cSld>
   <p:clrMapOvr>
     <a:masterClrMapping/>
@@ -6390,13 +5979,7 @@
       </p:grpSpPr>
       <p:sp>
         <p:nvSpPr>
-          <p:cNvPr id="3" name="椭圆 2">
-            <a:extLst>
-              <a:ext uri="{FF2B5EF4-FFF2-40B4-BE49-F238E27FC236}">
-                <a16:creationId xmlns:a16="http://schemas.microsoft.com/office/drawing/2014/main" id="{3F13ED73-53AA-4C1C-9C97-FA1ACC3F7C6F}"/>
-              </a:ext>
-            </a:extLst>
-          </p:cNvPr>
+          <p:cNvPr id="3" name="椭圆 2"/>
           <p:cNvSpPr/>
           <p:nvPr/>
         </p:nvSpPr>
@@ -6448,13 +6031,7 @@
       </p:sp>
       <p:sp>
         <p:nvSpPr>
-          <p:cNvPr id="10" name="星形: 六角 9">
-            <a:extLst>
-              <a:ext uri="{FF2B5EF4-FFF2-40B4-BE49-F238E27FC236}">
-                <a16:creationId xmlns:a16="http://schemas.microsoft.com/office/drawing/2014/main" id="{52619068-ADEE-4CE9-A1BA-FE12DE119DEE}"/>
-              </a:ext>
-            </a:extLst>
-          </p:cNvPr>
+          <p:cNvPr id="10" name="星形: 六角 9"/>
           <p:cNvSpPr/>
           <p:nvPr/>
         </p:nvSpPr>
@@ -6502,13 +6079,7 @@
       </p:sp>
       <p:sp>
         <p:nvSpPr>
-          <p:cNvPr id="2" name="椭圆 1">
-            <a:extLst>
-              <a:ext uri="{FF2B5EF4-FFF2-40B4-BE49-F238E27FC236}">
-                <a16:creationId xmlns:a16="http://schemas.microsoft.com/office/drawing/2014/main" id="{A382E495-ADC9-4734-B272-E565C41E4730}"/>
-              </a:ext>
-            </a:extLst>
-          </p:cNvPr>
+          <p:cNvPr id="2" name="椭圆 1"/>
           <p:cNvSpPr/>
           <p:nvPr/>
         </p:nvSpPr>
@@ -6556,13 +6127,7 @@
       </p:sp>
       <p:sp>
         <p:nvSpPr>
-          <p:cNvPr id="6" name="椭圆 5">
-            <a:extLst>
-              <a:ext uri="{FF2B5EF4-FFF2-40B4-BE49-F238E27FC236}">
-                <a16:creationId xmlns:a16="http://schemas.microsoft.com/office/drawing/2014/main" id="{069C437A-2B43-493E-9863-075119BED38A}"/>
-              </a:ext>
-            </a:extLst>
-          </p:cNvPr>
+          <p:cNvPr id="6" name="椭圆 5"/>
           <p:cNvSpPr/>
           <p:nvPr/>
         </p:nvSpPr>
@@ -6611,26 +6176,20 @@
       </p:sp>
       <p:pic>
         <p:nvPicPr>
-          <p:cNvPr id="5" name="图形 4" descr="女性宇航员 轮廓">
-            <a:extLst>
-              <a:ext uri="{FF2B5EF4-FFF2-40B4-BE49-F238E27FC236}">
-                <a16:creationId xmlns:a16="http://schemas.microsoft.com/office/drawing/2014/main" id="{4EBFD623-0ABB-44B1-97D8-F4AE51166BD8}"/>
-              </a:ext>
-            </a:extLst>
-          </p:cNvPr>
+          <p:cNvPr id="5" name="图形 4" descr="女性宇航员 轮廓"/>
           <p:cNvPicPr>
             <a:picLocks noChangeAspect="1"/>
           </p:cNvPicPr>
           <p:nvPr/>
         </p:nvPicPr>
         <p:blipFill>
-          <a:blip r:embed="rId2">
+          <a:blip r:embed="rId1">
             <a:extLst>
               <a:ext uri="{28A0092B-C50C-407E-A947-70E740481C1C}">
                 <a14:useLocalDpi xmlns:a14="http://schemas.microsoft.com/office/drawing/2010/main" val="0"/>
               </a:ext>
               <a:ext uri="{96DAC541-7B7A-43D3-8B79-37D633B846F1}">
-                <asvg:svgBlip xmlns:asvg="http://schemas.microsoft.com/office/drawing/2016/SVG/main" r:embed="rId3"/>
+                <asvg:svgBlip xmlns:asvg="http://schemas.microsoft.com/office/drawing/2016/SVG/main" r:embed="rId2"/>
               </a:ext>
             </a:extLst>
           </a:blip>
@@ -6650,26 +6209,20 @@
       </p:pic>
       <p:pic>
         <p:nvPicPr>
-          <p:cNvPr id="7" name="图形 6" descr="足球 纯色填充">
-            <a:extLst>
-              <a:ext uri="{FF2B5EF4-FFF2-40B4-BE49-F238E27FC236}">
-                <a16:creationId xmlns:a16="http://schemas.microsoft.com/office/drawing/2014/main" id="{EE7235AE-DA86-4808-95E1-223AEB49FCE1}"/>
-              </a:ext>
-            </a:extLst>
-          </p:cNvPr>
+          <p:cNvPr id="7" name="图形 6" descr="足球 纯色填充"/>
           <p:cNvPicPr>
             <a:picLocks noChangeAspect="1"/>
           </p:cNvPicPr>
           <p:nvPr/>
         </p:nvPicPr>
         <p:blipFill>
-          <a:blip r:embed="rId4">
+          <a:blip r:embed="rId3">
             <a:extLst>
               <a:ext uri="{28A0092B-C50C-407E-A947-70E740481C1C}">
                 <a14:useLocalDpi xmlns:a14="http://schemas.microsoft.com/office/drawing/2010/main" val="0"/>
               </a:ext>
               <a:ext uri="{96DAC541-7B7A-43D3-8B79-37D633B846F1}">
-                <asvg:svgBlip xmlns:asvg="http://schemas.microsoft.com/office/drawing/2016/SVG/main" r:embed="rId5"/>
+                <asvg:svgBlip xmlns:asvg="http://schemas.microsoft.com/office/drawing/2016/SVG/main" r:embed="rId4"/>
               </a:ext>
             </a:extLst>
           </a:blip>
@@ -6688,11 +6241,6 @@
         </p:spPr>
       </p:pic>
     </p:spTree>
-    <p:extLst>
-      <p:ext uri="{BB962C8B-B14F-4D97-AF65-F5344CB8AC3E}">
-        <p14:creationId xmlns:p14="http://schemas.microsoft.com/office/powerpoint/2010/main" val="1273415017"/>
-      </p:ext>
-    </p:extLst>
   </p:cSld>
   <p:clrMapOvr>
     <a:masterClrMapping/>
@@ -6719,13 +6267,7 @@
       </p:grpSpPr>
       <p:sp>
         <p:nvSpPr>
-          <p:cNvPr id="2" name="椭圆 1">
-            <a:extLst>
-              <a:ext uri="{FF2B5EF4-FFF2-40B4-BE49-F238E27FC236}">
-                <a16:creationId xmlns:a16="http://schemas.microsoft.com/office/drawing/2014/main" id="{3C2488C9-4684-48EC-8D1C-6B717DC62ACB}"/>
-              </a:ext>
-            </a:extLst>
-          </p:cNvPr>
+          <p:cNvPr id="2" name="椭圆 1"/>
           <p:cNvSpPr/>
           <p:nvPr/>
         </p:nvSpPr>
@@ -6776,13 +6318,7 @@
       </p:sp>
       <p:sp>
         <p:nvSpPr>
-          <p:cNvPr id="3" name="星形: 六角 2">
-            <a:extLst>
-              <a:ext uri="{FF2B5EF4-FFF2-40B4-BE49-F238E27FC236}">
-                <a16:creationId xmlns:a16="http://schemas.microsoft.com/office/drawing/2014/main" id="{8F03576F-8D59-433B-AD0B-2DAB67B070AA}"/>
-              </a:ext>
-            </a:extLst>
-          </p:cNvPr>
+          <p:cNvPr id="3" name="星形: 六角 2"/>
           <p:cNvSpPr/>
           <p:nvPr/>
         </p:nvSpPr>
@@ -6836,13 +6372,7 @@
       </p:sp>
       <p:sp>
         <p:nvSpPr>
-          <p:cNvPr id="4" name="椭圆 3">
-            <a:extLst>
-              <a:ext uri="{FF2B5EF4-FFF2-40B4-BE49-F238E27FC236}">
-                <a16:creationId xmlns:a16="http://schemas.microsoft.com/office/drawing/2014/main" id="{AD429318-4689-43CC-A7CB-773E2DC902F1}"/>
-              </a:ext>
-            </a:extLst>
-          </p:cNvPr>
+          <p:cNvPr id="4" name="椭圆 3"/>
           <p:cNvSpPr/>
           <p:nvPr/>
         </p:nvSpPr>
@@ -6903,13 +6433,7 @@
       </p:sp>
       <p:sp>
         <p:nvSpPr>
-          <p:cNvPr id="6" name="椭圆 5">
-            <a:extLst>
-              <a:ext uri="{FF2B5EF4-FFF2-40B4-BE49-F238E27FC236}">
-                <a16:creationId xmlns:a16="http://schemas.microsoft.com/office/drawing/2014/main" id="{D580A93E-E4B8-4209-B4EF-82A90DD1D5E0}"/>
-              </a:ext>
-            </a:extLst>
-          </p:cNvPr>
+          <p:cNvPr id="6" name="椭圆 5"/>
           <p:cNvSpPr/>
           <p:nvPr/>
         </p:nvSpPr>
@@ -6960,13 +6484,7 @@
       </p:sp>
       <p:sp>
         <p:nvSpPr>
-          <p:cNvPr id="7" name="星形: 六角 6">
-            <a:extLst>
-              <a:ext uri="{FF2B5EF4-FFF2-40B4-BE49-F238E27FC236}">
-                <a16:creationId xmlns:a16="http://schemas.microsoft.com/office/drawing/2014/main" id="{2655ACD1-6B2A-4FA6-8C98-020F0E245BD2}"/>
-              </a:ext>
-            </a:extLst>
-          </p:cNvPr>
+          <p:cNvPr id="7" name="星形: 六角 6"/>
           <p:cNvSpPr/>
           <p:nvPr/>
         </p:nvSpPr>
@@ -7020,13 +6538,7 @@
       </p:sp>
       <p:sp>
         <p:nvSpPr>
-          <p:cNvPr id="8" name="椭圆 7">
-            <a:extLst>
-              <a:ext uri="{FF2B5EF4-FFF2-40B4-BE49-F238E27FC236}">
-                <a16:creationId xmlns:a16="http://schemas.microsoft.com/office/drawing/2014/main" id="{73D5814D-AAE6-4791-B6FC-7BA530AA91E9}"/>
-              </a:ext>
-            </a:extLst>
-          </p:cNvPr>
+          <p:cNvPr id="8" name="椭圆 7"/>
           <p:cNvSpPr/>
           <p:nvPr/>
         </p:nvSpPr>
@@ -7087,13 +6599,7 @@
       </p:sp>
       <p:sp>
         <p:nvSpPr>
-          <p:cNvPr id="9" name="椭圆 8">
-            <a:extLst>
-              <a:ext uri="{FF2B5EF4-FFF2-40B4-BE49-F238E27FC236}">
-                <a16:creationId xmlns:a16="http://schemas.microsoft.com/office/drawing/2014/main" id="{49E975C6-ADB6-44BB-B15B-38077811E371}"/>
-              </a:ext>
-            </a:extLst>
-          </p:cNvPr>
+          <p:cNvPr id="9" name="椭圆 8"/>
           <p:cNvSpPr/>
           <p:nvPr/>
         </p:nvSpPr>
@@ -7144,13 +6650,7 @@
       </p:sp>
       <p:sp>
         <p:nvSpPr>
-          <p:cNvPr id="10" name="星形: 六角 9">
-            <a:extLst>
-              <a:ext uri="{FF2B5EF4-FFF2-40B4-BE49-F238E27FC236}">
-                <a16:creationId xmlns:a16="http://schemas.microsoft.com/office/drawing/2014/main" id="{E2AB1A15-4B78-45BB-ABBB-DD8D8279457E}"/>
-              </a:ext>
-            </a:extLst>
-          </p:cNvPr>
+          <p:cNvPr id="10" name="星形: 六角 9"/>
           <p:cNvSpPr/>
           <p:nvPr/>
         </p:nvSpPr>
@@ -7204,13 +6704,7 @@
       </p:sp>
       <p:sp>
         <p:nvSpPr>
-          <p:cNvPr id="11" name="椭圆 10">
-            <a:extLst>
-              <a:ext uri="{FF2B5EF4-FFF2-40B4-BE49-F238E27FC236}">
-                <a16:creationId xmlns:a16="http://schemas.microsoft.com/office/drawing/2014/main" id="{6DD979E4-5A68-4724-A2DE-5D98476B9FFB}"/>
-              </a:ext>
-            </a:extLst>
-          </p:cNvPr>
+          <p:cNvPr id="11" name="椭圆 10"/>
           <p:cNvSpPr/>
           <p:nvPr/>
         </p:nvSpPr>
@@ -7270,11 +6764,6 @@
         </p:txBody>
       </p:sp>
     </p:spTree>
-    <p:extLst>
-      <p:ext uri="{BB962C8B-B14F-4D97-AF65-F5344CB8AC3E}">
-        <p14:creationId xmlns:p14="http://schemas.microsoft.com/office/powerpoint/2010/main" val="16986644"/>
-      </p:ext>
-    </p:extLst>
   </p:cSld>
   <p:clrMapOvr>
     <a:masterClrMapping/>
@@ -7301,13 +6790,7 @@
       </p:grpSpPr>
       <p:sp>
         <p:nvSpPr>
-          <p:cNvPr id="2" name="椭圆 1">
-            <a:extLst>
-              <a:ext uri="{FF2B5EF4-FFF2-40B4-BE49-F238E27FC236}">
-                <a16:creationId xmlns:a16="http://schemas.microsoft.com/office/drawing/2014/main" id="{3C2488C9-4684-48EC-8D1C-6B717DC62ACB}"/>
-              </a:ext>
-            </a:extLst>
-          </p:cNvPr>
+          <p:cNvPr id="2" name="椭圆 1"/>
           <p:cNvSpPr/>
           <p:nvPr/>
         </p:nvSpPr>
@@ -7358,13 +6841,7 @@
       </p:sp>
       <p:sp>
         <p:nvSpPr>
-          <p:cNvPr id="3" name="星形: 六角 2">
-            <a:extLst>
-              <a:ext uri="{FF2B5EF4-FFF2-40B4-BE49-F238E27FC236}">
-                <a16:creationId xmlns:a16="http://schemas.microsoft.com/office/drawing/2014/main" id="{8F03576F-8D59-433B-AD0B-2DAB67B070AA}"/>
-              </a:ext>
-            </a:extLst>
-          </p:cNvPr>
+          <p:cNvPr id="3" name="星形: 六角 2"/>
           <p:cNvSpPr/>
           <p:nvPr/>
         </p:nvSpPr>
@@ -7418,13 +6895,7 @@
       </p:sp>
       <p:sp>
         <p:nvSpPr>
-          <p:cNvPr id="4" name="椭圆 3">
-            <a:extLst>
-              <a:ext uri="{FF2B5EF4-FFF2-40B4-BE49-F238E27FC236}">
-                <a16:creationId xmlns:a16="http://schemas.microsoft.com/office/drawing/2014/main" id="{AD429318-4689-43CC-A7CB-773E2DC902F1}"/>
-              </a:ext>
-            </a:extLst>
-          </p:cNvPr>
+          <p:cNvPr id="4" name="椭圆 3"/>
           <p:cNvSpPr/>
           <p:nvPr/>
         </p:nvSpPr>
@@ -7485,13 +6956,7 @@
       </p:sp>
       <p:sp>
         <p:nvSpPr>
-          <p:cNvPr id="12" name="椭圆 11">
-            <a:extLst>
-              <a:ext uri="{FF2B5EF4-FFF2-40B4-BE49-F238E27FC236}">
-                <a16:creationId xmlns:a16="http://schemas.microsoft.com/office/drawing/2014/main" id="{AAE569E0-31D0-4381-A59A-C2AFF3D06631}"/>
-              </a:ext>
-            </a:extLst>
-          </p:cNvPr>
+          <p:cNvPr id="12" name="椭圆 11"/>
           <p:cNvSpPr/>
           <p:nvPr/>
         </p:nvSpPr>
@@ -7542,13 +7007,7 @@
       </p:sp>
       <p:sp>
         <p:nvSpPr>
-          <p:cNvPr id="13" name="星形: 六角 12">
-            <a:extLst>
-              <a:ext uri="{FF2B5EF4-FFF2-40B4-BE49-F238E27FC236}">
-                <a16:creationId xmlns:a16="http://schemas.microsoft.com/office/drawing/2014/main" id="{80221F33-C456-4EF7-8EA4-537178E6378A}"/>
-              </a:ext>
-            </a:extLst>
-          </p:cNvPr>
+          <p:cNvPr id="13" name="星形: 六角 12"/>
           <p:cNvSpPr/>
           <p:nvPr/>
         </p:nvSpPr>
@@ -7602,13 +7061,7 @@
       </p:sp>
       <p:sp>
         <p:nvSpPr>
-          <p:cNvPr id="14" name="椭圆 13">
-            <a:extLst>
-              <a:ext uri="{FF2B5EF4-FFF2-40B4-BE49-F238E27FC236}">
-                <a16:creationId xmlns:a16="http://schemas.microsoft.com/office/drawing/2014/main" id="{41DD6C9D-0666-4C67-8F5D-05867F37951A}"/>
-              </a:ext>
-            </a:extLst>
-          </p:cNvPr>
+          <p:cNvPr id="14" name="椭圆 13"/>
           <p:cNvSpPr/>
           <p:nvPr/>
         </p:nvSpPr>
@@ -7669,13 +7122,7 @@
       </p:sp>
       <p:sp>
         <p:nvSpPr>
-          <p:cNvPr id="15" name="椭圆 14">
-            <a:extLst>
-              <a:ext uri="{FF2B5EF4-FFF2-40B4-BE49-F238E27FC236}">
-                <a16:creationId xmlns:a16="http://schemas.microsoft.com/office/drawing/2014/main" id="{9682ACF8-A3A1-4E92-807C-39BE0AC8B1B2}"/>
-              </a:ext>
-            </a:extLst>
-          </p:cNvPr>
+          <p:cNvPr id="15" name="椭圆 14"/>
           <p:cNvSpPr/>
           <p:nvPr/>
         </p:nvSpPr>
@@ -7726,13 +7173,7 @@
       </p:sp>
       <p:sp>
         <p:nvSpPr>
-          <p:cNvPr id="16" name="星形: 六角 15">
-            <a:extLst>
-              <a:ext uri="{FF2B5EF4-FFF2-40B4-BE49-F238E27FC236}">
-                <a16:creationId xmlns:a16="http://schemas.microsoft.com/office/drawing/2014/main" id="{20AD366E-3207-4BA5-AAE3-CC0C7165D868}"/>
-              </a:ext>
-            </a:extLst>
-          </p:cNvPr>
+          <p:cNvPr id="16" name="星形: 六角 15"/>
           <p:cNvSpPr/>
           <p:nvPr/>
         </p:nvSpPr>
@@ -7786,13 +7227,7 @@
       </p:sp>
       <p:sp>
         <p:nvSpPr>
-          <p:cNvPr id="17" name="椭圆 16">
-            <a:extLst>
-              <a:ext uri="{FF2B5EF4-FFF2-40B4-BE49-F238E27FC236}">
-                <a16:creationId xmlns:a16="http://schemas.microsoft.com/office/drawing/2014/main" id="{758E751A-A909-48D9-B18C-06F1E485ABFB}"/>
-              </a:ext>
-            </a:extLst>
-          </p:cNvPr>
+          <p:cNvPr id="17" name="椭圆 16"/>
           <p:cNvSpPr/>
           <p:nvPr/>
         </p:nvSpPr>
@@ -7852,11 +7287,6 @@
         </p:txBody>
       </p:sp>
     </p:spTree>
-    <p:extLst>
-      <p:ext uri="{BB962C8B-B14F-4D97-AF65-F5344CB8AC3E}">
-        <p14:creationId xmlns:p14="http://schemas.microsoft.com/office/powerpoint/2010/main" val="999314765"/>
-      </p:ext>
-    </p:extLst>
   </p:cSld>
   <p:clrMapOvr>
     <a:masterClrMapping/>
@@ -7883,13 +7313,7 @@
       </p:grpSpPr>
       <p:sp>
         <p:nvSpPr>
-          <p:cNvPr id="2" name="文本框 1">
-            <a:extLst>
-              <a:ext uri="{FF2B5EF4-FFF2-40B4-BE49-F238E27FC236}">
-                <a16:creationId xmlns:a16="http://schemas.microsoft.com/office/drawing/2014/main" id="{698685C9-004A-F0A1-46DD-B1B96FA8551D}"/>
-              </a:ext>
-            </a:extLst>
-          </p:cNvPr>
+          <p:cNvPr id="2" name="文本框 1"/>
           <p:cNvSpPr txBox="1"/>
           <p:nvPr/>
         </p:nvSpPr>
@@ -7922,13 +7346,7 @@
       </p:sp>
       <p:sp>
         <p:nvSpPr>
-          <p:cNvPr id="17" name="带形: 上凸弯 16">
-            <a:extLst>
-              <a:ext uri="{FF2B5EF4-FFF2-40B4-BE49-F238E27FC236}">
-                <a16:creationId xmlns:a16="http://schemas.microsoft.com/office/drawing/2014/main" id="{2DE890F5-4802-BFA0-49E4-8CC2CE259515}"/>
-              </a:ext>
-            </a:extLst>
-          </p:cNvPr>
+          <p:cNvPr id="17" name="带形: 上凸弯 16"/>
           <p:cNvSpPr/>
           <p:nvPr/>
         </p:nvSpPr>
@@ -7999,13 +7417,7 @@
       </p:sp>
       <p:sp>
         <p:nvSpPr>
-          <p:cNvPr id="13" name="星形: 五角 12">
-            <a:extLst>
-              <a:ext uri="{FF2B5EF4-FFF2-40B4-BE49-F238E27FC236}">
-                <a16:creationId xmlns:a16="http://schemas.microsoft.com/office/drawing/2014/main" id="{5529181C-97AF-A109-436D-240813F8519B}"/>
-              </a:ext>
-            </a:extLst>
-          </p:cNvPr>
+          <p:cNvPr id="13" name="星形: 五角 12"/>
           <p:cNvSpPr/>
           <p:nvPr/>
         </p:nvSpPr>
@@ -8047,13 +7459,7 @@
       </p:sp>
       <p:sp>
         <p:nvSpPr>
-          <p:cNvPr id="18" name="星形: 五角 17">
-            <a:extLst>
-              <a:ext uri="{FF2B5EF4-FFF2-40B4-BE49-F238E27FC236}">
-                <a16:creationId xmlns:a16="http://schemas.microsoft.com/office/drawing/2014/main" id="{232AB441-E496-9338-11F4-8BB8E0CF85F4}"/>
-              </a:ext>
-            </a:extLst>
-          </p:cNvPr>
+          <p:cNvPr id="18" name="星形: 五角 17"/>
           <p:cNvSpPr/>
           <p:nvPr/>
         </p:nvSpPr>
@@ -8095,13 +7501,7 @@
       </p:sp>
       <p:sp>
         <p:nvSpPr>
-          <p:cNvPr id="19" name="星形: 五角 18">
-            <a:extLst>
-              <a:ext uri="{FF2B5EF4-FFF2-40B4-BE49-F238E27FC236}">
-                <a16:creationId xmlns:a16="http://schemas.microsoft.com/office/drawing/2014/main" id="{642E2C0A-7FE7-32A7-1BE1-4965B4C1E549}"/>
-              </a:ext>
-            </a:extLst>
-          </p:cNvPr>
+          <p:cNvPr id="19" name="星形: 五角 18"/>
           <p:cNvSpPr/>
           <p:nvPr/>
         </p:nvSpPr>
@@ -8143,13 +7543,7 @@
       </p:sp>
       <p:sp>
         <p:nvSpPr>
-          <p:cNvPr id="20" name="星形: 五角 19">
-            <a:extLst>
-              <a:ext uri="{FF2B5EF4-FFF2-40B4-BE49-F238E27FC236}">
-                <a16:creationId xmlns:a16="http://schemas.microsoft.com/office/drawing/2014/main" id="{5529181C-97AF-A109-436D-240813F8519B}"/>
-              </a:ext>
-            </a:extLst>
-          </p:cNvPr>
+          <p:cNvPr id="20" name="星形: 五角 19"/>
           <p:cNvSpPr/>
           <p:nvPr/>
         </p:nvSpPr>
@@ -8285,13 +7679,7 @@
       </p:sp>
       <p:sp>
         <p:nvSpPr>
-          <p:cNvPr id="21" name="星形: 五角 20">
-            <a:extLst>
-              <a:ext uri="{FF2B5EF4-FFF2-40B4-BE49-F238E27FC236}">
-                <a16:creationId xmlns:a16="http://schemas.microsoft.com/office/drawing/2014/main" id="{5529181C-97AF-A109-436D-240813F8519B}"/>
-              </a:ext>
-            </a:extLst>
-          </p:cNvPr>
+          <p:cNvPr id="21" name="星形: 五角 20"/>
           <p:cNvSpPr/>
           <p:nvPr/>
         </p:nvSpPr>
@@ -8427,13 +7815,7 @@
       </p:sp>
       <p:sp>
         <p:nvSpPr>
-          <p:cNvPr id="50" name="椭圆 49">
-            <a:extLst>
-              <a:ext uri="{FF2B5EF4-FFF2-40B4-BE49-F238E27FC236}">
-                <a16:creationId xmlns:a16="http://schemas.microsoft.com/office/drawing/2014/main" id="{CAD306BD-774F-BDF1-6275-5154A6367F5A}"/>
-              </a:ext>
-            </a:extLst>
-          </p:cNvPr>
+          <p:cNvPr id="50" name="椭圆 49"/>
           <p:cNvSpPr/>
           <p:nvPr/>
         </p:nvSpPr>
@@ -8479,13 +7861,7 @@
       </p:sp>
       <p:sp>
         <p:nvSpPr>
-          <p:cNvPr id="22" name="星形: 五角 21">
-            <a:extLst>
-              <a:ext uri="{FF2B5EF4-FFF2-40B4-BE49-F238E27FC236}">
-                <a16:creationId xmlns:a16="http://schemas.microsoft.com/office/drawing/2014/main" id="{5529181C-97AF-A109-436D-240813F8519B}"/>
-              </a:ext>
-            </a:extLst>
-          </p:cNvPr>
+          <p:cNvPr id="22" name="星形: 五角 21"/>
           <p:cNvSpPr/>
           <p:nvPr/>
         </p:nvSpPr>
@@ -8621,13 +7997,7 @@
       </p:sp>
       <p:sp>
         <p:nvSpPr>
-          <p:cNvPr id="23" name="文本框 22">
-            <a:extLst>
-              <a:ext uri="{FF2B5EF4-FFF2-40B4-BE49-F238E27FC236}">
-                <a16:creationId xmlns:a16="http://schemas.microsoft.com/office/drawing/2014/main" id="{5DA06933-A9B9-6C76-37F1-39B067B5ED70}"/>
-              </a:ext>
-            </a:extLst>
-          </p:cNvPr>
+          <p:cNvPr id="23" name="文本框 22"/>
           <p:cNvSpPr txBox="1"/>
           <p:nvPr/>
         </p:nvSpPr>
@@ -8665,7 +8035,7 @@
                   </a:outerShdw>
                 </a:effectLst>
                 <a:latin typeface="Lucida Handwriting" panose="03010101010101010101" pitchFamily="66" charset="0"/>
-                <a:cs typeface="Arial" panose="020B0604020202020204" pitchFamily="34" charset="0"/>
+                <a:cs typeface="Arial" panose="020B0604020202090204" pitchFamily="34" charset="0"/>
               </a:rPr>
               <a:t>RED TEAM WINS</a:t>
             </a:r>
@@ -8683,35 +8053,44 @@
                   </a:outerShdw>
                 </a:effectLst>
                 <a:latin typeface="Lucida Handwriting" panose="03010101010101010101" pitchFamily="66" charset="0"/>
-                <a:cs typeface="Arial" panose="020B0604020202020204" pitchFamily="34" charset="0"/>
+                <a:cs typeface="Arial" panose="020B0604020202090204" pitchFamily="34" charset="0"/>
               </a:rPr>
               <a:t>！</a:t>
             </a:r>
+            <a:endParaRPr lang="zh-CN" altLang="en-US" sz="4800" b="1" dirty="0">
+              <a:ln w="0"/>
+              <a:solidFill>
+                <a:srgbClr val="FF0000"/>
+              </a:solidFill>
+              <a:effectLst>
+                <a:outerShdw blurRad="38100" dist="19050" dir="2700000" algn="tl" rotWithShape="0">
+                  <a:schemeClr val="dk1">
+                    <a:alpha val="40000"/>
+                  </a:schemeClr>
+                </a:outerShdw>
+              </a:effectLst>
+              <a:latin typeface="Lucida Handwriting" panose="03010101010101010101" pitchFamily="66" charset="0"/>
+              <a:cs typeface="Arial" panose="020B0604020202090204" pitchFamily="34" charset="0"/>
+            </a:endParaRPr>
           </a:p>
         </p:txBody>
       </p:sp>
       <p:pic>
         <p:nvPicPr>
-          <p:cNvPr id="39" name="图形 6" descr="足球 纯色填充">
-            <a:extLst>
-              <a:ext uri="{FF2B5EF4-FFF2-40B4-BE49-F238E27FC236}">
-                <a16:creationId xmlns:a16="http://schemas.microsoft.com/office/drawing/2014/main" id="{EE7235AE-DA86-4808-95E1-223AEB49FCE1}"/>
-              </a:ext>
-            </a:extLst>
-          </p:cNvPr>
+          <p:cNvPr id="39" name="图形 6" descr="足球 纯色填充"/>
           <p:cNvPicPr>
             <a:picLocks noChangeAspect="1"/>
           </p:cNvPicPr>
           <p:nvPr/>
         </p:nvPicPr>
         <p:blipFill>
-          <a:blip r:embed="rId2">
+          <a:blip r:embed="rId1">
             <a:extLst>
               <a:ext uri="{28A0092B-C50C-407E-A947-70E740481C1C}">
                 <a14:useLocalDpi xmlns:a14="http://schemas.microsoft.com/office/drawing/2010/main" val="0"/>
               </a:ext>
               <a:ext uri="{96DAC541-7B7A-43D3-8B79-37D633B846F1}">
-                <asvg:svgBlip xmlns:asvg="http://schemas.microsoft.com/office/drawing/2016/SVG/main" r:embed="rId3"/>
+                <asvg:svgBlip xmlns:asvg="http://schemas.microsoft.com/office/drawing/2016/SVG/main" r:embed="rId2"/>
               </a:ext>
             </a:extLst>
           </a:blip>
@@ -8731,20 +8110,14 @@
       </p:pic>
       <p:pic>
         <p:nvPicPr>
-          <p:cNvPr id="6" name="图片 5">
-            <a:extLst>
-              <a:ext uri="{FF2B5EF4-FFF2-40B4-BE49-F238E27FC236}">
-                <a16:creationId xmlns:a16="http://schemas.microsoft.com/office/drawing/2014/main" id="{B5858782-9167-3FDD-E235-547B5F37FC9B}"/>
-              </a:ext>
-            </a:extLst>
-          </p:cNvPr>
+          <p:cNvPr id="6" name="图片 5"/>
           <p:cNvPicPr>
             <a:picLocks noChangeAspect="1"/>
           </p:cNvPicPr>
           <p:nvPr/>
         </p:nvPicPr>
         <p:blipFill>
-          <a:blip r:embed="rId4">
+          <a:blip r:embed="rId3">
             <a:extLst>
               <a:ext uri="{28A0092B-C50C-407E-A947-70E740481C1C}">
                 <a14:useLocalDpi xmlns:a14="http://schemas.microsoft.com/office/drawing/2010/main" val="0"/>
@@ -8767,13 +8140,7 @@
       </p:pic>
       <p:grpSp>
         <p:nvGrpSpPr>
-          <p:cNvPr id="28" name="组合 27">
-            <a:extLst>
-              <a:ext uri="{FF2B5EF4-FFF2-40B4-BE49-F238E27FC236}">
-                <a16:creationId xmlns:a16="http://schemas.microsoft.com/office/drawing/2014/main" id="{4BC3AB12-4FF3-DC41-4F42-DD29289DC421}"/>
-              </a:ext>
-            </a:extLst>
-          </p:cNvPr>
+          <p:cNvPr id="28" name="组合 27"/>
           <p:cNvGrpSpPr/>
           <p:nvPr/>
         </p:nvGrpSpPr>
@@ -8787,20 +8154,14 @@
         </p:grpSpPr>
         <p:pic>
           <p:nvPicPr>
-            <p:cNvPr id="10" name="图片 9">
-              <a:extLst>
-                <a:ext uri="{FF2B5EF4-FFF2-40B4-BE49-F238E27FC236}">
-                  <a16:creationId xmlns:a16="http://schemas.microsoft.com/office/drawing/2014/main" id="{E2A0AC5E-72B0-AE14-C88B-5F26B258739B}"/>
-                </a:ext>
-              </a:extLst>
-            </p:cNvPr>
+            <p:cNvPr id="10" name="图片 9"/>
             <p:cNvPicPr>
               <a:picLocks noChangeAspect="1"/>
             </p:cNvPicPr>
             <p:nvPr/>
           </p:nvPicPr>
           <p:blipFill>
-            <a:blip r:embed="rId5">
+            <a:blip r:embed="rId4">
               <a:duotone>
                 <a:schemeClr val="accent3">
                   <a:shade val="45000"/>
@@ -8830,20 +8191,14 @@
         </p:pic>
         <p:pic>
           <p:nvPicPr>
-            <p:cNvPr id="16" name="图片 15">
-              <a:extLst>
-                <a:ext uri="{FF2B5EF4-FFF2-40B4-BE49-F238E27FC236}">
-                  <a16:creationId xmlns:a16="http://schemas.microsoft.com/office/drawing/2014/main" id="{8CD21947-315F-C80C-74E8-1F740758A3A4}"/>
-                </a:ext>
-              </a:extLst>
-            </p:cNvPr>
+            <p:cNvPr id="16" name="图片 15"/>
             <p:cNvPicPr>
               <a:picLocks noChangeAspect="1"/>
             </p:cNvPicPr>
             <p:nvPr/>
           </p:nvPicPr>
           <p:blipFill>
-            <a:blip r:embed="rId5">
+            <a:blip r:embed="rId4">
               <a:duotone>
                 <a:schemeClr val="accent3">
                   <a:shade val="45000"/>
@@ -8873,20 +8228,14 @@
         </p:pic>
         <p:pic>
           <p:nvPicPr>
-            <p:cNvPr id="24" name="图片 23">
-              <a:extLst>
-                <a:ext uri="{FF2B5EF4-FFF2-40B4-BE49-F238E27FC236}">
-                  <a16:creationId xmlns:a16="http://schemas.microsoft.com/office/drawing/2014/main" id="{EEBBFB3D-94BD-253A-C890-82CA92C2831C}"/>
-                </a:ext>
-              </a:extLst>
-            </p:cNvPr>
+            <p:cNvPr id="24" name="图片 23"/>
             <p:cNvPicPr>
               <a:picLocks noChangeAspect="1"/>
             </p:cNvPicPr>
             <p:nvPr/>
           </p:nvPicPr>
           <p:blipFill>
-            <a:blip r:embed="rId5">
+            <a:blip r:embed="rId4">
               <a:duotone>
                 <a:schemeClr val="accent3">
                   <a:shade val="45000"/>
@@ -8917,13 +8266,7 @@
       </p:grpSp>
       <p:grpSp>
         <p:nvGrpSpPr>
-          <p:cNvPr id="29" name="组合 28">
-            <a:extLst>
-              <a:ext uri="{FF2B5EF4-FFF2-40B4-BE49-F238E27FC236}">
-                <a16:creationId xmlns:a16="http://schemas.microsoft.com/office/drawing/2014/main" id="{8A261A03-78C1-D970-1303-0ECCE853BA08}"/>
-              </a:ext>
-            </a:extLst>
-          </p:cNvPr>
+          <p:cNvPr id="29" name="组合 28"/>
           <p:cNvGrpSpPr/>
           <p:nvPr/>
         </p:nvGrpSpPr>
@@ -8937,20 +8280,14 @@
         </p:grpSpPr>
         <p:pic>
           <p:nvPicPr>
-            <p:cNvPr id="30" name="图片 29">
-              <a:extLst>
-                <a:ext uri="{FF2B5EF4-FFF2-40B4-BE49-F238E27FC236}">
-                  <a16:creationId xmlns:a16="http://schemas.microsoft.com/office/drawing/2014/main" id="{3C4F1DF7-ECBE-25C3-95BA-3AA2AD787D43}"/>
-                </a:ext>
-              </a:extLst>
-            </p:cNvPr>
+            <p:cNvPr id="30" name="图片 29"/>
             <p:cNvPicPr>
               <a:picLocks noChangeAspect="1"/>
             </p:cNvPicPr>
             <p:nvPr/>
           </p:nvPicPr>
           <p:blipFill>
-            <a:blip r:embed="rId5">
+            <a:blip r:embed="rId4">
               <a:duotone>
                 <a:schemeClr val="accent3">
                   <a:shade val="45000"/>
@@ -8980,20 +8317,14 @@
         </p:pic>
         <p:pic>
           <p:nvPicPr>
-            <p:cNvPr id="31" name="图片 30">
-              <a:extLst>
-                <a:ext uri="{FF2B5EF4-FFF2-40B4-BE49-F238E27FC236}">
-                  <a16:creationId xmlns:a16="http://schemas.microsoft.com/office/drawing/2014/main" id="{1864463B-DF2E-0F03-1B6C-C77A769EFFEE}"/>
-                </a:ext>
-              </a:extLst>
-            </p:cNvPr>
+            <p:cNvPr id="31" name="图片 30"/>
             <p:cNvPicPr>
               <a:picLocks noChangeAspect="1"/>
             </p:cNvPicPr>
             <p:nvPr/>
           </p:nvPicPr>
           <p:blipFill>
-            <a:blip r:embed="rId5">
+            <a:blip r:embed="rId4">
               <a:duotone>
                 <a:schemeClr val="accent3">
                   <a:shade val="45000"/>
@@ -9023,20 +8354,14 @@
         </p:pic>
         <p:pic>
           <p:nvPicPr>
-            <p:cNvPr id="32" name="图片 31">
-              <a:extLst>
-                <a:ext uri="{FF2B5EF4-FFF2-40B4-BE49-F238E27FC236}">
-                  <a16:creationId xmlns:a16="http://schemas.microsoft.com/office/drawing/2014/main" id="{20A7C11F-3FC4-7B4C-5FE0-88B44D887688}"/>
-                </a:ext>
-              </a:extLst>
-            </p:cNvPr>
+            <p:cNvPr id="32" name="图片 31"/>
             <p:cNvPicPr>
               <a:picLocks noChangeAspect="1"/>
             </p:cNvPicPr>
             <p:nvPr/>
           </p:nvPicPr>
           <p:blipFill>
-            <a:blip r:embed="rId5">
+            <a:blip r:embed="rId4">
               <a:duotone>
                 <a:schemeClr val="accent3">
                   <a:shade val="45000"/>
@@ -9067,20 +8392,14 @@
       </p:grpSp>
       <p:pic>
         <p:nvPicPr>
-          <p:cNvPr id="34" name="图片 33">
-            <a:extLst>
-              <a:ext uri="{FF2B5EF4-FFF2-40B4-BE49-F238E27FC236}">
-                <a16:creationId xmlns:a16="http://schemas.microsoft.com/office/drawing/2014/main" id="{7650B339-42EF-689B-681A-C5C0D5C86C7C}"/>
-              </a:ext>
-            </a:extLst>
-          </p:cNvPr>
+          <p:cNvPr id="34" name="图片 33"/>
           <p:cNvPicPr>
             <a:picLocks noChangeAspect="1"/>
           </p:cNvPicPr>
           <p:nvPr/>
         </p:nvPicPr>
         <p:blipFill>
-          <a:blip r:embed="rId6">
+          <a:blip r:embed="rId5">
             <a:extLst>
               <a:ext uri="{28A0092B-C50C-407E-A947-70E740481C1C}">
                 <a14:useLocalDpi xmlns:a14="http://schemas.microsoft.com/office/drawing/2010/main" val="0"/>
@@ -9103,20 +8422,14 @@
       </p:pic>
       <p:pic>
         <p:nvPicPr>
-          <p:cNvPr id="35" name="图片 34">
-            <a:extLst>
-              <a:ext uri="{FF2B5EF4-FFF2-40B4-BE49-F238E27FC236}">
-                <a16:creationId xmlns:a16="http://schemas.microsoft.com/office/drawing/2014/main" id="{03751F4A-F65C-015C-751A-E84FE4ABD7D4}"/>
-              </a:ext>
-            </a:extLst>
-          </p:cNvPr>
+          <p:cNvPr id="35" name="图片 34"/>
           <p:cNvPicPr>
             <a:picLocks noChangeAspect="1"/>
           </p:cNvPicPr>
           <p:nvPr/>
         </p:nvPicPr>
         <p:blipFill>
-          <a:blip r:embed="rId6">
+          <a:blip r:embed="rId5">
             <a:extLst>
               <a:ext uri="{28A0092B-C50C-407E-A947-70E740481C1C}">
                 <a14:useLocalDpi xmlns:a14="http://schemas.microsoft.com/office/drawing/2010/main" val="0"/>
@@ -9139,13 +8452,7 @@
       </p:pic>
       <p:sp>
         <p:nvSpPr>
-          <p:cNvPr id="48" name="椭圆 47">
-            <a:extLst>
-              <a:ext uri="{FF2B5EF4-FFF2-40B4-BE49-F238E27FC236}">
-                <a16:creationId xmlns:a16="http://schemas.microsoft.com/office/drawing/2014/main" id="{F9125749-948B-D73D-037A-F8E0DB608B61}"/>
-              </a:ext>
-            </a:extLst>
-          </p:cNvPr>
+          <p:cNvPr id="48" name="椭圆 47"/>
           <p:cNvSpPr/>
           <p:nvPr/>
         </p:nvSpPr>
@@ -9191,20 +8498,14 @@
       </p:sp>
       <p:pic>
         <p:nvPicPr>
-          <p:cNvPr id="46" name="图片 45">
-            <a:extLst>
-              <a:ext uri="{FF2B5EF4-FFF2-40B4-BE49-F238E27FC236}">
-                <a16:creationId xmlns:a16="http://schemas.microsoft.com/office/drawing/2014/main" id="{9D45A6D8-11C5-4CBE-9E08-3BDB4F303BB1}"/>
-              </a:ext>
-            </a:extLst>
-          </p:cNvPr>
+          <p:cNvPr id="46" name="图片 45"/>
           <p:cNvPicPr>
             <a:picLocks noChangeAspect="1"/>
           </p:cNvPicPr>
           <p:nvPr/>
         </p:nvPicPr>
         <p:blipFill>
-          <a:blip r:embed="rId7">
+          <a:blip r:embed="rId6">
             <a:extLst>
               <a:ext uri="{28A0092B-C50C-407E-A947-70E740481C1C}">
                 <a14:useLocalDpi xmlns:a14="http://schemas.microsoft.com/office/drawing/2010/main" val="0"/>
@@ -9227,26 +8528,20 @@
       </p:pic>
       <p:pic>
         <p:nvPicPr>
-          <p:cNvPr id="47" name="图形 6" descr="足球 纯色填充">
-            <a:extLst>
-              <a:ext uri="{FF2B5EF4-FFF2-40B4-BE49-F238E27FC236}">
-                <a16:creationId xmlns:a16="http://schemas.microsoft.com/office/drawing/2014/main" id="{68F91218-EFB4-F3F2-E9D7-8F521728BBAE}"/>
-              </a:ext>
-            </a:extLst>
-          </p:cNvPr>
+          <p:cNvPr id="47" name="图形 6" descr="足球 纯色填充"/>
           <p:cNvPicPr>
             <a:picLocks noChangeAspect="1"/>
           </p:cNvPicPr>
           <p:nvPr/>
         </p:nvPicPr>
         <p:blipFill>
-          <a:blip r:embed="rId2">
+          <a:blip r:embed="rId1">
             <a:extLst>
               <a:ext uri="{28A0092B-C50C-407E-A947-70E740481C1C}">
                 <a14:useLocalDpi xmlns:a14="http://schemas.microsoft.com/office/drawing/2010/main" val="0"/>
               </a:ext>
               <a:ext uri="{96DAC541-7B7A-43D3-8B79-37D633B846F1}">
-                <asvg:svgBlip xmlns:asvg="http://schemas.microsoft.com/office/drawing/2016/SVG/main" r:embed="rId3"/>
+                <asvg:svgBlip xmlns:asvg="http://schemas.microsoft.com/office/drawing/2016/SVG/main" r:embed="rId2"/>
               </a:ext>
             </a:extLst>
           </a:blip>
@@ -9265,11 +8560,6 @@
         </p:spPr>
       </p:pic>
     </p:spTree>
-    <p:extLst>
-      <p:ext uri="{BB962C8B-B14F-4D97-AF65-F5344CB8AC3E}">
-        <p14:creationId xmlns:p14="http://schemas.microsoft.com/office/powerpoint/2010/main" val="3013957486"/>
-      </p:ext>
-    </p:extLst>
   </p:cSld>
   <p:clrMapOvr>
     <a:masterClrMapping/>
@@ -9282,13 +8572,7 @@
   <p:cSld>
     <p:spTree>
       <p:nvGrpSpPr>
-        <p:cNvPr id="1" name="">
-          <a:extLst>
-            <a:ext uri="{FF2B5EF4-FFF2-40B4-BE49-F238E27FC236}">
-              <a16:creationId xmlns:a16="http://schemas.microsoft.com/office/drawing/2014/main" id="{9654E770-CE9B-2957-5FF6-B851BF4AF73E}"/>
-            </a:ext>
-          </a:extLst>
-        </p:cNvPr>
+        <p:cNvPr id="1" name=""/>
         <p:cNvGrpSpPr/>
         <p:nvPr/>
       </p:nvGrpSpPr>
@@ -9302,13 +8586,7 @@
       </p:grpSpPr>
       <p:sp>
         <p:nvSpPr>
-          <p:cNvPr id="2" name="文本框 1">
-            <a:extLst>
-              <a:ext uri="{FF2B5EF4-FFF2-40B4-BE49-F238E27FC236}">
-                <a16:creationId xmlns:a16="http://schemas.microsoft.com/office/drawing/2014/main" id="{66D6E72A-C6B9-2F0F-052A-BD3E7CD04E60}"/>
-              </a:ext>
-            </a:extLst>
-          </p:cNvPr>
+          <p:cNvPr id="2" name="文本框 1"/>
           <p:cNvSpPr txBox="1"/>
           <p:nvPr/>
         </p:nvSpPr>
@@ -9341,13 +8619,7 @@
       </p:sp>
       <p:sp>
         <p:nvSpPr>
-          <p:cNvPr id="17" name="带形: 上凸弯 16">
-            <a:extLst>
-              <a:ext uri="{FF2B5EF4-FFF2-40B4-BE49-F238E27FC236}">
-                <a16:creationId xmlns:a16="http://schemas.microsoft.com/office/drawing/2014/main" id="{D1F7842D-990F-D06C-EDA9-D991478F703F}"/>
-              </a:ext>
-            </a:extLst>
-          </p:cNvPr>
+          <p:cNvPr id="17" name="带形: 上凸弯 16"/>
           <p:cNvSpPr/>
           <p:nvPr/>
         </p:nvSpPr>
@@ -9418,13 +8690,7 @@
       </p:sp>
       <p:sp>
         <p:nvSpPr>
-          <p:cNvPr id="13" name="星形: 五角 12">
-            <a:extLst>
-              <a:ext uri="{FF2B5EF4-FFF2-40B4-BE49-F238E27FC236}">
-                <a16:creationId xmlns:a16="http://schemas.microsoft.com/office/drawing/2014/main" id="{619C24E6-0438-C0DC-F114-406F2F9C0016}"/>
-              </a:ext>
-            </a:extLst>
-          </p:cNvPr>
+          <p:cNvPr id="13" name="星形: 五角 12"/>
           <p:cNvSpPr/>
           <p:nvPr/>
         </p:nvSpPr>
@@ -9466,13 +8732,7 @@
       </p:sp>
       <p:sp>
         <p:nvSpPr>
-          <p:cNvPr id="18" name="星形: 五角 17">
-            <a:extLst>
-              <a:ext uri="{FF2B5EF4-FFF2-40B4-BE49-F238E27FC236}">
-                <a16:creationId xmlns:a16="http://schemas.microsoft.com/office/drawing/2014/main" id="{06B6B395-75DE-A4ED-2149-CC6A500ED1B8}"/>
-              </a:ext>
-            </a:extLst>
-          </p:cNvPr>
+          <p:cNvPr id="18" name="星形: 五角 17"/>
           <p:cNvSpPr/>
           <p:nvPr/>
         </p:nvSpPr>
@@ -9514,13 +8774,7 @@
       </p:sp>
       <p:sp>
         <p:nvSpPr>
-          <p:cNvPr id="19" name="星形: 五角 18">
-            <a:extLst>
-              <a:ext uri="{FF2B5EF4-FFF2-40B4-BE49-F238E27FC236}">
-                <a16:creationId xmlns:a16="http://schemas.microsoft.com/office/drawing/2014/main" id="{3C7236D7-F1EB-F0A2-62E5-E3DECE2EDD87}"/>
-              </a:ext>
-            </a:extLst>
-          </p:cNvPr>
+          <p:cNvPr id="19" name="星形: 五角 18"/>
           <p:cNvSpPr/>
           <p:nvPr/>
         </p:nvSpPr>
@@ -9562,13 +8816,7 @@
       </p:sp>
       <p:sp>
         <p:nvSpPr>
-          <p:cNvPr id="20" name="星形: 五角 19">
-            <a:extLst>
-              <a:ext uri="{FF2B5EF4-FFF2-40B4-BE49-F238E27FC236}">
-                <a16:creationId xmlns:a16="http://schemas.microsoft.com/office/drawing/2014/main" id="{D2220BC3-A6A0-92EE-EBEC-9B9521781B88}"/>
-              </a:ext>
-            </a:extLst>
-          </p:cNvPr>
+          <p:cNvPr id="20" name="星形: 五角 19"/>
           <p:cNvSpPr/>
           <p:nvPr/>
         </p:nvSpPr>
@@ -9704,13 +8952,7 @@
       </p:sp>
       <p:sp>
         <p:nvSpPr>
-          <p:cNvPr id="21" name="星形: 五角 20">
-            <a:extLst>
-              <a:ext uri="{FF2B5EF4-FFF2-40B4-BE49-F238E27FC236}">
-                <a16:creationId xmlns:a16="http://schemas.microsoft.com/office/drawing/2014/main" id="{026A4C6D-6830-C93E-9D5B-A7E68843BF89}"/>
-              </a:ext>
-            </a:extLst>
-          </p:cNvPr>
+          <p:cNvPr id="21" name="星形: 五角 20"/>
           <p:cNvSpPr/>
           <p:nvPr/>
         </p:nvSpPr>
@@ -9846,13 +9088,7 @@
       </p:sp>
       <p:sp>
         <p:nvSpPr>
-          <p:cNvPr id="50" name="椭圆 49">
-            <a:extLst>
-              <a:ext uri="{FF2B5EF4-FFF2-40B4-BE49-F238E27FC236}">
-                <a16:creationId xmlns:a16="http://schemas.microsoft.com/office/drawing/2014/main" id="{8297A8F4-6399-3D68-A179-3EA6E1D0DD1C}"/>
-              </a:ext>
-            </a:extLst>
-          </p:cNvPr>
+          <p:cNvPr id="50" name="椭圆 49"/>
           <p:cNvSpPr/>
           <p:nvPr/>
         </p:nvSpPr>
@@ -9898,13 +9134,7 @@
       </p:sp>
       <p:sp>
         <p:nvSpPr>
-          <p:cNvPr id="22" name="星形: 五角 21">
-            <a:extLst>
-              <a:ext uri="{FF2B5EF4-FFF2-40B4-BE49-F238E27FC236}">
-                <a16:creationId xmlns:a16="http://schemas.microsoft.com/office/drawing/2014/main" id="{BD803D35-0737-9A6F-BF90-A5EE0DE33F7C}"/>
-              </a:ext>
-            </a:extLst>
-          </p:cNvPr>
+          <p:cNvPr id="22" name="星形: 五角 21"/>
           <p:cNvSpPr/>
           <p:nvPr/>
         </p:nvSpPr>
@@ -10040,13 +9270,7 @@
       </p:sp>
       <p:sp>
         <p:nvSpPr>
-          <p:cNvPr id="23" name="文本框 22">
-            <a:extLst>
-              <a:ext uri="{FF2B5EF4-FFF2-40B4-BE49-F238E27FC236}">
-                <a16:creationId xmlns:a16="http://schemas.microsoft.com/office/drawing/2014/main" id="{CCFD34F6-5B8F-498C-9C98-DC435D2F0374}"/>
-              </a:ext>
-            </a:extLst>
-          </p:cNvPr>
+          <p:cNvPr id="23" name="文本框 22"/>
           <p:cNvSpPr txBox="1"/>
           <p:nvPr/>
         </p:nvSpPr>
@@ -10084,7 +9308,7 @@
                   </a:outerShdw>
                 </a:effectLst>
                 <a:latin typeface="Lucida Handwriting" panose="03010101010101010101" pitchFamily="66" charset="0"/>
-                <a:cs typeface="Arial" panose="020B0604020202020204" pitchFamily="34" charset="0"/>
+                <a:cs typeface="Arial" panose="020B0604020202090204" pitchFamily="34" charset="0"/>
               </a:rPr>
               <a:t>BLUE TEAM WINS</a:t>
             </a:r>
@@ -10102,35 +9326,44 @@
                   </a:outerShdw>
                 </a:effectLst>
                 <a:latin typeface="Lucida Handwriting" panose="03010101010101010101" pitchFamily="66" charset="0"/>
-                <a:cs typeface="Arial" panose="020B0604020202020204" pitchFamily="34" charset="0"/>
+                <a:cs typeface="Arial" panose="020B0604020202090204" pitchFamily="34" charset="0"/>
               </a:rPr>
               <a:t>！</a:t>
             </a:r>
+            <a:endParaRPr lang="zh-CN" altLang="en-US" sz="4800" b="1" dirty="0">
+              <a:ln w="0"/>
+              <a:solidFill>
+                <a:schemeClr val="accent1"/>
+              </a:solidFill>
+              <a:effectLst>
+                <a:outerShdw blurRad="38100" dist="25400" dir="5400000" algn="ctr" rotWithShape="0">
+                  <a:srgbClr val="6E747A">
+                    <a:alpha val="43000"/>
+                  </a:srgbClr>
+                </a:outerShdw>
+              </a:effectLst>
+              <a:latin typeface="Lucida Handwriting" panose="03010101010101010101" pitchFamily="66" charset="0"/>
+              <a:cs typeface="Arial" panose="020B0604020202090204" pitchFamily="34" charset="0"/>
+            </a:endParaRPr>
           </a:p>
         </p:txBody>
       </p:sp>
       <p:pic>
         <p:nvPicPr>
-          <p:cNvPr id="39" name="图形 6" descr="足球 纯色填充">
-            <a:extLst>
-              <a:ext uri="{FF2B5EF4-FFF2-40B4-BE49-F238E27FC236}">
-                <a16:creationId xmlns:a16="http://schemas.microsoft.com/office/drawing/2014/main" id="{0758331F-1EA0-6CC5-A19D-5135E87BAD2F}"/>
-              </a:ext>
-            </a:extLst>
-          </p:cNvPr>
+          <p:cNvPr id="39" name="图形 6" descr="足球 纯色填充"/>
           <p:cNvPicPr>
             <a:picLocks noChangeAspect="1"/>
           </p:cNvPicPr>
           <p:nvPr/>
         </p:nvPicPr>
         <p:blipFill>
-          <a:blip r:embed="rId2">
+          <a:blip r:embed="rId1">
             <a:extLst>
               <a:ext uri="{28A0092B-C50C-407E-A947-70E740481C1C}">
                 <a14:useLocalDpi xmlns:a14="http://schemas.microsoft.com/office/drawing/2010/main" val="0"/>
               </a:ext>
               <a:ext uri="{96DAC541-7B7A-43D3-8B79-37D633B846F1}">
-                <asvg:svgBlip xmlns:asvg="http://schemas.microsoft.com/office/drawing/2016/SVG/main" r:embed="rId3"/>
+                <asvg:svgBlip xmlns:asvg="http://schemas.microsoft.com/office/drawing/2016/SVG/main" r:embed="rId2"/>
               </a:ext>
             </a:extLst>
           </a:blip>
@@ -10150,20 +9383,14 @@
       </p:pic>
       <p:pic>
         <p:nvPicPr>
-          <p:cNvPr id="6" name="图片 5">
-            <a:extLst>
-              <a:ext uri="{FF2B5EF4-FFF2-40B4-BE49-F238E27FC236}">
-                <a16:creationId xmlns:a16="http://schemas.microsoft.com/office/drawing/2014/main" id="{6C8CC958-8634-F1B2-0149-FB0604E63A79}"/>
-              </a:ext>
-            </a:extLst>
-          </p:cNvPr>
+          <p:cNvPr id="6" name="图片 5"/>
           <p:cNvPicPr>
             <a:picLocks noChangeAspect="1"/>
           </p:cNvPicPr>
           <p:nvPr/>
         </p:nvPicPr>
         <p:blipFill>
-          <a:blip r:embed="rId4">
+          <a:blip r:embed="rId3">
             <a:extLst>
               <a:ext uri="{28A0092B-C50C-407E-A947-70E740481C1C}">
                 <a14:useLocalDpi xmlns:a14="http://schemas.microsoft.com/office/drawing/2010/main" val="0"/>
@@ -10186,13 +9413,7 @@
       </p:pic>
       <p:grpSp>
         <p:nvGrpSpPr>
-          <p:cNvPr id="28" name="组合 27">
-            <a:extLst>
-              <a:ext uri="{FF2B5EF4-FFF2-40B4-BE49-F238E27FC236}">
-                <a16:creationId xmlns:a16="http://schemas.microsoft.com/office/drawing/2014/main" id="{BC52488E-C7F7-7E41-50E9-427FB2409A14}"/>
-              </a:ext>
-            </a:extLst>
-          </p:cNvPr>
+          <p:cNvPr id="28" name="组合 27"/>
           <p:cNvGrpSpPr/>
           <p:nvPr/>
         </p:nvGrpSpPr>
@@ -10206,20 +9427,14 @@
         </p:grpSpPr>
         <p:pic>
           <p:nvPicPr>
-            <p:cNvPr id="10" name="图片 9">
-              <a:extLst>
-                <a:ext uri="{FF2B5EF4-FFF2-40B4-BE49-F238E27FC236}">
-                  <a16:creationId xmlns:a16="http://schemas.microsoft.com/office/drawing/2014/main" id="{1BE4996C-AB8D-0FA1-99EF-645FCF3CA7F3}"/>
-                </a:ext>
-              </a:extLst>
-            </p:cNvPr>
+            <p:cNvPr id="10" name="图片 9"/>
             <p:cNvPicPr>
               <a:picLocks noChangeAspect="1"/>
             </p:cNvPicPr>
             <p:nvPr/>
           </p:nvPicPr>
           <p:blipFill>
-            <a:blip r:embed="rId5">
+            <a:blip r:embed="rId4">
               <a:duotone>
                 <a:schemeClr val="accent3">
                   <a:shade val="45000"/>
@@ -10249,20 +9464,14 @@
         </p:pic>
         <p:pic>
           <p:nvPicPr>
-            <p:cNvPr id="16" name="图片 15">
-              <a:extLst>
-                <a:ext uri="{FF2B5EF4-FFF2-40B4-BE49-F238E27FC236}">
-                  <a16:creationId xmlns:a16="http://schemas.microsoft.com/office/drawing/2014/main" id="{28105798-58AB-1C79-0EAC-4D2FED64C5EB}"/>
-                </a:ext>
-              </a:extLst>
-            </p:cNvPr>
+            <p:cNvPr id="16" name="图片 15"/>
             <p:cNvPicPr>
               <a:picLocks noChangeAspect="1"/>
             </p:cNvPicPr>
             <p:nvPr/>
           </p:nvPicPr>
           <p:blipFill>
-            <a:blip r:embed="rId5">
+            <a:blip r:embed="rId4">
               <a:duotone>
                 <a:schemeClr val="accent3">
                   <a:shade val="45000"/>
@@ -10292,20 +9501,14 @@
         </p:pic>
         <p:pic>
           <p:nvPicPr>
-            <p:cNvPr id="24" name="图片 23">
-              <a:extLst>
-                <a:ext uri="{FF2B5EF4-FFF2-40B4-BE49-F238E27FC236}">
-                  <a16:creationId xmlns:a16="http://schemas.microsoft.com/office/drawing/2014/main" id="{9F9AE267-51D2-F6FC-DD98-8CC4F412D95D}"/>
-                </a:ext>
-              </a:extLst>
-            </p:cNvPr>
+            <p:cNvPr id="24" name="图片 23"/>
             <p:cNvPicPr>
               <a:picLocks noChangeAspect="1"/>
             </p:cNvPicPr>
             <p:nvPr/>
           </p:nvPicPr>
           <p:blipFill>
-            <a:blip r:embed="rId5">
+            <a:blip r:embed="rId4">
               <a:duotone>
                 <a:schemeClr val="accent3">
                   <a:shade val="45000"/>
@@ -10336,13 +9539,7 @@
       </p:grpSp>
       <p:grpSp>
         <p:nvGrpSpPr>
-          <p:cNvPr id="29" name="组合 28">
-            <a:extLst>
-              <a:ext uri="{FF2B5EF4-FFF2-40B4-BE49-F238E27FC236}">
-                <a16:creationId xmlns:a16="http://schemas.microsoft.com/office/drawing/2014/main" id="{036ED5F7-F602-034F-5C75-9130B5CBA40F}"/>
-              </a:ext>
-            </a:extLst>
-          </p:cNvPr>
+          <p:cNvPr id="29" name="组合 28"/>
           <p:cNvGrpSpPr/>
           <p:nvPr/>
         </p:nvGrpSpPr>
@@ -10356,20 +9553,14 @@
         </p:grpSpPr>
         <p:pic>
           <p:nvPicPr>
-            <p:cNvPr id="30" name="图片 29">
-              <a:extLst>
-                <a:ext uri="{FF2B5EF4-FFF2-40B4-BE49-F238E27FC236}">
-                  <a16:creationId xmlns:a16="http://schemas.microsoft.com/office/drawing/2014/main" id="{235DD3A6-5913-4275-AB3A-E07ED3882AC6}"/>
-                </a:ext>
-              </a:extLst>
-            </p:cNvPr>
+            <p:cNvPr id="30" name="图片 29"/>
             <p:cNvPicPr>
               <a:picLocks noChangeAspect="1"/>
             </p:cNvPicPr>
             <p:nvPr/>
           </p:nvPicPr>
           <p:blipFill>
-            <a:blip r:embed="rId5">
+            <a:blip r:embed="rId4">
               <a:duotone>
                 <a:schemeClr val="accent3">
                   <a:shade val="45000"/>
@@ -10399,20 +9590,14 @@
         </p:pic>
         <p:pic>
           <p:nvPicPr>
-            <p:cNvPr id="31" name="图片 30">
-              <a:extLst>
-                <a:ext uri="{FF2B5EF4-FFF2-40B4-BE49-F238E27FC236}">
-                  <a16:creationId xmlns:a16="http://schemas.microsoft.com/office/drawing/2014/main" id="{73214296-BB91-1FB8-457A-3BFBB26D1305}"/>
-                </a:ext>
-              </a:extLst>
-            </p:cNvPr>
+            <p:cNvPr id="31" name="图片 30"/>
             <p:cNvPicPr>
               <a:picLocks noChangeAspect="1"/>
             </p:cNvPicPr>
             <p:nvPr/>
           </p:nvPicPr>
           <p:blipFill>
-            <a:blip r:embed="rId5">
+            <a:blip r:embed="rId4">
               <a:duotone>
                 <a:schemeClr val="accent3">
                   <a:shade val="45000"/>
@@ -10442,20 +9627,14 @@
         </p:pic>
         <p:pic>
           <p:nvPicPr>
-            <p:cNvPr id="32" name="图片 31">
-              <a:extLst>
-                <a:ext uri="{FF2B5EF4-FFF2-40B4-BE49-F238E27FC236}">
-                  <a16:creationId xmlns:a16="http://schemas.microsoft.com/office/drawing/2014/main" id="{6A1B6834-448D-7A0E-05A3-7EC01287D9D8}"/>
-                </a:ext>
-              </a:extLst>
-            </p:cNvPr>
+            <p:cNvPr id="32" name="图片 31"/>
             <p:cNvPicPr>
               <a:picLocks noChangeAspect="1"/>
             </p:cNvPicPr>
             <p:nvPr/>
           </p:nvPicPr>
           <p:blipFill>
-            <a:blip r:embed="rId5">
+            <a:blip r:embed="rId4">
               <a:duotone>
                 <a:schemeClr val="accent3">
                   <a:shade val="45000"/>
@@ -10486,20 +9665,14 @@
       </p:grpSp>
       <p:pic>
         <p:nvPicPr>
-          <p:cNvPr id="34" name="图片 33">
-            <a:extLst>
-              <a:ext uri="{FF2B5EF4-FFF2-40B4-BE49-F238E27FC236}">
-                <a16:creationId xmlns:a16="http://schemas.microsoft.com/office/drawing/2014/main" id="{AA543F34-1B03-7F3A-313D-2C67037ED40E}"/>
-              </a:ext>
-            </a:extLst>
-          </p:cNvPr>
+          <p:cNvPr id="34" name="图片 33"/>
           <p:cNvPicPr>
             <a:picLocks noChangeAspect="1"/>
           </p:cNvPicPr>
           <p:nvPr/>
         </p:nvPicPr>
         <p:blipFill>
-          <a:blip r:embed="rId6">
+          <a:blip r:embed="rId5">
             <a:extLst>
               <a:ext uri="{28A0092B-C50C-407E-A947-70E740481C1C}">
                 <a14:useLocalDpi xmlns:a14="http://schemas.microsoft.com/office/drawing/2010/main" val="0"/>
@@ -10522,20 +9695,14 @@
       </p:pic>
       <p:pic>
         <p:nvPicPr>
-          <p:cNvPr id="35" name="图片 34">
-            <a:extLst>
-              <a:ext uri="{FF2B5EF4-FFF2-40B4-BE49-F238E27FC236}">
-                <a16:creationId xmlns:a16="http://schemas.microsoft.com/office/drawing/2014/main" id="{4D255527-D3FD-7A4B-568C-813A1961EBF0}"/>
-              </a:ext>
-            </a:extLst>
-          </p:cNvPr>
+          <p:cNvPr id="35" name="图片 34"/>
           <p:cNvPicPr>
             <a:picLocks noChangeAspect="1"/>
           </p:cNvPicPr>
           <p:nvPr/>
         </p:nvPicPr>
         <p:blipFill>
-          <a:blip r:embed="rId6">
+          <a:blip r:embed="rId5">
             <a:extLst>
               <a:ext uri="{28A0092B-C50C-407E-A947-70E740481C1C}">
                 <a14:useLocalDpi xmlns:a14="http://schemas.microsoft.com/office/drawing/2010/main" val="0"/>
@@ -10558,13 +9725,7 @@
       </p:pic>
       <p:sp>
         <p:nvSpPr>
-          <p:cNvPr id="48" name="椭圆 47">
-            <a:extLst>
-              <a:ext uri="{FF2B5EF4-FFF2-40B4-BE49-F238E27FC236}">
-                <a16:creationId xmlns:a16="http://schemas.microsoft.com/office/drawing/2014/main" id="{100535DC-F78F-1B7F-71D5-08B6F2048E90}"/>
-              </a:ext>
-            </a:extLst>
-          </p:cNvPr>
+          <p:cNvPr id="48" name="椭圆 47"/>
           <p:cNvSpPr/>
           <p:nvPr/>
         </p:nvSpPr>
@@ -10610,20 +9771,14 @@
       </p:sp>
       <p:pic>
         <p:nvPicPr>
-          <p:cNvPr id="46" name="图片 45">
-            <a:extLst>
-              <a:ext uri="{FF2B5EF4-FFF2-40B4-BE49-F238E27FC236}">
-                <a16:creationId xmlns:a16="http://schemas.microsoft.com/office/drawing/2014/main" id="{5B4B9390-8623-95E8-CCED-601A70932ED5}"/>
-              </a:ext>
-            </a:extLst>
-          </p:cNvPr>
+          <p:cNvPr id="46" name="图片 45"/>
           <p:cNvPicPr>
             <a:picLocks noChangeAspect="1"/>
           </p:cNvPicPr>
           <p:nvPr/>
         </p:nvPicPr>
         <p:blipFill>
-          <a:blip r:embed="rId7">
+          <a:blip r:embed="rId6">
             <a:extLst>
               <a:ext uri="{28A0092B-C50C-407E-A947-70E740481C1C}">
                 <a14:useLocalDpi xmlns:a14="http://schemas.microsoft.com/office/drawing/2010/main" val="0"/>
@@ -10646,26 +9801,20 @@
       </p:pic>
       <p:pic>
         <p:nvPicPr>
-          <p:cNvPr id="47" name="图形 6" descr="足球 纯色填充">
-            <a:extLst>
-              <a:ext uri="{FF2B5EF4-FFF2-40B4-BE49-F238E27FC236}">
-                <a16:creationId xmlns:a16="http://schemas.microsoft.com/office/drawing/2014/main" id="{1AAE9405-64DE-622C-EAC8-8442A8871D25}"/>
-              </a:ext>
-            </a:extLst>
-          </p:cNvPr>
+          <p:cNvPr id="47" name="图形 6" descr="足球 纯色填充"/>
           <p:cNvPicPr>
             <a:picLocks noChangeAspect="1"/>
           </p:cNvPicPr>
           <p:nvPr/>
         </p:nvPicPr>
         <p:blipFill>
-          <a:blip r:embed="rId2">
+          <a:blip r:embed="rId1">
             <a:extLst>
               <a:ext uri="{28A0092B-C50C-407E-A947-70E740481C1C}">
                 <a14:useLocalDpi xmlns:a14="http://schemas.microsoft.com/office/drawing/2010/main" val="0"/>
               </a:ext>
               <a:ext uri="{96DAC541-7B7A-43D3-8B79-37D633B846F1}">
-                <asvg:svgBlip xmlns:asvg="http://schemas.microsoft.com/office/drawing/2016/SVG/main" r:embed="rId3"/>
+                <asvg:svgBlip xmlns:asvg="http://schemas.microsoft.com/office/drawing/2016/SVG/main" r:embed="rId2"/>
               </a:ext>
             </a:extLst>
           </a:blip>
@@ -10684,11 +9833,6 @@
         </p:spPr>
       </p:pic>
     </p:spTree>
-    <p:extLst>
-      <p:ext uri="{BB962C8B-B14F-4D97-AF65-F5344CB8AC3E}">
-        <p14:creationId xmlns:p14="http://schemas.microsoft.com/office/powerpoint/2010/main" val="4068375970"/>
-      </p:ext>
-    </p:extLst>
   </p:cSld>
   <p:clrMapOvr>
     <a:masterClrMapping/>
@@ -10739,7 +9883,7 @@
     </a:clrScheme>
     <a:fontScheme name="Office">
       <a:majorFont>
-        <a:latin typeface="等线 Light" panose="020F0302020204030204"/>
+        <a:latin typeface="等线 Light"/>
         <a:ea typeface=""/>
         <a:cs typeface=""/>
         <a:font script="Jpan" typeface="游ゴシック Light"/>
@@ -10772,26 +9916,9 @@
         <a:font script="Viet" typeface="Times New Roman"/>
         <a:font script="Uigh" typeface="Microsoft Uighur"/>
         <a:font script="Geor" typeface="Sylfaen"/>
-        <a:font script="Armn" typeface="Arial"/>
-        <a:font script="Bugi" typeface="Leelawadee UI"/>
-        <a:font script="Bopo" typeface="Microsoft JhengHei"/>
-        <a:font script="Java" typeface="Javanese Text"/>
-        <a:font script="Lisu" typeface="Segoe UI"/>
-        <a:font script="Mymr" typeface="Myanmar Text"/>
-        <a:font script="Nkoo" typeface="Ebrima"/>
-        <a:font script="Olck" typeface="Nirmala UI"/>
-        <a:font script="Osma" typeface="Ebrima"/>
-        <a:font script="Phag" typeface="Phagspa"/>
-        <a:font script="Syrn" typeface="Estrangelo Edessa"/>
-        <a:font script="Syrj" typeface="Estrangelo Edessa"/>
-        <a:font script="Syre" typeface="Estrangelo Edessa"/>
-        <a:font script="Sora" typeface="Nirmala UI"/>
-        <a:font script="Tale" typeface="Microsoft Tai Le"/>
-        <a:font script="Talu" typeface="Microsoft New Tai Lue"/>
-        <a:font script="Tfng" typeface="Ebrima"/>
       </a:majorFont>
       <a:minorFont>
-        <a:latin typeface="等线" panose="020F0502020204030204"/>
+        <a:latin typeface="等线"/>
         <a:ea typeface=""/>
         <a:cs typeface=""/>
         <a:font script="Jpan" typeface="游ゴシック"/>
@@ -10824,23 +9951,6 @@
         <a:font script="Viet" typeface="Arial"/>
         <a:font script="Uigh" typeface="Microsoft Uighur"/>
         <a:font script="Geor" typeface="Sylfaen"/>
-        <a:font script="Armn" typeface="Arial"/>
-        <a:font script="Bugi" typeface="Leelawadee UI"/>
-        <a:font script="Bopo" typeface="Microsoft JhengHei"/>
-        <a:font script="Java" typeface="Javanese Text"/>
-        <a:font script="Lisu" typeface="Segoe UI"/>
-        <a:font script="Mymr" typeface="Myanmar Text"/>
-        <a:font script="Nkoo" typeface="Ebrima"/>
-        <a:font script="Olck" typeface="Nirmala UI"/>
-        <a:font script="Osma" typeface="Ebrima"/>
-        <a:font script="Phag" typeface="Phagspa"/>
-        <a:font script="Syrn" typeface="Estrangelo Edessa"/>
-        <a:font script="Syrj" typeface="Estrangelo Edessa"/>
-        <a:font script="Syre" typeface="Estrangelo Edessa"/>
-        <a:font script="Sora" typeface="Nirmala UI"/>
-        <a:font script="Tale" typeface="Microsoft Tai Le"/>
-        <a:font script="Talu" typeface="Microsoft New Tai Lue"/>
-        <a:font script="Tfng" typeface="Ebrima"/>
       </a:minorFont>
     </a:fontScheme>
     <a:fmtScheme name="Office">
@@ -10981,8 +10091,6 @@
       </a:bgFillStyleLst>
     </a:fmtScheme>
   </a:themeElements>
-  <a:objectDefaults/>
-  <a:extraClrSchemeLst/>
   <a:extLst>
     <a:ext uri="{05A4C25C-085E-4340-85A3-A5531E510DB2}">
       <thm15:themeFamily xmlns:thm15="http://schemas.microsoft.com/office/thememl/2012/main" name="Office Theme" id="{62F939B6-93AF-4DB8-9C6B-D6C7DFDC589F}" vid="{4A3C46E8-61CC-4603-A589-7422A47A8E4A}"/>
